--- a/presentations/2_waitgroups/WaitGroups.pptx
+++ b/presentations/2_waitgroups/WaitGroups.pptx
@@ -15,8 +15,6 @@
     <p:sldId id="260" r:id="rId12"/>
     <p:sldId id="261" r:id="rId13"/>
     <p:sldId id="262" r:id="rId14"/>
-    <p:sldId id="263" r:id="rId15"/>
-    <p:sldId id="264" r:id="rId16"/>
   </p:sldIdLst>
   <p:sldSz cx="24384000" cy="13716000"/>
   <p:notesSz cx="6858000" cy="9144000"/>
@@ -4614,8 +4612,8 @@
         </p:nvSpPr>
         <p:spPr>
           <a:xfrm>
-            <a:off x="9904991" y="3385883"/>
-            <a:ext cx="6247914" cy="1195015"/>
+            <a:off x="9904991" y="3385882"/>
+            <a:ext cx="6247913" cy="1195016"/>
           </a:xfrm>
           <a:prstGeom prst="roundRect">
             <a:avLst>
@@ -4658,7 +4656,7 @@
         </p:nvSpPr>
         <p:spPr>
           <a:xfrm>
-            <a:off x="11774570" y="3646840"/>
+            <a:off x="11774571" y="3646840"/>
             <a:ext cx="3142135" cy="673101"/>
           </a:xfrm>
           <a:prstGeom prst="rect">
@@ -4732,7 +4730,7 @@
         <p:spPr>
           <a:xfrm>
             <a:off x="9904992" y="5332757"/>
-            <a:ext cx="6247913" cy="6060197"/>
+            <a:ext cx="6247912" cy="6060197"/>
           </a:xfrm>
           <a:prstGeom prst="roundRect">
             <a:avLst>
@@ -4858,8 +4856,8 @@
         </p:blipFill>
         <p:spPr>
           <a:xfrm rot="5400000">
-            <a:off x="12728059" y="4835893"/>
-            <a:ext cx="601934" cy="265194"/>
+            <a:off x="12728059" y="4835892"/>
+            <a:ext cx="601934" cy="265195"/>
           </a:xfrm>
           <a:prstGeom prst="rect">
             <a:avLst/>
@@ -4874,8 +4872,8 @@
         </p:nvSpPr>
         <p:spPr>
           <a:xfrm>
-            <a:off x="11261539" y="6548043"/>
-            <a:ext cx="4149992" cy="787401"/>
+            <a:off x="11261538" y="6548043"/>
+            <a:ext cx="4149993" cy="787401"/>
           </a:xfrm>
           <a:prstGeom prst="roundRect">
             <a:avLst>
@@ -4918,8 +4916,8 @@
         </p:nvSpPr>
         <p:spPr>
           <a:xfrm>
-            <a:off x="11583673" y="6630593"/>
-            <a:ext cx="3505723" cy="622301"/>
+            <a:off x="11583672" y="6630593"/>
+            <a:ext cx="3505724" cy="622301"/>
           </a:xfrm>
           <a:prstGeom prst="rect">
             <a:avLst/>
@@ -5006,8 +5004,8 @@
         </p:nvSpPr>
         <p:spPr>
           <a:xfrm>
-            <a:off x="11583673" y="7509116"/>
-            <a:ext cx="3505723" cy="622301"/>
+            <a:off x="11583672" y="7509116"/>
+            <a:ext cx="3505724" cy="622301"/>
           </a:xfrm>
           <a:prstGeom prst="rect">
             <a:avLst/>
@@ -5050,7 +5048,7 @@
         </p:nvSpPr>
         <p:spPr>
           <a:xfrm>
-            <a:off x="11261537" y="8292760"/>
+            <a:off x="11261537" y="8292761"/>
             <a:ext cx="4149992" cy="787401"/>
           </a:xfrm>
           <a:prstGeom prst="roundRect">
@@ -5094,8 +5092,8 @@
         </p:nvSpPr>
         <p:spPr>
           <a:xfrm>
-            <a:off x="11583673" y="8375310"/>
-            <a:ext cx="3505723" cy="622301"/>
+            <a:off x="11583672" y="8375311"/>
+            <a:ext cx="3505724" cy="622301"/>
           </a:xfrm>
           <a:prstGeom prst="rect">
             <a:avLst/>
@@ -5182,8 +5180,8 @@
         </p:nvSpPr>
         <p:spPr>
           <a:xfrm>
-            <a:off x="11583673" y="9241506"/>
-            <a:ext cx="3505723" cy="622301"/>
+            <a:off x="11583672" y="9241506"/>
+            <a:ext cx="3505724" cy="622301"/>
           </a:xfrm>
           <a:prstGeom prst="rect">
             <a:avLst/>
@@ -5270,8 +5268,8 @@
         </p:nvSpPr>
         <p:spPr>
           <a:xfrm>
-            <a:off x="11583673" y="10107701"/>
-            <a:ext cx="3505723" cy="622301"/>
+            <a:off x="11583672" y="10107701"/>
+            <a:ext cx="3505724" cy="622301"/>
           </a:xfrm>
           <a:prstGeom prst="rect">
             <a:avLst/>
@@ -5382,8 +5380,8 @@
         </p:blipFill>
         <p:spPr>
           <a:xfrm>
-            <a:off x="10646365" y="8457247"/>
-            <a:ext cx="458429" cy="458429"/>
+            <a:off x="10646365" y="8457248"/>
+            <a:ext cx="458429" cy="458428"/>
           </a:xfrm>
           <a:prstGeom prst="rect">
             <a:avLst/>
@@ -5459,8 +5457,8 @@
         </p:nvSpPr>
         <p:spPr>
           <a:xfrm>
-            <a:off x="1821414" y="4802050"/>
-            <a:ext cx="4763096" cy="6060196"/>
+            <a:off x="1821414" y="4802049"/>
+            <a:ext cx="4763096" cy="6060197"/>
           </a:xfrm>
           <a:prstGeom prst="roundRect">
             <a:avLst>
@@ -5587,7 +5585,7 @@
         </p:nvSpPr>
         <p:spPr>
           <a:xfrm>
-            <a:off x="2981102" y="5583800"/>
+            <a:off x="2981102" y="5583801"/>
             <a:ext cx="2443719" cy="622301"/>
           </a:xfrm>
           <a:prstGeom prst="rect">
@@ -5675,7 +5673,7 @@
         </p:nvSpPr>
         <p:spPr>
           <a:xfrm>
-            <a:off x="2981103" y="6551223"/>
+            <a:off x="2981103" y="6551224"/>
             <a:ext cx="2443718" cy="622301"/>
           </a:xfrm>
           <a:prstGeom prst="rect">
@@ -5719,7 +5717,7 @@
         </p:nvSpPr>
         <p:spPr>
           <a:xfrm>
-            <a:off x="2628054" y="7438447"/>
+            <a:off x="2628054" y="7438448"/>
             <a:ext cx="3149816" cy="787401"/>
           </a:xfrm>
           <a:prstGeom prst="roundRect">
@@ -5807,7 +5805,7 @@
         </p:nvSpPr>
         <p:spPr>
           <a:xfrm>
-            <a:off x="2628054" y="8405870"/>
+            <a:off x="2628054" y="8405869"/>
             <a:ext cx="3149816" cy="787401"/>
           </a:xfrm>
           <a:prstGeom prst="roundRect">
@@ -5851,7 +5849,7 @@
         </p:nvSpPr>
         <p:spPr>
           <a:xfrm>
-            <a:off x="2981103" y="8488420"/>
+            <a:off x="2981103" y="8488419"/>
             <a:ext cx="2443718" cy="622301"/>
           </a:xfrm>
           <a:prstGeom prst="rect">
@@ -5895,7 +5893,7 @@
         </p:nvSpPr>
         <p:spPr>
           <a:xfrm>
-            <a:off x="2628054" y="9372059"/>
+            <a:off x="2628054" y="9372058"/>
             <a:ext cx="3149816" cy="787401"/>
           </a:xfrm>
           <a:prstGeom prst="roundRect">
@@ -5939,7 +5937,7 @@
         </p:nvSpPr>
         <p:spPr>
           <a:xfrm>
-            <a:off x="2981103" y="9454609"/>
+            <a:off x="2981103" y="9454608"/>
             <a:ext cx="2443718" cy="622301"/>
           </a:xfrm>
           <a:prstGeom prst="rect">
@@ -6103,8 +6101,8 @@
         </p:blipFill>
         <p:spPr>
           <a:xfrm>
-            <a:off x="6867565" y="7967878"/>
-            <a:ext cx="2187764" cy="405592"/>
+            <a:off x="6867565" y="7967879"/>
+            <a:ext cx="2187764" cy="405591"/>
           </a:xfrm>
           <a:prstGeom prst="rect">
             <a:avLst/>
@@ -6119,7 +6117,7 @@
         </p:nvSpPr>
         <p:spPr>
           <a:xfrm>
-            <a:off x="11864311" y="1899974"/>
+            <a:off x="11864312" y="1899974"/>
             <a:ext cx="3019798" cy="762001"/>
           </a:xfrm>
           <a:prstGeom prst="rect">
@@ -6209,8 +6207,8 @@
         </p:blipFill>
         <p:spPr>
           <a:xfrm>
-            <a:off x="16422764" y="7967879"/>
-            <a:ext cx="1774879" cy="405591"/>
+            <a:off x="16422765" y="7967879"/>
+            <a:ext cx="1774878" cy="405591"/>
           </a:xfrm>
           <a:prstGeom prst="rect">
             <a:avLst/>
@@ -6225,8 +6223,8 @@
         </p:nvSpPr>
         <p:spPr>
           <a:xfrm>
-            <a:off x="16422764" y="7267063"/>
-            <a:ext cx="1628218" cy="673101"/>
+            <a:off x="16422765" y="7267063"/>
+            <a:ext cx="1628217" cy="673101"/>
           </a:xfrm>
           <a:prstGeom prst="rect">
             <a:avLst/>
@@ -6350,7 +6348,7 @@
         <p:spPr>
           <a:xfrm>
             <a:off x="19207703" y="5989647"/>
-            <a:ext cx="2305774" cy="787401"/>
+            <a:ext cx="2305775" cy="787401"/>
           </a:xfrm>
           <a:prstGeom prst="roundRect">
             <a:avLst>
@@ -6446,8 +6444,8 @@
         </p:nvSpPr>
         <p:spPr>
           <a:xfrm>
-            <a:off x="19207703" y="6957070"/>
-            <a:ext cx="2305774" cy="787401"/>
+            <a:off x="19207703" y="6957069"/>
+            <a:ext cx="2305775" cy="787401"/>
           </a:xfrm>
           <a:prstGeom prst="roundRect">
             <a:avLst>
@@ -6543,8 +6541,8 @@
         </p:nvSpPr>
         <p:spPr>
           <a:xfrm>
-            <a:off x="19207703" y="7926843"/>
-            <a:ext cx="2305774" cy="787401"/>
+            <a:off x="19207703" y="7926844"/>
+            <a:ext cx="2305775" cy="787401"/>
           </a:xfrm>
           <a:prstGeom prst="roundRect">
             <a:avLst>
@@ -6641,7 +6639,7 @@
         <p:spPr>
           <a:xfrm>
             <a:off x="19207703" y="8894265"/>
-            <a:ext cx="2305774" cy="787401"/>
+            <a:ext cx="2305775" cy="787401"/>
           </a:xfrm>
           <a:prstGeom prst="roundRect">
             <a:avLst>
@@ -6737,8 +6735,8 @@
         </p:nvSpPr>
         <p:spPr>
           <a:xfrm>
-            <a:off x="19207703" y="9860455"/>
-            <a:ext cx="2305774" cy="787401"/>
+            <a:off x="19207703" y="9860454"/>
+            <a:ext cx="2305775" cy="787401"/>
           </a:xfrm>
           <a:prstGeom prst="roundRect">
             <a:avLst>
@@ -6781,7 +6779,7 @@
         </p:nvSpPr>
         <p:spPr>
           <a:xfrm>
-            <a:off x="19546481" y="9943005"/>
+            <a:off x="19546481" y="9943004"/>
             <a:ext cx="1628218" cy="622301"/>
           </a:xfrm>
           <a:prstGeom prst="rect">
@@ -6845,7 +6843,7 @@
         <p:spPr>
           <a:xfrm>
             <a:off x="10922469" y="1833038"/>
-            <a:ext cx="895872" cy="895873"/>
+            <a:ext cx="895873" cy="895873"/>
           </a:xfrm>
           <a:prstGeom prst="rect">
             <a:avLst/>
@@ -10797,61 +10795,61 @@
       </p:par>
     </p:tnLst>
     <p:bldLst>
-      <p:bldP build="whole" bldLvl="1" animBg="1" rev="0" advAuto="0" spid="196" grpId="9"/>
-      <p:bldP build="whole" bldLvl="1" animBg="1" rev="0" advAuto="0" spid="200" grpId="13"/>
-      <p:bldP build="whole" bldLvl="1" animBg="1" rev="0" advAuto="0" spid="206" grpId="15"/>
-      <p:bldP build="whole" bldLvl="1" animBg="1" rev="0" advAuto="0" spid="189" grpId="1"/>
-      <p:bldP build="whole" bldLvl="1" animBg="1" rev="0" advAuto="0" spid="197" grpId="10"/>
-      <p:bldP build="whole" bldLvl="1" animBg="1" rev="0" advAuto="0" spid="170" grpId="24"/>
       <p:bldP build="whole" bldLvl="1" animBg="1" rev="0" advAuto="0" spid="178" grpId="32"/>
-      <p:bldP build="whole" bldLvl="1" animBg="1" rev="0" advAuto="0" spid="209" grpId="42"/>
-      <p:bldP build="whole" bldLvl="1" animBg="1" rev="0" advAuto="0" spid="191" grpId="4"/>
-      <p:bldP build="whole" bldLvl="1" animBg="1" rev="0" advAuto="0" spid="193" grpId="6"/>
-      <p:bldP build="whole" bldLvl="1" animBg="1" rev="0" advAuto="0" spid="216" grpId="50"/>
-      <p:bldP build="whole" bldLvl="1" animBg="1" rev="0" advAuto="0" spid="184" grpId="28"/>
-      <p:bldP build="whole" bldLvl="1" animBg="1" rev="0" advAuto="0" spid="201" grpId="3"/>
-      <p:bldP build="whole" bldLvl="1" animBg="1" rev="0" advAuto="0" spid="192" grpId="5"/>
-      <p:bldP build="whole" bldLvl="1" animBg="1" rev="0" advAuto="0" spid="213" grpId="47"/>
-      <p:bldP build="whole" bldLvl="1" animBg="1" rev="0" advAuto="0" spid="218" grpId="52"/>
-      <p:bldP build="whole" bldLvl="1" animBg="1" rev="0" advAuto="0" spid="211" grpId="43"/>
-      <p:bldP build="whole" bldLvl="1" animBg="1" rev="0" advAuto="0" spid="185" grpId="31"/>
-      <p:bldP build="whole" bldLvl="1" animBg="1" rev="0" advAuto="0" spid="180" grpId="35"/>
-      <p:bldP build="whole" bldLvl="1" animBg="1" rev="0" advAuto="0" spid="203" grpId="14"/>
-      <p:bldP build="whole" bldLvl="1" animBg="1" rev="0" advAuto="0" spid="174" grpId="26"/>
-      <p:bldP build="whole" bldLvl="1" animBg="1" rev="0" advAuto="0" spid="169" grpId="23"/>
-      <p:bldP build="whole" bldLvl="1" animBg="1" rev="0" advAuto="0" spid="212" grpId="46"/>
-      <p:bldP build="whole" bldLvl="1" animBg="1" rev="0" advAuto="0" spid="220" grpId="54"/>
-      <p:bldP build="whole" bldLvl="1" animBg="1" rev="0" advAuto="0" spid="182" grpId="38"/>
-      <p:bldP build="whole" bldLvl="1" animBg="1" rev="0" advAuto="0" spid="167" grpId="20"/>
-      <p:bldP build="whole" bldLvl="1" animBg="1" rev="0" advAuto="0" spid="168" grpId="21"/>
-      <p:bldP build="whole" bldLvl="1" animBg="1" rev="0" advAuto="0" spid="207" grpId="41"/>
-      <p:bldP build="whole" bldLvl="1" animBg="1" rev="0" advAuto="0" spid="202" grpId="16"/>
-      <p:bldP build="whole" bldLvl="1" animBg="1" rev="0" advAuto="0" spid="172" grpId="22"/>
-      <p:bldP build="whole" bldLvl="1" animBg="1" rev="0" advAuto="0" spid="198" grpId="11"/>
-      <p:bldP build="whole" bldLvl="1" animBg="1" rev="0" advAuto="0" spid="188" grpId="40"/>
-      <p:bldP build="whole" bldLvl="1" animBg="1" rev="0" advAuto="0" spid="175" grpId="27"/>
-      <p:bldP build="whole" bldLvl="1" animBg="1" rev="0" advAuto="0" spid="171" grpId="25"/>
-      <p:bldP build="whole" bldLvl="1" animBg="1" rev="0" advAuto="0" spid="210" grpId="45"/>
-      <p:bldP build="whole" bldLvl="1" animBg="1" rev="0" advAuto="0" spid="223" grpId="44"/>
-      <p:bldP build="whole" bldLvl="1" animBg="1" rev="0" advAuto="0" spid="217" grpId="51"/>
-      <p:bldP build="whole" bldLvl="1" animBg="1" rev="0" advAuto="0" spid="219" grpId="53"/>
-      <p:bldP build="whole" bldLvl="1" animBg="1" rev="0" advAuto="0" spid="214" grpId="48"/>
-      <p:bldP build="whole" bldLvl="1" animBg="1" rev="0" advAuto="0" spid="195" grpId="8"/>
-      <p:bldP build="whole" bldLvl="1" animBg="1" rev="0" advAuto="0" spid="179" grpId="33"/>
-      <p:bldP build="whole" bldLvl="1" animBg="1" rev="0" advAuto="0" spid="186" grpId="34"/>
-      <p:bldP build="whole" bldLvl="1" animBg="1" rev="0" advAuto="0" spid="166" grpId="19"/>
-      <p:bldP build="whole" bldLvl="1" animBg="1" rev="0" advAuto="0" spid="215" grpId="49"/>
-      <p:bldP build="whole" bldLvl="1" animBg="1" rev="0" advAuto="0" spid="177" grpId="30"/>
       <p:bldP build="whole" bldLvl="1" animBg="1" rev="0" advAuto="0" spid="190" grpId="2"/>
       <p:bldP build="whole" bldLvl="1" animBg="1" rev="0" advAuto="0" spid="176" grpId="29"/>
+      <p:bldP build="whole" bldLvl="1" animBg="1" rev="0" advAuto="0" spid="192" grpId="5"/>
+      <p:bldP build="whole" bldLvl="1" animBg="1" rev="0" advAuto="0" spid="189" grpId="1"/>
+      <p:bldP build="whole" bldLvl="1" animBg="1" rev="0" advAuto="0" spid="179" grpId="33"/>
+      <p:bldP build="whole" bldLvl="1" animBg="1" rev="0" advAuto="0" spid="222" grpId="18"/>
+      <p:bldP build="whole" bldLvl="1" animBg="1" rev="0" advAuto="0" spid="171" grpId="25"/>
+      <p:bldP build="whole" bldLvl="1" animBg="1" rev="0" advAuto="0" spid="220" grpId="54"/>
+      <p:bldP build="whole" bldLvl="1" animBg="1" rev="0" advAuto="0" spid="193" grpId="6"/>
+      <p:bldP build="whole" bldLvl="1" animBg="1" rev="0" advAuto="0" spid="217" grpId="51"/>
+      <p:bldP build="whole" bldLvl="1" animBg="1" rev="0" advAuto="0" spid="201" grpId="3"/>
+      <p:bldP build="whole" bldLvl="1" animBg="1" rev="0" advAuto="0" spid="199" grpId="12"/>
+      <p:bldP build="whole" bldLvl="1" animBg="1" rev="0" advAuto="0" spid="214" grpId="48"/>
+      <p:bldP build="whole" bldLvl="1" animBg="1" rev="0" advAuto="0" spid="169" grpId="23"/>
+      <p:bldP build="whole" bldLvl="1" animBg="1" rev="0" advAuto="0" spid="207" grpId="41"/>
+      <p:bldP build="whole" bldLvl="1" animBg="1" rev="0" advAuto="0" spid="175" grpId="27"/>
+      <p:bldP build="whole" bldLvl="1" animBg="1" rev="0" advAuto="0" spid="191" grpId="4"/>
+      <p:bldP build="whole" bldLvl="1" animBg="1" rev="0" advAuto="0" spid="180" grpId="35"/>
+      <p:bldP build="whole" bldLvl="1" animBg="1" rev="0" advAuto="0" spid="196" grpId="9"/>
+      <p:bldP build="whole" bldLvl="1" animBg="1" rev="0" advAuto="0" spid="172" grpId="22"/>
+      <p:bldP build="whole" bldLvl="1" animBg="1" rev="0" advAuto="0" spid="188" grpId="40"/>
+      <p:bldP build="whole" bldLvl="1" animBg="1" rev="0" advAuto="0" spid="200" grpId="13"/>
+      <p:bldP build="whole" bldLvl="1" animBg="1" rev="0" advAuto="0" spid="170" grpId="24"/>
+      <p:bldP build="whole" bldLvl="1" animBg="1" rev="0" advAuto="0" spid="210" grpId="45"/>
+      <p:bldP build="whole" bldLvl="1" animBg="1" rev="0" advAuto="0" spid="219" grpId="53"/>
+      <p:bldP build="whole" bldLvl="1" animBg="1" rev="0" advAuto="0" spid="186" grpId="34"/>
+      <p:bldP build="whole" bldLvl="1" animBg="1" rev="0" advAuto="0" spid="202" grpId="16"/>
+      <p:bldP build="whole" bldLvl="1" animBg="1" rev="0" advAuto="0" spid="197" grpId="10"/>
+      <p:bldP build="whole" bldLvl="1" animBg="1" rev="0" advAuto="0" spid="223" grpId="44"/>
+      <p:bldP build="whole" bldLvl="1" animBg="1" rev="0" advAuto="0" spid="216" grpId="50"/>
+      <p:bldP build="whole" bldLvl="1" animBg="1" rev="0" advAuto="0" spid="167" grpId="20"/>
+      <p:bldP build="whole" bldLvl="1" animBg="1" rev="0" advAuto="0" spid="205" grpId="17"/>
+      <p:bldP build="whole" bldLvl="1" animBg="1" rev="0" advAuto="0" spid="213" grpId="47"/>
+      <p:bldP build="whole" bldLvl="1" animBg="1" rev="0" advAuto="0" spid="185" grpId="31"/>
+      <p:bldP build="whole" bldLvl="1" animBg="1" rev="0" advAuto="0" spid="181" grpId="36"/>
+      <p:bldP build="whole" bldLvl="1" animBg="1" rev="0" advAuto="0" spid="168" grpId="21"/>
+      <p:bldP build="whole" bldLvl="1" animBg="1" rev="0" advAuto="0" spid="211" grpId="43"/>
+      <p:bldP build="whole" bldLvl="1" animBg="1" rev="0" advAuto="0" spid="177" grpId="30"/>
+      <p:bldP build="whole" bldLvl="1" animBg="1" rev="0" advAuto="0" spid="206" grpId="15"/>
+      <p:bldP build="whole" bldLvl="1" animBg="1" rev="0" advAuto="0" spid="221" grpId="55"/>
       <p:bldP build="whole" bldLvl="1" animBg="1" rev="0" advAuto="0" spid="194" grpId="7"/>
+      <p:bldP build="whole" bldLvl="1" animBg="1" rev="0" advAuto="0" spid="187" grpId="37"/>
+      <p:bldP build="whole" bldLvl="1" animBg="1" rev="0" advAuto="0" spid="218" grpId="52"/>
+      <p:bldP build="whole" bldLvl="1" animBg="1" rev="0" advAuto="0" spid="182" grpId="38"/>
+      <p:bldP build="whole" bldLvl="1" animBg="1" rev="0" advAuto="0" spid="198" grpId="11"/>
+      <p:bldP build="whole" bldLvl="1" animBg="1" rev="0" advAuto="0" spid="166" grpId="19"/>
       <p:bldP build="whole" bldLvl="1" animBg="1" rev="0" advAuto="0" spid="183" grpId="39"/>
-      <p:bldP build="whole" bldLvl="1" animBg="1" rev="0" advAuto="0" spid="222" grpId="18"/>
-      <p:bldP build="whole" bldLvl="1" animBg="1" rev="0" advAuto="0" spid="199" grpId="12"/>
-      <p:bldP build="whole" bldLvl="1" animBg="1" rev="0" advAuto="0" spid="181" grpId="36"/>
-      <p:bldP build="whole" bldLvl="1" animBg="1" rev="0" advAuto="0" spid="205" grpId="17"/>
-      <p:bldP build="whole" bldLvl="1" animBg="1" rev="0" advAuto="0" spid="187" grpId="37"/>
-      <p:bldP build="whole" bldLvl="1" animBg="1" rev="0" advAuto="0" spid="221" grpId="55"/>
+      <p:bldP build="whole" bldLvl="1" animBg="1" rev="0" advAuto="0" spid="212" grpId="46"/>
+      <p:bldP build="whole" bldLvl="1" animBg="1" rev="0" advAuto="0" spid="174" grpId="26"/>
+      <p:bldP build="whole" bldLvl="1" animBg="1" rev="0" advAuto="0" spid="184" grpId="28"/>
+      <p:bldP build="whole" bldLvl="1" animBg="1" rev="0" advAuto="0" spid="215" grpId="49"/>
+      <p:bldP build="whole" bldLvl="1" animBg="1" rev="0" advAuto="0" spid="195" grpId="8"/>
+      <p:bldP build="whole" bldLvl="1" animBg="1" rev="0" advAuto="0" spid="203" grpId="14"/>
+      <p:bldP build="whole" bldLvl="1" animBg="1" rev="0" advAuto="0" spid="209" grpId="42"/>
     </p:bldLst>
   </p:timing>
 </p:sld>
@@ -11235,8 +11233,8 @@
         </p:nvSpPr>
         <p:spPr>
           <a:xfrm>
-            <a:off x="4448208" y="9122649"/>
-            <a:ext cx="2734092" cy="1"/>
+            <a:off x="4448209" y="9122649"/>
+            <a:ext cx="2734091" cy="1"/>
           </a:xfrm>
           <a:prstGeom prst="line">
             <a:avLst/>
@@ -11501,8 +11499,8 @@
         </p:nvSpPr>
         <p:spPr>
           <a:xfrm flipV="1">
-            <a:off x="9259139" y="7461388"/>
-            <a:ext cx="1" cy="890782"/>
+            <a:off x="9259139" y="7461389"/>
+            <a:ext cx="1" cy="890781"/>
           </a:xfrm>
           <a:prstGeom prst="line">
             <a:avLst/>
@@ -11633,8 +11631,8 @@
         </p:nvSpPr>
         <p:spPr>
           <a:xfrm>
-            <a:off x="3133060" y="10804741"/>
-            <a:ext cx="1834662" cy="876301"/>
+            <a:off x="3133061" y="10804741"/>
+            <a:ext cx="1834661" cy="876301"/>
           </a:xfrm>
           <a:prstGeom prst="rect">
             <a:avLst/>
@@ -11849,8 +11847,8 @@
         </p:nvSpPr>
         <p:spPr>
           <a:xfrm>
-            <a:off x="3133060" y="10804741"/>
-            <a:ext cx="1834662" cy="876301"/>
+            <a:off x="3133061" y="10804741"/>
+            <a:ext cx="1834661" cy="876301"/>
           </a:xfrm>
           <a:prstGeom prst="rect">
             <a:avLst/>
@@ -13205,29 +13203,29 @@
       </p:par>
     </p:tnLst>
     <p:bldLst>
+      <p:bldP build="whole" bldLvl="1" animBg="1" rev="0" advAuto="0" spid="244" grpId="4"/>
+      <p:bldP build="whole" bldLvl="1" animBg="1" rev="0" advAuto="0" spid="240" grpId="19"/>
+      <p:bldP build="whole" bldLvl="1" animBg="1" rev="0" advAuto="0" spid="225" grpId="1"/>
+      <p:bldP build="whole" bldLvl="1" animBg="1" rev="0" advAuto="0" spid="241" grpId="6"/>
       <p:bldP build="whole" bldLvl="1" animBg="1" rev="0" advAuto="0" spid="228" grpId="11"/>
+      <p:bldP build="whole" bldLvl="1" animBg="1" rev="0" advAuto="0" spid="230" grpId="14"/>
+      <p:bldP build="whole" bldLvl="1" animBg="1" rev="0" advAuto="0" spid="243" grpId="21"/>
+      <p:bldP build="whole" bldLvl="1" animBg="1" rev="0" advAuto="0" spid="233" grpId="18"/>
+      <p:bldP build="whole" bldLvl="1" animBg="1" rev="0" advAuto="0" spid="246" grpId="22"/>
+      <p:bldP build="whole" bldLvl="1" animBg="1" rev="0" advAuto="0" spid="226" grpId="2"/>
+      <p:bldP build="whole" bldLvl="1" animBg="1" rev="0" advAuto="0" spid="247" grpId="23"/>
+      <p:bldP build="whole" bldLvl="1" animBg="1" rev="0" advAuto="0" spid="231" grpId="3"/>
+      <p:bldP build="whole" bldLvl="1" animBg="1" rev="0" advAuto="0" spid="227" grpId="10"/>
+      <p:bldP build="whole" bldLvl="1" animBg="1" rev="0" advAuto="0" spid="236" grpId="16"/>
+      <p:bldP build="whole" bldLvl="1" animBg="1" rev="0" advAuto="0" spid="237" grpId="17"/>
+      <p:bldP build="whole" bldLvl="1" animBg="1" rev="0" advAuto="0" spid="242" grpId="7"/>
+      <p:bldP build="whole" bldLvl="1" animBg="1" rev="0" advAuto="0" spid="239" grpId="15"/>
+      <p:bldP build="whole" bldLvl="1" animBg="1" rev="0" advAuto="0" spid="235" grpId="5"/>
+      <p:bldP build="whole" bldLvl="1" animBg="1" rev="0" advAuto="0" spid="229" grpId="13"/>
       <p:bldP build="whole" bldLvl="1" animBg="1" rev="0" advAuto="0" spid="232" grpId="8"/>
-      <p:bldP build="whole" bldLvl="1" animBg="1" rev="0" advAuto="0" spid="247" grpId="23"/>
-      <p:bldP build="whole" bldLvl="1" animBg="1" rev="0" advAuto="0" spid="225" grpId="1"/>
       <p:bldP build="whole" bldLvl="1" animBg="1" rev="0" advAuto="0" spid="245" grpId="20"/>
-      <p:bldP build="whole" bldLvl="1" animBg="1" rev="0" advAuto="0" spid="237" grpId="17"/>
-      <p:bldP build="whole" bldLvl="1" animBg="1" rev="0" advAuto="0" spid="230" grpId="14"/>
-      <p:bldP build="whole" bldLvl="1" animBg="1" rev="0" advAuto="0" spid="241" grpId="6"/>
+      <p:bldP build="whole" bldLvl="1" animBg="1" rev="0" advAuto="0" spid="234" grpId="9"/>
       <p:bldP build="whole" bldLvl="1" animBg="1" rev="0" advAuto="0" spid="238" grpId="12"/>
-      <p:bldP build="whole" bldLvl="1" animBg="1" rev="0" advAuto="0" spid="229" grpId="13"/>
-      <p:bldP build="whole" bldLvl="1" animBg="1" rev="0" advAuto="0" spid="235" grpId="5"/>
-      <p:bldP build="whole" bldLvl="1" animBg="1" rev="0" advAuto="0" spid="231" grpId="3"/>
-      <p:bldP build="whole" bldLvl="1" animBg="1" rev="0" advAuto="0" spid="246" grpId="22"/>
-      <p:bldP build="whole" bldLvl="1" animBg="1" rev="0" advAuto="0" spid="236" grpId="16"/>
-      <p:bldP build="whole" bldLvl="1" animBg="1" rev="0" advAuto="0" spid="227" grpId="10"/>
-      <p:bldP build="whole" bldLvl="1" animBg="1" rev="0" advAuto="0" spid="240" grpId="19"/>
-      <p:bldP build="whole" bldLvl="1" animBg="1" rev="0" advAuto="0" spid="242" grpId="7"/>
-      <p:bldP build="whole" bldLvl="1" animBg="1" rev="0" advAuto="0" spid="244" grpId="4"/>
-      <p:bldP build="whole" bldLvl="1" animBg="1" rev="0" advAuto="0" spid="226" grpId="2"/>
-      <p:bldP build="whole" bldLvl="1" animBg="1" rev="0" advAuto="0" spid="239" grpId="15"/>
-      <p:bldP build="whole" bldLvl="1" animBg="1" rev="0" advAuto="0" spid="243" grpId="21"/>
-      <p:bldP build="whole" bldLvl="1" animBg="1" rev="0" advAuto="0" spid="234" grpId="9"/>
-      <p:bldP build="whole" bldLvl="1" animBg="1" rev="0" advAuto="0" spid="233" grpId="18"/>
     </p:bldLst>
   </p:timing>
 </p:sld>
@@ -13520,7 +13518,7 @@
         <p:spPr>
           <a:xfrm>
             <a:off x="3843664" y="6035525"/>
-            <a:ext cx="1834661" cy="876301"/>
+            <a:ext cx="1834662" cy="876301"/>
           </a:xfrm>
           <a:prstGeom prst="rect">
             <a:avLst/>
@@ -13607,8 +13605,8 @@
         </p:nvSpPr>
         <p:spPr>
           <a:xfrm>
-            <a:off x="6781726" y="5838675"/>
-            <a:ext cx="3628801" cy="1270001"/>
+            <a:off x="6781727" y="5838675"/>
+            <a:ext cx="3628800" cy="1270001"/>
           </a:xfrm>
           <a:prstGeom prst="roundRect">
             <a:avLst>
@@ -13736,7 +13734,7 @@
         <p:spPr>
           <a:xfrm>
             <a:off x="3843664" y="10496737"/>
-            <a:ext cx="1834661" cy="876301"/>
+            <a:ext cx="1834662" cy="876301"/>
           </a:xfrm>
           <a:prstGeom prst="rect">
             <a:avLst/>
@@ -13823,8 +13821,8 @@
         </p:nvSpPr>
         <p:spPr>
           <a:xfrm>
-            <a:off x="6781726" y="3267633"/>
-            <a:ext cx="3628801" cy="1270001"/>
+            <a:off x="6781727" y="3267633"/>
+            <a:ext cx="3628800" cy="1270001"/>
           </a:xfrm>
           <a:prstGeom prst="roundRect">
             <a:avLst>
@@ -13867,8 +13865,8 @@
         </p:nvSpPr>
         <p:spPr>
           <a:xfrm>
-            <a:off x="7754400" y="3464483"/>
-            <a:ext cx="1834662" cy="876301"/>
+            <a:off x="7754401" y="3464483"/>
+            <a:ext cx="1834661" cy="876301"/>
           </a:xfrm>
           <a:prstGeom prst="rect">
             <a:avLst/>
@@ -13952,7 +13950,7 @@
         <p:spPr>
           <a:xfrm>
             <a:off x="3843664" y="8377667"/>
-            <a:ext cx="1834661" cy="876301"/>
+            <a:ext cx="1834662" cy="876301"/>
           </a:xfrm>
           <a:prstGeom prst="rect">
             <a:avLst/>
@@ -14039,7 +14037,7 @@
         <p:spPr>
           <a:xfrm>
             <a:off x="10692462" y="5838675"/>
-            <a:ext cx="3628801" cy="1270001"/>
+            <a:ext cx="3628800" cy="1270001"/>
           </a:xfrm>
           <a:prstGeom prst="roundRect">
             <a:avLst>
@@ -14123,7 +14121,7 @@
         <p:spPr>
           <a:xfrm>
             <a:off x="2636215" y="5647258"/>
-            <a:ext cx="11919824" cy="1652836"/>
+            <a:ext cx="11919824" cy="1652835"/>
           </a:xfrm>
           <a:prstGeom prst="roundRect">
             <a:avLst>
@@ -14216,7 +14214,7 @@
           <p:nvPr/>
         </p:nvSpPr>
         <p:spPr>
-          <a:xfrm flipH="1" flipV="1">
+          <a:xfrm flipV="1">
             <a:off x="4685391" y="4804373"/>
             <a:ext cx="1" cy="721655"/>
           </a:xfrm>
@@ -14437,7 +14435,7 @@
         </p:nvSpPr>
         <p:spPr>
           <a:xfrm>
-            <a:off x="1975601" y="8587217"/>
+            <a:off x="1975601" y="8587216"/>
             <a:ext cx="267222" cy="457201"/>
           </a:xfrm>
           <a:prstGeom prst="rect">
@@ -14523,7 +14521,7 @@
         </p:nvSpPr>
         <p:spPr>
           <a:xfrm>
-            <a:off x="1975601" y="10706287"/>
+            <a:off x="1975601" y="10706286"/>
             <a:ext cx="267222" cy="457201"/>
           </a:xfrm>
           <a:prstGeom prst="rect">
@@ -16657,42 +16655,42 @@
       </p:par>
     </p:tnLst>
     <p:bldLst>
+      <p:bldP build="whole" bldLvl="1" animBg="1" rev="0" advAuto="0" spid="270" grpId="23"/>
+      <p:bldP build="whole" bldLvl="1" animBg="1" rev="0" advAuto="0" spid="250" grpId="1"/>
       <p:bldP build="whole" bldLvl="1" animBg="1" rev="0" advAuto="0" spid="261" grpId="28"/>
+      <p:bldP build="whole" bldLvl="1" animBg="1" rev="0" advAuto="0" spid="262" grpId="9"/>
+      <p:bldP build="whole" bldLvl="1" animBg="1" rev="0" advAuto="0" spid="264" grpId="26"/>
+      <p:bldP build="whole" bldLvl="1" animBg="1" rev="0" advAuto="0" spid="279" grpId="11"/>
+      <p:bldP build="whole" bldLvl="1" animBg="1" rev="0" advAuto="0" spid="249" grpId="33"/>
+      <p:bldP build="whole" bldLvl="1" animBg="1" rev="0" advAuto="0" spid="277" grpId="29"/>
+      <p:bldP build="whole" bldLvl="1" animBg="1" rev="0" advAuto="0" spid="275" grpId="24"/>
+      <p:bldP build="whole" bldLvl="1" animBg="1" rev="0" advAuto="0" spid="263" grpId="10"/>
+      <p:bldP build="whole" bldLvl="1" animBg="1" rev="0" advAuto="0" spid="273" grpId="13"/>
+      <p:bldP build="whole" bldLvl="1" animBg="1" rev="0" advAuto="0" spid="277" grpId="36"/>
+      <p:bldP build="whole" bldLvl="1" animBg="1" rev="0" advAuto="0" spid="252" grpId="7"/>
+      <p:bldP build="whole" bldLvl="1" animBg="1" rev="0" advAuto="0" spid="257" grpId="18"/>
+      <p:bldP build="whole" bldLvl="1" animBg="1" rev="0" advAuto="0" spid="275" grpId="35"/>
+      <p:bldP build="whole" bldLvl="1" animBg="1" rev="0" advAuto="0" spid="280" grpId="22"/>
+      <p:bldP build="whole" bldLvl="1" animBg="1" rev="0" advAuto="0" spid="253" grpId="8"/>
+      <p:bldP build="whole" bldLvl="1" animBg="1" rev="0" advAuto="0" spid="251" grpId="2"/>
+      <p:bldP build="whole" bldLvl="1" animBg="1" rev="0" advAuto="0" spid="271" grpId="12"/>
+      <p:bldP build="whole" bldLvl="1" animBg="1" rev="0" advAuto="0" spid="268" grpId="21"/>
+      <p:bldP build="whole" bldLvl="1" animBg="1" rev="0" advAuto="0" spid="260" grpId="32"/>
+      <p:bldP build="whole" bldLvl="1" animBg="1" rev="0" advAuto="0" spid="274" grpId="14"/>
+      <p:bldP build="whole" bldLvl="1" animBg="1" rev="0" advAuto="0" spid="258" grpId="19"/>
+      <p:bldP build="whole" bldLvl="1" animBg="1" rev="0" advAuto="0" spid="273" grpId="34"/>
+      <p:bldP build="whole" bldLvl="1" animBg="1" rev="0" advAuto="0" spid="269" grpId="15"/>
+      <p:bldP build="whole" bldLvl="1" animBg="1" rev="0" advAuto="0" spid="259" grpId="31"/>
+      <p:bldP build="whole" bldLvl="1" animBg="1" rev="0" advAuto="0" spid="254" grpId="16"/>
+      <p:bldP build="whole" bldLvl="1" animBg="1" rev="0" advAuto="0" spid="249" grpId="4"/>
+      <p:bldP build="whole" bldLvl="1" animBg="1" rev="0" advAuto="0" spid="255" grpId="17"/>
+      <p:bldP build="whole" bldLvl="1" animBg="1" rev="0" advAuto="0" spid="265" grpId="27"/>
+      <p:bldP build="whole" bldLvl="1" animBg="1" rev="0" advAuto="0" spid="272" grpId="5"/>
       <p:bldP build="whole" bldLvl="1" animBg="1" rev="0" advAuto="0" spid="278" grpId="30"/>
-      <p:bldP build="whole" bldLvl="1" animBg="1" rev="0" advAuto="0" spid="277" grpId="36"/>
-      <p:bldP build="whole" bldLvl="1" animBg="1" rev="0" advAuto="0" spid="275" grpId="35"/>
-      <p:bldP build="whole" bldLvl="1" animBg="1" rev="0" advAuto="0" spid="265" grpId="27"/>
-      <p:bldP build="whole" bldLvl="1" animBg="1" rev="0" advAuto="0" spid="269" grpId="15"/>
-      <p:bldP build="whole" bldLvl="1" animBg="1" rev="0" advAuto="0" spid="262" grpId="9"/>
-      <p:bldP build="whole" bldLvl="1" animBg="1" rev="0" advAuto="0" spid="249" grpId="33"/>
-      <p:bldP build="whole" bldLvl="1" animBg="1" rev="0" advAuto="0" spid="273" grpId="13"/>
-      <p:bldP build="whole" bldLvl="1" animBg="1" rev="0" advAuto="0" spid="250" grpId="1"/>
-      <p:bldP build="whole" bldLvl="1" animBg="1" rev="0" advAuto="0" spid="253" grpId="8"/>
-      <p:bldP build="whole" bldLvl="1" animBg="1" rev="0" advAuto="0" spid="259" grpId="31"/>
-      <p:bldP build="whole" bldLvl="1" animBg="1" rev="0" advAuto="0" spid="279" grpId="11"/>
+      <p:bldP build="whole" bldLvl="1" animBg="1" rev="0" advAuto="0" spid="266" grpId="6"/>
       <p:bldP build="whole" bldLvl="1" animBg="1" rev="0" advAuto="0" spid="267" grpId="20"/>
-      <p:bldP build="whole" bldLvl="1" animBg="1" rev="0" advAuto="0" spid="257" grpId="18"/>
-      <p:bldP build="whole" bldLvl="1" animBg="1" rev="0" advAuto="0" spid="251" grpId="2"/>
-      <p:bldP build="whole" bldLvl="1" animBg="1" rev="0" advAuto="0" spid="280" grpId="22"/>
-      <p:bldP build="whole" bldLvl="1" animBg="1" rev="0" advAuto="0" spid="252" grpId="7"/>
-      <p:bldP build="whole" bldLvl="1" animBg="1" rev="0" advAuto="0" spid="258" grpId="19"/>
-      <p:bldP build="whole" bldLvl="1" animBg="1" rev="0" advAuto="0" spid="264" grpId="26"/>
-      <p:bldP build="whole" bldLvl="1" animBg="1" rev="0" advAuto="0" spid="254" grpId="16"/>
-      <p:bldP build="whole" bldLvl="1" animBg="1" rev="0" advAuto="0" spid="273" grpId="34"/>
+      <p:bldP build="whole" bldLvl="1" animBg="1" rev="0" advAuto="0" spid="276" grpId="25"/>
       <p:bldP build="whole" bldLvl="1" animBg="1" rev="0" advAuto="0" spid="256" grpId="3"/>
-      <p:bldP build="whole" bldLvl="1" animBg="1" rev="0" advAuto="0" spid="268" grpId="21"/>
-      <p:bldP build="whole" bldLvl="1" animBg="1" rev="0" advAuto="0" spid="270" grpId="23"/>
-      <p:bldP build="whole" bldLvl="1" animBg="1" rev="0" advAuto="0" spid="274" grpId="14"/>
-      <p:bldP build="whole" bldLvl="1" animBg="1" rev="0" advAuto="0" spid="249" grpId="4"/>
-      <p:bldP build="whole" bldLvl="1" animBg="1" rev="0" advAuto="0" spid="263" grpId="10"/>
-      <p:bldP build="whole" bldLvl="1" animBg="1" rev="0" advAuto="0" spid="255" grpId="17"/>
-      <p:bldP build="whole" bldLvl="1" animBg="1" rev="0" advAuto="0" spid="266" grpId="6"/>
-      <p:bldP build="whole" bldLvl="1" animBg="1" rev="0" advAuto="0" spid="277" grpId="29"/>
-      <p:bldP build="whole" bldLvl="1" animBg="1" rev="0" advAuto="0" spid="276" grpId="25"/>
-      <p:bldP build="whole" bldLvl="1" animBg="1" rev="0" advAuto="0" spid="275" grpId="24"/>
-      <p:bldP build="whole" bldLvl="1" animBg="1" rev="0" advAuto="0" spid="260" grpId="32"/>
-      <p:bldP build="whole" bldLvl="1" animBg="1" rev="0" advAuto="0" spid="271" grpId="12"/>
-      <p:bldP build="whole" bldLvl="1" animBg="1" rev="0" advAuto="0" spid="272" grpId="5"/>
     </p:bldLst>
   </p:timing>
 </p:sld>
@@ -16814,8 +16812,8 @@
         </p:nvSpPr>
         <p:spPr>
           <a:xfrm>
-            <a:off x="4895957" y="4055560"/>
-            <a:ext cx="1018400" cy="2188089"/>
+            <a:off x="4895958" y="4055559"/>
+            <a:ext cx="1018399" cy="2188090"/>
           </a:xfrm>
           <a:prstGeom prst="roundRect">
             <a:avLst>
@@ -16898,7 +16896,7 @@
         </p:nvSpPr>
         <p:spPr>
           <a:xfrm>
-            <a:off x="17633411" y="4055559"/>
+            <a:off x="17633412" y="4055559"/>
             <a:ext cx="5158133" cy="2188090"/>
           </a:xfrm>
           <a:prstGeom prst="roundRect">
@@ -16943,7 +16941,7 @@
         <p:spPr>
           <a:xfrm>
             <a:off x="18549658" y="4794004"/>
-            <a:ext cx="3325639" cy="711201"/>
+            <a:ext cx="3325640" cy="711201"/>
           </a:xfrm>
           <a:prstGeom prst="rect">
             <a:avLst/>
@@ -16983,7 +16981,7 @@
         <p:spPr>
           <a:xfrm>
             <a:off x="6054429" y="4055560"/>
-            <a:ext cx="1018399" cy="2188089"/>
+            <a:ext cx="1018399" cy="2188090"/>
           </a:xfrm>
           <a:prstGeom prst="roundRect">
             <a:avLst>
@@ -17067,7 +17065,7 @@
         <p:spPr>
           <a:xfrm>
             <a:off x="7212900" y="4055560"/>
-            <a:ext cx="1018400" cy="2188089"/>
+            <a:ext cx="1018400" cy="2188090"/>
           </a:xfrm>
           <a:prstGeom prst="roundRect">
             <a:avLst>
@@ -17151,7 +17149,7 @@
         <p:spPr>
           <a:xfrm>
             <a:off x="8371372" y="4055560"/>
-            <a:ext cx="1018399" cy="2188089"/>
+            <a:ext cx="1018399" cy="2188090"/>
           </a:xfrm>
           <a:prstGeom prst="roundRect">
             <a:avLst>
@@ -17235,7 +17233,7 @@
         <p:spPr>
           <a:xfrm>
             <a:off x="9536668" y="4055560"/>
-            <a:ext cx="1018399" cy="2188089"/>
+            <a:ext cx="1018399" cy="2188090"/>
           </a:xfrm>
           <a:prstGeom prst="roundRect">
             <a:avLst>
@@ -17318,8 +17316,8 @@
         </p:nvSpPr>
         <p:spPr>
           <a:xfrm>
-            <a:off x="13732487" y="4055560"/>
-            <a:ext cx="1018399" cy="2188089"/>
+            <a:off x="13732487" y="4055559"/>
+            <a:ext cx="1018399" cy="2188090"/>
           </a:xfrm>
           <a:prstGeom prst="roundRect">
             <a:avLst>
@@ -17402,8 +17400,8 @@
         </p:nvSpPr>
         <p:spPr>
           <a:xfrm>
-            <a:off x="14890959" y="4055560"/>
-            <a:ext cx="1018399" cy="2188089"/>
+            <a:off x="14890959" y="4055559"/>
+            <a:ext cx="1018399" cy="2188090"/>
           </a:xfrm>
           <a:prstGeom prst="roundRect">
             <a:avLst>
@@ -17486,8 +17484,8 @@
         </p:nvSpPr>
         <p:spPr>
           <a:xfrm>
-            <a:off x="16056255" y="4055560"/>
-            <a:ext cx="1018399" cy="2188089"/>
+            <a:off x="16056255" y="4055559"/>
+            <a:ext cx="1018399" cy="2188090"/>
           </a:xfrm>
           <a:prstGeom prst="roundRect">
             <a:avLst>
@@ -17530,8 +17528,8 @@
         </p:nvSpPr>
         <p:spPr>
           <a:xfrm>
-            <a:off x="16317153" y="4882904"/>
-            <a:ext cx="496604" cy="533401"/>
+            <a:off x="16317154" y="4882904"/>
+            <a:ext cx="496603" cy="533401"/>
           </a:xfrm>
           <a:prstGeom prst="rect">
             <a:avLst/>
@@ -17570,8 +17568,8 @@
         </p:nvSpPr>
         <p:spPr>
           <a:xfrm>
-            <a:off x="13725663" y="4055560"/>
-            <a:ext cx="1018399" cy="2188089"/>
+            <a:off x="13725662" y="4055559"/>
+            <a:ext cx="1018400" cy="2188090"/>
           </a:xfrm>
           <a:prstGeom prst="roundRect">
             <a:avLst>
@@ -17654,8 +17652,8 @@
         </p:nvSpPr>
         <p:spPr>
           <a:xfrm>
-            <a:off x="14890959" y="4055560"/>
-            <a:ext cx="1018399" cy="2188089"/>
+            <a:off x="14890959" y="4055559"/>
+            <a:ext cx="1018399" cy="2188090"/>
           </a:xfrm>
           <a:prstGeom prst="roundRect">
             <a:avLst>
@@ -17738,8 +17736,8 @@
         </p:nvSpPr>
         <p:spPr>
           <a:xfrm>
-            <a:off x="13725663" y="4055559"/>
-            <a:ext cx="1018400" cy="2188090"/>
+            <a:off x="13725664" y="4055559"/>
+            <a:ext cx="1018399" cy="2188090"/>
           </a:xfrm>
           <a:prstGeom prst="roundRect">
             <a:avLst>
@@ -21236,66 +21234,66 @@
       </p:par>
     </p:tnLst>
     <p:bldLst>
-      <p:bldP build="whole" bldLvl="1" animBg="1" rev="0" advAuto="0" spid="308" grpId="35"/>
-      <p:bldP build="whole" bldLvl="1" animBg="1" rev="0" advAuto="0" spid="290" grpId="10"/>
+      <p:bldP build="whole" bldLvl="1" animBg="1" rev="0" advAuto="0" spid="293" grpId="46"/>
+      <p:bldP build="whole" bldLvl="1" animBg="1" rev="0" advAuto="0" spid="306" grpId="57"/>
+      <p:bldP build="whole" bldLvl="1" animBg="1" rev="0" advAuto="0" spid="295" grpId="48"/>
+      <p:bldP build="whole" bldLvl="1" animBg="1" rev="0" advAuto="0" spid="288" grpId="8"/>
+      <p:bldP build="whole" bldLvl="1" animBg="1" rev="0" advAuto="0" spid="303" grpId="51"/>
+      <p:bldP build="whole" bldLvl="1" animBg="1" rev="0" advAuto="0" spid="303" grpId="56"/>
+      <p:bldP build="whole" bldLvl="1" animBg="1" rev="0" advAuto="0" spid="299" grpId="31"/>
+      <p:bldP build="whole" bldLvl="1" animBg="1" rev="0" advAuto="0" spid="285" grpId="7"/>
+      <p:bldP build="whole" bldLvl="1" animBg="1" rev="0" advAuto="0" spid="302" grpId="49"/>
+      <p:bldP build="whole" bldLvl="1" animBg="1" rev="0" advAuto="0" spid="288" grpId="23"/>
+      <p:bldP build="whole" bldLvl="1" animBg="1" rev="0" advAuto="0" spid="299" grpId="40"/>
+      <p:bldP build="whole" bldLvl="1" animBg="1" rev="0" advAuto="0" spid="296" grpId="27"/>
+      <p:bldP build="whole" bldLvl="1" animBg="1" rev="0" advAuto="0" spid="282" grpId="1"/>
+      <p:bldP build="whole" bldLvl="1" animBg="1" rev="0" advAuto="0" spid="302" grpId="55"/>
+      <p:bldP build="whole" bldLvl="1" animBg="1" rev="0" advAuto="0" spid="291" grpId="11"/>
+      <p:bldP build="whole" bldLvl="1" animBg="1" rev="0" advAuto="0" spid="285" grpId="22"/>
+      <p:bldP build="whole" bldLvl="1" animBg="1" rev="0" advAuto="0" spid="311" grpId="5"/>
+      <p:bldP build="whole" bldLvl="1" animBg="1" rev="0" advAuto="0" spid="296" grpId="36"/>
+      <p:bldP build="whole" bldLvl="1" animBg="1" rev="0" advAuto="0" spid="289" grpId="9"/>
+      <p:bldP build="whole" bldLvl="1" animBg="1" rev="0" advAuto="0" spid="307" grpId="19"/>
+      <p:bldP build="whole" bldLvl="1" animBg="1" rev="0" advAuto="0" spid="305" grpId="53"/>
+      <p:bldP build="whole" bldLvl="1" animBg="1" rev="0" advAuto="0" spid="291" grpId="26"/>
+      <p:bldP build="whole" bldLvl="1" animBg="1" rev="0" advAuto="0" spid="305" grpId="59"/>
+      <p:bldP build="whole" bldLvl="1" animBg="1" rev="0" advAuto="0" spid="294" grpId="14"/>
+      <p:bldP build="whole" bldLvl="1" animBg="1" rev="0" advAuto="0" spid="301" grpId="34"/>
+      <p:bldP build="whole" bldLvl="1" animBg="1" rev="0" advAuto="0" spid="307" grpId="32"/>
+      <p:bldP build="whole" bldLvl="1" animBg="1" rev="0" advAuto="0" spid="289" grpId="24"/>
+      <p:bldP build="whole" bldLvl="1" animBg="1" rev="0" advAuto="0" spid="310" grpId="4"/>
+      <p:bldP build="whole" bldLvl="1" animBg="1" rev="0" advAuto="0" spid="301" grpId="43"/>
+      <p:bldP build="whole" bldLvl="1" animBg="1" rev="0" advAuto="0" spid="298" grpId="30"/>
       <p:bldP build="whole" bldLvl="1" animBg="1" rev="0" advAuto="0" spid="287" grpId="17"/>
+      <p:bldP build="whole" bldLvl="1" animBg="1" rev="0" advAuto="0" spid="307" grpId="41"/>
+      <p:bldP build="whole" bldLvl="1" animBg="1" rev="0" advAuto="0" spid="284" grpId="6"/>
+      <p:bldP build="whole" bldLvl="1" animBg="1" rev="0" advAuto="0" spid="298" grpId="39"/>
+      <p:bldP build="whole" bldLvl="1" animBg="1" rev="0" advAuto="0" spid="307" grpId="54"/>
+      <p:bldP build="whole" bldLvl="1" animBg="1" rev="0" advAuto="0" spid="284" grpId="21"/>
+      <p:bldP build="whole" bldLvl="1" animBg="1" rev="0" advAuto="0" spid="292" grpId="12"/>
       <p:bldP build="whole" bldLvl="1" animBg="1" rev="0" advAuto="0" spid="294" grpId="47"/>
-      <p:bldP build="whole" bldLvl="1" animBg="1" rev="0" advAuto="0" spid="286" grpId="16"/>
-      <p:bldP build="whole" bldLvl="1" animBg="1" rev="0" advAuto="0" spid="308" grpId="44"/>
-      <p:bldP build="whole" bldLvl="1" animBg="1" rev="0" advAuto="0" spid="293" grpId="46"/>
-      <p:bldP build="whole" bldLvl="1" animBg="1" rev="0" advAuto="0" spid="290" grpId="25"/>
-      <p:bldP build="whole" bldLvl="1" animBg="1" rev="0" advAuto="0" spid="283" grpId="2"/>
-      <p:bldP build="whole" bldLvl="1" animBg="1" rev="0" advAuto="0" spid="309" grpId="3"/>
-      <p:bldP build="whole" bldLvl="1" animBg="1" rev="0" advAuto="0" spid="295" grpId="15"/>
-      <p:bldP build="whole" bldLvl="1" animBg="1" rev="0" advAuto="0" spid="289" grpId="9"/>
-      <p:bldP build="whole" bldLvl="1" animBg="1" rev="0" advAuto="0" spid="301" grpId="34"/>
-      <p:bldP build="whole" bldLvl="1" animBg="1" rev="0" advAuto="0" spid="292" grpId="12"/>
-      <p:bldP build="whole" bldLvl="1" animBg="1" rev="0" advAuto="0" spid="297" grpId="28"/>
-      <p:bldP build="whole" bldLvl="1" animBg="1" rev="0" advAuto="0" spid="301" grpId="43"/>
-      <p:bldP build="whole" bldLvl="1" animBg="1" rev="0" advAuto="0" spid="300" grpId="33"/>
-      <p:bldP build="whole" bldLvl="1" animBg="1" rev="0" advAuto="0" spid="289" grpId="24"/>
-      <p:bldP build="whole" bldLvl="1" animBg="1" rev="0" advAuto="0" spid="297" grpId="37"/>
-      <p:bldP build="whole" bldLvl="1" animBg="1" rev="0" advAuto="0" spid="284" grpId="6"/>
+      <p:bldP build="whole" bldLvl="1" animBg="1" rev="0" advAuto="0" spid="307" grpId="60"/>
+      <p:bldP build="whole" bldLvl="1" animBg="1" rev="0" advAuto="0" spid="306" grpId="18"/>
       <p:bldP build="whole" bldLvl="1" animBg="1" rev="0" advAuto="0" spid="304" grpId="52"/>
-      <p:bldP build="whole" bldLvl="1" animBg="1" rev="0" advAuto="0" spid="300" grpId="42"/>
-      <p:bldP build="whole" bldLvl="1" animBg="1" rev="0" advAuto="0" spid="298" grpId="30"/>
-      <p:bldP build="whole" bldLvl="1" animBg="1" rev="0" advAuto="0" spid="306" grpId="18"/>
-      <p:bldP build="whole" bldLvl="1" animBg="1" rev="0" advAuto="0" spid="304" grpId="58"/>
-      <p:bldP build="whole" bldLvl="1" animBg="1" rev="0" advAuto="0" spid="284" grpId="21"/>
-      <p:bldP build="whole" bldLvl="1" animBg="1" rev="0" advAuto="0" spid="295" grpId="48"/>
-      <p:bldP build="whole" bldLvl="1" animBg="1" rev="0" advAuto="0" spid="299" grpId="31"/>
-      <p:bldP build="whole" bldLvl="1" animBg="1" rev="0" advAuto="0" spid="298" grpId="39"/>
-      <p:bldP build="whole" bldLvl="1" animBg="1" rev="0" advAuto="0" spid="306" grpId="29"/>
-      <p:bldP build="whole" bldLvl="1" animBg="1" rev="0" advAuto="0" spid="292" grpId="45"/>
-      <p:bldP build="whole" bldLvl="1" animBg="1" rev="0" advAuto="0" spid="305" grpId="53"/>
-      <p:bldP build="whole" bldLvl="1" animBg="1" rev="0" advAuto="0" spid="299" grpId="40"/>
-      <p:bldP build="whole" bldLvl="1" animBg="1" rev="0" advAuto="0" spid="306" grpId="38"/>
-      <p:bldP build="whole" bldLvl="1" animBg="1" rev="0" advAuto="0" spid="305" grpId="59"/>
-      <p:bldP build="whole" bldLvl="1" animBg="1" rev="0" advAuto="0" spid="291" grpId="11"/>
-      <p:bldP build="whole" bldLvl="1" animBg="1" rev="0" advAuto="0" spid="307" grpId="19"/>
-      <p:bldP build="whole" bldLvl="1" animBg="1" rev="0" advAuto="0" spid="306" grpId="50"/>
-      <p:bldP build="whole" bldLvl="1" animBg="1" rev="0" advAuto="0" spid="303" grpId="51"/>
-      <p:bldP build="whole" bldLvl="1" animBg="1" rev="0" advAuto="0" spid="291" grpId="26"/>
-      <p:bldP build="whole" bldLvl="1" animBg="1" rev="0" advAuto="0" spid="307" grpId="32"/>
-      <p:bldP build="whole" bldLvl="1" animBg="1" rev="0" advAuto="0" spid="310" grpId="4"/>
-      <p:bldP build="whole" bldLvl="1" animBg="1" rev="0" advAuto="0" spid="303" grpId="56"/>
-      <p:bldP build="whole" bldLvl="1" animBg="1" rev="0" advAuto="0" spid="306" grpId="57"/>
-      <p:bldP build="whole" bldLvl="1" animBg="1" rev="0" advAuto="0" spid="307" grpId="41"/>
-      <p:bldP build="whole" bldLvl="1" animBg="1" rev="0" advAuto="0" spid="285" grpId="7"/>
-      <p:bldP build="whole" bldLvl="1" animBg="1" rev="0" advAuto="0" spid="294" grpId="14"/>
-      <p:bldP build="whole" bldLvl="1" animBg="1" rev="0" advAuto="0" spid="302" grpId="49"/>
-      <p:bldP build="whole" bldLvl="1" animBg="1" rev="0" advAuto="0" spid="288" grpId="8"/>
       <p:bldP build="whole" bldLvl="1" animBg="1" rev="0" advAuto="0" spid="293" grpId="13"/>
       <p:bldP build="whole" bldLvl="1" animBg="1" rev="0" advAuto="0" spid="308" grpId="20"/>
-      <p:bldP build="whole" bldLvl="1" animBg="1" rev="0" advAuto="0" spid="307" grpId="54"/>
-      <p:bldP build="whole" bldLvl="1" animBg="1" rev="0" advAuto="0" spid="302" grpId="55"/>
-      <p:bldP build="whole" bldLvl="1" animBg="1" rev="0" advAuto="0" spid="285" grpId="22"/>
-      <p:bldP build="whole" bldLvl="1" animBg="1" rev="0" advAuto="0" spid="296" grpId="27"/>
-      <p:bldP build="whole" bldLvl="1" animBg="1" rev="0" advAuto="0" spid="282" grpId="1"/>
-      <p:bldP build="whole" bldLvl="1" animBg="1" rev="0" advAuto="0" spid="307" grpId="60"/>
-      <p:bldP build="whole" bldLvl="1" animBg="1" rev="0" advAuto="0" spid="311" grpId="5"/>
-      <p:bldP build="whole" bldLvl="1" animBg="1" rev="0" advAuto="0" spid="288" grpId="23"/>
-      <p:bldP build="whole" bldLvl="1" animBg="1" rev="0" advAuto="0" spid="296" grpId="36"/>
+      <p:bldP build="whole" bldLvl="1" animBg="1" rev="0" advAuto="0" spid="304" grpId="58"/>
+      <p:bldP build="whole" bldLvl="1" animBg="1" rev="0" advAuto="0" spid="290" grpId="10"/>
+      <p:bldP build="whole" bldLvl="1" animBg="1" rev="0" advAuto="0" spid="306" grpId="29"/>
+      <p:bldP build="whole" bldLvl="1" animBg="1" rev="0" advAuto="0" spid="295" grpId="15"/>
+      <p:bldP build="whole" bldLvl="1" animBg="1" rev="0" advAuto="0" spid="300" grpId="33"/>
+      <p:bldP build="whole" bldLvl="1" animBg="1" rev="0" advAuto="0" spid="308" grpId="35"/>
+      <p:bldP build="whole" bldLvl="1" animBg="1" rev="0" advAuto="0" spid="297" grpId="28"/>
+      <p:bldP build="whole" bldLvl="1" animBg="1" rev="0" advAuto="0" spid="286" grpId="16"/>
+      <p:bldP build="whole" bldLvl="1" animBg="1" rev="0" advAuto="0" spid="309" grpId="3"/>
+      <p:bldP build="whole" bldLvl="1" animBg="1" rev="0" advAuto="0" spid="283" grpId="2"/>
+      <p:bldP build="whole" bldLvl="1" animBg="1" rev="0" advAuto="0" spid="306" grpId="38"/>
+      <p:bldP build="whole" bldLvl="1" animBg="1" rev="0" advAuto="0" spid="300" grpId="42"/>
+      <p:bldP build="whole" bldLvl="1" animBg="1" rev="0" advAuto="0" spid="290" grpId="25"/>
+      <p:bldP build="whole" bldLvl="1" animBg="1" rev="0" advAuto="0" spid="292" grpId="45"/>
+      <p:bldP build="whole" bldLvl="1" animBg="1" rev="0" advAuto="0" spid="308" grpId="44"/>
+      <p:bldP build="whole" bldLvl="1" animBg="1" rev="0" advAuto="0" spid="297" grpId="37"/>
+      <p:bldP build="whole" bldLvl="1" animBg="1" rev="0" advAuto="0" spid="306" grpId="50"/>
     </p:bldLst>
   </p:timing>
 </p:sld>
@@ -21461,7 +21459,7 @@
         </p:nvSpPr>
         <p:spPr>
           <a:xfrm>
-            <a:off x="2491207" y="4615604"/>
+            <a:off x="2491207" y="4615603"/>
             <a:ext cx="1528819" cy="736601"/>
           </a:xfrm>
           <a:prstGeom prst="rect">
@@ -21502,7 +21500,7 @@
         <p:spPr>
           <a:xfrm>
             <a:off x="5549189" y="4170316"/>
-            <a:ext cx="3938962" cy="1627176"/>
+            <a:ext cx="3938961" cy="1627176"/>
           </a:xfrm>
           <a:prstGeom prst="roundRect">
             <a:avLst>
@@ -21545,8 +21543,8 @@
         </p:nvSpPr>
         <p:spPr>
           <a:xfrm>
-            <a:off x="6471357" y="4615604"/>
-            <a:ext cx="2094626" cy="736601"/>
+            <a:off x="6471356" y="4615604"/>
+            <a:ext cx="2094627" cy="736601"/>
           </a:xfrm>
           <a:prstGeom prst="rect">
             <a:avLst/>
@@ -21585,8 +21583,8 @@
         </p:nvSpPr>
         <p:spPr>
           <a:xfrm>
-            <a:off x="9812243" y="4170316"/>
-            <a:ext cx="3938961" cy="1627176"/>
+            <a:off x="9812242" y="4170316"/>
+            <a:ext cx="3938962" cy="1627176"/>
           </a:xfrm>
           <a:prstGeom prst="roundRect">
             <a:avLst>
@@ -21881,7 +21879,7 @@
         </p:nvSpPr>
         <p:spPr>
           <a:xfrm>
-            <a:off x="2632659" y="10237891"/>
+            <a:off x="2632659" y="10237892"/>
             <a:ext cx="1245916" cy="736601"/>
           </a:xfrm>
           <a:prstGeom prst="rect">
@@ -22840,20 +22838,20 @@
       </p:par>
     </p:tnLst>
     <p:bldLst>
-      <p:bldP build="whole" bldLvl="1" animBg="1" rev="0" advAuto="0" spid="327" grpId="14"/>
-      <p:bldP build="whole" bldLvl="1" animBg="1" rev="0" advAuto="0" spid="314" grpId="1"/>
-      <p:bldP build="whole" bldLvl="1" animBg="1" rev="0" advAuto="0" spid="320" grpId="7"/>
-      <p:bldP build="whole" bldLvl="1" animBg="1" rev="0" advAuto="0" spid="324" grpId="11"/>
+      <p:bldP build="whole" bldLvl="1" animBg="1" rev="0" advAuto="0" spid="319" grpId="6"/>
       <p:bldP build="whole" bldLvl="1" animBg="1" rev="0" advAuto="0" spid="326" grpId="13"/>
-      <p:bldP build="whole" bldLvl="1" animBg="1" rev="0" advAuto="0" spid="323" grpId="10"/>
-      <p:bldP build="whole" bldLvl="1" animBg="1" rev="0" advAuto="0" spid="316" grpId="3"/>
-      <p:bldP build="whole" bldLvl="1" animBg="1" rev="0" advAuto="0" spid="315" grpId="2"/>
-      <p:bldP build="whole" bldLvl="1" animBg="1" rev="0" advAuto="0" spid="322" grpId="9"/>
       <p:bldP build="whole" bldLvl="1" animBg="1" rev="0" advAuto="0" spid="325" grpId="12"/>
       <p:bldP build="whole" bldLvl="1" animBg="1" rev="0" advAuto="0" spid="321" grpId="8"/>
+      <p:bldP build="whole" bldLvl="1" animBg="1" rev="0" advAuto="0" spid="327" grpId="14"/>
+      <p:bldP build="whole" bldLvl="1" animBg="1" rev="0" advAuto="0" spid="324" grpId="11"/>
+      <p:bldP build="whole" bldLvl="1" animBg="1" rev="0" advAuto="0" spid="318" grpId="5"/>
+      <p:bldP build="whole" bldLvl="1" animBg="1" rev="0" advAuto="0" spid="314" grpId="1"/>
+      <p:bldP build="whole" bldLvl="1" animBg="1" rev="0" advAuto="0" spid="315" grpId="2"/>
+      <p:bldP build="whole" bldLvl="1" animBg="1" rev="0" advAuto="0" spid="320" grpId="7"/>
+      <p:bldP build="whole" bldLvl="1" animBg="1" rev="0" advAuto="0" spid="322" grpId="9"/>
+      <p:bldP build="whole" bldLvl="1" animBg="1" rev="0" advAuto="0" spid="316" grpId="3"/>
+      <p:bldP build="whole" bldLvl="1" animBg="1" rev="0" advAuto="0" spid="323" grpId="10"/>
       <p:bldP build="whole" bldLvl="1" animBg="1" rev="0" advAuto="0" spid="317" grpId="4"/>
-      <p:bldP build="whole" bldLvl="1" animBg="1" rev="0" advAuto="0" spid="319" grpId="6"/>
-      <p:bldP build="whole" bldLvl="1" animBg="1" rev="0" advAuto="0" spid="318" grpId="5"/>
     </p:bldLst>
   </p:timing>
 </p:sld>
@@ -22891,12 +22889,12 @@
         </p:nvSpPr>
         <p:spPr>
           <a:xfrm>
-            <a:off x="1398061" y="3380410"/>
-            <a:ext cx="6745731" cy="1185233"/>
+            <a:off x="1465903" y="3167482"/>
+            <a:ext cx="3354180" cy="1775640"/>
           </a:xfrm>
           <a:prstGeom prst="roundRect">
             <a:avLst>
-              <a:gd name="adj" fmla="val 21681"/>
+              <a:gd name="adj" fmla="val 14472"/>
             </a:avLst>
           </a:prstGeom>
           <a:solidFill>
@@ -22929,66 +22927,22 @@
       </p:sp>
       <p:sp>
         <p:nvSpPr>
-          <p:cNvPr id="330" name="i++"/>
-          <p:cNvSpPr txBox="1"/>
-          <p:nvPr/>
-        </p:nvSpPr>
-        <p:spPr>
-          <a:xfrm>
-            <a:off x="4312358" y="3617426"/>
-            <a:ext cx="917136" cy="711201"/>
-          </a:xfrm>
-          <a:prstGeom prst="rect">
-            <a:avLst/>
-          </a:prstGeom>
-          <a:ln w="12700">
-            <a:miter lim="400000"/>
-          </a:ln>
-          <a:extLst>
-            <a:ext uri="{C572A759-6A51-4108-AA02-DFA0A04FC94B}">
-              <ma14:wrappingTextBoxFlag xmlns:ma14="http://schemas.microsoft.com/office/mac/drawingml/2011/main" val="1"/>
-            </a:ext>
-          </a:extLst>
-        </p:spPr>
-        <p:txBody>
-          <a:bodyPr wrap="none" lIns="50800" tIns="50800" rIns="50800" bIns="50800" anchor="ctr">
-            <a:spAutoFit/>
-          </a:bodyPr>
-          <a:lstStyle>
-            <a:lvl1pPr>
-              <a:defRPr sz="3500">
-                <a:solidFill>
-                  <a:srgbClr val="0D0D0D"/>
-                </a:solidFill>
-              </a:defRPr>
-            </a:lvl1pPr>
-          </a:lstStyle>
-          <a:p>
-            <a:pPr/>
-            <a:r>
-              <a:t>i++</a:t>
-            </a:r>
-          </a:p>
-        </p:txBody>
-      </p:sp>
-      <p:sp>
-        <p:nvSpPr>
-          <p:cNvPr id="331" name="Rounded Rectangle"/>
+          <p:cNvPr id="330" name="Rounded Rectangle"/>
           <p:cNvSpPr/>
           <p:nvPr/>
         </p:nvSpPr>
         <p:spPr>
           <a:xfrm>
-            <a:off x="1398061" y="6301341"/>
-            <a:ext cx="6745731" cy="1185234"/>
+            <a:off x="1465903" y="6603212"/>
+            <a:ext cx="3354180" cy="1396263"/>
           </a:xfrm>
           <a:prstGeom prst="roundRect">
             <a:avLst>
-              <a:gd name="adj" fmla="val 21681"/>
+              <a:gd name="adj" fmla="val 18405"/>
             </a:avLst>
           </a:prstGeom>
           <a:solidFill>
-            <a:srgbClr val="212121"/>
+            <a:srgbClr val="40C4FF"/>
           </a:solidFill>
           <a:ln w="12700">
             <a:miter lim="400000"/>
@@ -23017,14 +22971,14 @@
       </p:sp>
       <p:sp>
         <p:nvSpPr>
-          <p:cNvPr id="332" name="get value of i"/>
+          <p:cNvPr id="331" name="Add(int)"/>
           <p:cNvSpPr txBox="1"/>
           <p:nvPr/>
         </p:nvSpPr>
         <p:spPr>
           <a:xfrm>
-            <a:off x="2840495" y="6538357"/>
-            <a:ext cx="3860863" cy="711201"/>
+            <a:off x="2015396" y="6945743"/>
+            <a:ext cx="2255194" cy="711201"/>
           </a:xfrm>
           <a:prstGeom prst="rect">
             <a:avLst/>
@@ -23048,36 +23002,40 @@
               <a:defRPr sz="3500"/>
             </a:pPr>
             <a:r>
-              <a:t>get</a:t>
+              <a:t>Add(</a:t>
             </a:r>
             <a:r>
-              <a:rPr b="0"/>
-              <a:t> value of </a:t>
+              <a:rPr>
+                <a:solidFill>
+                  <a:srgbClr val="673AB7"/>
+                </a:solidFill>
+              </a:rPr>
+              <a:t>int</a:t>
             </a:r>
             <a:r>
-              <a:t>i</a:t>
+              <a:t>)</a:t>
             </a:r>
           </a:p>
         </p:txBody>
       </p:sp>
       <p:sp>
         <p:nvSpPr>
-          <p:cNvPr id="333" name="Rounded Rectangle"/>
+          <p:cNvPr id="332" name="Rounded Rectangle"/>
           <p:cNvSpPr/>
           <p:nvPr/>
         </p:nvSpPr>
         <p:spPr>
           <a:xfrm>
-            <a:off x="1398061" y="7725849"/>
-            <a:ext cx="6745731" cy="1185233"/>
+            <a:off x="1465903" y="8308915"/>
+            <a:ext cx="3354180" cy="1396263"/>
           </a:xfrm>
           <a:prstGeom prst="roundRect">
             <a:avLst>
-              <a:gd name="adj" fmla="val 21681"/>
+              <a:gd name="adj" fmla="val 18405"/>
             </a:avLst>
           </a:prstGeom>
           <a:solidFill>
-            <a:srgbClr val="212121"/>
+            <a:srgbClr val="40C4FF"/>
           </a:solidFill>
           <a:ln w="12700">
             <a:miter lim="400000"/>
@@ -23106,14 +23064,14 @@
       </p:sp>
       <p:sp>
         <p:nvSpPr>
-          <p:cNvPr id="334" name="increment value of i"/>
+          <p:cNvPr id="333" name="Done()"/>
           <p:cNvSpPr txBox="1"/>
           <p:nvPr/>
         </p:nvSpPr>
         <p:spPr>
           <a:xfrm>
-            <a:off x="2037660" y="7962865"/>
-            <a:ext cx="5466533" cy="711201"/>
+            <a:off x="2283008" y="8651447"/>
+            <a:ext cx="1719970" cy="711201"/>
           </a:xfrm>
           <a:prstGeom prst="rect">
             <a:avLst/>
@@ -23131,42 +23089,37 @@
           <a:bodyPr wrap="none" lIns="50800" tIns="50800" rIns="50800" bIns="50800" anchor="ctr">
             <a:spAutoFit/>
           </a:bodyPr>
-          <a:lstStyle/>
+          <a:lstStyle>
+            <a:lvl1pPr>
+              <a:defRPr sz="3500"/>
+            </a:lvl1pPr>
+          </a:lstStyle>
           <a:p>
-            <a:pPr>
-              <a:defRPr sz="3500"/>
-            </a:pPr>
+            <a:pPr/>
             <a:r>
-              <a:t>increment</a:t>
-            </a:r>
-            <a:r>
-              <a:rPr b="0"/>
-              <a:t> value of </a:t>
-            </a:r>
-            <a:r>
-              <a:t>i</a:t>
+              <a:t>Done()</a:t>
             </a:r>
           </a:p>
         </p:txBody>
       </p:sp>
       <p:sp>
         <p:nvSpPr>
-          <p:cNvPr id="335" name="Rounded Rectangle"/>
+          <p:cNvPr id="334" name="Rounded Rectangle"/>
           <p:cNvSpPr/>
           <p:nvPr/>
         </p:nvSpPr>
         <p:spPr>
           <a:xfrm>
-            <a:off x="1398061" y="9150357"/>
-            <a:ext cx="6745731" cy="1185233"/>
+            <a:off x="1465903" y="10014618"/>
+            <a:ext cx="3354180" cy="1396264"/>
           </a:xfrm>
           <a:prstGeom prst="roundRect">
             <a:avLst>
-              <a:gd name="adj" fmla="val 21681"/>
+              <a:gd name="adj" fmla="val 18405"/>
             </a:avLst>
           </a:prstGeom>
           <a:solidFill>
-            <a:srgbClr val="212121"/>
+            <a:srgbClr val="40C4FF"/>
           </a:solidFill>
           <a:ln w="12700">
             <a:miter lim="400000"/>
@@ -23195,14 +23148,14 @@
       </p:sp>
       <p:sp>
         <p:nvSpPr>
-          <p:cNvPr id="336" name="store value of i"/>
+          <p:cNvPr id="335" name="Wait()"/>
           <p:cNvSpPr txBox="1"/>
           <p:nvPr/>
         </p:nvSpPr>
         <p:spPr>
           <a:xfrm>
-            <a:off x="2572883" y="9387373"/>
-            <a:ext cx="4396086" cy="711201"/>
+            <a:off x="2283008" y="10357150"/>
+            <a:ext cx="1719970" cy="711201"/>
           </a:xfrm>
           <a:prstGeom prst="rect">
             <a:avLst/>
@@ -23220,20 +23173,55 @@
           <a:bodyPr wrap="none" lIns="50800" tIns="50800" rIns="50800" bIns="50800" anchor="ctr">
             <a:spAutoFit/>
           </a:bodyPr>
-          <a:lstStyle/>
+          <a:lstStyle>
+            <a:lvl1pPr>
+              <a:defRPr sz="3500"/>
+            </a:lvl1pPr>
+          </a:lstStyle>
           <a:p>
-            <a:pPr>
+            <a:pPr/>
+            <a:r>
+              <a:t>Wait()</a:t>
+            </a:r>
+          </a:p>
+        </p:txBody>
+      </p:sp>
+      <p:sp>
+        <p:nvSpPr>
+          <p:cNvPr id="336" name="WaitGroup"/>
+          <p:cNvSpPr txBox="1"/>
+          <p:nvPr/>
+        </p:nvSpPr>
+        <p:spPr>
+          <a:xfrm>
+            <a:off x="1881590" y="2419418"/>
+            <a:ext cx="2522805" cy="711201"/>
+          </a:xfrm>
+          <a:prstGeom prst="rect">
+            <a:avLst/>
+          </a:prstGeom>
+          <a:ln w="12700">
+            <a:miter lim="400000"/>
+          </a:ln>
+          <a:extLst>
+            <a:ext uri="{C572A759-6A51-4108-AA02-DFA0A04FC94B}">
+              <ma14:wrappingTextBoxFlag xmlns:ma14="http://schemas.microsoft.com/office/mac/drawingml/2011/main" val="1"/>
+            </a:ext>
+          </a:extLst>
+        </p:spPr>
+        <p:txBody>
+          <a:bodyPr wrap="none" lIns="50800" tIns="50800" rIns="50800" bIns="50800" anchor="ctr">
+            <a:spAutoFit/>
+          </a:bodyPr>
+          <a:lstStyle>
+            <a:lvl1pPr>
               <a:defRPr sz="3500"/>
-            </a:pPr>
+            </a:lvl1pPr>
+          </a:lstStyle>
+          <a:p>
+            <a:pPr/>
             <a:r>
-              <a:t>store</a:t>
-            </a:r>
-            <a:r>
-              <a:rPr b="0"/>
-              <a:t> value of </a:t>
-            </a:r>
-            <a:r>
-              <a:t>i</a:t>
+              <a:t>WaitGroup</a:t>
             </a:r>
           </a:p>
         </p:txBody>
@@ -23246,16 +23234,16 @@
         </p:nvSpPr>
         <p:spPr>
           <a:xfrm>
-            <a:off x="9580178" y="3382069"/>
-            <a:ext cx="6745731" cy="3206312"/>
+            <a:off x="5169023" y="6746709"/>
+            <a:ext cx="6959910" cy="1109270"/>
           </a:xfrm>
           <a:prstGeom prst="roundRect">
             <a:avLst>
-              <a:gd name="adj" fmla="val 8015"/>
+              <a:gd name="adj" fmla="val 23166"/>
             </a:avLst>
           </a:prstGeom>
           <a:solidFill>
-            <a:srgbClr val="E91E63"/>
+            <a:srgbClr val="424242"/>
           </a:solidFill>
           <a:ln w="12700">
             <a:miter lim="400000"/>
@@ -23284,14 +23272,14 @@
       </p:sp>
       <p:sp>
         <p:nvSpPr>
-          <p:cNvPr id="338" name="INDIVISIBLE"/>
+          <p:cNvPr id="338" name="Increment wg.counter"/>
           <p:cNvSpPr txBox="1"/>
           <p:nvPr/>
         </p:nvSpPr>
         <p:spPr>
           <a:xfrm>
-            <a:off x="11003497" y="4547074"/>
-            <a:ext cx="3899093" cy="876301"/>
+            <a:off x="6298014" y="6990193"/>
+            <a:ext cx="4701928" cy="622301"/>
           </a:xfrm>
           <a:prstGeom prst="rect">
             <a:avLst/>
@@ -23311,13 +23299,13 @@
           </a:bodyPr>
           <a:lstStyle>
             <a:lvl1pPr>
-              <a:defRPr sz="4500"/>
+              <a:defRPr sz="3000"/>
             </a:lvl1pPr>
           </a:lstStyle>
           <a:p>
             <a:pPr/>
             <a:r>
-              <a:t>INDIVISIBLE</a:t>
+              <a:t>Increment wg.counter</a:t>
             </a:r>
           </a:p>
         </p:txBody>
@@ -23330,16 +23318,16 @@
         </p:nvSpPr>
         <p:spPr>
           <a:xfrm>
-            <a:off x="9580178" y="7125141"/>
-            <a:ext cx="6745731" cy="3206313"/>
+            <a:off x="5169023" y="8452411"/>
+            <a:ext cx="6959910" cy="1109271"/>
           </a:xfrm>
           <a:prstGeom prst="roundRect">
             <a:avLst>
-              <a:gd name="adj" fmla="val 8015"/>
+              <a:gd name="adj" fmla="val 23166"/>
             </a:avLst>
           </a:prstGeom>
           <a:solidFill>
-            <a:srgbClr val="E91E63"/>
+            <a:srgbClr val="424242"/>
           </a:solidFill>
           <a:ln w="12700">
             <a:miter lim="400000"/>
@@ -23368,14 +23356,14 @@
       </p:sp>
       <p:sp>
         <p:nvSpPr>
-          <p:cNvPr id="340" name="UNINTERRUPTIBLE"/>
+          <p:cNvPr id="340" name="Decrement wg.counter"/>
           <p:cNvSpPr txBox="1"/>
           <p:nvPr/>
         </p:nvSpPr>
         <p:spPr>
           <a:xfrm>
-            <a:off x="10315353" y="8290147"/>
-            <a:ext cx="5275382" cy="876301"/>
+            <a:off x="6298014" y="8695896"/>
+            <a:ext cx="4701928" cy="622301"/>
           </a:xfrm>
           <a:prstGeom prst="rect">
             <a:avLst/>
@@ -23395,13 +23383,199 @@
           </a:bodyPr>
           <a:lstStyle>
             <a:lvl1pPr>
-              <a:defRPr sz="4500"/>
+              <a:defRPr sz="3000"/>
             </a:lvl1pPr>
           </a:lstStyle>
           <a:p>
             <a:pPr/>
             <a:r>
-              <a:t>UNINTERRUPTIBLE</a:t>
+              <a:t>Decrement wg.counter</a:t>
+            </a:r>
+          </a:p>
+        </p:txBody>
+      </p:sp>
+      <p:sp>
+        <p:nvSpPr>
+          <p:cNvPr id="341" name="Rounded Rectangle"/>
+          <p:cNvSpPr/>
+          <p:nvPr/>
+        </p:nvSpPr>
+        <p:spPr>
+          <a:xfrm>
+            <a:off x="5169023" y="10158115"/>
+            <a:ext cx="6959910" cy="1109270"/>
+          </a:xfrm>
+          <a:prstGeom prst="roundRect">
+            <a:avLst>
+              <a:gd name="adj" fmla="val 23166"/>
+            </a:avLst>
+          </a:prstGeom>
+          <a:solidFill>
+            <a:srgbClr val="424242"/>
+          </a:solidFill>
+          <a:ln w="12700">
+            <a:miter lim="400000"/>
+          </a:ln>
+        </p:spPr>
+        <p:txBody>
+          <a:bodyPr lIns="50800" tIns="50800" rIns="50800" bIns="50800" anchor="ctr"/>
+          <a:lstStyle/>
+          <a:p>
+            <a:pPr algn="ctr">
+              <a:lnSpc>
+                <a:spcPct val="80000"/>
+              </a:lnSpc>
+              <a:spcBef>
+                <a:spcPts val="0"/>
+              </a:spcBef>
+              <a:defRPr b="0" cap="all" sz="4000">
+                <a:latin typeface="+mn-lt"/>
+                <a:ea typeface="+mn-ea"/>
+                <a:cs typeface="+mn-cs"/>
+                <a:sym typeface="DIN Condensed Bold"/>
+              </a:defRPr>
+            </a:pPr>
+          </a:p>
+        </p:txBody>
+      </p:sp>
+      <p:sp>
+        <p:nvSpPr>
+          <p:cNvPr id="342" name="Exit when wg.counter == 0"/>
+          <p:cNvSpPr txBox="1"/>
+          <p:nvPr/>
+        </p:nvSpPr>
+        <p:spPr>
+          <a:xfrm>
+            <a:off x="5724561" y="10401599"/>
+            <a:ext cx="5848834" cy="622301"/>
+          </a:xfrm>
+          <a:prstGeom prst="rect">
+            <a:avLst/>
+          </a:prstGeom>
+          <a:ln w="12700">
+            <a:miter lim="400000"/>
+          </a:ln>
+          <a:extLst>
+            <a:ext uri="{C572A759-6A51-4108-AA02-DFA0A04FC94B}">
+              <ma14:wrappingTextBoxFlag xmlns:ma14="http://schemas.microsoft.com/office/mac/drawingml/2011/main" val="1"/>
+            </a:ext>
+          </a:extLst>
+        </p:spPr>
+        <p:txBody>
+          <a:bodyPr wrap="none" lIns="50800" tIns="50800" rIns="50800" bIns="50800" anchor="ctr">
+            <a:spAutoFit/>
+          </a:bodyPr>
+          <a:lstStyle>
+            <a:lvl1pPr>
+              <a:defRPr sz="3000"/>
+            </a:lvl1pPr>
+          </a:lstStyle>
+          <a:p>
+            <a:pPr/>
+            <a:r>
+              <a:t>Exit when wg.counter == 0</a:t>
+            </a:r>
+          </a:p>
+        </p:txBody>
+      </p:sp>
+      <p:sp>
+        <p:nvSpPr>
+          <p:cNvPr id="343" name="Rounded Rectangle"/>
+          <p:cNvSpPr/>
+          <p:nvPr/>
+        </p:nvSpPr>
+        <p:spPr>
+          <a:xfrm>
+            <a:off x="1881590" y="3605119"/>
+            <a:ext cx="2522806" cy="900366"/>
+          </a:xfrm>
+          <a:prstGeom prst="roundRect">
+            <a:avLst>
+              <a:gd name="adj" fmla="val 15109"/>
+            </a:avLst>
+          </a:prstGeom>
+          <a:solidFill>
+            <a:srgbClr val="0D0D0D"/>
+          </a:solidFill>
+          <a:ln w="12700">
+            <a:miter lim="400000"/>
+          </a:ln>
+        </p:spPr>
+        <p:txBody>
+          <a:bodyPr lIns="50800" tIns="50800" rIns="50800" bIns="50800" anchor="ctr"/>
+          <a:lstStyle/>
+          <a:p>
+            <a:pPr algn="ctr">
+              <a:lnSpc>
+                <a:spcPct val="80000"/>
+              </a:lnSpc>
+              <a:spcBef>
+                <a:spcPts val="0"/>
+              </a:spcBef>
+              <a:defRPr b="0" cap="all" sz="4000">
+                <a:latin typeface="+mn-lt"/>
+                <a:ea typeface="+mn-ea"/>
+                <a:cs typeface="+mn-cs"/>
+                <a:sym typeface="DIN Condensed Bold"/>
+              </a:defRPr>
+            </a:pPr>
+          </a:p>
+        </p:txBody>
+      </p:sp>
+      <p:sp>
+        <p:nvSpPr>
+          <p:cNvPr id="344" name="count int"/>
+          <p:cNvSpPr txBox="1"/>
+          <p:nvPr/>
+        </p:nvSpPr>
+        <p:spPr>
+          <a:xfrm>
+            <a:off x="2225662" y="3788602"/>
+            <a:ext cx="1834661" cy="533401"/>
+          </a:xfrm>
+          <a:prstGeom prst="rect">
+            <a:avLst/>
+          </a:prstGeom>
+          <a:ln w="12700">
+            <a:miter lim="400000"/>
+          </a:ln>
+          <a:extLst>
+            <a:ext uri="{C572A759-6A51-4108-AA02-DFA0A04FC94B}">
+              <ma14:wrappingTextBoxFlag xmlns:ma14="http://schemas.microsoft.com/office/mac/drawingml/2011/main" val="1"/>
+            </a:ext>
+          </a:extLst>
+        </p:spPr>
+        <p:txBody>
+          <a:bodyPr wrap="none" lIns="50800" tIns="50800" rIns="50800" bIns="50800" anchor="ctr">
+            <a:spAutoFit/>
+          </a:bodyPr>
+          <a:lstStyle/>
+          <a:p>
+            <a:pPr>
+              <a:defRPr sz="2500">
+                <a:solidFill>
+                  <a:srgbClr val="0D0D0D"/>
+                </a:solidFill>
+              </a:defRPr>
+            </a:pPr>
+            <a:r>
+              <a:rPr>
+                <a:solidFill>
+                  <a:srgbClr val="FFFFFF"/>
+                </a:solidFill>
+              </a:rPr>
+              <a:t>count</a:t>
+            </a:r>
+            <a:r>
+              <a:t> </a:t>
+            </a:r>
+            <a:r>
+              <a:rPr>
+                <a:solidFill>
+                  <a:srgbClr val="673AB7"/>
+                </a:solidFill>
+              </a:rPr>
+              <a:t>int</a:t>
             </a:r>
           </a:p>
         </p:txBody>
@@ -23492,6 +23666,130 @@
                               <p:par>
                                 <p:cTn id="9" presetClass="entr" nodeType="afterEffect" presetSubtype="32" presetID="23" grpId="2" fill="hold">
                                   <p:stCondLst>
+                                    <p:cond delay="200"/>
+                                  </p:stCondLst>
+                                  <p:iterate type="el" backwards="0">
+                                    <p:tmAbs val="0"/>
+                                  </p:iterate>
+                                  <p:childTnLst>
+                                    <p:set>
+                                      <p:cBhvr>
+                                        <p:cTn id="10" fill="hold"/>
+                                        <p:tgtEl>
+                                          <p:spTgt spid="336"/>
+                                        </p:tgtEl>
+                                        <p:attrNameLst>
+                                          <p:attrName>style.visibility</p:attrName>
+                                        </p:attrNameLst>
+                                      </p:cBhvr>
+                                      <p:to>
+                                        <p:strVal val="visible"/>
+                                      </p:to>
+                                    </p:set>
+                                    <p:anim calcmode="lin" valueType="num">
+                                      <p:cBhvr>
+                                        <p:cTn id="11" dur="800" fill="hold"/>
+                                        <p:tgtEl>
+                                          <p:spTgt spid="336"/>
+                                        </p:tgtEl>
+                                        <p:attrNameLst>
+                                          <p:attrName>ppt_w</p:attrName>
+                                        </p:attrNameLst>
+                                      </p:cBhvr>
+                                      <p:tavLst>
+                                        <p:tav tm="0">
+                                          <p:val>
+                                            <p:strVal val="4*#ppt_w"/>
+                                          </p:val>
+                                        </p:tav>
+                                        <p:tav tm="100000">
+                                          <p:val>
+                                            <p:strVal val="#ppt_w"/>
+                                          </p:val>
+                                        </p:tav>
+                                      </p:tavLst>
+                                    </p:anim>
+                                    <p:anim calcmode="lin" valueType="num">
+                                      <p:cBhvr>
+                                        <p:cTn id="12" dur="800" fill="hold"/>
+                                        <p:tgtEl>
+                                          <p:spTgt spid="336"/>
+                                        </p:tgtEl>
+                                        <p:attrNameLst>
+                                          <p:attrName>ppt_h</p:attrName>
+                                        </p:attrNameLst>
+                                      </p:cBhvr>
+                                      <p:tavLst>
+                                        <p:tav tm="0">
+                                          <p:val>
+                                            <p:strVal val="4*#ppt_h"/>
+                                          </p:val>
+                                        </p:tav>
+                                        <p:tav tm="100000">
+                                          <p:val>
+                                            <p:strVal val="#ppt_h"/>
+                                          </p:val>
+                                        </p:tav>
+                                      </p:tavLst>
+                                    </p:anim>
+                                  </p:childTnLst>
+                                </p:cTn>
+                              </p:par>
+                            </p:childTnLst>
+                          </p:cTn>
+                        </p:par>
+                        <p:par>
+                          <p:cTn id="13" fill="hold">
+                            <p:stCondLst>
+                              <p:cond delay="1700"/>
+                            </p:stCondLst>
+                            <p:childTnLst>
+                              <p:par>
+                                <p:cTn id="14" presetClass="entr" nodeType="afterEffect" presetSubtype="32" presetID="4" grpId="3" fill="hold">
+                                  <p:stCondLst>
+                                    <p:cond delay="300"/>
+                                  </p:stCondLst>
+                                  <p:iterate type="el" backwards="0">
+                                    <p:tmAbs val="0"/>
+                                  </p:iterate>
+                                  <p:childTnLst>
+                                    <p:set>
+                                      <p:cBhvr>
+                                        <p:cTn id="15" fill="hold"/>
+                                        <p:tgtEl>
+                                          <p:spTgt spid="343"/>
+                                        </p:tgtEl>
+                                        <p:attrNameLst>
+                                          <p:attrName>style.visibility</p:attrName>
+                                        </p:attrNameLst>
+                                      </p:cBhvr>
+                                      <p:to>
+                                        <p:strVal val="visible"/>
+                                      </p:to>
+                                    </p:set>
+                                    <p:animEffect filter="box(out)" transition="in">
+                                      <p:cBhvr>
+                                        <p:cTn id="16" dur="700"/>
+                                        <p:tgtEl>
+                                          <p:spTgt spid="343"/>
+                                        </p:tgtEl>
+                                      </p:cBhvr>
+                                    </p:animEffect>
+                                  </p:childTnLst>
+                                </p:cTn>
+                              </p:par>
+                            </p:childTnLst>
+                          </p:cTn>
+                        </p:par>
+                        <p:par>
+                          <p:cTn id="17" fill="hold">
+                            <p:stCondLst>
+                              <p:cond delay="2700"/>
+                            </p:stCondLst>
+                            <p:childTnLst>
+                              <p:par>
+                                <p:cTn id="18" presetClass="entr" nodeType="afterEffect" presetSubtype="32" presetID="23" grpId="4" fill="hold">
+                                  <p:stCondLst>
                                     <p:cond delay="0"/>
                                   </p:stCondLst>
                                   <p:iterate type="el" backwards="0">
@@ -23500,9 +23798,9 @@
                                   <p:childTnLst>
                                     <p:set>
                                       <p:cBhvr>
-                                        <p:cTn id="10" fill="hold"/>
-                                        <p:tgtEl>
-                                          <p:spTgt spid="330"/>
+                                        <p:cTn id="19" fill="hold"/>
+                                        <p:tgtEl>
+                                          <p:spTgt spid="344"/>
                                         </p:tgtEl>
                                         <p:attrNameLst>
                                           <p:attrName>style.visibility</p:attrName>
@@ -23514,9 +23812,9 @@
                                     </p:set>
                                     <p:anim calcmode="lin" valueType="num">
                                       <p:cBhvr>
-                                        <p:cTn id="11" dur="900" fill="hold"/>
-                                        <p:tgtEl>
-                                          <p:spTgt spid="330"/>
+                                        <p:cTn id="20" dur="900" fill="hold"/>
+                                        <p:tgtEl>
+                                          <p:spTgt spid="344"/>
                                         </p:tgtEl>
                                         <p:attrNameLst>
                                           <p:attrName>ppt_w</p:attrName>
@@ -23537,9 +23835,9 @@
                                     </p:anim>
                                     <p:anim calcmode="lin" valueType="num">
                                       <p:cBhvr>
-                                        <p:cTn id="12" dur="900" fill="hold"/>
-                                        <p:tgtEl>
-                                          <p:spTgt spid="330"/>
+                                        <p:cTn id="21" dur="900" fill="hold"/>
+                                        <p:tgtEl>
+                                          <p:spTgt spid="344"/>
                                         </p:tgtEl>
                                         <p:attrNameLst>
                                           <p:attrName>ppt_h</p:attrName>
@@ -23568,19 +23866,19 @@
                     </p:cTn>
                   </p:par>
                   <p:par>
-                    <p:cTn id="13" fill="hold">
+                    <p:cTn id="22" fill="hold">
                       <p:stCondLst>
                         <p:cond delay="indefinite"/>
                       </p:stCondLst>
                       <p:childTnLst>
                         <p:par>
-                          <p:cTn id="14" fill="hold">
+                          <p:cTn id="23" fill="hold">
                             <p:stCondLst>
                               <p:cond delay="0"/>
                             </p:stCondLst>
                             <p:childTnLst>
                               <p:par>
-                                <p:cTn id="15" presetClass="entr" nodeType="clickEffect" presetSubtype="32" presetID="4" grpId="3" fill="hold">
+                                <p:cTn id="24" presetClass="entr" nodeType="clickEffect" presetSubtype="32" presetID="4" grpId="5" fill="hold">
                                   <p:stCondLst>
                                     <p:cond delay="0"/>
                                   </p:stCondLst>
@@ -23590,9 +23888,9 @@
                                   <p:childTnLst>
                                     <p:set>
                                       <p:cBhvr>
-                                        <p:cTn id="16" fill="hold"/>
-                                        <p:tgtEl>
-                                          <p:spTgt spid="331"/>
+                                        <p:cTn id="25" fill="hold"/>
+                                        <p:tgtEl>
+                                          <p:spTgt spid="330"/>
                                         </p:tgtEl>
                                         <p:attrNameLst>
                                           <p:attrName>style.visibility</p:attrName>
@@ -23604,9 +23902,9 @@
                                     </p:set>
                                     <p:animEffect filter="box(out)" transition="in">
                                       <p:cBhvr>
-                                        <p:cTn id="17" dur="700"/>
-                                        <p:tgtEl>
-                                          <p:spTgt spid="331"/>
+                                        <p:cTn id="26" dur="700"/>
+                                        <p:tgtEl>
+                                          <p:spTgt spid="330"/>
                                         </p:tgtEl>
                                       </p:cBhvr>
                                     </p:animEffect>
@@ -23617,13 +23915,13 @@
                           </p:cTn>
                         </p:par>
                         <p:par>
-                          <p:cTn id="18" fill="hold">
+                          <p:cTn id="27" fill="hold">
                             <p:stCondLst>
                               <p:cond delay="700"/>
                             </p:stCondLst>
                             <p:childTnLst>
                               <p:par>
-                                <p:cTn id="19" presetClass="entr" nodeType="afterEffect" presetSubtype="32" presetID="23" grpId="4" fill="hold">
+                                <p:cTn id="28" presetClass="entr" nodeType="afterEffect" presetSubtype="32" presetID="23" grpId="6" fill="hold">
                                   <p:stCondLst>
                                     <p:cond delay="0"/>
                                   </p:stCondLst>
@@ -23633,9 +23931,9 @@
                                   <p:childTnLst>
                                     <p:set>
                                       <p:cBhvr>
-                                        <p:cTn id="20" fill="hold"/>
-                                        <p:tgtEl>
-                                          <p:spTgt spid="332"/>
+                                        <p:cTn id="29" fill="hold"/>
+                                        <p:tgtEl>
+                                          <p:spTgt spid="331"/>
                                         </p:tgtEl>
                                         <p:attrNameLst>
                                           <p:attrName>style.visibility</p:attrName>
@@ -23647,9 +23945,9 @@
                                     </p:set>
                                     <p:anim calcmode="lin" valueType="num">
                                       <p:cBhvr>
-                                        <p:cTn id="21" dur="900" fill="hold"/>
-                                        <p:tgtEl>
-                                          <p:spTgt spid="332"/>
+                                        <p:cTn id="30" dur="900" fill="hold"/>
+                                        <p:tgtEl>
+                                          <p:spTgt spid="331"/>
                                         </p:tgtEl>
                                         <p:attrNameLst>
                                           <p:attrName>ppt_w</p:attrName>
@@ -23670,9 +23968,171 @@
                                     </p:anim>
                                     <p:anim calcmode="lin" valueType="num">
                                       <p:cBhvr>
-                                        <p:cTn id="22" dur="900" fill="hold"/>
-                                        <p:tgtEl>
-                                          <p:spTgt spid="332"/>
+                                        <p:cTn id="31" dur="900" fill="hold"/>
+                                        <p:tgtEl>
+                                          <p:spTgt spid="331"/>
+                                        </p:tgtEl>
+                                        <p:attrNameLst>
+                                          <p:attrName>ppt_h</p:attrName>
+                                        </p:attrNameLst>
+                                      </p:cBhvr>
+                                      <p:tavLst>
+                                        <p:tav tm="0">
+                                          <p:val>
+                                            <p:strVal val="4*#ppt_h"/>
+                                          </p:val>
+                                        </p:tav>
+                                        <p:tav tm="100000">
+                                          <p:val>
+                                            <p:strVal val="#ppt_h"/>
+                                          </p:val>
+                                        </p:tav>
+                                      </p:tavLst>
+                                    </p:anim>
+                                  </p:childTnLst>
+                                </p:cTn>
+                              </p:par>
+                            </p:childTnLst>
+                          </p:cTn>
+                        </p:par>
+                        <p:par>
+                          <p:cTn id="32" fill="hold">
+                            <p:stCondLst>
+                              <p:cond delay="1600"/>
+                            </p:stCondLst>
+                            <p:childTnLst>
+                              <p:par>
+                                <p:cTn id="33" presetClass="entr" nodeType="afterEffect" presetSubtype="8" presetID="2" grpId="7" fill="hold">
+                                  <p:stCondLst>
+                                    <p:cond delay="200"/>
+                                  </p:stCondLst>
+                                  <p:iterate type="el" backwards="0">
+                                    <p:tmAbs val="0"/>
+                                  </p:iterate>
+                                  <p:childTnLst>
+                                    <p:set>
+                                      <p:cBhvr>
+                                        <p:cTn id="34" fill="hold"/>
+                                        <p:tgtEl>
+                                          <p:spTgt spid="337"/>
+                                        </p:tgtEl>
+                                        <p:attrNameLst>
+                                          <p:attrName>style.visibility</p:attrName>
+                                        </p:attrNameLst>
+                                      </p:cBhvr>
+                                      <p:to>
+                                        <p:strVal val="visible"/>
+                                      </p:to>
+                                    </p:set>
+                                    <p:anim calcmode="lin" valueType="num">
+                                      <p:cBhvr>
+                                        <p:cTn id="35" dur="700" fill="hold"/>
+                                        <p:tgtEl>
+                                          <p:spTgt spid="337"/>
+                                        </p:tgtEl>
+                                        <p:attrNameLst>
+                                          <p:attrName>ppt_x</p:attrName>
+                                        </p:attrNameLst>
+                                      </p:cBhvr>
+                                      <p:tavLst>
+                                        <p:tav tm="0">
+                                          <p:val>
+                                            <p:strVal val="0-#ppt_w/2"/>
+                                          </p:val>
+                                        </p:tav>
+                                        <p:tav tm="100000">
+                                          <p:val>
+                                            <p:strVal val="#ppt_x"/>
+                                          </p:val>
+                                        </p:tav>
+                                      </p:tavLst>
+                                    </p:anim>
+                                    <p:anim calcmode="lin" valueType="num">
+                                      <p:cBhvr>
+                                        <p:cTn id="36" dur="700" fill="hold"/>
+                                        <p:tgtEl>
+                                          <p:spTgt spid="337"/>
+                                        </p:tgtEl>
+                                        <p:attrNameLst>
+                                          <p:attrName>ppt_y</p:attrName>
+                                        </p:attrNameLst>
+                                      </p:cBhvr>
+                                      <p:tavLst>
+                                        <p:tav tm="0">
+                                          <p:val>
+                                            <p:strVal val="#ppt_y"/>
+                                          </p:val>
+                                        </p:tav>
+                                        <p:tav tm="100000">
+                                          <p:val>
+                                            <p:strVal val="#ppt_y"/>
+                                          </p:val>
+                                        </p:tav>
+                                      </p:tavLst>
+                                    </p:anim>
+                                  </p:childTnLst>
+                                </p:cTn>
+                              </p:par>
+                            </p:childTnLst>
+                          </p:cTn>
+                        </p:par>
+                        <p:par>
+                          <p:cTn id="37" fill="hold">
+                            <p:stCondLst>
+                              <p:cond delay="2500"/>
+                            </p:stCondLst>
+                            <p:childTnLst>
+                              <p:par>
+                                <p:cTn id="38" presetClass="entr" nodeType="afterEffect" presetSubtype="32" presetID="23" grpId="8" fill="hold">
+                                  <p:stCondLst>
+                                    <p:cond delay="0"/>
+                                  </p:stCondLst>
+                                  <p:iterate type="el" backwards="0">
+                                    <p:tmAbs val="0"/>
+                                  </p:iterate>
+                                  <p:childTnLst>
+                                    <p:set>
+                                      <p:cBhvr>
+                                        <p:cTn id="39" fill="hold"/>
+                                        <p:tgtEl>
+                                          <p:spTgt spid="338"/>
+                                        </p:tgtEl>
+                                        <p:attrNameLst>
+                                          <p:attrName>style.visibility</p:attrName>
+                                        </p:attrNameLst>
+                                      </p:cBhvr>
+                                      <p:to>
+                                        <p:strVal val="visible"/>
+                                      </p:to>
+                                    </p:set>
+                                    <p:anim calcmode="lin" valueType="num">
+                                      <p:cBhvr>
+                                        <p:cTn id="40" dur="900" fill="hold"/>
+                                        <p:tgtEl>
+                                          <p:spTgt spid="338"/>
+                                        </p:tgtEl>
+                                        <p:attrNameLst>
+                                          <p:attrName>ppt_w</p:attrName>
+                                        </p:attrNameLst>
+                                      </p:cBhvr>
+                                      <p:tavLst>
+                                        <p:tav tm="0">
+                                          <p:val>
+                                            <p:strVal val="4*#ppt_w"/>
+                                          </p:val>
+                                        </p:tav>
+                                        <p:tav tm="100000">
+                                          <p:val>
+                                            <p:strVal val="#ppt_w"/>
+                                          </p:val>
+                                        </p:tav>
+                                      </p:tavLst>
+                                    </p:anim>
+                                    <p:anim calcmode="lin" valueType="num">
+                                      <p:cBhvr>
+                                        <p:cTn id="41" dur="900" fill="hold"/>
+                                        <p:tgtEl>
+                                          <p:spTgt spid="338"/>
                                         </p:tgtEl>
                                         <p:attrNameLst>
                                           <p:attrName>ppt_h</p:attrName>
@@ -23701,19 +24161,19 @@
                     </p:cTn>
                   </p:par>
                   <p:par>
-                    <p:cTn id="23" fill="hold">
+                    <p:cTn id="42" fill="hold">
                       <p:stCondLst>
                         <p:cond delay="indefinite"/>
                       </p:stCondLst>
                       <p:childTnLst>
                         <p:par>
-                          <p:cTn id="24" fill="hold">
+                          <p:cTn id="43" fill="hold">
                             <p:stCondLst>
                               <p:cond delay="0"/>
                             </p:stCondLst>
                             <p:childTnLst>
                               <p:par>
-                                <p:cTn id="25" presetClass="entr" nodeType="clickEffect" presetSubtype="32" presetID="4" grpId="5" fill="hold">
+                                <p:cTn id="44" presetClass="entr" nodeType="clickEffect" presetSubtype="32" presetID="4" grpId="9" fill="hold">
                                   <p:stCondLst>
                                     <p:cond delay="0"/>
                                   </p:stCondLst>
@@ -23723,9 +24183,9 @@
                                   <p:childTnLst>
                                     <p:set>
                                       <p:cBhvr>
-                                        <p:cTn id="26" fill="hold"/>
-                                        <p:tgtEl>
-                                          <p:spTgt spid="333"/>
+                                        <p:cTn id="45" fill="hold"/>
+                                        <p:tgtEl>
+                                          <p:spTgt spid="332"/>
                                         </p:tgtEl>
                                         <p:attrNameLst>
                                           <p:attrName>style.visibility</p:attrName>
@@ -23737,9 +24197,9 @@
                                     </p:set>
                                     <p:animEffect filter="box(out)" transition="in">
                                       <p:cBhvr>
-                                        <p:cTn id="27" dur="700"/>
-                                        <p:tgtEl>
-                                          <p:spTgt spid="333"/>
+                                        <p:cTn id="46" dur="700"/>
+                                        <p:tgtEl>
+                                          <p:spTgt spid="332"/>
                                         </p:tgtEl>
                                       </p:cBhvr>
                                     </p:animEffect>
@@ -23750,13 +24210,13 @@
                           </p:cTn>
                         </p:par>
                         <p:par>
-                          <p:cTn id="28" fill="hold">
+                          <p:cTn id="47" fill="hold">
                             <p:stCondLst>
                               <p:cond delay="700"/>
                             </p:stCondLst>
                             <p:childTnLst>
                               <p:par>
-                                <p:cTn id="29" presetClass="entr" nodeType="afterEffect" presetSubtype="32" presetID="23" grpId="6" fill="hold">
+                                <p:cTn id="48" presetClass="entr" nodeType="afterEffect" presetSubtype="32" presetID="23" grpId="10" fill="hold">
                                   <p:stCondLst>
                                     <p:cond delay="0"/>
                                   </p:stCondLst>
@@ -23766,9 +24226,9 @@
                                   <p:childTnLst>
                                     <p:set>
                                       <p:cBhvr>
-                                        <p:cTn id="30" fill="hold"/>
-                                        <p:tgtEl>
-                                          <p:spTgt spid="334"/>
+                                        <p:cTn id="49" fill="hold"/>
+                                        <p:tgtEl>
+                                          <p:spTgt spid="333"/>
                                         </p:tgtEl>
                                         <p:attrNameLst>
                                           <p:attrName>style.visibility</p:attrName>
@@ -23780,9 +24240,9 @@
                                     </p:set>
                                     <p:anim calcmode="lin" valueType="num">
                                       <p:cBhvr>
-                                        <p:cTn id="31" dur="900" fill="hold"/>
-                                        <p:tgtEl>
-                                          <p:spTgt spid="334"/>
+                                        <p:cTn id="50" dur="900" fill="hold"/>
+                                        <p:tgtEl>
+                                          <p:spTgt spid="333"/>
                                         </p:tgtEl>
                                         <p:attrNameLst>
                                           <p:attrName>ppt_w</p:attrName>
@@ -23803,9 +24263,171 @@
                                     </p:anim>
                                     <p:anim calcmode="lin" valueType="num">
                                       <p:cBhvr>
-                                        <p:cTn id="32" dur="900" fill="hold"/>
-                                        <p:tgtEl>
-                                          <p:spTgt spid="334"/>
+                                        <p:cTn id="51" dur="900" fill="hold"/>
+                                        <p:tgtEl>
+                                          <p:spTgt spid="333"/>
+                                        </p:tgtEl>
+                                        <p:attrNameLst>
+                                          <p:attrName>ppt_h</p:attrName>
+                                        </p:attrNameLst>
+                                      </p:cBhvr>
+                                      <p:tavLst>
+                                        <p:tav tm="0">
+                                          <p:val>
+                                            <p:strVal val="4*#ppt_h"/>
+                                          </p:val>
+                                        </p:tav>
+                                        <p:tav tm="100000">
+                                          <p:val>
+                                            <p:strVal val="#ppt_h"/>
+                                          </p:val>
+                                        </p:tav>
+                                      </p:tavLst>
+                                    </p:anim>
+                                  </p:childTnLst>
+                                </p:cTn>
+                              </p:par>
+                            </p:childTnLst>
+                          </p:cTn>
+                        </p:par>
+                        <p:par>
+                          <p:cTn id="52" fill="hold">
+                            <p:stCondLst>
+                              <p:cond delay="1600"/>
+                            </p:stCondLst>
+                            <p:childTnLst>
+                              <p:par>
+                                <p:cTn id="53" presetClass="entr" nodeType="afterEffect" presetSubtype="8" presetID="2" grpId="11" fill="hold">
+                                  <p:stCondLst>
+                                    <p:cond delay="200"/>
+                                  </p:stCondLst>
+                                  <p:iterate type="el" backwards="0">
+                                    <p:tmAbs val="0"/>
+                                  </p:iterate>
+                                  <p:childTnLst>
+                                    <p:set>
+                                      <p:cBhvr>
+                                        <p:cTn id="54" fill="hold"/>
+                                        <p:tgtEl>
+                                          <p:spTgt spid="339"/>
+                                        </p:tgtEl>
+                                        <p:attrNameLst>
+                                          <p:attrName>style.visibility</p:attrName>
+                                        </p:attrNameLst>
+                                      </p:cBhvr>
+                                      <p:to>
+                                        <p:strVal val="visible"/>
+                                      </p:to>
+                                    </p:set>
+                                    <p:anim calcmode="lin" valueType="num">
+                                      <p:cBhvr>
+                                        <p:cTn id="55" dur="700" fill="hold"/>
+                                        <p:tgtEl>
+                                          <p:spTgt spid="339"/>
+                                        </p:tgtEl>
+                                        <p:attrNameLst>
+                                          <p:attrName>ppt_x</p:attrName>
+                                        </p:attrNameLst>
+                                      </p:cBhvr>
+                                      <p:tavLst>
+                                        <p:tav tm="0">
+                                          <p:val>
+                                            <p:strVal val="0-#ppt_w/2"/>
+                                          </p:val>
+                                        </p:tav>
+                                        <p:tav tm="100000">
+                                          <p:val>
+                                            <p:strVal val="#ppt_x"/>
+                                          </p:val>
+                                        </p:tav>
+                                      </p:tavLst>
+                                    </p:anim>
+                                    <p:anim calcmode="lin" valueType="num">
+                                      <p:cBhvr>
+                                        <p:cTn id="56" dur="700" fill="hold"/>
+                                        <p:tgtEl>
+                                          <p:spTgt spid="339"/>
+                                        </p:tgtEl>
+                                        <p:attrNameLst>
+                                          <p:attrName>ppt_y</p:attrName>
+                                        </p:attrNameLst>
+                                      </p:cBhvr>
+                                      <p:tavLst>
+                                        <p:tav tm="0">
+                                          <p:val>
+                                            <p:strVal val="#ppt_y"/>
+                                          </p:val>
+                                        </p:tav>
+                                        <p:tav tm="100000">
+                                          <p:val>
+                                            <p:strVal val="#ppt_y"/>
+                                          </p:val>
+                                        </p:tav>
+                                      </p:tavLst>
+                                    </p:anim>
+                                  </p:childTnLst>
+                                </p:cTn>
+                              </p:par>
+                            </p:childTnLst>
+                          </p:cTn>
+                        </p:par>
+                        <p:par>
+                          <p:cTn id="57" fill="hold">
+                            <p:stCondLst>
+                              <p:cond delay="2500"/>
+                            </p:stCondLst>
+                            <p:childTnLst>
+                              <p:par>
+                                <p:cTn id="58" presetClass="entr" nodeType="afterEffect" presetSubtype="32" presetID="23" grpId="12" fill="hold">
+                                  <p:stCondLst>
+                                    <p:cond delay="0"/>
+                                  </p:stCondLst>
+                                  <p:iterate type="el" backwards="0">
+                                    <p:tmAbs val="0"/>
+                                  </p:iterate>
+                                  <p:childTnLst>
+                                    <p:set>
+                                      <p:cBhvr>
+                                        <p:cTn id="59" fill="hold"/>
+                                        <p:tgtEl>
+                                          <p:spTgt spid="340"/>
+                                        </p:tgtEl>
+                                        <p:attrNameLst>
+                                          <p:attrName>style.visibility</p:attrName>
+                                        </p:attrNameLst>
+                                      </p:cBhvr>
+                                      <p:to>
+                                        <p:strVal val="visible"/>
+                                      </p:to>
+                                    </p:set>
+                                    <p:anim calcmode="lin" valueType="num">
+                                      <p:cBhvr>
+                                        <p:cTn id="60" dur="900" fill="hold"/>
+                                        <p:tgtEl>
+                                          <p:spTgt spid="340"/>
+                                        </p:tgtEl>
+                                        <p:attrNameLst>
+                                          <p:attrName>ppt_w</p:attrName>
+                                        </p:attrNameLst>
+                                      </p:cBhvr>
+                                      <p:tavLst>
+                                        <p:tav tm="0">
+                                          <p:val>
+                                            <p:strVal val="4*#ppt_w"/>
+                                          </p:val>
+                                        </p:tav>
+                                        <p:tav tm="100000">
+                                          <p:val>
+                                            <p:strVal val="#ppt_w"/>
+                                          </p:val>
+                                        </p:tav>
+                                      </p:tavLst>
+                                    </p:anim>
+                                    <p:anim calcmode="lin" valueType="num">
+                                      <p:cBhvr>
+                                        <p:cTn id="61" dur="900" fill="hold"/>
+                                        <p:tgtEl>
+                                          <p:spTgt spid="340"/>
                                         </p:tgtEl>
                                         <p:attrNameLst>
                                           <p:attrName>ppt_h</p:attrName>
@@ -23834,19 +24456,19 @@
                     </p:cTn>
                   </p:par>
                   <p:par>
-                    <p:cTn id="33" fill="hold">
+                    <p:cTn id="62" fill="hold">
                       <p:stCondLst>
                         <p:cond delay="indefinite"/>
                       </p:stCondLst>
                       <p:childTnLst>
                         <p:par>
-                          <p:cTn id="34" fill="hold">
+                          <p:cTn id="63" fill="hold">
                             <p:stCondLst>
                               <p:cond delay="0"/>
                             </p:stCondLst>
                             <p:childTnLst>
                               <p:par>
-                                <p:cTn id="35" presetClass="entr" nodeType="clickEffect" presetSubtype="32" presetID="4" grpId="7" fill="hold">
+                                <p:cTn id="64" presetClass="entr" nodeType="clickEffect" presetSubtype="32" presetID="4" grpId="13" fill="hold">
                                   <p:stCondLst>
                                     <p:cond delay="0"/>
                                   </p:stCondLst>
@@ -23856,9 +24478,9 @@
                                   <p:childTnLst>
                                     <p:set>
                                       <p:cBhvr>
-                                        <p:cTn id="36" fill="hold"/>
-                                        <p:tgtEl>
-                                          <p:spTgt spid="335"/>
+                                        <p:cTn id="65" fill="hold"/>
+                                        <p:tgtEl>
+                                          <p:spTgt spid="334"/>
                                         </p:tgtEl>
                                         <p:attrNameLst>
                                           <p:attrName>style.visibility</p:attrName>
@@ -23870,9 +24492,9 @@
                                     </p:set>
                                     <p:animEffect filter="box(out)" transition="in">
                                       <p:cBhvr>
-                                        <p:cTn id="37" dur="700"/>
-                                        <p:tgtEl>
-                                          <p:spTgt spid="335"/>
+                                        <p:cTn id="66" dur="700"/>
+                                        <p:tgtEl>
+                                          <p:spTgt spid="334"/>
                                         </p:tgtEl>
                                       </p:cBhvr>
                                     </p:animEffect>
@@ -23883,13 +24505,13 @@
                           </p:cTn>
                         </p:par>
                         <p:par>
-                          <p:cTn id="38" fill="hold">
+                          <p:cTn id="67" fill="hold">
                             <p:stCondLst>
                               <p:cond delay="700"/>
                             </p:stCondLst>
                             <p:childTnLst>
                               <p:par>
-                                <p:cTn id="39" presetClass="entr" nodeType="afterEffect" presetSubtype="32" presetID="23" grpId="8" fill="hold">
+                                <p:cTn id="68" presetClass="entr" nodeType="afterEffect" presetSubtype="32" presetID="23" grpId="14" fill="hold">
                                   <p:stCondLst>
                                     <p:cond delay="0"/>
                                   </p:stCondLst>
@@ -23899,9 +24521,9 @@
                                   <p:childTnLst>
                                     <p:set>
                                       <p:cBhvr>
-                                        <p:cTn id="40" fill="hold"/>
-                                        <p:tgtEl>
-                                          <p:spTgt spid="336"/>
+                                        <p:cTn id="69" fill="hold"/>
+                                        <p:tgtEl>
+                                          <p:spTgt spid="335"/>
                                         </p:tgtEl>
                                         <p:attrNameLst>
                                           <p:attrName>style.visibility</p:attrName>
@@ -23913,9 +24535,9 @@
                                     </p:set>
                                     <p:anim calcmode="lin" valueType="num">
                                       <p:cBhvr>
-                                        <p:cTn id="41" dur="900" fill="hold"/>
-                                        <p:tgtEl>
-                                          <p:spTgt spid="336"/>
+                                        <p:cTn id="70" dur="900" fill="hold"/>
+                                        <p:tgtEl>
+                                          <p:spTgt spid="335"/>
                                         </p:tgtEl>
                                         <p:attrNameLst>
                                           <p:attrName>ppt_w</p:attrName>
@@ -23936,142 +24558,9 @@
                                     </p:anim>
                                     <p:anim calcmode="lin" valueType="num">
                                       <p:cBhvr>
-                                        <p:cTn id="42" dur="900" fill="hold"/>
-                                        <p:tgtEl>
-                                          <p:spTgt spid="336"/>
-                                        </p:tgtEl>
-                                        <p:attrNameLst>
-                                          <p:attrName>ppt_h</p:attrName>
-                                        </p:attrNameLst>
-                                      </p:cBhvr>
-                                      <p:tavLst>
-                                        <p:tav tm="0">
-                                          <p:val>
-                                            <p:strVal val="4*#ppt_h"/>
-                                          </p:val>
-                                        </p:tav>
-                                        <p:tav tm="100000">
-                                          <p:val>
-                                            <p:strVal val="#ppt_h"/>
-                                          </p:val>
-                                        </p:tav>
-                                      </p:tavLst>
-                                    </p:anim>
-                                  </p:childTnLst>
-                                </p:cTn>
-                              </p:par>
-                            </p:childTnLst>
-                          </p:cTn>
-                        </p:par>
-                      </p:childTnLst>
-                    </p:cTn>
-                  </p:par>
-                  <p:par>
-                    <p:cTn id="43" fill="hold">
-                      <p:stCondLst>
-                        <p:cond delay="indefinite"/>
-                      </p:stCondLst>
-                      <p:childTnLst>
-                        <p:par>
-                          <p:cTn id="44" fill="hold">
-                            <p:stCondLst>
-                              <p:cond delay="0"/>
-                            </p:stCondLst>
-                            <p:childTnLst>
-                              <p:par>
-                                <p:cTn id="45" presetClass="entr" nodeType="clickEffect" presetSubtype="32" presetID="4" grpId="9" fill="hold">
-                                  <p:stCondLst>
-                                    <p:cond delay="0"/>
-                                  </p:stCondLst>
-                                  <p:iterate type="el" backwards="0">
-                                    <p:tmAbs val="0"/>
-                                  </p:iterate>
-                                  <p:childTnLst>
-                                    <p:set>
-                                      <p:cBhvr>
-                                        <p:cTn id="46" fill="hold"/>
-                                        <p:tgtEl>
-                                          <p:spTgt spid="337"/>
-                                        </p:tgtEl>
-                                        <p:attrNameLst>
-                                          <p:attrName>style.visibility</p:attrName>
-                                        </p:attrNameLst>
-                                      </p:cBhvr>
-                                      <p:to>
-                                        <p:strVal val="visible"/>
-                                      </p:to>
-                                    </p:set>
-                                    <p:animEffect filter="box(out)" transition="in">
-                                      <p:cBhvr>
-                                        <p:cTn id="47" dur="700"/>
-                                        <p:tgtEl>
-                                          <p:spTgt spid="337"/>
-                                        </p:tgtEl>
-                                      </p:cBhvr>
-                                    </p:animEffect>
-                                  </p:childTnLst>
-                                </p:cTn>
-                              </p:par>
-                            </p:childTnLst>
-                          </p:cTn>
-                        </p:par>
-                        <p:par>
-                          <p:cTn id="48" fill="hold">
-                            <p:stCondLst>
-                              <p:cond delay="700"/>
-                            </p:stCondLst>
-                            <p:childTnLst>
-                              <p:par>
-                                <p:cTn id="49" presetClass="entr" nodeType="afterEffect" presetSubtype="32" presetID="23" grpId="10" fill="hold">
-                                  <p:stCondLst>
-                                    <p:cond delay="0"/>
-                                  </p:stCondLst>
-                                  <p:iterate type="el" backwards="0">
-                                    <p:tmAbs val="0"/>
-                                  </p:iterate>
-                                  <p:childTnLst>
-                                    <p:set>
-                                      <p:cBhvr>
-                                        <p:cTn id="50" fill="hold"/>
-                                        <p:tgtEl>
-                                          <p:spTgt spid="338"/>
-                                        </p:tgtEl>
-                                        <p:attrNameLst>
-                                          <p:attrName>style.visibility</p:attrName>
-                                        </p:attrNameLst>
-                                      </p:cBhvr>
-                                      <p:to>
-                                        <p:strVal val="visible"/>
-                                      </p:to>
-                                    </p:set>
-                                    <p:anim calcmode="lin" valueType="num">
-                                      <p:cBhvr>
-                                        <p:cTn id="51" dur="900" fill="hold"/>
-                                        <p:tgtEl>
-                                          <p:spTgt spid="338"/>
-                                        </p:tgtEl>
-                                        <p:attrNameLst>
-                                          <p:attrName>ppt_w</p:attrName>
-                                        </p:attrNameLst>
-                                      </p:cBhvr>
-                                      <p:tavLst>
-                                        <p:tav tm="0">
-                                          <p:val>
-                                            <p:strVal val="4*#ppt_w"/>
-                                          </p:val>
-                                        </p:tav>
-                                        <p:tav tm="100000">
-                                          <p:val>
-                                            <p:strVal val="#ppt_w"/>
-                                          </p:val>
-                                        </p:tav>
-                                      </p:tavLst>
-                                    </p:anim>
-                                    <p:anim calcmode="lin" valueType="num">
-                                      <p:cBhvr>
-                                        <p:cTn id="52" dur="900" fill="hold"/>
-                                        <p:tgtEl>
-                                          <p:spTgt spid="338"/>
+                                        <p:cTn id="71" dur="900" fill="hold"/>
+                                        <p:tgtEl>
+                                          <p:spTgt spid="335"/>
                                         </p:tgtEl>
                                         <p:attrNameLst>
                                           <p:attrName>ppt_h</p:attrName>
@@ -24097,13 +24586,94 @@
                           </p:cTn>
                         </p:par>
                         <p:par>
-                          <p:cTn id="53" fill="hold">
+                          <p:cTn id="72" fill="hold">
                             <p:stCondLst>
                               <p:cond delay="1600"/>
                             </p:stCondLst>
                             <p:childTnLst>
                               <p:par>
-                                <p:cTn id="54" presetClass="entr" nodeType="afterEffect" presetSubtype="32" presetID="4" grpId="11" fill="hold">
+                                <p:cTn id="73" presetClass="entr" nodeType="afterEffect" presetSubtype="8" presetID="2" grpId="15" fill="hold">
+                                  <p:stCondLst>
+                                    <p:cond delay="200"/>
+                                  </p:stCondLst>
+                                  <p:iterate type="el" backwards="0">
+                                    <p:tmAbs val="0"/>
+                                  </p:iterate>
+                                  <p:childTnLst>
+                                    <p:set>
+                                      <p:cBhvr>
+                                        <p:cTn id="74" fill="hold"/>
+                                        <p:tgtEl>
+                                          <p:spTgt spid="341"/>
+                                        </p:tgtEl>
+                                        <p:attrNameLst>
+                                          <p:attrName>style.visibility</p:attrName>
+                                        </p:attrNameLst>
+                                      </p:cBhvr>
+                                      <p:to>
+                                        <p:strVal val="visible"/>
+                                      </p:to>
+                                    </p:set>
+                                    <p:anim calcmode="lin" valueType="num">
+                                      <p:cBhvr>
+                                        <p:cTn id="75" dur="700" fill="hold"/>
+                                        <p:tgtEl>
+                                          <p:spTgt spid="341"/>
+                                        </p:tgtEl>
+                                        <p:attrNameLst>
+                                          <p:attrName>ppt_x</p:attrName>
+                                        </p:attrNameLst>
+                                      </p:cBhvr>
+                                      <p:tavLst>
+                                        <p:tav tm="0">
+                                          <p:val>
+                                            <p:strVal val="0-#ppt_w/2"/>
+                                          </p:val>
+                                        </p:tav>
+                                        <p:tav tm="100000">
+                                          <p:val>
+                                            <p:strVal val="#ppt_x"/>
+                                          </p:val>
+                                        </p:tav>
+                                      </p:tavLst>
+                                    </p:anim>
+                                    <p:anim calcmode="lin" valueType="num">
+                                      <p:cBhvr>
+                                        <p:cTn id="76" dur="700" fill="hold"/>
+                                        <p:tgtEl>
+                                          <p:spTgt spid="341"/>
+                                        </p:tgtEl>
+                                        <p:attrNameLst>
+                                          <p:attrName>ppt_y</p:attrName>
+                                        </p:attrNameLst>
+                                      </p:cBhvr>
+                                      <p:tavLst>
+                                        <p:tav tm="0">
+                                          <p:val>
+                                            <p:strVal val="#ppt_y"/>
+                                          </p:val>
+                                        </p:tav>
+                                        <p:tav tm="100000">
+                                          <p:val>
+                                            <p:strVal val="#ppt_y"/>
+                                          </p:val>
+                                        </p:tav>
+                                      </p:tavLst>
+                                    </p:anim>
+                                  </p:childTnLst>
+                                </p:cTn>
+                              </p:par>
+                            </p:childTnLst>
+                          </p:cTn>
+                        </p:par>
+                        <p:par>
+                          <p:cTn id="77" fill="hold">
+                            <p:stCondLst>
+                              <p:cond delay="2500"/>
+                            </p:stCondLst>
+                            <p:childTnLst>
+                              <p:par>
+                                <p:cTn id="78" presetClass="entr" nodeType="afterEffect" presetSubtype="32" presetID="23" grpId="16" fill="hold">
                                   <p:stCondLst>
                                     <p:cond delay="0"/>
                                   </p:stCondLst>
@@ -24113,52 +24683,9 @@
                                   <p:childTnLst>
                                     <p:set>
                                       <p:cBhvr>
-                                        <p:cTn id="55" fill="hold"/>
-                                        <p:tgtEl>
-                                          <p:spTgt spid="339"/>
-                                        </p:tgtEl>
-                                        <p:attrNameLst>
-                                          <p:attrName>style.visibility</p:attrName>
-                                        </p:attrNameLst>
-                                      </p:cBhvr>
-                                      <p:to>
-                                        <p:strVal val="visible"/>
-                                      </p:to>
-                                    </p:set>
-                                    <p:animEffect filter="box(out)" transition="in">
-                                      <p:cBhvr>
-                                        <p:cTn id="56" dur="700"/>
-                                        <p:tgtEl>
-                                          <p:spTgt spid="339"/>
-                                        </p:tgtEl>
-                                      </p:cBhvr>
-                                    </p:animEffect>
-                                  </p:childTnLst>
-                                </p:cTn>
-                              </p:par>
-                            </p:childTnLst>
-                          </p:cTn>
-                        </p:par>
-                        <p:par>
-                          <p:cTn id="57" fill="hold">
-                            <p:stCondLst>
-                              <p:cond delay="2300"/>
-                            </p:stCondLst>
-                            <p:childTnLst>
-                              <p:par>
-                                <p:cTn id="58" presetClass="entr" nodeType="afterEffect" presetSubtype="32" presetID="23" grpId="12" fill="hold">
-                                  <p:stCondLst>
-                                    <p:cond delay="0"/>
-                                  </p:stCondLst>
-                                  <p:iterate type="el" backwards="0">
-                                    <p:tmAbs val="0"/>
-                                  </p:iterate>
-                                  <p:childTnLst>
-                                    <p:set>
-                                      <p:cBhvr>
-                                        <p:cTn id="59" fill="hold"/>
-                                        <p:tgtEl>
-                                          <p:spTgt spid="340"/>
+                                        <p:cTn id="79" fill="hold"/>
+                                        <p:tgtEl>
+                                          <p:spTgt spid="342"/>
                                         </p:tgtEl>
                                         <p:attrNameLst>
                                           <p:attrName>style.visibility</p:attrName>
@@ -24170,9 +24697,9 @@
                                     </p:set>
                                     <p:anim calcmode="lin" valueType="num">
                                       <p:cBhvr>
-                                        <p:cTn id="60" dur="900" fill="hold"/>
-                                        <p:tgtEl>
-                                          <p:spTgt spid="340"/>
+                                        <p:cTn id="80" dur="900" fill="hold"/>
+                                        <p:tgtEl>
+                                          <p:spTgt spid="342"/>
                                         </p:tgtEl>
                                         <p:attrNameLst>
                                           <p:attrName>ppt_w</p:attrName>
@@ -24193,9 +24720,9 @@
                                     </p:anim>
                                     <p:anim calcmode="lin" valueType="num">
                                       <p:cBhvr>
-                                        <p:cTn id="61" dur="900" fill="hold"/>
-                                        <p:tgtEl>
-                                          <p:spTgt spid="340"/>
+                                        <p:cTn id="81" dur="900" fill="hold"/>
+                                        <p:tgtEl>
+                                          <p:spTgt spid="342"/>
                                         </p:tgtEl>
                                         <p:attrNameLst>
                                           <p:attrName>ppt_h</p:attrName>
@@ -24245,18 +24772,22 @@
       </p:par>
     </p:tnLst>
     <p:bldLst>
-      <p:bldP build="whole" bldLvl="1" animBg="1" rev="0" advAuto="0" spid="331" grpId="3"/>
-      <p:bldP build="whole" bldLvl="1" animBg="1" rev="0" advAuto="0" spid="335" grpId="7"/>
-      <p:bldP build="whole" bldLvl="1" animBg="1" rev="0" advAuto="0" spid="338" grpId="10"/>
+      <p:bldP build="whole" bldLvl="1" animBg="1" rev="0" advAuto="0" spid="331" grpId="6"/>
+      <p:bldP build="whole" bldLvl="1" animBg="1" rev="0" advAuto="0" spid="342" grpId="16"/>
+      <p:bldP build="whole" bldLvl="1" animBg="1" rev="0" advAuto="0" spid="336" grpId="2"/>
       <p:bldP build="whole" bldLvl="1" animBg="1" rev="0" advAuto="0" spid="329" grpId="1"/>
-      <p:bldP build="whole" bldLvl="1" animBg="1" rev="0" advAuto="0" spid="337" grpId="9"/>
-      <p:bldP build="whole" bldLvl="1" animBg="1" rev="0" advAuto="0" spid="332" grpId="4"/>
-      <p:bldP build="whole" bldLvl="1" animBg="1" rev="0" advAuto="0" spid="330" grpId="2"/>
+      <p:bldP build="whole" bldLvl="1" animBg="1" rev="0" advAuto="0" spid="337" grpId="7"/>
+      <p:bldP build="whole" bldLvl="1" animBg="1" rev="0" advAuto="0" spid="341" grpId="15"/>
+      <p:bldP build="whole" bldLvl="1" animBg="1" rev="0" advAuto="0" spid="334" grpId="13"/>
+      <p:bldP build="whole" bldLvl="1" animBg="1" rev="0" advAuto="0" spid="335" grpId="14"/>
+      <p:bldP build="whole" bldLvl="1" animBg="1" rev="0" advAuto="0" spid="330" grpId="5"/>
+      <p:bldP build="whole" bldLvl="1" animBg="1" rev="0" advAuto="0" spid="338" grpId="8"/>
+      <p:bldP build="whole" bldLvl="1" animBg="1" rev="0" advAuto="0" spid="344" grpId="4"/>
+      <p:bldP build="whole" bldLvl="1" animBg="1" rev="0" advAuto="0" spid="333" grpId="10"/>
+      <p:bldP build="whole" bldLvl="1" animBg="1" rev="0" advAuto="0" spid="332" grpId="9"/>
       <p:bldP build="whole" bldLvl="1" animBg="1" rev="0" advAuto="0" spid="339" grpId="11"/>
+      <p:bldP build="whole" bldLvl="1" animBg="1" rev="0" advAuto="0" spid="343" grpId="3"/>
       <p:bldP build="whole" bldLvl="1" animBg="1" rev="0" advAuto="0" spid="340" grpId="12"/>
-      <p:bldP build="whole" bldLvl="1" animBg="1" rev="0" advAuto="0" spid="334" grpId="6"/>
-      <p:bldP build="whole" bldLvl="1" animBg="1" rev="0" advAuto="0" spid="333" grpId="5"/>
-      <p:bldP build="whole" bldLvl="1" animBg="1" rev="0" advAuto="0" spid="336" grpId="8"/>
     </p:bldLst>
   </p:timing>
 </p:sld>
@@ -24288,6167 +24819,7 @@
       </p:grpSpPr>
       <p:sp>
         <p:nvSpPr>
-          <p:cNvPr id="342" name="Rounded Rectangle"/>
-          <p:cNvSpPr/>
-          <p:nvPr/>
-        </p:nvSpPr>
-        <p:spPr>
-          <a:xfrm>
-            <a:off x="2078178" y="6648482"/>
-            <a:ext cx="6745731" cy="1250790"/>
-          </a:xfrm>
-          <a:prstGeom prst="roundRect">
-            <a:avLst>
-              <a:gd name="adj" fmla="val 20545"/>
-            </a:avLst>
-          </a:prstGeom>
-          <a:solidFill>
-            <a:srgbClr val="FFFFFF"/>
-          </a:solidFill>
-          <a:ln w="12700">
-            <a:miter lim="400000"/>
-          </a:ln>
-        </p:spPr>
-        <p:txBody>
-          <a:bodyPr lIns="50800" tIns="50800" rIns="50800" bIns="50800" anchor="ctr"/>
-          <a:lstStyle/>
-          <a:p>
-            <a:pPr algn="ctr">
-              <a:lnSpc>
-                <a:spcPct val="80000"/>
-              </a:lnSpc>
-              <a:spcBef>
-                <a:spcPts val="0"/>
-              </a:spcBef>
-              <a:defRPr b="0" cap="all" sz="4000">
-                <a:latin typeface="+mn-lt"/>
-                <a:ea typeface="+mn-ea"/>
-                <a:cs typeface="+mn-cs"/>
-                <a:sym typeface="DIN Condensed Bold"/>
-              </a:defRPr>
-            </a:pPr>
-          </a:p>
-        </p:txBody>
-      </p:sp>
-      <p:sp>
-        <p:nvSpPr>
-          <p:cNvPr id="343" name="i := 0"/>
-          <p:cNvSpPr txBox="1"/>
-          <p:nvPr/>
-        </p:nvSpPr>
-        <p:spPr>
-          <a:xfrm>
-            <a:off x="4591058" y="6918276"/>
-            <a:ext cx="1719970" cy="711201"/>
-          </a:xfrm>
-          <a:prstGeom prst="rect">
-            <a:avLst/>
-          </a:prstGeom>
-          <a:ln w="12700">
-            <a:miter lim="400000"/>
-          </a:ln>
-          <a:extLst>
-            <a:ext uri="{C572A759-6A51-4108-AA02-DFA0A04FC94B}">
-              <ma14:wrappingTextBoxFlag xmlns:ma14="http://schemas.microsoft.com/office/mac/drawingml/2011/main" val="1"/>
-            </a:ext>
-          </a:extLst>
-        </p:spPr>
-        <p:txBody>
-          <a:bodyPr wrap="none" lIns="50800" tIns="50800" rIns="50800" bIns="50800" anchor="ctr">
-            <a:spAutoFit/>
-          </a:bodyPr>
-          <a:lstStyle>
-            <a:lvl1pPr>
-              <a:defRPr sz="3500">
-                <a:solidFill>
-                  <a:srgbClr val="0D0D0D"/>
-                </a:solidFill>
-              </a:defRPr>
-            </a:lvl1pPr>
-          </a:lstStyle>
-          <a:p>
-            <a:pPr/>
-            <a:r>
-              <a:t>i := 0</a:t>
-            </a:r>
-          </a:p>
-        </p:txBody>
-      </p:sp>
-      <p:sp>
-        <p:nvSpPr>
-          <p:cNvPr id="344" name="Rounded Rectangle"/>
-          <p:cNvSpPr/>
-          <p:nvPr/>
-        </p:nvSpPr>
-        <p:spPr>
-          <a:xfrm>
-            <a:off x="2078178" y="5359122"/>
-            <a:ext cx="6745731" cy="1065059"/>
-          </a:xfrm>
-          <a:prstGeom prst="roundRect">
-            <a:avLst>
-              <a:gd name="adj" fmla="val 24128"/>
-            </a:avLst>
-          </a:prstGeom>
-          <a:solidFill>
-            <a:srgbClr val="E91E63"/>
-          </a:solidFill>
-          <a:ln w="12700">
-            <a:miter lim="400000"/>
-          </a:ln>
-        </p:spPr>
-        <p:txBody>
-          <a:bodyPr lIns="50800" tIns="50800" rIns="50800" bIns="50800" anchor="ctr"/>
-          <a:lstStyle/>
-          <a:p>
-            <a:pPr algn="ctr">
-              <a:lnSpc>
-                <a:spcPct val="80000"/>
-              </a:lnSpc>
-              <a:spcBef>
-                <a:spcPts val="0"/>
-              </a:spcBef>
-              <a:defRPr b="0" cap="all" sz="4000">
-                <a:latin typeface="+mn-lt"/>
-                <a:ea typeface="+mn-ea"/>
-                <a:cs typeface="+mn-cs"/>
-                <a:sym typeface="DIN Condensed Bold"/>
-              </a:defRPr>
-            </a:pPr>
-          </a:p>
-        </p:txBody>
-      </p:sp>
-      <p:sp>
-        <p:nvSpPr>
-          <p:cNvPr id="345" name="LOCK"/>
-          <p:cNvSpPr txBox="1"/>
-          <p:nvPr/>
-        </p:nvSpPr>
-        <p:spPr>
-          <a:xfrm>
-            <a:off x="4935130" y="5580501"/>
-            <a:ext cx="1031826" cy="622301"/>
-          </a:xfrm>
-          <a:prstGeom prst="rect">
-            <a:avLst/>
-          </a:prstGeom>
-          <a:ln w="12700">
-            <a:miter lim="400000"/>
-          </a:ln>
-          <a:extLst>
-            <a:ext uri="{C572A759-6A51-4108-AA02-DFA0A04FC94B}">
-              <ma14:wrappingTextBoxFlag xmlns:ma14="http://schemas.microsoft.com/office/mac/drawingml/2011/main" val="1"/>
-            </a:ext>
-          </a:extLst>
-        </p:spPr>
-        <p:txBody>
-          <a:bodyPr wrap="none" lIns="50800" tIns="50800" rIns="50800" bIns="50800" anchor="ctr">
-            <a:spAutoFit/>
-          </a:bodyPr>
-          <a:lstStyle>
-            <a:lvl1pPr>
-              <a:defRPr sz="3000"/>
-            </a:lvl1pPr>
-          </a:lstStyle>
-          <a:p>
-            <a:pPr/>
-            <a:r>
-              <a:t>LOCK</a:t>
-            </a:r>
-          </a:p>
-        </p:txBody>
-      </p:sp>
-      <p:sp>
-        <p:nvSpPr>
           <p:cNvPr id="346" name="Rounded Rectangle"/>
-          <p:cNvSpPr/>
-          <p:nvPr/>
-        </p:nvSpPr>
-        <p:spPr>
-          <a:xfrm>
-            <a:off x="2087204" y="2120991"/>
-            <a:ext cx="2058006" cy="1250790"/>
-          </a:xfrm>
-          <a:prstGeom prst="roundRect">
-            <a:avLst>
-              <a:gd name="adj" fmla="val 20545"/>
-            </a:avLst>
-          </a:prstGeom>
-          <a:solidFill>
-            <a:srgbClr val="FFFFFF"/>
-          </a:solidFill>
-          <a:ln w="12700">
-            <a:miter lim="400000"/>
-          </a:ln>
-        </p:spPr>
-        <p:txBody>
-          <a:bodyPr lIns="50800" tIns="50800" rIns="50800" bIns="50800" anchor="ctr"/>
-          <a:lstStyle/>
-          <a:p>
-            <a:pPr algn="ctr">
-              <a:lnSpc>
-                <a:spcPct val="80000"/>
-              </a:lnSpc>
-              <a:spcBef>
-                <a:spcPts val="0"/>
-              </a:spcBef>
-              <a:defRPr b="0" cap="all" sz="4000">
-                <a:latin typeface="+mn-lt"/>
-                <a:ea typeface="+mn-ea"/>
-                <a:cs typeface="+mn-cs"/>
-                <a:sym typeface="DIN Condensed Bold"/>
-              </a:defRPr>
-            </a:pPr>
-          </a:p>
-        </p:txBody>
-      </p:sp>
-      <p:sp>
-        <p:nvSpPr>
-          <p:cNvPr id="347" name="G1"/>
-          <p:cNvSpPr txBox="1"/>
-          <p:nvPr/>
-        </p:nvSpPr>
-        <p:spPr>
-          <a:xfrm>
-            <a:off x="2791445" y="2390785"/>
-            <a:ext cx="649524" cy="711201"/>
-          </a:xfrm>
-          <a:prstGeom prst="rect">
-            <a:avLst/>
-          </a:prstGeom>
-          <a:ln w="12700">
-            <a:miter lim="400000"/>
-          </a:ln>
-          <a:extLst>
-            <a:ext uri="{C572A759-6A51-4108-AA02-DFA0A04FC94B}">
-              <ma14:wrappingTextBoxFlag xmlns:ma14="http://schemas.microsoft.com/office/mac/drawingml/2011/main" val="1"/>
-            </a:ext>
-          </a:extLst>
-        </p:spPr>
-        <p:txBody>
-          <a:bodyPr wrap="none" lIns="50800" tIns="50800" rIns="50800" bIns="50800" anchor="ctr">
-            <a:spAutoFit/>
-          </a:bodyPr>
-          <a:lstStyle>
-            <a:lvl1pPr>
-              <a:defRPr sz="3500">
-                <a:solidFill>
-                  <a:srgbClr val="0D0D0D"/>
-                </a:solidFill>
-              </a:defRPr>
-            </a:lvl1pPr>
-          </a:lstStyle>
-          <a:p>
-            <a:pPr/>
-            <a:r>
-              <a:t>G1</a:t>
-            </a:r>
-          </a:p>
-        </p:txBody>
-      </p:sp>
-      <p:sp>
-        <p:nvSpPr>
-          <p:cNvPr id="348" name="Rounded Rectangle"/>
-          <p:cNvSpPr/>
-          <p:nvPr/>
-        </p:nvSpPr>
-        <p:spPr>
-          <a:xfrm>
-            <a:off x="4422040" y="2120991"/>
-            <a:ext cx="2058006" cy="1250790"/>
-          </a:xfrm>
-          <a:prstGeom prst="roundRect">
-            <a:avLst>
-              <a:gd name="adj" fmla="val 20545"/>
-            </a:avLst>
-          </a:prstGeom>
-          <a:solidFill>
-            <a:srgbClr val="FFFFFF"/>
-          </a:solidFill>
-          <a:ln w="12700">
-            <a:miter lim="400000"/>
-          </a:ln>
-        </p:spPr>
-        <p:txBody>
-          <a:bodyPr lIns="50800" tIns="50800" rIns="50800" bIns="50800" anchor="ctr"/>
-          <a:lstStyle/>
-          <a:p>
-            <a:pPr algn="ctr">
-              <a:lnSpc>
-                <a:spcPct val="80000"/>
-              </a:lnSpc>
-              <a:spcBef>
-                <a:spcPts val="0"/>
-              </a:spcBef>
-              <a:defRPr b="0" cap="all" sz="4000">
-                <a:latin typeface="+mn-lt"/>
-                <a:ea typeface="+mn-ea"/>
-                <a:cs typeface="+mn-cs"/>
-                <a:sym typeface="DIN Condensed Bold"/>
-              </a:defRPr>
-            </a:pPr>
-          </a:p>
-        </p:txBody>
-      </p:sp>
-      <p:sp>
-        <p:nvSpPr>
-          <p:cNvPr id="349" name="G2"/>
-          <p:cNvSpPr txBox="1"/>
-          <p:nvPr/>
-        </p:nvSpPr>
-        <p:spPr>
-          <a:xfrm>
-            <a:off x="5126281" y="2390786"/>
-            <a:ext cx="649524" cy="711201"/>
-          </a:xfrm>
-          <a:prstGeom prst="rect">
-            <a:avLst/>
-          </a:prstGeom>
-          <a:ln w="12700">
-            <a:miter lim="400000"/>
-          </a:ln>
-          <a:extLst>
-            <a:ext uri="{C572A759-6A51-4108-AA02-DFA0A04FC94B}">
-              <ma14:wrappingTextBoxFlag xmlns:ma14="http://schemas.microsoft.com/office/mac/drawingml/2011/main" val="1"/>
-            </a:ext>
-          </a:extLst>
-        </p:spPr>
-        <p:txBody>
-          <a:bodyPr wrap="none" lIns="50800" tIns="50800" rIns="50800" bIns="50800" anchor="ctr">
-            <a:spAutoFit/>
-          </a:bodyPr>
-          <a:lstStyle>
-            <a:lvl1pPr>
-              <a:defRPr sz="3500">
-                <a:solidFill>
-                  <a:srgbClr val="0D0D0D"/>
-                </a:solidFill>
-              </a:defRPr>
-            </a:lvl1pPr>
-          </a:lstStyle>
-          <a:p>
-            <a:pPr/>
-            <a:r>
-              <a:t>G2</a:t>
-            </a:r>
-          </a:p>
-        </p:txBody>
-      </p:sp>
-      <p:sp>
-        <p:nvSpPr>
-          <p:cNvPr id="350" name="Rounded Rectangle"/>
-          <p:cNvSpPr/>
-          <p:nvPr/>
-        </p:nvSpPr>
-        <p:spPr>
-          <a:xfrm>
-            <a:off x="6756877" y="2120991"/>
-            <a:ext cx="2058006" cy="1250790"/>
-          </a:xfrm>
-          <a:prstGeom prst="roundRect">
-            <a:avLst>
-              <a:gd name="adj" fmla="val 20545"/>
-            </a:avLst>
-          </a:prstGeom>
-          <a:solidFill>
-            <a:srgbClr val="FFFFFF"/>
-          </a:solidFill>
-          <a:ln w="12700">
-            <a:miter lim="400000"/>
-          </a:ln>
-        </p:spPr>
-        <p:txBody>
-          <a:bodyPr lIns="50800" tIns="50800" rIns="50800" bIns="50800" anchor="ctr"/>
-          <a:lstStyle/>
-          <a:p>
-            <a:pPr algn="ctr">
-              <a:lnSpc>
-                <a:spcPct val="80000"/>
-              </a:lnSpc>
-              <a:spcBef>
-                <a:spcPts val="0"/>
-              </a:spcBef>
-              <a:defRPr b="0" cap="all" sz="4000">
-                <a:latin typeface="+mn-lt"/>
-                <a:ea typeface="+mn-ea"/>
-                <a:cs typeface="+mn-cs"/>
-                <a:sym typeface="DIN Condensed Bold"/>
-              </a:defRPr>
-            </a:pPr>
-          </a:p>
-        </p:txBody>
-      </p:sp>
-      <p:sp>
-        <p:nvSpPr>
-          <p:cNvPr id="351" name="G3"/>
-          <p:cNvSpPr txBox="1"/>
-          <p:nvPr/>
-        </p:nvSpPr>
-        <p:spPr>
-          <a:xfrm>
-            <a:off x="7461117" y="2390786"/>
-            <a:ext cx="649525" cy="711201"/>
-          </a:xfrm>
-          <a:prstGeom prst="rect">
-            <a:avLst/>
-          </a:prstGeom>
-          <a:ln w="12700">
-            <a:miter lim="400000"/>
-          </a:ln>
-          <a:extLst>
-            <a:ext uri="{C572A759-6A51-4108-AA02-DFA0A04FC94B}">
-              <ma14:wrappingTextBoxFlag xmlns:ma14="http://schemas.microsoft.com/office/mac/drawingml/2011/main" val="1"/>
-            </a:ext>
-          </a:extLst>
-        </p:spPr>
-        <p:txBody>
-          <a:bodyPr wrap="none" lIns="50800" tIns="50800" rIns="50800" bIns="50800" anchor="ctr">
-            <a:spAutoFit/>
-          </a:bodyPr>
-          <a:lstStyle>
-            <a:lvl1pPr>
-              <a:defRPr sz="3500">
-                <a:solidFill>
-                  <a:srgbClr val="0D0D0D"/>
-                </a:solidFill>
-              </a:defRPr>
-            </a:lvl1pPr>
-          </a:lstStyle>
-          <a:p>
-            <a:pPr/>
-            <a:r>
-              <a:t>G3</a:t>
-            </a:r>
-          </a:p>
-        </p:txBody>
-      </p:sp>
-      <p:sp>
-        <p:nvSpPr>
-          <p:cNvPr id="352" name="Rounded Rectangle"/>
-          <p:cNvSpPr/>
-          <p:nvPr/>
-        </p:nvSpPr>
-        <p:spPr>
-          <a:xfrm>
-            <a:off x="2087204" y="3646462"/>
-            <a:ext cx="2058006" cy="711201"/>
-          </a:xfrm>
-          <a:prstGeom prst="roundRect">
-            <a:avLst>
-              <a:gd name="adj" fmla="val 18276"/>
-            </a:avLst>
-          </a:prstGeom>
-          <a:solidFill>
-            <a:srgbClr val="FFFFFF"/>
-          </a:solidFill>
-          <a:ln w="12700">
-            <a:miter lim="400000"/>
-          </a:ln>
-        </p:spPr>
-        <p:txBody>
-          <a:bodyPr lIns="50800" tIns="50800" rIns="50800" bIns="50800" anchor="ctr"/>
-          <a:lstStyle/>
-          <a:p>
-            <a:pPr algn="ctr">
-              <a:lnSpc>
-                <a:spcPct val="80000"/>
-              </a:lnSpc>
-              <a:spcBef>
-                <a:spcPts val="0"/>
-              </a:spcBef>
-              <a:defRPr b="0" cap="all" sz="4000">
-                <a:latin typeface="+mn-lt"/>
-                <a:ea typeface="+mn-ea"/>
-                <a:cs typeface="+mn-cs"/>
-                <a:sym typeface="DIN Condensed Bold"/>
-              </a:defRPr>
-            </a:pPr>
-          </a:p>
-        </p:txBody>
-      </p:sp>
-      <p:sp>
-        <p:nvSpPr>
-          <p:cNvPr id="353" name="i++"/>
-          <p:cNvSpPr txBox="1"/>
-          <p:nvPr/>
-        </p:nvSpPr>
-        <p:spPr>
-          <a:xfrm>
-            <a:off x="2772329" y="3735362"/>
-            <a:ext cx="687755" cy="533401"/>
-          </a:xfrm>
-          <a:prstGeom prst="rect">
-            <a:avLst/>
-          </a:prstGeom>
-          <a:ln w="12700">
-            <a:miter lim="400000"/>
-          </a:ln>
-          <a:extLst>
-            <a:ext uri="{C572A759-6A51-4108-AA02-DFA0A04FC94B}">
-              <ma14:wrappingTextBoxFlag xmlns:ma14="http://schemas.microsoft.com/office/mac/drawingml/2011/main" val="1"/>
-            </a:ext>
-          </a:extLst>
-        </p:spPr>
-        <p:txBody>
-          <a:bodyPr wrap="none" lIns="50800" tIns="50800" rIns="50800" bIns="50800" anchor="ctr">
-            <a:spAutoFit/>
-          </a:bodyPr>
-          <a:lstStyle>
-            <a:lvl1pPr>
-              <a:defRPr sz="2500">
-                <a:solidFill>
-                  <a:srgbClr val="0D0D0D"/>
-                </a:solidFill>
-              </a:defRPr>
-            </a:lvl1pPr>
-          </a:lstStyle>
-          <a:p>
-            <a:pPr/>
-            <a:r>
-              <a:t>i++</a:t>
-            </a:r>
-          </a:p>
-        </p:txBody>
-      </p:sp>
-      <p:sp>
-        <p:nvSpPr>
-          <p:cNvPr id="354" name="Rounded Rectangle"/>
-          <p:cNvSpPr/>
-          <p:nvPr/>
-        </p:nvSpPr>
-        <p:spPr>
-          <a:xfrm>
-            <a:off x="4422040" y="3646462"/>
-            <a:ext cx="2058006" cy="711201"/>
-          </a:xfrm>
-          <a:prstGeom prst="roundRect">
-            <a:avLst>
-              <a:gd name="adj" fmla="val 18276"/>
-            </a:avLst>
-          </a:prstGeom>
-          <a:solidFill>
-            <a:srgbClr val="FFFFFF"/>
-          </a:solidFill>
-          <a:ln w="12700">
-            <a:miter lim="400000"/>
-          </a:ln>
-        </p:spPr>
-        <p:txBody>
-          <a:bodyPr lIns="50800" tIns="50800" rIns="50800" bIns="50800" anchor="ctr"/>
-          <a:lstStyle/>
-          <a:p>
-            <a:pPr algn="ctr">
-              <a:lnSpc>
-                <a:spcPct val="80000"/>
-              </a:lnSpc>
-              <a:spcBef>
-                <a:spcPts val="0"/>
-              </a:spcBef>
-              <a:defRPr b="0" cap="all" sz="4000">
-                <a:latin typeface="+mn-lt"/>
-                <a:ea typeface="+mn-ea"/>
-                <a:cs typeface="+mn-cs"/>
-                <a:sym typeface="DIN Condensed Bold"/>
-              </a:defRPr>
-            </a:pPr>
-          </a:p>
-        </p:txBody>
-      </p:sp>
-      <p:sp>
-        <p:nvSpPr>
-          <p:cNvPr id="355" name="Rounded Rectangle"/>
-          <p:cNvSpPr/>
-          <p:nvPr/>
-        </p:nvSpPr>
-        <p:spPr>
-          <a:xfrm>
-            <a:off x="6756877" y="3646462"/>
-            <a:ext cx="2058006" cy="711201"/>
-          </a:xfrm>
-          <a:prstGeom prst="roundRect">
-            <a:avLst>
-              <a:gd name="adj" fmla="val 18276"/>
-            </a:avLst>
-          </a:prstGeom>
-          <a:solidFill>
-            <a:srgbClr val="FFFFFF"/>
-          </a:solidFill>
-          <a:ln w="12700">
-            <a:miter lim="400000"/>
-          </a:ln>
-        </p:spPr>
-        <p:txBody>
-          <a:bodyPr lIns="50800" tIns="50800" rIns="50800" bIns="50800" anchor="ctr"/>
-          <a:lstStyle/>
-          <a:p>
-            <a:pPr algn="ctr">
-              <a:lnSpc>
-                <a:spcPct val="80000"/>
-              </a:lnSpc>
-              <a:spcBef>
-                <a:spcPts val="0"/>
-              </a:spcBef>
-              <a:defRPr b="0" cap="all" sz="4000">
-                <a:latin typeface="+mn-lt"/>
-                <a:ea typeface="+mn-ea"/>
-                <a:cs typeface="+mn-cs"/>
-                <a:sym typeface="DIN Condensed Bold"/>
-              </a:defRPr>
-            </a:pPr>
-          </a:p>
-        </p:txBody>
-      </p:sp>
-      <p:sp>
-        <p:nvSpPr>
-          <p:cNvPr id="356" name="i+=2"/>
-          <p:cNvSpPr txBox="1"/>
-          <p:nvPr/>
-        </p:nvSpPr>
-        <p:spPr>
-          <a:xfrm>
-            <a:off x="7346427" y="3735362"/>
-            <a:ext cx="878905" cy="533401"/>
-          </a:xfrm>
-          <a:prstGeom prst="rect">
-            <a:avLst/>
-          </a:prstGeom>
-          <a:ln w="12700">
-            <a:miter lim="400000"/>
-          </a:ln>
-          <a:extLst>
-            <a:ext uri="{C572A759-6A51-4108-AA02-DFA0A04FC94B}">
-              <ma14:wrappingTextBoxFlag xmlns:ma14="http://schemas.microsoft.com/office/mac/drawingml/2011/main" val="1"/>
-            </a:ext>
-          </a:extLst>
-        </p:spPr>
-        <p:txBody>
-          <a:bodyPr wrap="none" lIns="50800" tIns="50800" rIns="50800" bIns="50800" anchor="ctr">
-            <a:spAutoFit/>
-          </a:bodyPr>
-          <a:lstStyle>
-            <a:lvl1pPr>
-              <a:defRPr sz="2500">
-                <a:solidFill>
-                  <a:srgbClr val="0D0D0D"/>
-                </a:solidFill>
-              </a:defRPr>
-            </a:lvl1pPr>
-          </a:lstStyle>
-          <a:p>
-            <a:pPr/>
-            <a:r>
-              <a:t>i+=2</a:t>
-            </a:r>
-          </a:p>
-        </p:txBody>
-      </p:sp>
-      <p:sp>
-        <p:nvSpPr>
-          <p:cNvPr id="357" name="i--"/>
-          <p:cNvSpPr txBox="1"/>
-          <p:nvPr/>
-        </p:nvSpPr>
-        <p:spPr>
-          <a:xfrm>
-            <a:off x="5107166" y="3735362"/>
-            <a:ext cx="687754" cy="533401"/>
-          </a:xfrm>
-          <a:prstGeom prst="rect">
-            <a:avLst/>
-          </a:prstGeom>
-          <a:ln w="12700">
-            <a:miter lim="400000"/>
-          </a:ln>
-          <a:extLst>
-            <a:ext uri="{C572A759-6A51-4108-AA02-DFA0A04FC94B}">
-              <ma14:wrappingTextBoxFlag xmlns:ma14="http://schemas.microsoft.com/office/mac/drawingml/2011/main" val="1"/>
-            </a:ext>
-          </a:extLst>
-        </p:spPr>
-        <p:txBody>
-          <a:bodyPr wrap="none" lIns="50800" tIns="50800" rIns="50800" bIns="50800" anchor="ctr">
-            <a:spAutoFit/>
-          </a:bodyPr>
-          <a:lstStyle>
-            <a:lvl1pPr>
-              <a:defRPr sz="2500">
-                <a:solidFill>
-                  <a:srgbClr val="0D0D0D"/>
-                </a:solidFill>
-              </a:defRPr>
-            </a:lvl1pPr>
-          </a:lstStyle>
-          <a:p>
-            <a:pPr/>
-            <a:r>
-              <a:t>i--</a:t>
-            </a:r>
-          </a:p>
-        </p:txBody>
-      </p:sp>
-      <p:sp>
-        <p:nvSpPr>
-          <p:cNvPr id="358" name="Rounded Rectangle"/>
-          <p:cNvSpPr/>
-          <p:nvPr/>
-        </p:nvSpPr>
-        <p:spPr>
-          <a:xfrm>
-            <a:off x="2078178" y="8568187"/>
-            <a:ext cx="6745731" cy="869560"/>
-          </a:xfrm>
-          <a:prstGeom prst="roundRect">
-            <a:avLst>
-              <a:gd name="adj" fmla="val 29552"/>
-            </a:avLst>
-          </a:prstGeom>
-          <a:solidFill>
-            <a:srgbClr val="212121"/>
-          </a:solidFill>
-          <a:ln w="12700">
-            <a:miter lim="400000"/>
-          </a:ln>
-        </p:spPr>
-        <p:txBody>
-          <a:bodyPr lIns="50800" tIns="50800" rIns="50800" bIns="50800" anchor="ctr"/>
-          <a:lstStyle/>
-          <a:p>
-            <a:pPr algn="ctr">
-              <a:lnSpc>
-                <a:spcPct val="80000"/>
-              </a:lnSpc>
-              <a:spcBef>
-                <a:spcPts val="0"/>
-              </a:spcBef>
-              <a:defRPr b="0" cap="all" sz="4000">
-                <a:latin typeface="+mn-lt"/>
-                <a:ea typeface="+mn-ea"/>
-                <a:cs typeface="+mn-cs"/>
-                <a:sym typeface="DIN Condensed Bold"/>
-              </a:defRPr>
-            </a:pPr>
-          </a:p>
-        </p:txBody>
-      </p:sp>
-      <p:sp>
-        <p:nvSpPr>
-          <p:cNvPr id="359" name="i: -1"/>
-          <p:cNvSpPr txBox="1"/>
-          <p:nvPr/>
-        </p:nvSpPr>
-        <p:spPr>
-          <a:xfrm>
-            <a:off x="4724864" y="8698167"/>
-            <a:ext cx="1222977" cy="609601"/>
-          </a:xfrm>
-          <a:prstGeom prst="rect">
-            <a:avLst/>
-          </a:prstGeom>
-          <a:ln w="12700">
-            <a:miter lim="400000"/>
-          </a:ln>
-          <a:extLst>
-            <a:ext uri="{C572A759-6A51-4108-AA02-DFA0A04FC94B}">
-              <ma14:wrappingTextBoxFlag xmlns:ma14="http://schemas.microsoft.com/office/mac/drawingml/2011/main" val="1"/>
-            </a:ext>
-          </a:extLst>
-        </p:spPr>
-        <p:txBody>
-          <a:bodyPr wrap="none" lIns="50800" tIns="50800" rIns="50800" bIns="50800" anchor="ctr">
-            <a:spAutoFit/>
-          </a:bodyPr>
-          <a:lstStyle>
-            <a:lvl1pPr>
-              <a:defRPr sz="2900"/>
-            </a:lvl1pPr>
-          </a:lstStyle>
-          <a:p>
-            <a:pPr/>
-            <a:r>
-              <a:t>i: -1</a:t>
-            </a:r>
-          </a:p>
-        </p:txBody>
-      </p:sp>
-      <p:sp>
-        <p:nvSpPr>
-          <p:cNvPr id="360" name="Rounded Rectangle"/>
-          <p:cNvSpPr/>
-          <p:nvPr/>
-        </p:nvSpPr>
-        <p:spPr>
-          <a:xfrm>
-            <a:off x="2078178" y="9584187"/>
-            <a:ext cx="6745731" cy="869560"/>
-          </a:xfrm>
-          <a:prstGeom prst="roundRect">
-            <a:avLst>
-              <a:gd name="adj" fmla="val 29552"/>
-            </a:avLst>
-          </a:prstGeom>
-          <a:solidFill>
-            <a:srgbClr val="212121"/>
-          </a:solidFill>
-          <a:ln w="12700">
-            <a:miter lim="400000"/>
-          </a:ln>
-        </p:spPr>
-        <p:txBody>
-          <a:bodyPr lIns="50800" tIns="50800" rIns="50800" bIns="50800" anchor="ctr"/>
-          <a:lstStyle/>
-          <a:p>
-            <a:pPr algn="ctr">
-              <a:lnSpc>
-                <a:spcPct val="80000"/>
-              </a:lnSpc>
-              <a:spcBef>
-                <a:spcPts val="0"/>
-              </a:spcBef>
-              <a:defRPr b="0" cap="all" sz="4000">
-                <a:latin typeface="+mn-lt"/>
-                <a:ea typeface="+mn-ea"/>
-                <a:cs typeface="+mn-cs"/>
-                <a:sym typeface="DIN Condensed Bold"/>
-              </a:defRPr>
-            </a:pPr>
-          </a:p>
-        </p:txBody>
-      </p:sp>
-      <p:sp>
-        <p:nvSpPr>
-          <p:cNvPr id="361" name="i:  0"/>
-          <p:cNvSpPr txBox="1"/>
-          <p:nvPr/>
-        </p:nvSpPr>
-        <p:spPr>
-          <a:xfrm>
-            <a:off x="4724864" y="9714167"/>
-            <a:ext cx="1222977" cy="609601"/>
-          </a:xfrm>
-          <a:prstGeom prst="rect">
-            <a:avLst/>
-          </a:prstGeom>
-          <a:ln w="12700">
-            <a:miter lim="400000"/>
-          </a:ln>
-          <a:extLst>
-            <a:ext uri="{C572A759-6A51-4108-AA02-DFA0A04FC94B}">
-              <ma14:wrappingTextBoxFlag xmlns:ma14="http://schemas.microsoft.com/office/mac/drawingml/2011/main" val="1"/>
-            </a:ext>
-          </a:extLst>
-        </p:spPr>
-        <p:txBody>
-          <a:bodyPr wrap="none" lIns="50800" tIns="50800" rIns="50800" bIns="50800" anchor="ctr">
-            <a:spAutoFit/>
-          </a:bodyPr>
-          <a:lstStyle>
-            <a:lvl1pPr>
-              <a:defRPr sz="2900"/>
-            </a:lvl1pPr>
-          </a:lstStyle>
-          <a:p>
-            <a:pPr/>
-            <a:r>
-              <a:t>i:  0</a:t>
-            </a:r>
-          </a:p>
-        </p:txBody>
-      </p:sp>
-      <p:sp>
-        <p:nvSpPr>
-          <p:cNvPr id="362" name="Rounded Rectangle"/>
-          <p:cNvSpPr/>
-          <p:nvPr/>
-        </p:nvSpPr>
-        <p:spPr>
-          <a:xfrm>
-            <a:off x="2078178" y="10598449"/>
-            <a:ext cx="6745731" cy="869560"/>
-          </a:xfrm>
-          <a:prstGeom prst="roundRect">
-            <a:avLst>
-              <a:gd name="adj" fmla="val 29552"/>
-            </a:avLst>
-          </a:prstGeom>
-          <a:solidFill>
-            <a:srgbClr val="212121"/>
-          </a:solidFill>
-          <a:ln w="12700">
-            <a:miter lim="400000"/>
-          </a:ln>
-        </p:spPr>
-        <p:txBody>
-          <a:bodyPr lIns="50800" tIns="50800" rIns="50800" bIns="50800" anchor="ctr"/>
-          <a:lstStyle/>
-          <a:p>
-            <a:pPr algn="ctr">
-              <a:lnSpc>
-                <a:spcPct val="80000"/>
-              </a:lnSpc>
-              <a:spcBef>
-                <a:spcPts val="0"/>
-              </a:spcBef>
-              <a:defRPr b="0" cap="all" sz="4000">
-                <a:latin typeface="+mn-lt"/>
-                <a:ea typeface="+mn-ea"/>
-                <a:cs typeface="+mn-cs"/>
-                <a:sym typeface="DIN Condensed Bold"/>
-              </a:defRPr>
-            </a:pPr>
-          </a:p>
-        </p:txBody>
-      </p:sp>
-      <p:sp>
-        <p:nvSpPr>
-          <p:cNvPr id="363" name="i:  2"/>
-          <p:cNvSpPr txBox="1"/>
-          <p:nvPr/>
-        </p:nvSpPr>
-        <p:spPr>
-          <a:xfrm>
-            <a:off x="4724864" y="10728429"/>
-            <a:ext cx="1222977" cy="609601"/>
-          </a:xfrm>
-          <a:prstGeom prst="rect">
-            <a:avLst/>
-          </a:prstGeom>
-          <a:ln w="12700">
-            <a:miter lim="400000"/>
-          </a:ln>
-          <a:extLst>
-            <a:ext uri="{C572A759-6A51-4108-AA02-DFA0A04FC94B}">
-              <ma14:wrappingTextBoxFlag xmlns:ma14="http://schemas.microsoft.com/office/mac/drawingml/2011/main" val="1"/>
-            </a:ext>
-          </a:extLst>
-        </p:spPr>
-        <p:txBody>
-          <a:bodyPr wrap="none" lIns="50800" tIns="50800" rIns="50800" bIns="50800" anchor="ctr">
-            <a:spAutoFit/>
-          </a:bodyPr>
-          <a:lstStyle>
-            <a:lvl1pPr>
-              <a:defRPr sz="2900"/>
-            </a:lvl1pPr>
-          </a:lstStyle>
-          <a:p>
-            <a:pPr/>
-            <a:r>
-              <a:t>i:  2</a:t>
-            </a:r>
-          </a:p>
-        </p:txBody>
-      </p:sp>
-      <p:pic>
-        <p:nvPicPr>
-          <p:cNvPr id="364" name="Line Line" descr="Line Line"/>
-          <p:cNvPicPr>
-            <a:picLocks noChangeAspect="0"/>
-          </p:cNvPicPr>
-          <p:nvPr/>
-        </p:nvPicPr>
-        <p:blipFill>
-          <a:blip r:embed="rId2">
-            <a:extLst/>
-          </a:blip>
-          <a:stretch>
-            <a:fillRect/>
-          </a:stretch>
-        </p:blipFill>
-        <p:spPr>
-          <a:xfrm rot="16200000">
-            <a:off x="2743388" y="4743013"/>
-            <a:ext cx="745637" cy="265195"/>
-          </a:xfrm>
-          <a:prstGeom prst="rect">
-            <a:avLst/>
-          </a:prstGeom>
-        </p:spPr>
-      </p:pic>
-      <p:pic>
-        <p:nvPicPr>
-          <p:cNvPr id="366" name="Line Line" descr="Line Line"/>
-          <p:cNvPicPr>
-            <a:picLocks noChangeAspect="0"/>
-          </p:cNvPicPr>
-          <p:nvPr/>
-        </p:nvPicPr>
-        <p:blipFill>
-          <a:blip r:embed="rId2">
-            <a:extLst/>
-          </a:blip>
-          <a:stretch>
-            <a:fillRect/>
-          </a:stretch>
-        </p:blipFill>
-        <p:spPr>
-          <a:xfrm rot="16200000">
-            <a:off x="5078225" y="4743013"/>
-            <a:ext cx="745637" cy="265195"/>
-          </a:xfrm>
-          <a:prstGeom prst="rect">
-            <a:avLst/>
-          </a:prstGeom>
-        </p:spPr>
-      </p:pic>
-      <p:pic>
-        <p:nvPicPr>
-          <p:cNvPr id="368" name="Line Line" descr="Line Line"/>
-          <p:cNvPicPr>
-            <a:picLocks noChangeAspect="0"/>
-          </p:cNvPicPr>
-          <p:nvPr/>
-        </p:nvPicPr>
-        <p:blipFill>
-          <a:blip r:embed="rId2">
-            <a:extLst/>
-          </a:blip>
-          <a:stretch>
-            <a:fillRect/>
-          </a:stretch>
-        </p:blipFill>
-        <p:spPr>
-          <a:xfrm rot="16200000">
-            <a:off x="7413061" y="4743013"/>
-            <a:ext cx="745637" cy="265195"/>
-          </a:xfrm>
-          <a:prstGeom prst="rect">
-            <a:avLst/>
-          </a:prstGeom>
-        </p:spPr>
-      </p:pic>
-      <p:sp>
-        <p:nvSpPr>
-          <p:cNvPr id="370" name="Rounded Rectangle"/>
-          <p:cNvSpPr/>
-          <p:nvPr/>
-        </p:nvSpPr>
-        <p:spPr>
-          <a:xfrm>
-            <a:off x="4422040" y="3646462"/>
-            <a:ext cx="2058006" cy="711201"/>
-          </a:xfrm>
-          <a:prstGeom prst="roundRect">
-            <a:avLst>
-              <a:gd name="adj" fmla="val 18276"/>
-            </a:avLst>
-          </a:prstGeom>
-          <a:solidFill>
-            <a:srgbClr val="00E676"/>
-          </a:solidFill>
-          <a:ln w="12700">
-            <a:miter lim="400000"/>
-          </a:ln>
-        </p:spPr>
-        <p:txBody>
-          <a:bodyPr lIns="50800" tIns="50800" rIns="50800" bIns="50800" anchor="ctr"/>
-          <a:lstStyle/>
-          <a:p>
-            <a:pPr algn="ctr">
-              <a:lnSpc>
-                <a:spcPct val="80000"/>
-              </a:lnSpc>
-              <a:spcBef>
-                <a:spcPts val="0"/>
-              </a:spcBef>
-              <a:defRPr b="0" cap="all" sz="4000">
-                <a:latin typeface="+mn-lt"/>
-                <a:ea typeface="+mn-ea"/>
-                <a:cs typeface="+mn-cs"/>
-                <a:sym typeface="DIN Condensed Bold"/>
-              </a:defRPr>
-            </a:pPr>
-          </a:p>
-        </p:txBody>
-      </p:sp>
-      <p:sp>
-        <p:nvSpPr>
-          <p:cNvPr id="371" name="i--"/>
-          <p:cNvSpPr txBox="1"/>
-          <p:nvPr/>
-        </p:nvSpPr>
-        <p:spPr>
-          <a:xfrm>
-            <a:off x="5107167" y="3735362"/>
-            <a:ext cx="687754" cy="533401"/>
-          </a:xfrm>
-          <a:prstGeom prst="rect">
-            <a:avLst/>
-          </a:prstGeom>
-          <a:ln w="12700">
-            <a:miter lim="400000"/>
-          </a:ln>
-          <a:extLst>
-            <a:ext uri="{C572A759-6A51-4108-AA02-DFA0A04FC94B}">
-              <ma14:wrappingTextBoxFlag xmlns:ma14="http://schemas.microsoft.com/office/mac/drawingml/2011/main" val="1"/>
-            </a:ext>
-          </a:extLst>
-        </p:spPr>
-        <p:txBody>
-          <a:bodyPr wrap="none" lIns="50800" tIns="50800" rIns="50800" bIns="50800" anchor="ctr">
-            <a:spAutoFit/>
-          </a:bodyPr>
-          <a:lstStyle>
-            <a:lvl1pPr>
-              <a:defRPr sz="2500"/>
-            </a:lvl1pPr>
-          </a:lstStyle>
-          <a:p>
-            <a:pPr/>
-            <a:r>
-              <a:t>i--</a:t>
-            </a:r>
-          </a:p>
-        </p:txBody>
-      </p:sp>
-      <p:sp>
-        <p:nvSpPr>
-          <p:cNvPr id="372" name="Rounded Rectangle"/>
-          <p:cNvSpPr/>
-          <p:nvPr/>
-        </p:nvSpPr>
-        <p:spPr>
-          <a:xfrm>
-            <a:off x="2087204" y="3646462"/>
-            <a:ext cx="2058006" cy="711201"/>
-          </a:xfrm>
-          <a:prstGeom prst="roundRect">
-            <a:avLst>
-              <a:gd name="adj" fmla="val 18276"/>
-            </a:avLst>
-          </a:prstGeom>
-          <a:solidFill>
-            <a:srgbClr val="D63964"/>
-          </a:solidFill>
-          <a:ln w="12700">
-            <a:miter lim="400000"/>
-          </a:ln>
-        </p:spPr>
-        <p:txBody>
-          <a:bodyPr lIns="50800" tIns="50800" rIns="50800" bIns="50800" anchor="ctr"/>
-          <a:lstStyle/>
-          <a:p>
-            <a:pPr algn="ctr">
-              <a:lnSpc>
-                <a:spcPct val="80000"/>
-              </a:lnSpc>
-              <a:spcBef>
-                <a:spcPts val="0"/>
-              </a:spcBef>
-              <a:defRPr b="0" cap="all" sz="4000">
-                <a:latin typeface="+mn-lt"/>
-                <a:ea typeface="+mn-ea"/>
-                <a:cs typeface="+mn-cs"/>
-                <a:sym typeface="DIN Condensed Bold"/>
-              </a:defRPr>
-            </a:pPr>
-          </a:p>
-        </p:txBody>
-      </p:sp>
-      <p:sp>
-        <p:nvSpPr>
-          <p:cNvPr id="373" name="i++"/>
-          <p:cNvSpPr txBox="1"/>
-          <p:nvPr/>
-        </p:nvSpPr>
-        <p:spPr>
-          <a:xfrm>
-            <a:off x="2772329" y="3735362"/>
-            <a:ext cx="687755" cy="533401"/>
-          </a:xfrm>
-          <a:prstGeom prst="rect">
-            <a:avLst/>
-          </a:prstGeom>
-          <a:ln w="12700">
-            <a:miter lim="400000"/>
-          </a:ln>
-          <a:extLst>
-            <a:ext uri="{C572A759-6A51-4108-AA02-DFA0A04FC94B}">
-              <ma14:wrappingTextBoxFlag xmlns:ma14="http://schemas.microsoft.com/office/mac/drawingml/2011/main" val="1"/>
-            </a:ext>
-          </a:extLst>
-        </p:spPr>
-        <p:txBody>
-          <a:bodyPr wrap="none" lIns="50800" tIns="50800" rIns="50800" bIns="50800" anchor="ctr">
-            <a:spAutoFit/>
-          </a:bodyPr>
-          <a:lstStyle>
-            <a:lvl1pPr>
-              <a:defRPr sz="2500"/>
-            </a:lvl1pPr>
-          </a:lstStyle>
-          <a:p>
-            <a:pPr/>
-            <a:r>
-              <a:t>i++</a:t>
-            </a:r>
-          </a:p>
-        </p:txBody>
-      </p:sp>
-      <p:sp>
-        <p:nvSpPr>
-          <p:cNvPr id="374" name="Rounded Rectangle"/>
-          <p:cNvSpPr/>
-          <p:nvPr/>
-        </p:nvSpPr>
-        <p:spPr>
-          <a:xfrm>
-            <a:off x="6756876" y="3646462"/>
-            <a:ext cx="2058006" cy="711201"/>
-          </a:xfrm>
-          <a:prstGeom prst="roundRect">
-            <a:avLst>
-              <a:gd name="adj" fmla="val 18276"/>
-            </a:avLst>
-          </a:prstGeom>
-          <a:solidFill>
-            <a:srgbClr val="D63964"/>
-          </a:solidFill>
-          <a:ln w="12700">
-            <a:miter lim="400000"/>
-          </a:ln>
-        </p:spPr>
-        <p:txBody>
-          <a:bodyPr lIns="50800" tIns="50800" rIns="50800" bIns="50800" anchor="ctr"/>
-          <a:lstStyle/>
-          <a:p>
-            <a:pPr algn="ctr">
-              <a:lnSpc>
-                <a:spcPct val="80000"/>
-              </a:lnSpc>
-              <a:spcBef>
-                <a:spcPts val="0"/>
-              </a:spcBef>
-              <a:defRPr b="0" cap="all" sz="4000">
-                <a:latin typeface="+mn-lt"/>
-                <a:ea typeface="+mn-ea"/>
-                <a:cs typeface="+mn-cs"/>
-                <a:sym typeface="DIN Condensed Bold"/>
-              </a:defRPr>
-            </a:pPr>
-          </a:p>
-        </p:txBody>
-      </p:sp>
-      <p:sp>
-        <p:nvSpPr>
-          <p:cNvPr id="375" name="i+=2"/>
-          <p:cNvSpPr txBox="1"/>
-          <p:nvPr/>
-        </p:nvSpPr>
-        <p:spPr>
-          <a:xfrm>
-            <a:off x="7346426" y="3735362"/>
-            <a:ext cx="878905" cy="533401"/>
-          </a:xfrm>
-          <a:prstGeom prst="rect">
-            <a:avLst/>
-          </a:prstGeom>
-          <a:ln w="12700">
-            <a:miter lim="400000"/>
-          </a:ln>
-          <a:extLst>
-            <a:ext uri="{C572A759-6A51-4108-AA02-DFA0A04FC94B}">
-              <ma14:wrappingTextBoxFlag xmlns:ma14="http://schemas.microsoft.com/office/mac/drawingml/2011/main" val="1"/>
-            </a:ext>
-          </a:extLst>
-        </p:spPr>
-        <p:txBody>
-          <a:bodyPr wrap="none" lIns="50800" tIns="50800" rIns="50800" bIns="50800" anchor="ctr">
-            <a:spAutoFit/>
-          </a:bodyPr>
-          <a:lstStyle>
-            <a:lvl1pPr>
-              <a:defRPr sz="2500"/>
-            </a:lvl1pPr>
-          </a:lstStyle>
-          <a:p>
-            <a:pPr/>
-            <a:r>
-              <a:t>i+=2</a:t>
-            </a:r>
-          </a:p>
-        </p:txBody>
-      </p:sp>
-      <p:sp>
-        <p:nvSpPr>
-          <p:cNvPr id="376" name="Rounded Rectangle"/>
-          <p:cNvSpPr/>
-          <p:nvPr/>
-        </p:nvSpPr>
-        <p:spPr>
-          <a:xfrm>
-            <a:off x="2087204" y="3646462"/>
-            <a:ext cx="2058006" cy="711201"/>
-          </a:xfrm>
-          <a:prstGeom prst="roundRect">
-            <a:avLst>
-              <a:gd name="adj" fmla="val 18276"/>
-            </a:avLst>
-          </a:prstGeom>
-          <a:solidFill>
-            <a:srgbClr val="69E382"/>
-          </a:solidFill>
-          <a:ln w="12700">
-            <a:miter lim="400000"/>
-          </a:ln>
-        </p:spPr>
-        <p:txBody>
-          <a:bodyPr lIns="50800" tIns="50800" rIns="50800" bIns="50800" anchor="ctr"/>
-          <a:lstStyle/>
-          <a:p>
-            <a:pPr algn="ctr">
-              <a:lnSpc>
-                <a:spcPct val="80000"/>
-              </a:lnSpc>
-              <a:spcBef>
-                <a:spcPts val="0"/>
-              </a:spcBef>
-              <a:defRPr b="0" cap="all" sz="4000">
-                <a:latin typeface="+mn-lt"/>
-                <a:ea typeface="+mn-ea"/>
-                <a:cs typeface="+mn-cs"/>
-                <a:sym typeface="DIN Condensed Bold"/>
-              </a:defRPr>
-            </a:pPr>
-          </a:p>
-        </p:txBody>
-      </p:sp>
-      <p:sp>
-        <p:nvSpPr>
-          <p:cNvPr id="377" name="i++"/>
-          <p:cNvSpPr txBox="1"/>
-          <p:nvPr/>
-        </p:nvSpPr>
-        <p:spPr>
-          <a:xfrm>
-            <a:off x="2772330" y="3735362"/>
-            <a:ext cx="687754" cy="533401"/>
-          </a:xfrm>
-          <a:prstGeom prst="rect">
-            <a:avLst/>
-          </a:prstGeom>
-          <a:ln w="12700">
-            <a:miter lim="400000"/>
-          </a:ln>
-          <a:extLst>
-            <a:ext uri="{C572A759-6A51-4108-AA02-DFA0A04FC94B}">
-              <ma14:wrappingTextBoxFlag xmlns:ma14="http://schemas.microsoft.com/office/mac/drawingml/2011/main" val="1"/>
-            </a:ext>
-          </a:extLst>
-        </p:spPr>
-        <p:txBody>
-          <a:bodyPr wrap="none" lIns="50800" tIns="50800" rIns="50800" bIns="50800" anchor="ctr">
-            <a:spAutoFit/>
-          </a:bodyPr>
-          <a:lstStyle>
-            <a:lvl1pPr>
-              <a:defRPr sz="2500"/>
-            </a:lvl1pPr>
-          </a:lstStyle>
-          <a:p>
-            <a:pPr/>
-            <a:r>
-              <a:t>i++</a:t>
-            </a:r>
-          </a:p>
-        </p:txBody>
-      </p:sp>
-      <p:sp>
-        <p:nvSpPr>
-          <p:cNvPr id="378" name="Rounded Rectangle"/>
-          <p:cNvSpPr/>
-          <p:nvPr/>
-        </p:nvSpPr>
-        <p:spPr>
-          <a:xfrm>
-            <a:off x="6756877" y="3646462"/>
-            <a:ext cx="2058006" cy="711201"/>
-          </a:xfrm>
-          <a:prstGeom prst="roundRect">
-            <a:avLst>
-              <a:gd name="adj" fmla="val 18276"/>
-            </a:avLst>
-          </a:prstGeom>
-          <a:solidFill>
-            <a:srgbClr val="69E382"/>
-          </a:solidFill>
-          <a:ln w="12700">
-            <a:miter lim="400000"/>
-          </a:ln>
-        </p:spPr>
-        <p:txBody>
-          <a:bodyPr lIns="50800" tIns="50800" rIns="50800" bIns="50800" anchor="ctr"/>
-          <a:lstStyle/>
-          <a:p>
-            <a:pPr algn="ctr">
-              <a:lnSpc>
-                <a:spcPct val="80000"/>
-              </a:lnSpc>
-              <a:spcBef>
-                <a:spcPts val="0"/>
-              </a:spcBef>
-              <a:defRPr b="0" cap="all" sz="4000">
-                <a:latin typeface="+mn-lt"/>
-                <a:ea typeface="+mn-ea"/>
-                <a:cs typeface="+mn-cs"/>
-                <a:sym typeface="DIN Condensed Bold"/>
-              </a:defRPr>
-            </a:pPr>
-          </a:p>
-        </p:txBody>
-      </p:sp>
-      <p:sp>
-        <p:nvSpPr>
-          <p:cNvPr id="379" name="i+=2"/>
-          <p:cNvSpPr txBox="1"/>
-          <p:nvPr/>
-        </p:nvSpPr>
-        <p:spPr>
-          <a:xfrm>
-            <a:off x="7346427" y="3735362"/>
-            <a:ext cx="878905" cy="533401"/>
-          </a:xfrm>
-          <a:prstGeom prst="rect">
-            <a:avLst/>
-          </a:prstGeom>
-          <a:ln w="12700">
-            <a:miter lim="400000"/>
-          </a:ln>
-          <a:extLst>
-            <a:ext uri="{C572A759-6A51-4108-AA02-DFA0A04FC94B}">
-              <ma14:wrappingTextBoxFlag xmlns:ma14="http://schemas.microsoft.com/office/mac/drawingml/2011/main" val="1"/>
-            </a:ext>
-          </a:extLst>
-        </p:spPr>
-        <p:txBody>
-          <a:bodyPr wrap="none" lIns="50800" tIns="50800" rIns="50800" bIns="50800" anchor="ctr">
-            <a:spAutoFit/>
-          </a:bodyPr>
-          <a:lstStyle>
-            <a:lvl1pPr>
-              <a:defRPr sz="2500"/>
-            </a:lvl1pPr>
-          </a:lstStyle>
-          <a:p>
-            <a:pPr/>
-            <a:r>
-              <a:t>i+=2</a:t>
-            </a:r>
-          </a:p>
-        </p:txBody>
-      </p:sp>
-    </p:spTree>
-  </p:cSld>
-  <p:clrMapOvr>
-    <a:masterClrMapping/>
-  </p:clrMapOvr>
-  <mc:AlternateContent xmlns:mc="http://schemas.openxmlformats.org/markup-compatibility/2006">
-    <mc:Choice xmlns:p14="http://schemas.microsoft.com/office/powerpoint/2010/main" Requires="p14">
-      <p:transition spd="fast" advClick="1" p14:dur="699">
-        <p:push dir="l"/>
-      </p:transition>
-    </mc:Choice>
-    <mc:Fallback>
-      <p:transition spd="fast">
-        <p:fade/>
-      </p:transition>
-    </mc:Fallback>
-  </mc:AlternateContent>
-  <p:timing>
-    <p:tnLst>
-      <p:par>
-        <p:cTn id="1" nodeType="tmRoot" restart="never" dur="indefinite" fill="hold">
-          <p:childTnLst>
-            <p:seq concurrent="1" prevAc="none" nextAc="seek">
-              <p:cTn id="2" nodeType="mainSeq" dur="indefinite" fill="hold">
-                <p:childTnLst>
-                  <p:par>
-                    <p:cTn id="3" fill="hold">
-                      <p:stCondLst>
-                        <p:cond delay="indefinite"/>
-                        <p:cond evt="onBegin">
-                          <p:tn val="2"/>
-                        </p:cond>
-                      </p:stCondLst>
-                      <p:childTnLst>
-                        <p:par>
-                          <p:cTn id="4" fill="hold">
-                            <p:stCondLst>
-                              <p:cond delay="0"/>
-                            </p:stCondLst>
-                            <p:childTnLst>
-                              <p:par>
-                                <p:cTn id="5" presetClass="entr" nodeType="afterEffect" presetSubtype="32" presetID="4" grpId="1" fill="hold">
-                                  <p:stCondLst>
-                                    <p:cond delay="0"/>
-                                  </p:stCondLst>
-                                  <p:iterate type="el" backwards="0">
-                                    <p:tmAbs val="0"/>
-                                  </p:iterate>
-                                  <p:childTnLst>
-                                    <p:set>
-                                      <p:cBhvr>
-                                        <p:cTn id="6" fill="hold"/>
-                                        <p:tgtEl>
-                                          <p:spTgt spid="346"/>
-                                        </p:tgtEl>
-                                        <p:attrNameLst>
-                                          <p:attrName>style.visibility</p:attrName>
-                                        </p:attrNameLst>
-                                      </p:cBhvr>
-                                      <p:to>
-                                        <p:strVal val="visible"/>
-                                      </p:to>
-                                    </p:set>
-                                    <p:animEffect filter="box(out)" transition="in">
-                                      <p:cBhvr>
-                                        <p:cTn id="7" dur="700"/>
-                                        <p:tgtEl>
-                                          <p:spTgt spid="346"/>
-                                        </p:tgtEl>
-                                      </p:cBhvr>
-                                    </p:animEffect>
-                                  </p:childTnLst>
-                                </p:cTn>
-                              </p:par>
-                            </p:childTnLst>
-                          </p:cTn>
-                        </p:par>
-                        <p:par>
-                          <p:cTn id="8" fill="hold">
-                            <p:stCondLst>
-                              <p:cond delay="700"/>
-                            </p:stCondLst>
-                            <p:childTnLst>
-                              <p:par>
-                                <p:cTn id="9" presetClass="entr" nodeType="afterEffect" presetSubtype="32" presetID="23" grpId="2" fill="hold">
-                                  <p:stCondLst>
-                                    <p:cond delay="0"/>
-                                  </p:stCondLst>
-                                  <p:iterate type="el" backwards="0">
-                                    <p:tmAbs val="0"/>
-                                  </p:iterate>
-                                  <p:childTnLst>
-                                    <p:set>
-                                      <p:cBhvr>
-                                        <p:cTn id="10" fill="hold"/>
-                                        <p:tgtEl>
-                                          <p:spTgt spid="347"/>
-                                        </p:tgtEl>
-                                        <p:attrNameLst>
-                                          <p:attrName>style.visibility</p:attrName>
-                                        </p:attrNameLst>
-                                      </p:cBhvr>
-                                      <p:to>
-                                        <p:strVal val="visible"/>
-                                      </p:to>
-                                    </p:set>
-                                    <p:anim calcmode="lin" valueType="num">
-                                      <p:cBhvr>
-                                        <p:cTn id="11" dur="900" fill="hold"/>
-                                        <p:tgtEl>
-                                          <p:spTgt spid="347"/>
-                                        </p:tgtEl>
-                                        <p:attrNameLst>
-                                          <p:attrName>ppt_w</p:attrName>
-                                        </p:attrNameLst>
-                                      </p:cBhvr>
-                                      <p:tavLst>
-                                        <p:tav tm="0">
-                                          <p:val>
-                                            <p:strVal val="4*#ppt_w"/>
-                                          </p:val>
-                                        </p:tav>
-                                        <p:tav tm="100000">
-                                          <p:val>
-                                            <p:strVal val="#ppt_w"/>
-                                          </p:val>
-                                        </p:tav>
-                                      </p:tavLst>
-                                    </p:anim>
-                                    <p:anim calcmode="lin" valueType="num">
-                                      <p:cBhvr>
-                                        <p:cTn id="12" dur="900" fill="hold"/>
-                                        <p:tgtEl>
-                                          <p:spTgt spid="347"/>
-                                        </p:tgtEl>
-                                        <p:attrNameLst>
-                                          <p:attrName>ppt_h</p:attrName>
-                                        </p:attrNameLst>
-                                      </p:cBhvr>
-                                      <p:tavLst>
-                                        <p:tav tm="0">
-                                          <p:val>
-                                            <p:strVal val="4*#ppt_h"/>
-                                          </p:val>
-                                        </p:tav>
-                                        <p:tav tm="100000">
-                                          <p:val>
-                                            <p:strVal val="#ppt_h"/>
-                                          </p:val>
-                                        </p:tav>
-                                      </p:tavLst>
-                                    </p:anim>
-                                  </p:childTnLst>
-                                </p:cTn>
-                              </p:par>
-                            </p:childTnLst>
-                          </p:cTn>
-                        </p:par>
-                        <p:par>
-                          <p:cTn id="13" fill="hold">
-                            <p:stCondLst>
-                              <p:cond delay="1600"/>
-                            </p:stCondLst>
-                            <p:childTnLst>
-                              <p:par>
-                                <p:cTn id="14" presetClass="entr" nodeType="afterEffect" presetSubtype="32" presetID="4" grpId="3" fill="hold">
-                                  <p:stCondLst>
-                                    <p:cond delay="200"/>
-                                  </p:stCondLst>
-                                  <p:iterate type="el" backwards="0">
-                                    <p:tmAbs val="0"/>
-                                  </p:iterate>
-                                  <p:childTnLst>
-                                    <p:set>
-                                      <p:cBhvr>
-                                        <p:cTn id="15" fill="hold"/>
-                                        <p:tgtEl>
-                                          <p:spTgt spid="348"/>
-                                        </p:tgtEl>
-                                        <p:attrNameLst>
-                                          <p:attrName>style.visibility</p:attrName>
-                                        </p:attrNameLst>
-                                      </p:cBhvr>
-                                      <p:to>
-                                        <p:strVal val="visible"/>
-                                      </p:to>
-                                    </p:set>
-                                    <p:animEffect filter="box(out)" transition="in">
-                                      <p:cBhvr>
-                                        <p:cTn id="16" dur="700"/>
-                                        <p:tgtEl>
-                                          <p:spTgt spid="348"/>
-                                        </p:tgtEl>
-                                      </p:cBhvr>
-                                    </p:animEffect>
-                                  </p:childTnLst>
-                                </p:cTn>
-                              </p:par>
-                            </p:childTnLst>
-                          </p:cTn>
-                        </p:par>
-                        <p:par>
-                          <p:cTn id="17" fill="hold">
-                            <p:stCondLst>
-                              <p:cond delay="2500"/>
-                            </p:stCondLst>
-                            <p:childTnLst>
-                              <p:par>
-                                <p:cTn id="18" presetClass="entr" nodeType="afterEffect" presetSubtype="32" presetID="23" grpId="4" fill="hold">
-                                  <p:stCondLst>
-                                    <p:cond delay="0"/>
-                                  </p:stCondLst>
-                                  <p:iterate type="el" backwards="0">
-                                    <p:tmAbs val="0"/>
-                                  </p:iterate>
-                                  <p:childTnLst>
-                                    <p:set>
-                                      <p:cBhvr>
-                                        <p:cTn id="19" fill="hold"/>
-                                        <p:tgtEl>
-                                          <p:spTgt spid="349"/>
-                                        </p:tgtEl>
-                                        <p:attrNameLst>
-                                          <p:attrName>style.visibility</p:attrName>
-                                        </p:attrNameLst>
-                                      </p:cBhvr>
-                                      <p:to>
-                                        <p:strVal val="visible"/>
-                                      </p:to>
-                                    </p:set>
-                                    <p:anim calcmode="lin" valueType="num">
-                                      <p:cBhvr>
-                                        <p:cTn id="20" dur="900" fill="hold"/>
-                                        <p:tgtEl>
-                                          <p:spTgt spid="349"/>
-                                        </p:tgtEl>
-                                        <p:attrNameLst>
-                                          <p:attrName>ppt_w</p:attrName>
-                                        </p:attrNameLst>
-                                      </p:cBhvr>
-                                      <p:tavLst>
-                                        <p:tav tm="0">
-                                          <p:val>
-                                            <p:strVal val="4*#ppt_w"/>
-                                          </p:val>
-                                        </p:tav>
-                                        <p:tav tm="100000">
-                                          <p:val>
-                                            <p:strVal val="#ppt_w"/>
-                                          </p:val>
-                                        </p:tav>
-                                      </p:tavLst>
-                                    </p:anim>
-                                    <p:anim calcmode="lin" valueType="num">
-                                      <p:cBhvr>
-                                        <p:cTn id="21" dur="900" fill="hold"/>
-                                        <p:tgtEl>
-                                          <p:spTgt spid="349"/>
-                                        </p:tgtEl>
-                                        <p:attrNameLst>
-                                          <p:attrName>ppt_h</p:attrName>
-                                        </p:attrNameLst>
-                                      </p:cBhvr>
-                                      <p:tavLst>
-                                        <p:tav tm="0">
-                                          <p:val>
-                                            <p:strVal val="4*#ppt_h"/>
-                                          </p:val>
-                                        </p:tav>
-                                        <p:tav tm="100000">
-                                          <p:val>
-                                            <p:strVal val="#ppt_h"/>
-                                          </p:val>
-                                        </p:tav>
-                                      </p:tavLst>
-                                    </p:anim>
-                                  </p:childTnLst>
-                                </p:cTn>
-                              </p:par>
-                            </p:childTnLst>
-                          </p:cTn>
-                        </p:par>
-                        <p:par>
-                          <p:cTn id="22" fill="hold">
-                            <p:stCondLst>
-                              <p:cond delay="3400"/>
-                            </p:stCondLst>
-                            <p:childTnLst>
-                              <p:par>
-                                <p:cTn id="23" presetClass="entr" nodeType="afterEffect" presetSubtype="32" presetID="4" grpId="5" fill="hold">
-                                  <p:stCondLst>
-                                    <p:cond delay="200"/>
-                                  </p:stCondLst>
-                                  <p:iterate type="el" backwards="0">
-                                    <p:tmAbs val="0"/>
-                                  </p:iterate>
-                                  <p:childTnLst>
-                                    <p:set>
-                                      <p:cBhvr>
-                                        <p:cTn id="24" fill="hold"/>
-                                        <p:tgtEl>
-                                          <p:spTgt spid="350"/>
-                                        </p:tgtEl>
-                                        <p:attrNameLst>
-                                          <p:attrName>style.visibility</p:attrName>
-                                        </p:attrNameLst>
-                                      </p:cBhvr>
-                                      <p:to>
-                                        <p:strVal val="visible"/>
-                                      </p:to>
-                                    </p:set>
-                                    <p:animEffect filter="box(out)" transition="in">
-                                      <p:cBhvr>
-                                        <p:cTn id="25" dur="700"/>
-                                        <p:tgtEl>
-                                          <p:spTgt spid="350"/>
-                                        </p:tgtEl>
-                                      </p:cBhvr>
-                                    </p:animEffect>
-                                  </p:childTnLst>
-                                </p:cTn>
-                              </p:par>
-                            </p:childTnLst>
-                          </p:cTn>
-                        </p:par>
-                        <p:par>
-                          <p:cTn id="26" fill="hold">
-                            <p:stCondLst>
-                              <p:cond delay="4300"/>
-                            </p:stCondLst>
-                            <p:childTnLst>
-                              <p:par>
-                                <p:cTn id="27" presetClass="entr" nodeType="afterEffect" presetSubtype="32" presetID="23" grpId="6" fill="hold">
-                                  <p:stCondLst>
-                                    <p:cond delay="0"/>
-                                  </p:stCondLst>
-                                  <p:iterate type="el" backwards="0">
-                                    <p:tmAbs val="0"/>
-                                  </p:iterate>
-                                  <p:childTnLst>
-                                    <p:set>
-                                      <p:cBhvr>
-                                        <p:cTn id="28" fill="hold"/>
-                                        <p:tgtEl>
-                                          <p:spTgt spid="351"/>
-                                        </p:tgtEl>
-                                        <p:attrNameLst>
-                                          <p:attrName>style.visibility</p:attrName>
-                                        </p:attrNameLst>
-                                      </p:cBhvr>
-                                      <p:to>
-                                        <p:strVal val="visible"/>
-                                      </p:to>
-                                    </p:set>
-                                    <p:anim calcmode="lin" valueType="num">
-                                      <p:cBhvr>
-                                        <p:cTn id="29" dur="900" fill="hold"/>
-                                        <p:tgtEl>
-                                          <p:spTgt spid="351"/>
-                                        </p:tgtEl>
-                                        <p:attrNameLst>
-                                          <p:attrName>ppt_w</p:attrName>
-                                        </p:attrNameLst>
-                                      </p:cBhvr>
-                                      <p:tavLst>
-                                        <p:tav tm="0">
-                                          <p:val>
-                                            <p:strVal val="4*#ppt_w"/>
-                                          </p:val>
-                                        </p:tav>
-                                        <p:tav tm="100000">
-                                          <p:val>
-                                            <p:strVal val="#ppt_w"/>
-                                          </p:val>
-                                        </p:tav>
-                                      </p:tavLst>
-                                    </p:anim>
-                                    <p:anim calcmode="lin" valueType="num">
-                                      <p:cBhvr>
-                                        <p:cTn id="30" dur="900" fill="hold"/>
-                                        <p:tgtEl>
-                                          <p:spTgt spid="351"/>
-                                        </p:tgtEl>
-                                        <p:attrNameLst>
-                                          <p:attrName>ppt_h</p:attrName>
-                                        </p:attrNameLst>
-                                      </p:cBhvr>
-                                      <p:tavLst>
-                                        <p:tav tm="0">
-                                          <p:val>
-                                            <p:strVal val="4*#ppt_h"/>
-                                          </p:val>
-                                        </p:tav>
-                                        <p:tav tm="100000">
-                                          <p:val>
-                                            <p:strVal val="#ppt_h"/>
-                                          </p:val>
-                                        </p:tav>
-                                      </p:tavLst>
-                                    </p:anim>
-                                  </p:childTnLst>
-                                </p:cTn>
-                              </p:par>
-                            </p:childTnLst>
-                          </p:cTn>
-                        </p:par>
-                        <p:par>
-                          <p:cTn id="31" fill="hold">
-                            <p:stCondLst>
-                              <p:cond delay="5200"/>
-                            </p:stCondLst>
-                            <p:childTnLst>
-                              <p:par>
-                                <p:cTn id="32" presetClass="entr" nodeType="afterEffect" presetSubtype="32" presetID="4" grpId="7" fill="hold">
-                                  <p:stCondLst>
-                                    <p:cond delay="0"/>
-                                  </p:stCondLst>
-                                  <p:iterate type="el" backwards="0">
-                                    <p:tmAbs val="0"/>
-                                  </p:iterate>
-                                  <p:childTnLst>
-                                    <p:set>
-                                      <p:cBhvr>
-                                        <p:cTn id="33" fill="hold"/>
-                                        <p:tgtEl>
-                                          <p:spTgt spid="342"/>
-                                        </p:tgtEl>
-                                        <p:attrNameLst>
-                                          <p:attrName>style.visibility</p:attrName>
-                                        </p:attrNameLst>
-                                      </p:cBhvr>
-                                      <p:to>
-                                        <p:strVal val="visible"/>
-                                      </p:to>
-                                    </p:set>
-                                    <p:animEffect filter="box(out)" transition="in">
-                                      <p:cBhvr>
-                                        <p:cTn id="34" dur="700"/>
-                                        <p:tgtEl>
-                                          <p:spTgt spid="342"/>
-                                        </p:tgtEl>
-                                      </p:cBhvr>
-                                    </p:animEffect>
-                                  </p:childTnLst>
-                                </p:cTn>
-                              </p:par>
-                            </p:childTnLst>
-                          </p:cTn>
-                        </p:par>
-                        <p:par>
-                          <p:cTn id="35" fill="hold">
-                            <p:stCondLst>
-                              <p:cond delay="5900"/>
-                            </p:stCondLst>
-                            <p:childTnLst>
-                              <p:par>
-                                <p:cTn id="36" presetClass="entr" nodeType="afterEffect" presetSubtype="32" presetID="23" grpId="8" fill="hold">
-                                  <p:stCondLst>
-                                    <p:cond delay="0"/>
-                                  </p:stCondLst>
-                                  <p:iterate type="el" backwards="0">
-                                    <p:tmAbs val="0"/>
-                                  </p:iterate>
-                                  <p:childTnLst>
-                                    <p:set>
-                                      <p:cBhvr>
-                                        <p:cTn id="37" fill="hold"/>
-                                        <p:tgtEl>
-                                          <p:spTgt spid="343"/>
-                                        </p:tgtEl>
-                                        <p:attrNameLst>
-                                          <p:attrName>style.visibility</p:attrName>
-                                        </p:attrNameLst>
-                                      </p:cBhvr>
-                                      <p:to>
-                                        <p:strVal val="visible"/>
-                                      </p:to>
-                                    </p:set>
-                                    <p:anim calcmode="lin" valueType="num">
-                                      <p:cBhvr>
-                                        <p:cTn id="38" dur="900" fill="hold"/>
-                                        <p:tgtEl>
-                                          <p:spTgt spid="343"/>
-                                        </p:tgtEl>
-                                        <p:attrNameLst>
-                                          <p:attrName>ppt_w</p:attrName>
-                                        </p:attrNameLst>
-                                      </p:cBhvr>
-                                      <p:tavLst>
-                                        <p:tav tm="0">
-                                          <p:val>
-                                            <p:strVal val="4*#ppt_w"/>
-                                          </p:val>
-                                        </p:tav>
-                                        <p:tav tm="100000">
-                                          <p:val>
-                                            <p:strVal val="#ppt_w"/>
-                                          </p:val>
-                                        </p:tav>
-                                      </p:tavLst>
-                                    </p:anim>
-                                    <p:anim calcmode="lin" valueType="num">
-                                      <p:cBhvr>
-                                        <p:cTn id="39" dur="900" fill="hold"/>
-                                        <p:tgtEl>
-                                          <p:spTgt spid="343"/>
-                                        </p:tgtEl>
-                                        <p:attrNameLst>
-                                          <p:attrName>ppt_h</p:attrName>
-                                        </p:attrNameLst>
-                                      </p:cBhvr>
-                                      <p:tavLst>
-                                        <p:tav tm="0">
-                                          <p:val>
-                                            <p:strVal val="4*#ppt_h"/>
-                                          </p:val>
-                                        </p:tav>
-                                        <p:tav tm="100000">
-                                          <p:val>
-                                            <p:strVal val="#ppt_h"/>
-                                          </p:val>
-                                        </p:tav>
-                                      </p:tavLst>
-                                    </p:anim>
-                                  </p:childTnLst>
-                                </p:cTn>
-                              </p:par>
-                            </p:childTnLst>
-                          </p:cTn>
-                        </p:par>
-                        <p:par>
-                          <p:cTn id="40" fill="hold">
-                            <p:stCondLst>
-                              <p:cond delay="6800"/>
-                            </p:stCondLst>
-                            <p:childTnLst>
-                              <p:par>
-                                <p:cTn id="41" presetClass="entr" nodeType="afterEffect" presetSubtype="32" presetID="4" grpId="9" fill="hold">
-                                  <p:stCondLst>
-                                    <p:cond delay="0"/>
-                                  </p:stCondLst>
-                                  <p:iterate type="el" backwards="0">
-                                    <p:tmAbs val="0"/>
-                                  </p:iterate>
-                                  <p:childTnLst>
-                                    <p:set>
-                                      <p:cBhvr>
-                                        <p:cTn id="42" fill="hold"/>
-                                        <p:tgtEl>
-                                          <p:spTgt spid="352"/>
-                                        </p:tgtEl>
-                                        <p:attrNameLst>
-                                          <p:attrName>style.visibility</p:attrName>
-                                        </p:attrNameLst>
-                                      </p:cBhvr>
-                                      <p:to>
-                                        <p:strVal val="visible"/>
-                                      </p:to>
-                                    </p:set>
-                                    <p:animEffect filter="box(out)" transition="in">
-                                      <p:cBhvr>
-                                        <p:cTn id="43" dur="700"/>
-                                        <p:tgtEl>
-                                          <p:spTgt spid="352"/>
-                                        </p:tgtEl>
-                                      </p:cBhvr>
-                                    </p:animEffect>
-                                  </p:childTnLst>
-                                </p:cTn>
-                              </p:par>
-                            </p:childTnLst>
-                          </p:cTn>
-                        </p:par>
-                        <p:par>
-                          <p:cTn id="44" fill="hold">
-                            <p:stCondLst>
-                              <p:cond delay="7500"/>
-                            </p:stCondLst>
-                            <p:childTnLst>
-                              <p:par>
-                                <p:cTn id="45" presetClass="entr" nodeType="afterEffect" presetSubtype="32" presetID="23" grpId="10" fill="hold">
-                                  <p:stCondLst>
-                                    <p:cond delay="0"/>
-                                  </p:stCondLst>
-                                  <p:iterate type="el" backwards="0">
-                                    <p:tmAbs val="0"/>
-                                  </p:iterate>
-                                  <p:childTnLst>
-                                    <p:set>
-                                      <p:cBhvr>
-                                        <p:cTn id="46" fill="hold"/>
-                                        <p:tgtEl>
-                                          <p:spTgt spid="353"/>
-                                        </p:tgtEl>
-                                        <p:attrNameLst>
-                                          <p:attrName>style.visibility</p:attrName>
-                                        </p:attrNameLst>
-                                      </p:cBhvr>
-                                      <p:to>
-                                        <p:strVal val="visible"/>
-                                      </p:to>
-                                    </p:set>
-                                    <p:anim calcmode="lin" valueType="num">
-                                      <p:cBhvr>
-                                        <p:cTn id="47" dur="900" fill="hold"/>
-                                        <p:tgtEl>
-                                          <p:spTgt spid="353"/>
-                                        </p:tgtEl>
-                                        <p:attrNameLst>
-                                          <p:attrName>ppt_w</p:attrName>
-                                        </p:attrNameLst>
-                                      </p:cBhvr>
-                                      <p:tavLst>
-                                        <p:tav tm="0">
-                                          <p:val>
-                                            <p:strVal val="4*#ppt_w"/>
-                                          </p:val>
-                                        </p:tav>
-                                        <p:tav tm="100000">
-                                          <p:val>
-                                            <p:strVal val="#ppt_w"/>
-                                          </p:val>
-                                        </p:tav>
-                                      </p:tavLst>
-                                    </p:anim>
-                                    <p:anim calcmode="lin" valueType="num">
-                                      <p:cBhvr>
-                                        <p:cTn id="48" dur="900" fill="hold"/>
-                                        <p:tgtEl>
-                                          <p:spTgt spid="353"/>
-                                        </p:tgtEl>
-                                        <p:attrNameLst>
-                                          <p:attrName>ppt_h</p:attrName>
-                                        </p:attrNameLst>
-                                      </p:cBhvr>
-                                      <p:tavLst>
-                                        <p:tav tm="0">
-                                          <p:val>
-                                            <p:strVal val="4*#ppt_h"/>
-                                          </p:val>
-                                        </p:tav>
-                                        <p:tav tm="100000">
-                                          <p:val>
-                                            <p:strVal val="#ppt_h"/>
-                                          </p:val>
-                                        </p:tav>
-                                      </p:tavLst>
-                                    </p:anim>
-                                  </p:childTnLst>
-                                </p:cTn>
-                              </p:par>
-                            </p:childTnLst>
-                          </p:cTn>
-                        </p:par>
-                        <p:par>
-                          <p:cTn id="49" fill="hold">
-                            <p:stCondLst>
-                              <p:cond delay="8400"/>
-                            </p:stCondLst>
-                            <p:childTnLst>
-                              <p:par>
-                                <p:cTn id="50" presetClass="entr" nodeType="afterEffect" presetSubtype="32" presetID="4" grpId="11" fill="hold">
-                                  <p:stCondLst>
-                                    <p:cond delay="0"/>
-                                  </p:stCondLst>
-                                  <p:iterate type="el" backwards="0">
-                                    <p:tmAbs val="0"/>
-                                  </p:iterate>
-                                  <p:childTnLst>
-                                    <p:set>
-                                      <p:cBhvr>
-                                        <p:cTn id="51" fill="hold"/>
-                                        <p:tgtEl>
-                                          <p:spTgt spid="354"/>
-                                        </p:tgtEl>
-                                        <p:attrNameLst>
-                                          <p:attrName>style.visibility</p:attrName>
-                                        </p:attrNameLst>
-                                      </p:cBhvr>
-                                      <p:to>
-                                        <p:strVal val="visible"/>
-                                      </p:to>
-                                    </p:set>
-                                    <p:animEffect filter="box(out)" transition="in">
-                                      <p:cBhvr>
-                                        <p:cTn id="52" dur="700"/>
-                                        <p:tgtEl>
-                                          <p:spTgt spid="354"/>
-                                        </p:tgtEl>
-                                      </p:cBhvr>
-                                    </p:animEffect>
-                                  </p:childTnLst>
-                                </p:cTn>
-                              </p:par>
-                            </p:childTnLst>
-                          </p:cTn>
-                        </p:par>
-                        <p:par>
-                          <p:cTn id="53" fill="hold">
-                            <p:stCondLst>
-                              <p:cond delay="9100"/>
-                            </p:stCondLst>
-                            <p:childTnLst>
-                              <p:par>
-                                <p:cTn id="54" presetClass="entr" nodeType="afterEffect" presetSubtype="32" presetID="23" grpId="12" fill="hold">
-                                  <p:stCondLst>
-                                    <p:cond delay="0"/>
-                                  </p:stCondLst>
-                                  <p:iterate type="el" backwards="0">
-                                    <p:tmAbs val="0"/>
-                                  </p:iterate>
-                                  <p:childTnLst>
-                                    <p:set>
-                                      <p:cBhvr>
-                                        <p:cTn id="55" fill="hold"/>
-                                        <p:tgtEl>
-                                          <p:spTgt spid="357"/>
-                                        </p:tgtEl>
-                                        <p:attrNameLst>
-                                          <p:attrName>style.visibility</p:attrName>
-                                        </p:attrNameLst>
-                                      </p:cBhvr>
-                                      <p:to>
-                                        <p:strVal val="visible"/>
-                                      </p:to>
-                                    </p:set>
-                                    <p:anim calcmode="lin" valueType="num">
-                                      <p:cBhvr>
-                                        <p:cTn id="56" dur="900" fill="hold"/>
-                                        <p:tgtEl>
-                                          <p:spTgt spid="357"/>
-                                        </p:tgtEl>
-                                        <p:attrNameLst>
-                                          <p:attrName>ppt_w</p:attrName>
-                                        </p:attrNameLst>
-                                      </p:cBhvr>
-                                      <p:tavLst>
-                                        <p:tav tm="0">
-                                          <p:val>
-                                            <p:strVal val="4*#ppt_w"/>
-                                          </p:val>
-                                        </p:tav>
-                                        <p:tav tm="100000">
-                                          <p:val>
-                                            <p:strVal val="#ppt_w"/>
-                                          </p:val>
-                                        </p:tav>
-                                      </p:tavLst>
-                                    </p:anim>
-                                    <p:anim calcmode="lin" valueType="num">
-                                      <p:cBhvr>
-                                        <p:cTn id="57" dur="900" fill="hold"/>
-                                        <p:tgtEl>
-                                          <p:spTgt spid="357"/>
-                                        </p:tgtEl>
-                                        <p:attrNameLst>
-                                          <p:attrName>ppt_h</p:attrName>
-                                        </p:attrNameLst>
-                                      </p:cBhvr>
-                                      <p:tavLst>
-                                        <p:tav tm="0">
-                                          <p:val>
-                                            <p:strVal val="4*#ppt_h"/>
-                                          </p:val>
-                                        </p:tav>
-                                        <p:tav tm="100000">
-                                          <p:val>
-                                            <p:strVal val="#ppt_h"/>
-                                          </p:val>
-                                        </p:tav>
-                                      </p:tavLst>
-                                    </p:anim>
-                                  </p:childTnLst>
-                                </p:cTn>
-                              </p:par>
-                            </p:childTnLst>
-                          </p:cTn>
-                        </p:par>
-                        <p:par>
-                          <p:cTn id="58" fill="hold">
-                            <p:stCondLst>
-                              <p:cond delay="10000"/>
-                            </p:stCondLst>
-                            <p:childTnLst>
-                              <p:par>
-                                <p:cTn id="59" presetClass="entr" nodeType="afterEffect" presetSubtype="32" presetID="4" grpId="13" fill="hold">
-                                  <p:stCondLst>
-                                    <p:cond delay="0"/>
-                                  </p:stCondLst>
-                                  <p:iterate type="el" backwards="0">
-                                    <p:tmAbs val="0"/>
-                                  </p:iterate>
-                                  <p:childTnLst>
-                                    <p:set>
-                                      <p:cBhvr>
-                                        <p:cTn id="60" fill="hold"/>
-                                        <p:tgtEl>
-                                          <p:spTgt spid="355"/>
-                                        </p:tgtEl>
-                                        <p:attrNameLst>
-                                          <p:attrName>style.visibility</p:attrName>
-                                        </p:attrNameLst>
-                                      </p:cBhvr>
-                                      <p:to>
-                                        <p:strVal val="visible"/>
-                                      </p:to>
-                                    </p:set>
-                                    <p:animEffect filter="box(out)" transition="in">
-                                      <p:cBhvr>
-                                        <p:cTn id="61" dur="700"/>
-                                        <p:tgtEl>
-                                          <p:spTgt spid="355"/>
-                                        </p:tgtEl>
-                                      </p:cBhvr>
-                                    </p:animEffect>
-                                  </p:childTnLst>
-                                </p:cTn>
-                              </p:par>
-                            </p:childTnLst>
-                          </p:cTn>
-                        </p:par>
-                        <p:par>
-                          <p:cTn id="62" fill="hold">
-                            <p:stCondLst>
-                              <p:cond delay="10700"/>
-                            </p:stCondLst>
-                            <p:childTnLst>
-                              <p:par>
-                                <p:cTn id="63" presetClass="entr" nodeType="afterEffect" presetSubtype="32" presetID="23" grpId="14" fill="hold">
-                                  <p:stCondLst>
-                                    <p:cond delay="0"/>
-                                  </p:stCondLst>
-                                  <p:iterate type="el" backwards="0">
-                                    <p:tmAbs val="0"/>
-                                  </p:iterate>
-                                  <p:childTnLst>
-                                    <p:set>
-                                      <p:cBhvr>
-                                        <p:cTn id="64" fill="hold"/>
-                                        <p:tgtEl>
-                                          <p:spTgt spid="356"/>
-                                        </p:tgtEl>
-                                        <p:attrNameLst>
-                                          <p:attrName>style.visibility</p:attrName>
-                                        </p:attrNameLst>
-                                      </p:cBhvr>
-                                      <p:to>
-                                        <p:strVal val="visible"/>
-                                      </p:to>
-                                    </p:set>
-                                    <p:anim calcmode="lin" valueType="num">
-                                      <p:cBhvr>
-                                        <p:cTn id="65" dur="900" fill="hold"/>
-                                        <p:tgtEl>
-                                          <p:spTgt spid="356"/>
-                                        </p:tgtEl>
-                                        <p:attrNameLst>
-                                          <p:attrName>ppt_w</p:attrName>
-                                        </p:attrNameLst>
-                                      </p:cBhvr>
-                                      <p:tavLst>
-                                        <p:tav tm="0">
-                                          <p:val>
-                                            <p:strVal val="4*#ppt_w"/>
-                                          </p:val>
-                                        </p:tav>
-                                        <p:tav tm="100000">
-                                          <p:val>
-                                            <p:strVal val="#ppt_w"/>
-                                          </p:val>
-                                        </p:tav>
-                                      </p:tavLst>
-                                    </p:anim>
-                                    <p:anim calcmode="lin" valueType="num">
-                                      <p:cBhvr>
-                                        <p:cTn id="66" dur="900" fill="hold"/>
-                                        <p:tgtEl>
-                                          <p:spTgt spid="356"/>
-                                        </p:tgtEl>
-                                        <p:attrNameLst>
-                                          <p:attrName>ppt_h</p:attrName>
-                                        </p:attrNameLst>
-                                      </p:cBhvr>
-                                      <p:tavLst>
-                                        <p:tav tm="0">
-                                          <p:val>
-                                            <p:strVal val="4*#ppt_h"/>
-                                          </p:val>
-                                        </p:tav>
-                                        <p:tav tm="100000">
-                                          <p:val>
-                                            <p:strVal val="#ppt_h"/>
-                                          </p:val>
-                                        </p:tav>
-                                      </p:tavLst>
-                                    </p:anim>
-                                  </p:childTnLst>
-                                </p:cTn>
-                              </p:par>
-                            </p:childTnLst>
-                          </p:cTn>
-                        </p:par>
-                      </p:childTnLst>
-                    </p:cTn>
-                  </p:par>
-                  <p:par>
-                    <p:cTn id="67" fill="hold">
-                      <p:stCondLst>
-                        <p:cond delay="indefinite"/>
-                      </p:stCondLst>
-                      <p:childTnLst>
-                        <p:par>
-                          <p:cTn id="68" fill="hold">
-                            <p:stCondLst>
-                              <p:cond delay="0"/>
-                            </p:stCondLst>
-                            <p:childTnLst>
-                              <p:par>
-                                <p:cTn id="69" presetClass="entr" nodeType="clickEffect" presetID="9" grpId="15" fill="hold">
-                                  <p:stCondLst>
-                                    <p:cond delay="0"/>
-                                  </p:stCondLst>
-                                  <p:iterate type="el" backwards="0">
-                                    <p:tmAbs val="0"/>
-                                  </p:iterate>
-                                  <p:childTnLst>
-                                    <p:set>
-                                      <p:cBhvr>
-                                        <p:cTn id="70" fill="hold"/>
-                                        <p:tgtEl>
-                                          <p:spTgt spid="364"/>
-                                        </p:tgtEl>
-                                        <p:attrNameLst>
-                                          <p:attrName>style.visibility</p:attrName>
-                                        </p:attrNameLst>
-                                      </p:cBhvr>
-                                      <p:to>
-                                        <p:strVal val="visible"/>
-                                      </p:to>
-                                    </p:set>
-                                    <p:animEffect filter="dissolve" transition="in">
-                                      <p:cBhvr>
-                                        <p:cTn id="71" dur="800"/>
-                                        <p:tgtEl>
-                                          <p:spTgt spid="364"/>
-                                        </p:tgtEl>
-                                      </p:cBhvr>
-                                    </p:animEffect>
-                                  </p:childTnLst>
-                                </p:cTn>
-                              </p:par>
-                            </p:childTnLst>
-                          </p:cTn>
-                        </p:par>
-                        <p:par>
-                          <p:cTn id="72" fill="hold">
-                            <p:stCondLst>
-                              <p:cond delay="800"/>
-                            </p:stCondLst>
-                            <p:childTnLst>
-                              <p:par>
-                                <p:cTn id="73" presetClass="entr" nodeType="afterEffect" presetID="9" grpId="16" fill="hold">
-                                  <p:stCondLst>
-                                    <p:cond delay="200"/>
-                                  </p:stCondLst>
-                                  <p:iterate type="el" backwards="0">
-                                    <p:tmAbs val="0"/>
-                                  </p:iterate>
-                                  <p:childTnLst>
-                                    <p:set>
-                                      <p:cBhvr>
-                                        <p:cTn id="74" fill="hold"/>
-                                        <p:tgtEl>
-                                          <p:spTgt spid="366"/>
-                                        </p:tgtEl>
-                                        <p:attrNameLst>
-                                          <p:attrName>style.visibility</p:attrName>
-                                        </p:attrNameLst>
-                                      </p:cBhvr>
-                                      <p:to>
-                                        <p:strVal val="visible"/>
-                                      </p:to>
-                                    </p:set>
-                                    <p:animEffect filter="dissolve" transition="in">
-                                      <p:cBhvr>
-                                        <p:cTn id="75" dur="800"/>
-                                        <p:tgtEl>
-                                          <p:spTgt spid="366"/>
-                                        </p:tgtEl>
-                                      </p:cBhvr>
-                                    </p:animEffect>
-                                  </p:childTnLst>
-                                </p:cTn>
-                              </p:par>
-                            </p:childTnLst>
-                          </p:cTn>
-                        </p:par>
-                        <p:par>
-                          <p:cTn id="76" fill="hold">
-                            <p:stCondLst>
-                              <p:cond delay="1800"/>
-                            </p:stCondLst>
-                            <p:childTnLst>
-                              <p:par>
-                                <p:cTn id="77" presetClass="entr" nodeType="afterEffect" presetID="9" grpId="17" fill="hold">
-                                  <p:stCondLst>
-                                    <p:cond delay="200"/>
-                                  </p:stCondLst>
-                                  <p:iterate type="el" backwards="0">
-                                    <p:tmAbs val="0"/>
-                                  </p:iterate>
-                                  <p:childTnLst>
-                                    <p:set>
-                                      <p:cBhvr>
-                                        <p:cTn id="78" fill="hold"/>
-                                        <p:tgtEl>
-                                          <p:spTgt spid="368"/>
-                                        </p:tgtEl>
-                                        <p:attrNameLst>
-                                          <p:attrName>style.visibility</p:attrName>
-                                        </p:attrNameLst>
-                                      </p:cBhvr>
-                                      <p:to>
-                                        <p:strVal val="visible"/>
-                                      </p:to>
-                                    </p:set>
-                                    <p:animEffect filter="dissolve" transition="in">
-                                      <p:cBhvr>
-                                        <p:cTn id="79" dur="800"/>
-                                        <p:tgtEl>
-                                          <p:spTgt spid="368"/>
-                                        </p:tgtEl>
-                                      </p:cBhvr>
-                                    </p:animEffect>
-                                  </p:childTnLst>
-                                </p:cTn>
-                              </p:par>
-                            </p:childTnLst>
-                          </p:cTn>
-                        </p:par>
-                        <p:par>
-                          <p:cTn id="80" fill="hold">
-                            <p:stCondLst>
-                              <p:cond delay="2800"/>
-                            </p:stCondLst>
-                            <p:childTnLst>
-                              <p:par>
-                                <p:cTn id="81" presetClass="entr" nodeType="afterEffect" presetSubtype="32" presetID="4" grpId="18" fill="hold">
-                                  <p:stCondLst>
-                                    <p:cond delay="0"/>
-                                  </p:stCondLst>
-                                  <p:iterate type="el" backwards="0">
-                                    <p:tmAbs val="0"/>
-                                  </p:iterate>
-                                  <p:childTnLst>
-                                    <p:set>
-                                      <p:cBhvr>
-                                        <p:cTn id="82" fill="hold"/>
-                                        <p:tgtEl>
-                                          <p:spTgt spid="344"/>
-                                        </p:tgtEl>
-                                        <p:attrNameLst>
-                                          <p:attrName>style.visibility</p:attrName>
-                                        </p:attrNameLst>
-                                      </p:cBhvr>
-                                      <p:to>
-                                        <p:strVal val="visible"/>
-                                      </p:to>
-                                    </p:set>
-                                    <p:animEffect filter="box(out)" transition="in">
-                                      <p:cBhvr>
-                                        <p:cTn id="83" dur="700"/>
-                                        <p:tgtEl>
-                                          <p:spTgt spid="344"/>
-                                        </p:tgtEl>
-                                      </p:cBhvr>
-                                    </p:animEffect>
-                                  </p:childTnLst>
-                                </p:cTn>
-                              </p:par>
-                            </p:childTnLst>
-                          </p:cTn>
-                        </p:par>
-                        <p:par>
-                          <p:cTn id="84" fill="hold">
-                            <p:stCondLst>
-                              <p:cond delay="3500"/>
-                            </p:stCondLst>
-                            <p:childTnLst>
-                              <p:par>
-                                <p:cTn id="85" presetClass="entr" nodeType="afterEffect" presetSubtype="32" presetID="23" grpId="19" fill="hold">
-                                  <p:stCondLst>
-                                    <p:cond delay="200"/>
-                                  </p:stCondLst>
-                                  <p:iterate type="el" backwards="0">
-                                    <p:tmAbs val="0"/>
-                                  </p:iterate>
-                                  <p:childTnLst>
-                                    <p:set>
-                                      <p:cBhvr>
-                                        <p:cTn id="86" fill="hold"/>
-                                        <p:tgtEl>
-                                          <p:spTgt spid="345"/>
-                                        </p:tgtEl>
-                                        <p:attrNameLst>
-                                          <p:attrName>style.visibility</p:attrName>
-                                        </p:attrNameLst>
-                                      </p:cBhvr>
-                                      <p:to>
-                                        <p:strVal val="visible"/>
-                                      </p:to>
-                                    </p:set>
-                                    <p:anim calcmode="lin" valueType="num">
-                                      <p:cBhvr>
-                                        <p:cTn id="87" dur="900" fill="hold"/>
-                                        <p:tgtEl>
-                                          <p:spTgt spid="345"/>
-                                        </p:tgtEl>
-                                        <p:attrNameLst>
-                                          <p:attrName>ppt_w</p:attrName>
-                                        </p:attrNameLst>
-                                      </p:cBhvr>
-                                      <p:tavLst>
-                                        <p:tav tm="0">
-                                          <p:val>
-                                            <p:strVal val="4*#ppt_w"/>
-                                          </p:val>
-                                        </p:tav>
-                                        <p:tav tm="100000">
-                                          <p:val>
-                                            <p:strVal val="#ppt_w"/>
-                                          </p:val>
-                                        </p:tav>
-                                      </p:tavLst>
-                                    </p:anim>
-                                    <p:anim calcmode="lin" valueType="num">
-                                      <p:cBhvr>
-                                        <p:cTn id="88" dur="900" fill="hold"/>
-                                        <p:tgtEl>
-                                          <p:spTgt spid="345"/>
-                                        </p:tgtEl>
-                                        <p:attrNameLst>
-                                          <p:attrName>ppt_h</p:attrName>
-                                        </p:attrNameLst>
-                                      </p:cBhvr>
-                                      <p:tavLst>
-                                        <p:tav tm="0">
-                                          <p:val>
-                                            <p:strVal val="4*#ppt_h"/>
-                                          </p:val>
-                                        </p:tav>
-                                        <p:tav tm="100000">
-                                          <p:val>
-                                            <p:strVal val="#ppt_h"/>
-                                          </p:val>
-                                        </p:tav>
-                                      </p:tavLst>
-                                    </p:anim>
-                                  </p:childTnLst>
-                                </p:cTn>
-                              </p:par>
-                            </p:childTnLst>
-                          </p:cTn>
-                        </p:par>
-                      </p:childTnLst>
-                    </p:cTn>
-                  </p:par>
-                  <p:par>
-                    <p:cTn id="89" fill="hold">
-                      <p:stCondLst>
-                        <p:cond delay="indefinite"/>
-                      </p:stCondLst>
-                      <p:childTnLst>
-                        <p:par>
-                          <p:cTn id="90" fill="hold">
-                            <p:stCondLst>
-                              <p:cond delay="0"/>
-                            </p:stCondLst>
-                            <p:childTnLst>
-                              <p:par>
-                                <p:cTn id="91" presetClass="entr" nodeType="clickEffect" presetSubtype="32" presetID="4" grpId="20" fill="hold">
-                                  <p:stCondLst>
-                                    <p:cond delay="0"/>
-                                  </p:stCondLst>
-                                  <p:iterate type="el" backwards="0">
-                                    <p:tmAbs val="0"/>
-                                  </p:iterate>
-                                  <p:childTnLst>
-                                    <p:set>
-                                      <p:cBhvr>
-                                        <p:cTn id="92" fill="hold"/>
-                                        <p:tgtEl>
-                                          <p:spTgt spid="370"/>
-                                        </p:tgtEl>
-                                        <p:attrNameLst>
-                                          <p:attrName>style.visibility</p:attrName>
-                                        </p:attrNameLst>
-                                      </p:cBhvr>
-                                      <p:to>
-                                        <p:strVal val="visible"/>
-                                      </p:to>
-                                    </p:set>
-                                    <p:animEffect filter="box(out)" transition="in">
-                                      <p:cBhvr>
-                                        <p:cTn id="93" dur="700"/>
-                                        <p:tgtEl>
-                                          <p:spTgt spid="370"/>
-                                        </p:tgtEl>
-                                      </p:cBhvr>
-                                    </p:animEffect>
-                                  </p:childTnLst>
-                                </p:cTn>
-                              </p:par>
-                            </p:childTnLst>
-                          </p:cTn>
-                        </p:par>
-                        <p:par>
-                          <p:cTn id="94" fill="hold">
-                            <p:stCondLst>
-                              <p:cond delay="700"/>
-                            </p:stCondLst>
-                            <p:childTnLst>
-                              <p:par>
-                                <p:cTn id="95" presetClass="entr" nodeType="afterEffect" presetSubtype="32" presetID="23" grpId="21" fill="hold">
-                                  <p:stCondLst>
-                                    <p:cond delay="0"/>
-                                  </p:stCondLst>
-                                  <p:iterate type="el" backwards="0">
-                                    <p:tmAbs val="0"/>
-                                  </p:iterate>
-                                  <p:childTnLst>
-                                    <p:set>
-                                      <p:cBhvr>
-                                        <p:cTn id="96" fill="hold"/>
-                                        <p:tgtEl>
-                                          <p:spTgt spid="371"/>
-                                        </p:tgtEl>
-                                        <p:attrNameLst>
-                                          <p:attrName>style.visibility</p:attrName>
-                                        </p:attrNameLst>
-                                      </p:cBhvr>
-                                      <p:to>
-                                        <p:strVal val="visible"/>
-                                      </p:to>
-                                    </p:set>
-                                    <p:anim calcmode="lin" valueType="num">
-                                      <p:cBhvr>
-                                        <p:cTn id="97" dur="900" fill="hold"/>
-                                        <p:tgtEl>
-                                          <p:spTgt spid="371"/>
-                                        </p:tgtEl>
-                                        <p:attrNameLst>
-                                          <p:attrName>ppt_w</p:attrName>
-                                        </p:attrNameLst>
-                                      </p:cBhvr>
-                                      <p:tavLst>
-                                        <p:tav tm="0">
-                                          <p:val>
-                                            <p:strVal val="4*#ppt_w"/>
-                                          </p:val>
-                                        </p:tav>
-                                        <p:tav tm="100000">
-                                          <p:val>
-                                            <p:strVal val="#ppt_w"/>
-                                          </p:val>
-                                        </p:tav>
-                                      </p:tavLst>
-                                    </p:anim>
-                                    <p:anim calcmode="lin" valueType="num">
-                                      <p:cBhvr>
-                                        <p:cTn id="98" dur="900" fill="hold"/>
-                                        <p:tgtEl>
-                                          <p:spTgt spid="371"/>
-                                        </p:tgtEl>
-                                        <p:attrNameLst>
-                                          <p:attrName>ppt_h</p:attrName>
-                                        </p:attrNameLst>
-                                      </p:cBhvr>
-                                      <p:tavLst>
-                                        <p:tav tm="0">
-                                          <p:val>
-                                            <p:strVal val="4*#ppt_h"/>
-                                          </p:val>
-                                        </p:tav>
-                                        <p:tav tm="100000">
-                                          <p:val>
-                                            <p:strVal val="#ppt_h"/>
-                                          </p:val>
-                                        </p:tav>
-                                      </p:tavLst>
-                                    </p:anim>
-                                  </p:childTnLst>
-                                </p:cTn>
-                              </p:par>
-                            </p:childTnLst>
-                          </p:cTn>
-                        </p:par>
-                        <p:par>
-                          <p:cTn id="99" fill="hold">
-                            <p:stCondLst>
-                              <p:cond delay="1600"/>
-                            </p:stCondLst>
-                            <p:childTnLst>
-                              <p:par>
-                                <p:cTn id="100" presetClass="entr" nodeType="afterEffect" presetSubtype="32" presetID="4" grpId="22" fill="hold">
-                                  <p:stCondLst>
-                                    <p:cond delay="200"/>
-                                  </p:stCondLst>
-                                  <p:iterate type="el" backwards="0">
-                                    <p:tmAbs val="0"/>
-                                  </p:iterate>
-                                  <p:childTnLst>
-                                    <p:set>
-                                      <p:cBhvr>
-                                        <p:cTn id="101" fill="hold"/>
-                                        <p:tgtEl>
-                                          <p:spTgt spid="372"/>
-                                        </p:tgtEl>
-                                        <p:attrNameLst>
-                                          <p:attrName>style.visibility</p:attrName>
-                                        </p:attrNameLst>
-                                      </p:cBhvr>
-                                      <p:to>
-                                        <p:strVal val="visible"/>
-                                      </p:to>
-                                    </p:set>
-                                    <p:animEffect filter="box(out)" transition="in">
-                                      <p:cBhvr>
-                                        <p:cTn id="102" dur="700"/>
-                                        <p:tgtEl>
-                                          <p:spTgt spid="372"/>
-                                        </p:tgtEl>
-                                      </p:cBhvr>
-                                    </p:animEffect>
-                                  </p:childTnLst>
-                                </p:cTn>
-                              </p:par>
-                            </p:childTnLst>
-                          </p:cTn>
-                        </p:par>
-                        <p:par>
-                          <p:cTn id="103" fill="hold">
-                            <p:stCondLst>
-                              <p:cond delay="2500"/>
-                            </p:stCondLst>
-                            <p:childTnLst>
-                              <p:par>
-                                <p:cTn id="104" presetClass="entr" nodeType="afterEffect" presetSubtype="32" presetID="23" grpId="23" fill="hold">
-                                  <p:stCondLst>
-                                    <p:cond delay="0"/>
-                                  </p:stCondLst>
-                                  <p:iterate type="el" backwards="0">
-                                    <p:tmAbs val="0"/>
-                                  </p:iterate>
-                                  <p:childTnLst>
-                                    <p:set>
-                                      <p:cBhvr>
-                                        <p:cTn id="105" fill="hold"/>
-                                        <p:tgtEl>
-                                          <p:spTgt spid="373"/>
-                                        </p:tgtEl>
-                                        <p:attrNameLst>
-                                          <p:attrName>style.visibility</p:attrName>
-                                        </p:attrNameLst>
-                                      </p:cBhvr>
-                                      <p:to>
-                                        <p:strVal val="visible"/>
-                                      </p:to>
-                                    </p:set>
-                                    <p:anim calcmode="lin" valueType="num">
-                                      <p:cBhvr>
-                                        <p:cTn id="106" dur="900" fill="hold"/>
-                                        <p:tgtEl>
-                                          <p:spTgt spid="373"/>
-                                        </p:tgtEl>
-                                        <p:attrNameLst>
-                                          <p:attrName>ppt_w</p:attrName>
-                                        </p:attrNameLst>
-                                      </p:cBhvr>
-                                      <p:tavLst>
-                                        <p:tav tm="0">
-                                          <p:val>
-                                            <p:strVal val="4*#ppt_w"/>
-                                          </p:val>
-                                        </p:tav>
-                                        <p:tav tm="100000">
-                                          <p:val>
-                                            <p:strVal val="#ppt_w"/>
-                                          </p:val>
-                                        </p:tav>
-                                      </p:tavLst>
-                                    </p:anim>
-                                    <p:anim calcmode="lin" valueType="num">
-                                      <p:cBhvr>
-                                        <p:cTn id="107" dur="900" fill="hold"/>
-                                        <p:tgtEl>
-                                          <p:spTgt spid="373"/>
-                                        </p:tgtEl>
-                                        <p:attrNameLst>
-                                          <p:attrName>ppt_h</p:attrName>
-                                        </p:attrNameLst>
-                                      </p:cBhvr>
-                                      <p:tavLst>
-                                        <p:tav tm="0">
-                                          <p:val>
-                                            <p:strVal val="4*#ppt_h"/>
-                                          </p:val>
-                                        </p:tav>
-                                        <p:tav tm="100000">
-                                          <p:val>
-                                            <p:strVal val="#ppt_h"/>
-                                          </p:val>
-                                        </p:tav>
-                                      </p:tavLst>
-                                    </p:anim>
-                                  </p:childTnLst>
-                                </p:cTn>
-                              </p:par>
-                            </p:childTnLst>
-                          </p:cTn>
-                        </p:par>
-                        <p:par>
-                          <p:cTn id="108" fill="hold">
-                            <p:stCondLst>
-                              <p:cond delay="3400"/>
-                            </p:stCondLst>
-                            <p:childTnLst>
-                              <p:par>
-                                <p:cTn id="109" presetClass="entr" nodeType="afterEffect" presetSubtype="32" presetID="4" grpId="24" fill="hold">
-                                  <p:stCondLst>
-                                    <p:cond delay="200"/>
-                                  </p:stCondLst>
-                                  <p:iterate type="el" backwards="0">
-                                    <p:tmAbs val="0"/>
-                                  </p:iterate>
-                                  <p:childTnLst>
-                                    <p:set>
-                                      <p:cBhvr>
-                                        <p:cTn id="110" fill="hold"/>
-                                        <p:tgtEl>
-                                          <p:spTgt spid="374"/>
-                                        </p:tgtEl>
-                                        <p:attrNameLst>
-                                          <p:attrName>style.visibility</p:attrName>
-                                        </p:attrNameLst>
-                                      </p:cBhvr>
-                                      <p:to>
-                                        <p:strVal val="visible"/>
-                                      </p:to>
-                                    </p:set>
-                                    <p:animEffect filter="box(out)" transition="in">
-                                      <p:cBhvr>
-                                        <p:cTn id="111" dur="700"/>
-                                        <p:tgtEl>
-                                          <p:spTgt spid="374"/>
-                                        </p:tgtEl>
-                                      </p:cBhvr>
-                                    </p:animEffect>
-                                  </p:childTnLst>
-                                </p:cTn>
-                              </p:par>
-                            </p:childTnLst>
-                          </p:cTn>
-                        </p:par>
-                        <p:par>
-                          <p:cTn id="112" fill="hold">
-                            <p:stCondLst>
-                              <p:cond delay="4300"/>
-                            </p:stCondLst>
-                            <p:childTnLst>
-                              <p:par>
-                                <p:cTn id="113" presetClass="entr" nodeType="afterEffect" presetSubtype="32" presetID="23" grpId="25" fill="hold">
-                                  <p:stCondLst>
-                                    <p:cond delay="0"/>
-                                  </p:stCondLst>
-                                  <p:iterate type="el" backwards="0">
-                                    <p:tmAbs val="0"/>
-                                  </p:iterate>
-                                  <p:childTnLst>
-                                    <p:set>
-                                      <p:cBhvr>
-                                        <p:cTn id="114" fill="hold"/>
-                                        <p:tgtEl>
-                                          <p:spTgt spid="375"/>
-                                        </p:tgtEl>
-                                        <p:attrNameLst>
-                                          <p:attrName>style.visibility</p:attrName>
-                                        </p:attrNameLst>
-                                      </p:cBhvr>
-                                      <p:to>
-                                        <p:strVal val="visible"/>
-                                      </p:to>
-                                    </p:set>
-                                    <p:anim calcmode="lin" valueType="num">
-                                      <p:cBhvr>
-                                        <p:cTn id="115" dur="900" fill="hold"/>
-                                        <p:tgtEl>
-                                          <p:spTgt spid="375"/>
-                                        </p:tgtEl>
-                                        <p:attrNameLst>
-                                          <p:attrName>ppt_w</p:attrName>
-                                        </p:attrNameLst>
-                                      </p:cBhvr>
-                                      <p:tavLst>
-                                        <p:tav tm="0">
-                                          <p:val>
-                                            <p:strVal val="4*#ppt_w"/>
-                                          </p:val>
-                                        </p:tav>
-                                        <p:tav tm="100000">
-                                          <p:val>
-                                            <p:strVal val="#ppt_w"/>
-                                          </p:val>
-                                        </p:tav>
-                                      </p:tavLst>
-                                    </p:anim>
-                                    <p:anim calcmode="lin" valueType="num">
-                                      <p:cBhvr>
-                                        <p:cTn id="116" dur="900" fill="hold"/>
-                                        <p:tgtEl>
-                                          <p:spTgt spid="375"/>
-                                        </p:tgtEl>
-                                        <p:attrNameLst>
-                                          <p:attrName>ppt_h</p:attrName>
-                                        </p:attrNameLst>
-                                      </p:cBhvr>
-                                      <p:tavLst>
-                                        <p:tav tm="0">
-                                          <p:val>
-                                            <p:strVal val="4*#ppt_h"/>
-                                          </p:val>
-                                        </p:tav>
-                                        <p:tav tm="100000">
-                                          <p:val>
-                                            <p:strVal val="#ppt_h"/>
-                                          </p:val>
-                                        </p:tav>
-                                      </p:tavLst>
-                                    </p:anim>
-                                  </p:childTnLst>
-                                </p:cTn>
-                              </p:par>
-                            </p:childTnLst>
-                          </p:cTn>
-                        </p:par>
-                      </p:childTnLst>
-                    </p:cTn>
-                  </p:par>
-                  <p:par>
-                    <p:cTn id="117" fill="hold">
-                      <p:stCondLst>
-                        <p:cond delay="indefinite"/>
-                      </p:stCondLst>
-                      <p:childTnLst>
-                        <p:par>
-                          <p:cTn id="118" fill="hold">
-                            <p:stCondLst>
-                              <p:cond delay="0"/>
-                            </p:stCondLst>
-                            <p:childTnLst>
-                              <p:par>
-                                <p:cTn id="119" presetClass="entr" nodeType="clickEffect" presetSubtype="32" presetID="4" grpId="26" fill="hold">
-                                  <p:stCondLst>
-                                    <p:cond delay="0"/>
-                                  </p:stCondLst>
-                                  <p:iterate type="el" backwards="0">
-                                    <p:tmAbs val="0"/>
-                                  </p:iterate>
-                                  <p:childTnLst>
-                                    <p:set>
-                                      <p:cBhvr>
-                                        <p:cTn id="120" fill="hold"/>
-                                        <p:tgtEl>
-                                          <p:spTgt spid="358"/>
-                                        </p:tgtEl>
-                                        <p:attrNameLst>
-                                          <p:attrName>style.visibility</p:attrName>
-                                        </p:attrNameLst>
-                                      </p:cBhvr>
-                                      <p:to>
-                                        <p:strVal val="visible"/>
-                                      </p:to>
-                                    </p:set>
-                                    <p:animEffect filter="box(out)" transition="in">
-                                      <p:cBhvr>
-                                        <p:cTn id="121" dur="700"/>
-                                        <p:tgtEl>
-                                          <p:spTgt spid="358"/>
-                                        </p:tgtEl>
-                                      </p:cBhvr>
-                                    </p:animEffect>
-                                  </p:childTnLst>
-                                </p:cTn>
-                              </p:par>
-                            </p:childTnLst>
-                          </p:cTn>
-                        </p:par>
-                        <p:par>
-                          <p:cTn id="122" fill="hold">
-                            <p:stCondLst>
-                              <p:cond delay="700"/>
-                            </p:stCondLst>
-                            <p:childTnLst>
-                              <p:par>
-                                <p:cTn id="123" presetClass="entr" nodeType="afterEffect" presetSubtype="32" presetID="23" grpId="27" fill="hold">
-                                  <p:stCondLst>
-                                    <p:cond delay="0"/>
-                                  </p:stCondLst>
-                                  <p:iterate type="el" backwards="0">
-                                    <p:tmAbs val="0"/>
-                                  </p:iterate>
-                                  <p:childTnLst>
-                                    <p:set>
-                                      <p:cBhvr>
-                                        <p:cTn id="124" fill="hold"/>
-                                        <p:tgtEl>
-                                          <p:spTgt spid="359"/>
-                                        </p:tgtEl>
-                                        <p:attrNameLst>
-                                          <p:attrName>style.visibility</p:attrName>
-                                        </p:attrNameLst>
-                                      </p:cBhvr>
-                                      <p:to>
-                                        <p:strVal val="visible"/>
-                                      </p:to>
-                                    </p:set>
-                                    <p:anim calcmode="lin" valueType="num">
-                                      <p:cBhvr>
-                                        <p:cTn id="125" dur="900" fill="hold"/>
-                                        <p:tgtEl>
-                                          <p:spTgt spid="359"/>
-                                        </p:tgtEl>
-                                        <p:attrNameLst>
-                                          <p:attrName>ppt_w</p:attrName>
-                                        </p:attrNameLst>
-                                      </p:cBhvr>
-                                      <p:tavLst>
-                                        <p:tav tm="0">
-                                          <p:val>
-                                            <p:strVal val="4*#ppt_w"/>
-                                          </p:val>
-                                        </p:tav>
-                                        <p:tav tm="100000">
-                                          <p:val>
-                                            <p:strVal val="#ppt_w"/>
-                                          </p:val>
-                                        </p:tav>
-                                      </p:tavLst>
-                                    </p:anim>
-                                    <p:anim calcmode="lin" valueType="num">
-                                      <p:cBhvr>
-                                        <p:cTn id="126" dur="900" fill="hold"/>
-                                        <p:tgtEl>
-                                          <p:spTgt spid="359"/>
-                                        </p:tgtEl>
-                                        <p:attrNameLst>
-                                          <p:attrName>ppt_h</p:attrName>
-                                        </p:attrNameLst>
-                                      </p:cBhvr>
-                                      <p:tavLst>
-                                        <p:tav tm="0">
-                                          <p:val>
-                                            <p:strVal val="4*#ppt_h"/>
-                                          </p:val>
-                                        </p:tav>
-                                        <p:tav tm="100000">
-                                          <p:val>
-                                            <p:strVal val="#ppt_h"/>
-                                          </p:val>
-                                        </p:tav>
-                                      </p:tavLst>
-                                    </p:anim>
-                                  </p:childTnLst>
-                                </p:cTn>
-                              </p:par>
-                            </p:childTnLst>
-                          </p:cTn>
-                        </p:par>
-                        <p:par>
-                          <p:cTn id="127" fill="hold">
-                            <p:stCondLst>
-                              <p:cond delay="1600"/>
-                            </p:stCondLst>
-                            <p:childTnLst>
-                              <p:par>
-                                <p:cTn id="128" presetClass="exit" nodeType="afterEffect" presetSubtype="0" presetID="1" grpId="28" fill="hold">
-                                  <p:stCondLst>
-                                    <p:cond delay="0"/>
-                                  </p:stCondLst>
-                                  <p:iterate type="el" backwards="0">
-                                    <p:tmAbs val="0"/>
-                                  </p:iterate>
-                                  <p:childTnLst>
-                                    <p:set>
-                                      <p:cBhvr>
-                                        <p:cTn id="129" fill="hold">
-                                          <p:stCondLst>
-                                            <p:cond delay="0"/>
-                                          </p:stCondLst>
-                                        </p:cTn>
-                                        <p:tgtEl>
-                                          <p:spTgt spid="370"/>
-                                        </p:tgtEl>
-                                        <p:attrNameLst>
-                                          <p:attrName>style.visibility</p:attrName>
-                                        </p:attrNameLst>
-                                      </p:cBhvr>
-                                      <p:to>
-                                        <p:strVal val="hidden"/>
-                                      </p:to>
-                                    </p:set>
-                                  </p:childTnLst>
-                                </p:cTn>
-                              </p:par>
-                            </p:childTnLst>
-                          </p:cTn>
-                        </p:par>
-                        <p:par>
-                          <p:cTn id="130" fill="hold">
-                            <p:stCondLst>
-                              <p:cond delay="1600"/>
-                            </p:stCondLst>
-                            <p:childTnLst>
-                              <p:par>
-                                <p:cTn id="131" presetClass="exit" nodeType="afterEffect" presetSubtype="10" presetID="19" grpId="29" fill="hold">
-                                  <p:stCondLst>
-                                    <p:cond delay="0"/>
-                                  </p:stCondLst>
-                                  <p:iterate type="lt" backwards="0">
-                                    <p:tmAbs val="0"/>
-                                  </p:iterate>
-                                  <p:childTnLst>
-                                    <p:anim calcmode="lin" valueType="num">
-                                      <p:cBhvr>
-                                        <p:cTn id="132" dur="1000" fill="hold"/>
-                                        <p:tgtEl>
-                                          <p:spTgt spid="371"/>
-                                        </p:tgtEl>
-                                        <p:attrNameLst>
-                                          <p:attrName>ppt_h</p:attrName>
-                                        </p:attrNameLst>
-                                      </p:cBhvr>
-                                      <p:tavLst>
-                                        <p:tav tm="0">
-                                          <p:val>
-                                            <p:strVal val="ppt_h"/>
-                                          </p:val>
-                                        </p:tav>
-                                        <p:tav tm="100000">
-                                          <p:val>
-                                            <p:strVal val="ppt_h"/>
-                                          </p:val>
-                                        </p:tav>
-                                      </p:tavLst>
-                                    </p:anim>
-                                    <p:anim calcmode="lin" valueType="num">
-                                      <p:cBhvr>
-                                        <p:cTn id="133" dur="1000" fill="hold"/>
-                                        <p:tgtEl>
-                                          <p:spTgt spid="371"/>
-                                        </p:tgtEl>
-                                        <p:attrNameLst>
-                                          <p:attrName>ppt_w</p:attrName>
-                                        </p:attrNameLst>
-                                      </p:cBhvr>
-                                      <p:tavLst>
-                                        <p:tav tm="0">
-                                          <p:val>
-                                            <p:strVal val="ppt_w"/>
-                                          </p:val>
-                                        </p:tav>
-                                        <p:tav tm="5000">
-                                          <p:val>
-                                            <p:strVal val="0.92*ppt_w"/>
-                                          </p:val>
-                                        </p:tav>
-                                        <p:tav tm="10000">
-                                          <p:val>
-                                            <p:strVal val="0.71*ppt_w"/>
-                                          </p:val>
-                                        </p:tav>
-                                        <p:tav tm="15000">
-                                          <p:val>
-                                            <p:strVal val="0.38*ppt_w"/>
-                                          </p:val>
-                                        </p:tav>
-                                        <p:tav tm="20000">
-                                          <p:val>
-                                            <p:fltVal val="0"/>
-                                          </p:val>
-                                        </p:tav>
-                                        <p:tav tm="25000">
-                                          <p:val>
-                                            <p:strVal val="-0.38*ppt_w"/>
-                                          </p:val>
-                                        </p:tav>
-                                        <p:tav tm="30000">
-                                          <p:val>
-                                            <p:strVal val="-0.71*ppt_w"/>
-                                          </p:val>
-                                        </p:tav>
-                                        <p:tav tm="35000">
-                                          <p:val>
-                                            <p:strVal val="-0.92*ppt_w"/>
-                                          </p:val>
-                                        </p:tav>
-                                        <p:tav tm="40000">
-                                          <p:val>
-                                            <p:strVal val="-ppt_w"/>
-                                          </p:val>
-                                        </p:tav>
-                                        <p:tav tm="45000">
-                                          <p:val>
-                                            <p:strVal val="-0.92*ppt_w"/>
-                                          </p:val>
-                                        </p:tav>
-                                        <p:tav tm="50000">
-                                          <p:val>
-                                            <p:strVal val="-0.71*ppt_w"/>
-                                          </p:val>
-                                        </p:tav>
-                                        <p:tav tm="55000">
-                                          <p:val>
-                                            <p:strVal val="-0.38*ppt_w"/>
-                                          </p:val>
-                                        </p:tav>
-                                        <p:tav tm="60000">
-                                          <p:val>
-                                            <p:fltVal val="0"/>
-                                          </p:val>
-                                        </p:tav>
-                                        <p:tav tm="65000">
-                                          <p:val>
-                                            <p:strVal val="0.38*ppt_w"/>
-                                          </p:val>
-                                        </p:tav>
-                                        <p:tav tm="70000">
-                                          <p:val>
-                                            <p:strVal val="0.71*ppt_w"/>
-                                          </p:val>
-                                        </p:tav>
-                                        <p:tav tm="75000">
-                                          <p:val>
-                                            <p:strVal val="0.92*ppt_w"/>
-                                          </p:val>
-                                        </p:tav>
-                                        <p:tav tm="80000">
-                                          <p:val>
-                                            <p:strVal val="ppt_w"/>
-                                          </p:val>
-                                        </p:tav>
-                                        <p:tav tm="85000">
-                                          <p:val>
-                                            <p:strVal val="0.92*ppt_w"/>
-                                          </p:val>
-                                        </p:tav>
-                                        <p:tav tm="90000">
-                                          <p:val>
-                                            <p:strVal val="0.71*ppt_w"/>
-                                          </p:val>
-                                        </p:tav>
-                                        <p:tav tm="95000">
-                                          <p:val>
-                                            <p:strVal val="0.38*ppt_w"/>
-                                          </p:val>
-                                        </p:tav>
-                                        <p:tav tm="100000">
-                                          <p:val>
-                                            <p:fltVal val="0"/>
-                                          </p:val>
-                                        </p:tav>
-                                      </p:tavLst>
-                                    </p:anim>
-                                    <p:set>
-                                      <p:cBhvr>
-                                        <p:cTn id="134" fill="hold">
-                                          <p:stCondLst>
-                                            <p:cond delay="999"/>
-                                          </p:stCondLst>
-                                        </p:cTn>
-                                        <p:tgtEl>
-                                          <p:spTgt spid="371"/>
-                                        </p:tgtEl>
-                                        <p:attrNameLst>
-                                          <p:attrName>style.visibility</p:attrName>
-                                        </p:attrNameLst>
-                                      </p:cBhvr>
-                                      <p:to>
-                                        <p:strVal val="hidden"/>
-                                      </p:to>
-                                    </p:set>
-                                  </p:childTnLst>
-                                </p:cTn>
-                              </p:par>
-                            </p:childTnLst>
-                          </p:cTn>
-                        </p:par>
-                      </p:childTnLst>
-                    </p:cTn>
-                  </p:par>
-                  <p:par>
-                    <p:cTn id="135" fill="hold">
-                      <p:stCondLst>
-                        <p:cond delay="indefinite"/>
-                      </p:stCondLst>
-                      <p:childTnLst>
-                        <p:par>
-                          <p:cTn id="136" fill="hold">
-                            <p:stCondLst>
-                              <p:cond delay="0"/>
-                            </p:stCondLst>
-                            <p:childTnLst>
-                              <p:par>
-                                <p:cTn id="137" presetClass="exit" nodeType="clickEffect" presetID="10" grpId="30" fill="hold">
-                                  <p:stCondLst>
-                                    <p:cond delay="0"/>
-                                  </p:stCondLst>
-                                  <p:iterate type="el" backwards="0">
-                                    <p:tmAbs val="0"/>
-                                  </p:iterate>
-                                  <p:childTnLst>
-                                    <p:animEffect filter="fade" transition="out">
-                                      <p:cBhvr>
-                                        <p:cTn id="138" dur="1000" fill="hold"/>
-                                        <p:tgtEl>
-                                          <p:spTgt spid="372"/>
-                                        </p:tgtEl>
-                                      </p:cBhvr>
-                                    </p:animEffect>
-                                    <p:set>
-                                      <p:cBhvr>
-                                        <p:cTn id="139" fill="hold">
-                                          <p:stCondLst>
-                                            <p:cond delay="999"/>
-                                          </p:stCondLst>
-                                        </p:cTn>
-                                        <p:tgtEl>
-                                          <p:spTgt spid="372"/>
-                                        </p:tgtEl>
-                                        <p:attrNameLst>
-                                          <p:attrName>style.visibility</p:attrName>
-                                        </p:attrNameLst>
-                                      </p:cBhvr>
-                                      <p:to>
-                                        <p:strVal val="hidden"/>
-                                      </p:to>
-                                    </p:set>
-                                  </p:childTnLst>
-                                </p:cTn>
-                              </p:par>
-                            </p:childTnLst>
-                          </p:cTn>
-                        </p:par>
-                        <p:par>
-                          <p:cTn id="140" fill="hold">
-                            <p:stCondLst>
-                              <p:cond delay="1000"/>
-                            </p:stCondLst>
-                            <p:childTnLst>
-                              <p:par>
-                                <p:cTn id="141" presetClass="exit" nodeType="afterEffect" presetID="10" grpId="31" fill="hold">
-                                  <p:stCondLst>
-                                    <p:cond delay="0"/>
-                                  </p:stCondLst>
-                                  <p:iterate type="el" backwards="0">
-                                    <p:tmAbs val="0"/>
-                                  </p:iterate>
-                                  <p:childTnLst>
-                                    <p:animEffect filter="fade" transition="out">
-                                      <p:cBhvr>
-                                        <p:cTn id="142" dur="1000" fill="hold"/>
-                                        <p:tgtEl>
-                                          <p:spTgt spid="373"/>
-                                        </p:tgtEl>
-                                      </p:cBhvr>
-                                    </p:animEffect>
-                                    <p:set>
-                                      <p:cBhvr>
-                                        <p:cTn id="143" fill="hold">
-                                          <p:stCondLst>
-                                            <p:cond delay="999"/>
-                                          </p:stCondLst>
-                                        </p:cTn>
-                                        <p:tgtEl>
-                                          <p:spTgt spid="373"/>
-                                        </p:tgtEl>
-                                        <p:attrNameLst>
-                                          <p:attrName>style.visibility</p:attrName>
-                                        </p:attrNameLst>
-                                      </p:cBhvr>
-                                      <p:to>
-                                        <p:strVal val="hidden"/>
-                                      </p:to>
-                                    </p:set>
-                                  </p:childTnLst>
-                                </p:cTn>
-                              </p:par>
-                            </p:childTnLst>
-                          </p:cTn>
-                        </p:par>
-                        <p:par>
-                          <p:cTn id="144" fill="hold">
-                            <p:stCondLst>
-                              <p:cond delay="2000"/>
-                            </p:stCondLst>
-                            <p:childTnLst>
-                              <p:par>
-                                <p:cTn id="145" presetClass="entr" nodeType="afterEffect" presetSubtype="32" presetID="4" grpId="32" fill="hold">
-                                  <p:stCondLst>
-                                    <p:cond delay="0"/>
-                                  </p:stCondLst>
-                                  <p:iterate type="el" backwards="0">
-                                    <p:tmAbs val="0"/>
-                                  </p:iterate>
-                                  <p:childTnLst>
-                                    <p:set>
-                                      <p:cBhvr>
-                                        <p:cTn id="146" fill="hold"/>
-                                        <p:tgtEl>
-                                          <p:spTgt spid="376"/>
-                                        </p:tgtEl>
-                                        <p:attrNameLst>
-                                          <p:attrName>style.visibility</p:attrName>
-                                        </p:attrNameLst>
-                                      </p:cBhvr>
-                                      <p:to>
-                                        <p:strVal val="visible"/>
-                                      </p:to>
-                                    </p:set>
-                                    <p:animEffect filter="box(out)" transition="in">
-                                      <p:cBhvr>
-                                        <p:cTn id="147" dur="700"/>
-                                        <p:tgtEl>
-                                          <p:spTgt spid="376"/>
-                                        </p:tgtEl>
-                                      </p:cBhvr>
-                                    </p:animEffect>
-                                  </p:childTnLst>
-                                </p:cTn>
-                              </p:par>
-                            </p:childTnLst>
-                          </p:cTn>
-                        </p:par>
-                        <p:par>
-                          <p:cTn id="148" fill="hold">
-                            <p:stCondLst>
-                              <p:cond delay="2700"/>
-                            </p:stCondLst>
-                            <p:childTnLst>
-                              <p:par>
-                                <p:cTn id="149" presetClass="entr" nodeType="afterEffect" presetSubtype="32" presetID="23" grpId="33" fill="hold">
-                                  <p:stCondLst>
-                                    <p:cond delay="0"/>
-                                  </p:stCondLst>
-                                  <p:iterate type="el" backwards="0">
-                                    <p:tmAbs val="0"/>
-                                  </p:iterate>
-                                  <p:childTnLst>
-                                    <p:set>
-                                      <p:cBhvr>
-                                        <p:cTn id="150" fill="hold"/>
-                                        <p:tgtEl>
-                                          <p:spTgt spid="377"/>
-                                        </p:tgtEl>
-                                        <p:attrNameLst>
-                                          <p:attrName>style.visibility</p:attrName>
-                                        </p:attrNameLst>
-                                      </p:cBhvr>
-                                      <p:to>
-                                        <p:strVal val="visible"/>
-                                      </p:to>
-                                    </p:set>
-                                    <p:anim calcmode="lin" valueType="num">
-                                      <p:cBhvr>
-                                        <p:cTn id="151" dur="900" fill="hold"/>
-                                        <p:tgtEl>
-                                          <p:spTgt spid="377"/>
-                                        </p:tgtEl>
-                                        <p:attrNameLst>
-                                          <p:attrName>ppt_w</p:attrName>
-                                        </p:attrNameLst>
-                                      </p:cBhvr>
-                                      <p:tavLst>
-                                        <p:tav tm="0">
-                                          <p:val>
-                                            <p:strVal val="4*#ppt_w"/>
-                                          </p:val>
-                                        </p:tav>
-                                        <p:tav tm="100000">
-                                          <p:val>
-                                            <p:strVal val="#ppt_w"/>
-                                          </p:val>
-                                        </p:tav>
-                                      </p:tavLst>
-                                    </p:anim>
-                                    <p:anim calcmode="lin" valueType="num">
-                                      <p:cBhvr>
-                                        <p:cTn id="152" dur="900" fill="hold"/>
-                                        <p:tgtEl>
-                                          <p:spTgt spid="377"/>
-                                        </p:tgtEl>
-                                        <p:attrNameLst>
-                                          <p:attrName>ppt_h</p:attrName>
-                                        </p:attrNameLst>
-                                      </p:cBhvr>
-                                      <p:tavLst>
-                                        <p:tav tm="0">
-                                          <p:val>
-                                            <p:strVal val="4*#ppt_h"/>
-                                          </p:val>
-                                        </p:tav>
-                                        <p:tav tm="100000">
-                                          <p:val>
-                                            <p:strVal val="#ppt_h"/>
-                                          </p:val>
-                                        </p:tav>
-                                      </p:tavLst>
-                                    </p:anim>
-                                  </p:childTnLst>
-                                </p:cTn>
-                              </p:par>
-                            </p:childTnLst>
-                          </p:cTn>
-                        </p:par>
-                        <p:par>
-                          <p:cTn id="153" fill="hold">
-                            <p:stCondLst>
-                              <p:cond delay="3600"/>
-                            </p:stCondLst>
-                            <p:childTnLst>
-                              <p:par>
-                                <p:cTn id="154" presetClass="entr" nodeType="afterEffect" presetSubtype="32" presetID="4" grpId="34" fill="hold">
-                                  <p:stCondLst>
-                                    <p:cond delay="0"/>
-                                  </p:stCondLst>
-                                  <p:iterate type="el" backwards="0">
-                                    <p:tmAbs val="0"/>
-                                  </p:iterate>
-                                  <p:childTnLst>
-                                    <p:set>
-                                      <p:cBhvr>
-                                        <p:cTn id="155" fill="hold"/>
-                                        <p:tgtEl>
-                                          <p:spTgt spid="360"/>
-                                        </p:tgtEl>
-                                        <p:attrNameLst>
-                                          <p:attrName>style.visibility</p:attrName>
-                                        </p:attrNameLst>
-                                      </p:cBhvr>
-                                      <p:to>
-                                        <p:strVal val="visible"/>
-                                      </p:to>
-                                    </p:set>
-                                    <p:animEffect filter="box(out)" transition="in">
-                                      <p:cBhvr>
-                                        <p:cTn id="156" dur="700"/>
-                                        <p:tgtEl>
-                                          <p:spTgt spid="360"/>
-                                        </p:tgtEl>
-                                      </p:cBhvr>
-                                    </p:animEffect>
-                                  </p:childTnLst>
-                                </p:cTn>
-                              </p:par>
-                            </p:childTnLst>
-                          </p:cTn>
-                        </p:par>
-                        <p:par>
-                          <p:cTn id="157" fill="hold">
-                            <p:stCondLst>
-                              <p:cond delay="4300"/>
-                            </p:stCondLst>
-                            <p:childTnLst>
-                              <p:par>
-                                <p:cTn id="158" presetClass="entr" nodeType="afterEffect" presetSubtype="32" presetID="23" grpId="35" fill="hold">
-                                  <p:stCondLst>
-                                    <p:cond delay="0"/>
-                                  </p:stCondLst>
-                                  <p:iterate type="el" backwards="0">
-                                    <p:tmAbs val="0"/>
-                                  </p:iterate>
-                                  <p:childTnLst>
-                                    <p:set>
-                                      <p:cBhvr>
-                                        <p:cTn id="159" fill="hold"/>
-                                        <p:tgtEl>
-                                          <p:spTgt spid="361"/>
-                                        </p:tgtEl>
-                                        <p:attrNameLst>
-                                          <p:attrName>style.visibility</p:attrName>
-                                        </p:attrNameLst>
-                                      </p:cBhvr>
-                                      <p:to>
-                                        <p:strVal val="visible"/>
-                                      </p:to>
-                                    </p:set>
-                                    <p:anim calcmode="lin" valueType="num">
-                                      <p:cBhvr>
-                                        <p:cTn id="160" dur="900" fill="hold"/>
-                                        <p:tgtEl>
-                                          <p:spTgt spid="361"/>
-                                        </p:tgtEl>
-                                        <p:attrNameLst>
-                                          <p:attrName>ppt_w</p:attrName>
-                                        </p:attrNameLst>
-                                      </p:cBhvr>
-                                      <p:tavLst>
-                                        <p:tav tm="0">
-                                          <p:val>
-                                            <p:strVal val="4*#ppt_w"/>
-                                          </p:val>
-                                        </p:tav>
-                                        <p:tav tm="100000">
-                                          <p:val>
-                                            <p:strVal val="#ppt_w"/>
-                                          </p:val>
-                                        </p:tav>
-                                      </p:tavLst>
-                                    </p:anim>
-                                    <p:anim calcmode="lin" valueType="num">
-                                      <p:cBhvr>
-                                        <p:cTn id="161" dur="900" fill="hold"/>
-                                        <p:tgtEl>
-                                          <p:spTgt spid="361"/>
-                                        </p:tgtEl>
-                                        <p:attrNameLst>
-                                          <p:attrName>ppt_h</p:attrName>
-                                        </p:attrNameLst>
-                                      </p:cBhvr>
-                                      <p:tavLst>
-                                        <p:tav tm="0">
-                                          <p:val>
-                                            <p:strVal val="4*#ppt_h"/>
-                                          </p:val>
-                                        </p:tav>
-                                        <p:tav tm="100000">
-                                          <p:val>
-                                            <p:strVal val="#ppt_h"/>
-                                          </p:val>
-                                        </p:tav>
-                                      </p:tavLst>
-                                    </p:anim>
-                                  </p:childTnLst>
-                                </p:cTn>
-                              </p:par>
-                            </p:childTnLst>
-                          </p:cTn>
-                        </p:par>
-                        <p:par>
-                          <p:cTn id="162" fill="hold">
-                            <p:stCondLst>
-                              <p:cond delay="5200"/>
-                            </p:stCondLst>
-                            <p:childTnLst>
-                              <p:par>
-                                <p:cTn id="163" presetClass="exit" nodeType="afterEffect" presetSubtype="0" presetID="1" grpId="36" fill="hold">
-                                  <p:stCondLst>
-                                    <p:cond delay="0"/>
-                                  </p:stCondLst>
-                                  <p:iterate type="el" backwards="0">
-                                    <p:tmAbs val="0"/>
-                                  </p:iterate>
-                                  <p:childTnLst>
-                                    <p:set>
-                                      <p:cBhvr>
-                                        <p:cTn id="164" fill="hold">
-                                          <p:stCondLst>
-                                            <p:cond delay="0"/>
-                                          </p:stCondLst>
-                                        </p:cTn>
-                                        <p:tgtEl>
-                                          <p:spTgt spid="376"/>
-                                        </p:tgtEl>
-                                        <p:attrNameLst>
-                                          <p:attrName>style.visibility</p:attrName>
-                                        </p:attrNameLst>
-                                      </p:cBhvr>
-                                      <p:to>
-                                        <p:strVal val="hidden"/>
-                                      </p:to>
-                                    </p:set>
-                                  </p:childTnLst>
-                                </p:cTn>
-                              </p:par>
-                            </p:childTnLst>
-                          </p:cTn>
-                        </p:par>
-                        <p:par>
-                          <p:cTn id="165" fill="hold">
-                            <p:stCondLst>
-                              <p:cond delay="5200"/>
-                            </p:stCondLst>
-                            <p:childTnLst>
-                              <p:par>
-                                <p:cTn id="166" presetClass="exit" nodeType="afterEffect" presetID="10" grpId="37" fill="hold">
-                                  <p:stCondLst>
-                                    <p:cond delay="0"/>
-                                  </p:stCondLst>
-                                  <p:iterate type="el" backwards="0">
-                                    <p:tmAbs val="0"/>
-                                  </p:iterate>
-                                  <p:childTnLst>
-                                    <p:animEffect filter="fade" transition="out">
-                                      <p:cBhvr>
-                                        <p:cTn id="167" dur="1000" fill="hold"/>
-                                        <p:tgtEl>
-                                          <p:spTgt spid="377"/>
-                                        </p:tgtEl>
-                                      </p:cBhvr>
-                                    </p:animEffect>
-                                    <p:set>
-                                      <p:cBhvr>
-                                        <p:cTn id="168" fill="hold">
-                                          <p:stCondLst>
-                                            <p:cond delay="999"/>
-                                          </p:stCondLst>
-                                        </p:cTn>
-                                        <p:tgtEl>
-                                          <p:spTgt spid="377"/>
-                                        </p:tgtEl>
-                                        <p:attrNameLst>
-                                          <p:attrName>style.visibility</p:attrName>
-                                        </p:attrNameLst>
-                                      </p:cBhvr>
-                                      <p:to>
-                                        <p:strVal val="hidden"/>
-                                      </p:to>
-                                    </p:set>
-                                  </p:childTnLst>
-                                </p:cTn>
-                              </p:par>
-                            </p:childTnLst>
-                          </p:cTn>
-                        </p:par>
-                      </p:childTnLst>
-                    </p:cTn>
-                  </p:par>
-                  <p:par>
-                    <p:cTn id="169" fill="hold">
-                      <p:stCondLst>
-                        <p:cond delay="indefinite"/>
-                      </p:stCondLst>
-                      <p:childTnLst>
-                        <p:par>
-                          <p:cTn id="170" fill="hold">
-                            <p:stCondLst>
-                              <p:cond delay="0"/>
-                            </p:stCondLst>
-                            <p:childTnLst>
-                              <p:par>
-                                <p:cTn id="171" presetClass="exit" nodeType="clickEffect" presetID="10" grpId="38" fill="hold">
-                                  <p:stCondLst>
-                                    <p:cond delay="0"/>
-                                  </p:stCondLst>
-                                  <p:iterate type="el" backwards="0">
-                                    <p:tmAbs val="0"/>
-                                  </p:iterate>
-                                  <p:childTnLst>
-                                    <p:animEffect filter="fade" transition="out">
-                                      <p:cBhvr>
-                                        <p:cTn id="172" dur="1000" fill="hold"/>
-                                        <p:tgtEl>
-                                          <p:spTgt spid="374"/>
-                                        </p:tgtEl>
-                                      </p:cBhvr>
-                                    </p:animEffect>
-                                    <p:set>
-                                      <p:cBhvr>
-                                        <p:cTn id="173" fill="hold">
-                                          <p:stCondLst>
-                                            <p:cond delay="999"/>
-                                          </p:stCondLst>
-                                        </p:cTn>
-                                        <p:tgtEl>
-                                          <p:spTgt spid="374"/>
-                                        </p:tgtEl>
-                                        <p:attrNameLst>
-                                          <p:attrName>style.visibility</p:attrName>
-                                        </p:attrNameLst>
-                                      </p:cBhvr>
-                                      <p:to>
-                                        <p:strVal val="hidden"/>
-                                      </p:to>
-                                    </p:set>
-                                  </p:childTnLst>
-                                </p:cTn>
-                              </p:par>
-                            </p:childTnLst>
-                          </p:cTn>
-                        </p:par>
-                        <p:par>
-                          <p:cTn id="174" fill="hold">
-                            <p:stCondLst>
-                              <p:cond delay="1000"/>
-                            </p:stCondLst>
-                            <p:childTnLst>
-                              <p:par>
-                                <p:cTn id="175" presetClass="exit" nodeType="afterEffect" presetID="10" grpId="39" fill="hold">
-                                  <p:stCondLst>
-                                    <p:cond delay="0"/>
-                                  </p:stCondLst>
-                                  <p:iterate type="el" backwards="0">
-                                    <p:tmAbs val="0"/>
-                                  </p:iterate>
-                                  <p:childTnLst>
-                                    <p:animEffect filter="fade" transition="out">
-                                      <p:cBhvr>
-                                        <p:cTn id="176" dur="1000" fill="hold"/>
-                                        <p:tgtEl>
-                                          <p:spTgt spid="375"/>
-                                        </p:tgtEl>
-                                      </p:cBhvr>
-                                    </p:animEffect>
-                                    <p:set>
-                                      <p:cBhvr>
-                                        <p:cTn id="177" fill="hold">
-                                          <p:stCondLst>
-                                            <p:cond delay="999"/>
-                                          </p:stCondLst>
-                                        </p:cTn>
-                                        <p:tgtEl>
-                                          <p:spTgt spid="375"/>
-                                        </p:tgtEl>
-                                        <p:attrNameLst>
-                                          <p:attrName>style.visibility</p:attrName>
-                                        </p:attrNameLst>
-                                      </p:cBhvr>
-                                      <p:to>
-                                        <p:strVal val="hidden"/>
-                                      </p:to>
-                                    </p:set>
-                                  </p:childTnLst>
-                                </p:cTn>
-                              </p:par>
-                            </p:childTnLst>
-                          </p:cTn>
-                        </p:par>
-                        <p:par>
-                          <p:cTn id="178" fill="hold">
-                            <p:stCondLst>
-                              <p:cond delay="2000"/>
-                            </p:stCondLst>
-                            <p:childTnLst>
-                              <p:par>
-                                <p:cTn id="179" presetClass="entr" nodeType="afterEffect" presetSubtype="32" presetID="4" grpId="40" fill="hold">
-                                  <p:stCondLst>
-                                    <p:cond delay="0"/>
-                                  </p:stCondLst>
-                                  <p:iterate type="el" backwards="0">
-                                    <p:tmAbs val="0"/>
-                                  </p:iterate>
-                                  <p:childTnLst>
-                                    <p:set>
-                                      <p:cBhvr>
-                                        <p:cTn id="180" fill="hold"/>
-                                        <p:tgtEl>
-                                          <p:spTgt spid="378"/>
-                                        </p:tgtEl>
-                                        <p:attrNameLst>
-                                          <p:attrName>style.visibility</p:attrName>
-                                        </p:attrNameLst>
-                                      </p:cBhvr>
-                                      <p:to>
-                                        <p:strVal val="visible"/>
-                                      </p:to>
-                                    </p:set>
-                                    <p:animEffect filter="box(out)" transition="in">
-                                      <p:cBhvr>
-                                        <p:cTn id="181" dur="700"/>
-                                        <p:tgtEl>
-                                          <p:spTgt spid="378"/>
-                                        </p:tgtEl>
-                                      </p:cBhvr>
-                                    </p:animEffect>
-                                  </p:childTnLst>
-                                </p:cTn>
-                              </p:par>
-                            </p:childTnLst>
-                          </p:cTn>
-                        </p:par>
-                        <p:par>
-                          <p:cTn id="182" fill="hold">
-                            <p:stCondLst>
-                              <p:cond delay="2700"/>
-                            </p:stCondLst>
-                            <p:childTnLst>
-                              <p:par>
-                                <p:cTn id="183" presetClass="entr" nodeType="afterEffect" presetSubtype="32" presetID="23" grpId="41" fill="hold">
-                                  <p:stCondLst>
-                                    <p:cond delay="0"/>
-                                  </p:stCondLst>
-                                  <p:iterate type="el" backwards="0">
-                                    <p:tmAbs val="0"/>
-                                  </p:iterate>
-                                  <p:childTnLst>
-                                    <p:set>
-                                      <p:cBhvr>
-                                        <p:cTn id="184" fill="hold"/>
-                                        <p:tgtEl>
-                                          <p:spTgt spid="379"/>
-                                        </p:tgtEl>
-                                        <p:attrNameLst>
-                                          <p:attrName>style.visibility</p:attrName>
-                                        </p:attrNameLst>
-                                      </p:cBhvr>
-                                      <p:to>
-                                        <p:strVal val="visible"/>
-                                      </p:to>
-                                    </p:set>
-                                    <p:anim calcmode="lin" valueType="num">
-                                      <p:cBhvr>
-                                        <p:cTn id="185" dur="900" fill="hold"/>
-                                        <p:tgtEl>
-                                          <p:spTgt spid="379"/>
-                                        </p:tgtEl>
-                                        <p:attrNameLst>
-                                          <p:attrName>ppt_w</p:attrName>
-                                        </p:attrNameLst>
-                                      </p:cBhvr>
-                                      <p:tavLst>
-                                        <p:tav tm="0">
-                                          <p:val>
-                                            <p:strVal val="4*#ppt_w"/>
-                                          </p:val>
-                                        </p:tav>
-                                        <p:tav tm="100000">
-                                          <p:val>
-                                            <p:strVal val="#ppt_w"/>
-                                          </p:val>
-                                        </p:tav>
-                                      </p:tavLst>
-                                    </p:anim>
-                                    <p:anim calcmode="lin" valueType="num">
-                                      <p:cBhvr>
-                                        <p:cTn id="186" dur="900" fill="hold"/>
-                                        <p:tgtEl>
-                                          <p:spTgt spid="379"/>
-                                        </p:tgtEl>
-                                        <p:attrNameLst>
-                                          <p:attrName>ppt_h</p:attrName>
-                                        </p:attrNameLst>
-                                      </p:cBhvr>
-                                      <p:tavLst>
-                                        <p:tav tm="0">
-                                          <p:val>
-                                            <p:strVal val="4*#ppt_h"/>
-                                          </p:val>
-                                        </p:tav>
-                                        <p:tav tm="100000">
-                                          <p:val>
-                                            <p:strVal val="#ppt_h"/>
-                                          </p:val>
-                                        </p:tav>
-                                      </p:tavLst>
-                                    </p:anim>
-                                  </p:childTnLst>
-                                </p:cTn>
-                              </p:par>
-                            </p:childTnLst>
-                          </p:cTn>
-                        </p:par>
-                        <p:par>
-                          <p:cTn id="187" fill="hold">
-                            <p:stCondLst>
-                              <p:cond delay="3600"/>
-                            </p:stCondLst>
-                            <p:childTnLst>
-                              <p:par>
-                                <p:cTn id="188" presetClass="entr" nodeType="afterEffect" presetSubtype="32" presetID="4" grpId="42" fill="hold">
-                                  <p:stCondLst>
-                                    <p:cond delay="0"/>
-                                  </p:stCondLst>
-                                  <p:iterate type="el" backwards="0">
-                                    <p:tmAbs val="0"/>
-                                  </p:iterate>
-                                  <p:childTnLst>
-                                    <p:set>
-                                      <p:cBhvr>
-                                        <p:cTn id="189" fill="hold"/>
-                                        <p:tgtEl>
-                                          <p:spTgt spid="362"/>
-                                        </p:tgtEl>
-                                        <p:attrNameLst>
-                                          <p:attrName>style.visibility</p:attrName>
-                                        </p:attrNameLst>
-                                      </p:cBhvr>
-                                      <p:to>
-                                        <p:strVal val="visible"/>
-                                      </p:to>
-                                    </p:set>
-                                    <p:animEffect filter="box(out)" transition="in">
-                                      <p:cBhvr>
-                                        <p:cTn id="190" dur="700"/>
-                                        <p:tgtEl>
-                                          <p:spTgt spid="362"/>
-                                        </p:tgtEl>
-                                      </p:cBhvr>
-                                    </p:animEffect>
-                                  </p:childTnLst>
-                                </p:cTn>
-                              </p:par>
-                            </p:childTnLst>
-                          </p:cTn>
-                        </p:par>
-                        <p:par>
-                          <p:cTn id="191" fill="hold">
-                            <p:stCondLst>
-                              <p:cond delay="4300"/>
-                            </p:stCondLst>
-                            <p:childTnLst>
-                              <p:par>
-                                <p:cTn id="192" presetClass="entr" nodeType="afterEffect" presetSubtype="32" presetID="23" grpId="43" fill="hold">
-                                  <p:stCondLst>
-                                    <p:cond delay="0"/>
-                                  </p:stCondLst>
-                                  <p:iterate type="el" backwards="0">
-                                    <p:tmAbs val="0"/>
-                                  </p:iterate>
-                                  <p:childTnLst>
-                                    <p:set>
-                                      <p:cBhvr>
-                                        <p:cTn id="193" fill="hold"/>
-                                        <p:tgtEl>
-                                          <p:spTgt spid="363"/>
-                                        </p:tgtEl>
-                                        <p:attrNameLst>
-                                          <p:attrName>style.visibility</p:attrName>
-                                        </p:attrNameLst>
-                                      </p:cBhvr>
-                                      <p:to>
-                                        <p:strVal val="visible"/>
-                                      </p:to>
-                                    </p:set>
-                                    <p:anim calcmode="lin" valueType="num">
-                                      <p:cBhvr>
-                                        <p:cTn id="194" dur="900" fill="hold"/>
-                                        <p:tgtEl>
-                                          <p:spTgt spid="363"/>
-                                        </p:tgtEl>
-                                        <p:attrNameLst>
-                                          <p:attrName>ppt_w</p:attrName>
-                                        </p:attrNameLst>
-                                      </p:cBhvr>
-                                      <p:tavLst>
-                                        <p:tav tm="0">
-                                          <p:val>
-                                            <p:strVal val="4*#ppt_w"/>
-                                          </p:val>
-                                        </p:tav>
-                                        <p:tav tm="100000">
-                                          <p:val>
-                                            <p:strVal val="#ppt_w"/>
-                                          </p:val>
-                                        </p:tav>
-                                      </p:tavLst>
-                                    </p:anim>
-                                    <p:anim calcmode="lin" valueType="num">
-                                      <p:cBhvr>
-                                        <p:cTn id="195" dur="900" fill="hold"/>
-                                        <p:tgtEl>
-                                          <p:spTgt spid="363"/>
-                                        </p:tgtEl>
-                                        <p:attrNameLst>
-                                          <p:attrName>ppt_h</p:attrName>
-                                        </p:attrNameLst>
-                                      </p:cBhvr>
-                                      <p:tavLst>
-                                        <p:tav tm="0">
-                                          <p:val>
-                                            <p:strVal val="4*#ppt_h"/>
-                                          </p:val>
-                                        </p:tav>
-                                        <p:tav tm="100000">
-                                          <p:val>
-                                            <p:strVal val="#ppt_h"/>
-                                          </p:val>
-                                        </p:tav>
-                                      </p:tavLst>
-                                    </p:anim>
-                                  </p:childTnLst>
-                                </p:cTn>
-                              </p:par>
-                            </p:childTnLst>
-                          </p:cTn>
-                        </p:par>
-                        <p:par>
-                          <p:cTn id="196" fill="hold">
-                            <p:stCondLst>
-                              <p:cond delay="5200"/>
-                            </p:stCondLst>
-                            <p:childTnLst>
-                              <p:par>
-                                <p:cTn id="197" presetClass="exit" nodeType="afterEffect" presetSubtype="0" presetID="1" grpId="44" fill="hold">
-                                  <p:stCondLst>
-                                    <p:cond delay="0"/>
-                                  </p:stCondLst>
-                                  <p:iterate type="el" backwards="0">
-                                    <p:tmAbs val="0"/>
-                                  </p:iterate>
-                                  <p:childTnLst>
-                                    <p:set>
-                                      <p:cBhvr>
-                                        <p:cTn id="198" fill="hold">
-                                          <p:stCondLst>
-                                            <p:cond delay="0"/>
-                                          </p:stCondLst>
-                                        </p:cTn>
-                                        <p:tgtEl>
-                                          <p:spTgt spid="378"/>
-                                        </p:tgtEl>
-                                        <p:attrNameLst>
-                                          <p:attrName>style.visibility</p:attrName>
-                                        </p:attrNameLst>
-                                      </p:cBhvr>
-                                      <p:to>
-                                        <p:strVal val="hidden"/>
-                                      </p:to>
-                                    </p:set>
-                                  </p:childTnLst>
-                                </p:cTn>
-                              </p:par>
-                            </p:childTnLst>
-                          </p:cTn>
-                        </p:par>
-                        <p:par>
-                          <p:cTn id="199" fill="hold">
-                            <p:stCondLst>
-                              <p:cond delay="5200"/>
-                            </p:stCondLst>
-                            <p:childTnLst>
-                              <p:par>
-                                <p:cTn id="200" presetClass="exit" nodeType="afterEffect" presetID="10" grpId="45" fill="hold">
-                                  <p:stCondLst>
-                                    <p:cond delay="0"/>
-                                  </p:stCondLst>
-                                  <p:iterate type="el" backwards="0">
-                                    <p:tmAbs val="0"/>
-                                  </p:iterate>
-                                  <p:childTnLst>
-                                    <p:animEffect filter="fade" transition="out">
-                                      <p:cBhvr>
-                                        <p:cTn id="201" dur="1000" fill="hold"/>
-                                        <p:tgtEl>
-                                          <p:spTgt spid="379"/>
-                                        </p:tgtEl>
-                                      </p:cBhvr>
-                                    </p:animEffect>
-                                    <p:set>
-                                      <p:cBhvr>
-                                        <p:cTn id="202" fill="hold">
-                                          <p:stCondLst>
-                                            <p:cond delay="999"/>
-                                          </p:stCondLst>
-                                        </p:cTn>
-                                        <p:tgtEl>
-                                          <p:spTgt spid="379"/>
-                                        </p:tgtEl>
-                                        <p:attrNameLst>
-                                          <p:attrName>style.visibility</p:attrName>
-                                        </p:attrNameLst>
-                                      </p:cBhvr>
-                                      <p:to>
-                                        <p:strVal val="hidden"/>
-                                      </p:to>
-                                    </p:set>
-                                  </p:childTnLst>
-                                </p:cTn>
-                              </p:par>
-                            </p:childTnLst>
-                          </p:cTn>
-                        </p:par>
-                      </p:childTnLst>
-                    </p:cTn>
-                  </p:par>
-                </p:childTnLst>
-              </p:cTn>
-              <p:prevCondLst>
-                <p:cond evt="onPrev">
-                  <p:tgtEl>
-                    <p:sldTgt/>
-                  </p:tgtEl>
-                </p:cond>
-              </p:prevCondLst>
-              <p:nextCondLst>
-                <p:cond evt="onNext">
-                  <p:tgtEl>
-                    <p:sldTgt/>
-                  </p:tgtEl>
-                </p:cond>
-              </p:nextCondLst>
-            </p:seq>
-          </p:childTnLst>
-        </p:cTn>
-      </p:par>
-    </p:tnLst>
-    <p:bldLst>
-      <p:bldP build="whole" bldLvl="1" animBg="1" rev="0" advAuto="0" spid="349" grpId="4"/>
-      <p:bldP build="whole" bldLvl="1" animBg="1" rev="0" advAuto="0" spid="343" grpId="8"/>
-      <p:bldP build="whole" bldLvl="1" animBg="1" rev="0" advAuto="0" spid="344" grpId="18"/>
-      <p:bldP build="whole" bldLvl="1" animBg="1" rev="0" advAuto="0" spid="371" grpId="21"/>
-      <p:bldP build="whole" bldLvl="1" animBg="1" rev="0" advAuto="0" spid="376" grpId="32"/>
-      <p:bldP build="whole" bldLvl="1" animBg="1" rev="0" advAuto="0" spid="376" grpId="36"/>
-      <p:bldP build="whole" bldLvl="1" animBg="1" rev="0" advAuto="0" spid="374" grpId="24"/>
-      <p:bldP build="whole" bldLvl="1" animBg="1" rev="0" advAuto="0" spid="371" grpId="29"/>
-      <p:bldP build="whole" bldLvl="1" animBg="1" rev="0" advAuto="0" spid="359" grpId="27"/>
-      <p:bldP build="whole" bldLvl="1" animBg="1" rev="0" advAuto="0" spid="378" grpId="40"/>
-      <p:bldP build="whole" bldLvl="1" animBg="1" rev="0" advAuto="0" spid="350" grpId="5"/>
-      <p:bldP build="whole" bldLvl="1" animBg="1" rev="0" advAuto="0" spid="378" grpId="44"/>
-      <p:bldP build="whole" bldLvl="1" animBg="1" rev="0" advAuto="0" spid="345" grpId="19"/>
-      <p:bldP build="whole" bldLvl="1" animBg="1" rev="0" advAuto="0" spid="366" grpId="16"/>
-      <p:bldP build="whole" bldLvl="1" animBg="1" rev="0" advAuto="0" spid="347" grpId="2"/>
-      <p:bldP build="whole" bldLvl="1" animBg="1" rev="0" advAuto="0" spid="353" grpId="10"/>
-      <p:bldP build="whole" bldLvl="1" animBg="1" rev="0" advAuto="0" spid="346" grpId="1"/>
-      <p:bldP build="whole" bldLvl="1" animBg="1" rev="0" advAuto="0" spid="360" grpId="34"/>
-      <p:bldP build="whole" bldLvl="1" animBg="1" rev="0" advAuto="0" spid="348" grpId="3"/>
-      <p:bldP build="whole" bldLvl="1" animBg="1" rev="0" advAuto="0" spid="373" grpId="23"/>
-      <p:bldP build="whole" bldLvl="1" animBg="1" rev="0" advAuto="0" spid="375" grpId="25"/>
-      <p:bldP build="whole" bldLvl="1" animBg="1" rev="0" advAuto="0" spid="342" grpId="7"/>
-      <p:bldP build="whole" bldLvl="1" animBg="1" rev="0" advAuto="0" spid="374" grpId="38"/>
-      <p:bldP build="whole" bldLvl="1" animBg="1" rev="0" advAuto="0" spid="363" grpId="43"/>
-      <p:bldP build="whole" bldLvl="1" animBg="1" rev="0" advAuto="0" spid="373" grpId="31"/>
-      <p:bldP build="whole" bldLvl="1" animBg="1" rev="0" advAuto="0" spid="357" grpId="12"/>
-      <p:bldP build="whole" bldLvl="1" animBg="1" rev="0" advAuto="0" spid="372" grpId="22"/>
-      <p:bldP build="whole" bldLvl="1" animBg="1" rev="0" advAuto="0" spid="375" grpId="39"/>
-      <p:bldP build="whole" bldLvl="1" animBg="1" rev="0" advAuto="0" spid="358" grpId="26"/>
-      <p:bldP build="whole" bldLvl="1" animBg="1" rev="0" advAuto="0" spid="356" grpId="14"/>
-      <p:bldP build="whole" bldLvl="1" animBg="1" rev="0" advAuto="0" spid="377" grpId="33"/>
-      <p:bldP build="whole" bldLvl="1" animBg="1" rev="0" advAuto="0" spid="372" grpId="30"/>
-      <p:bldP build="whole" bldLvl="1" animBg="1" rev="0" advAuto="0" spid="362" grpId="42"/>
-      <p:bldP build="whole" bldLvl="1" animBg="1" rev="0" advAuto="0" spid="370" grpId="20"/>
-      <p:bldP build="whole" bldLvl="1" animBg="1" rev="0" advAuto="0" spid="354" grpId="11"/>
-      <p:bldP build="whole" bldLvl="1" animBg="1" rev="0" advAuto="0" spid="352" grpId="9"/>
-      <p:bldP build="whole" bldLvl="1" animBg="1" rev="0" advAuto="0" spid="355" grpId="13"/>
-      <p:bldP build="whole" bldLvl="1" animBg="1" rev="0" advAuto="0" spid="377" grpId="37"/>
-      <p:bldP build="whole" bldLvl="1" animBg="1" rev="0" advAuto="0" spid="364" grpId="15"/>
-      <p:bldP build="whole" bldLvl="1" animBg="1" rev="0" advAuto="0" spid="379" grpId="41"/>
-      <p:bldP build="whole" bldLvl="1" animBg="1" rev="0" advAuto="0" spid="370" grpId="28"/>
-      <p:bldP build="whole" bldLvl="1" animBg="1" rev="0" advAuto="0" spid="351" grpId="6"/>
-      <p:bldP build="whole" bldLvl="1" animBg="1" rev="0" advAuto="0" spid="361" grpId="35"/>
-      <p:bldP build="whole" bldLvl="1" animBg="1" rev="0" advAuto="0" spid="368" grpId="17"/>
-      <p:bldP build="whole" bldLvl="1" animBg="1" rev="0" advAuto="0" spid="379" grpId="45"/>
-    </p:bldLst>
-  </p:timing>
-</p:sld>
-</file>
-
-<file path=ppt/slides/slide8.xml><?xml version="1.0" encoding="utf-8"?>
-<p:sld xmlns:a="http://schemas.openxmlformats.org/drawingml/2006/main" xmlns:r="http://schemas.openxmlformats.org/officeDocument/2006/relationships" xmlns:p="http://schemas.openxmlformats.org/presentationml/2006/main" xmlns:m="http://schemas.openxmlformats.org/officeDocument/2006/math" xmlns:a14="http://schemas.microsoft.com/office/drawing/2010/main" showMasterSp="1" showMasterPhAnim="1">
-  <p:cSld>
-    <p:bg>
-      <p:bgPr>
-        <a:solidFill>
-          <a:srgbClr val="0D0D0D"/>
-        </a:solidFill>
-      </p:bgPr>
-    </p:bg>
-    <p:spTree>
-      <p:nvGrpSpPr>
-        <p:cNvPr id="1" name=""/>
-        <p:cNvGrpSpPr/>
-        <p:nvPr/>
-      </p:nvGrpSpPr>
-      <p:grpSpPr>
-        <a:xfrm>
-          <a:off x="0" y="0"/>
-          <a:ext cx="0" cy="0"/>
-          <a:chOff x="0" y="0"/>
-          <a:chExt cx="0" cy="0"/>
-        </a:xfrm>
-      </p:grpSpPr>
-      <p:sp>
-        <p:nvSpPr>
-          <p:cNvPr id="381" name="Rounded Rectangle"/>
-          <p:cNvSpPr/>
-          <p:nvPr/>
-        </p:nvSpPr>
-        <p:spPr>
-          <a:xfrm>
-            <a:off x="1465903" y="3007589"/>
-            <a:ext cx="3354180" cy="2095426"/>
-          </a:xfrm>
-          <a:prstGeom prst="roundRect">
-            <a:avLst>
-              <a:gd name="adj" fmla="val 12264"/>
-            </a:avLst>
-          </a:prstGeom>
-          <a:solidFill>
-            <a:srgbClr val="FFFFFF"/>
-          </a:solidFill>
-          <a:ln w="12700">
-            <a:miter lim="400000"/>
-          </a:ln>
-        </p:spPr>
-        <p:txBody>
-          <a:bodyPr lIns="50800" tIns="50800" rIns="50800" bIns="50800" anchor="ctr"/>
-          <a:lstStyle/>
-          <a:p>
-            <a:pPr algn="ctr">
-              <a:lnSpc>
-                <a:spcPct val="80000"/>
-              </a:lnSpc>
-              <a:spcBef>
-                <a:spcPts val="0"/>
-              </a:spcBef>
-              <a:defRPr b="0" cap="all" sz="4000">
-                <a:latin typeface="+mn-lt"/>
-                <a:ea typeface="+mn-ea"/>
-                <a:cs typeface="+mn-cs"/>
-                <a:sym typeface="DIN Condensed Bold"/>
-              </a:defRPr>
-            </a:pPr>
-          </a:p>
-        </p:txBody>
-      </p:sp>
-      <p:sp>
-        <p:nvSpPr>
-          <p:cNvPr id="382" name="count int"/>
-          <p:cNvSpPr txBox="1"/>
-          <p:nvPr/>
-        </p:nvSpPr>
-        <p:spPr>
-          <a:xfrm>
-            <a:off x="1881590" y="3699702"/>
-            <a:ext cx="2522806" cy="711201"/>
-          </a:xfrm>
-          <a:prstGeom prst="rect">
-            <a:avLst/>
-          </a:prstGeom>
-          <a:ln w="12700">
-            <a:miter lim="400000"/>
-          </a:ln>
-          <a:extLst>
-            <a:ext uri="{C572A759-6A51-4108-AA02-DFA0A04FC94B}">
-              <ma14:wrappingTextBoxFlag xmlns:ma14="http://schemas.microsoft.com/office/mac/drawingml/2011/main" val="1"/>
-            </a:ext>
-          </a:extLst>
-        </p:spPr>
-        <p:txBody>
-          <a:bodyPr wrap="none" lIns="50800" tIns="50800" rIns="50800" bIns="50800" anchor="ctr">
-            <a:spAutoFit/>
-          </a:bodyPr>
-          <a:lstStyle/>
-          <a:p>
-            <a:pPr>
-              <a:defRPr sz="3500">
-                <a:solidFill>
-                  <a:srgbClr val="0D0D0D"/>
-                </a:solidFill>
-              </a:defRPr>
-            </a:pPr>
-            <a:r>
-              <a:t>count </a:t>
-            </a:r>
-            <a:r>
-              <a:rPr>
-                <a:solidFill>
-                  <a:srgbClr val="673AB7"/>
-                </a:solidFill>
-              </a:rPr>
-              <a:t>int</a:t>
-            </a:r>
-          </a:p>
-        </p:txBody>
-      </p:sp>
-      <p:sp>
-        <p:nvSpPr>
-          <p:cNvPr id="383" name="Rounded Rectangle"/>
-          <p:cNvSpPr/>
-          <p:nvPr/>
-        </p:nvSpPr>
-        <p:spPr>
-          <a:xfrm>
-            <a:off x="1465903" y="6603212"/>
-            <a:ext cx="3354180" cy="1396263"/>
-          </a:xfrm>
-          <a:prstGeom prst="roundRect">
-            <a:avLst>
-              <a:gd name="adj" fmla="val 18405"/>
-            </a:avLst>
-          </a:prstGeom>
-          <a:solidFill>
-            <a:srgbClr val="40C4FF"/>
-          </a:solidFill>
-          <a:ln w="12700">
-            <a:miter lim="400000"/>
-          </a:ln>
-        </p:spPr>
-        <p:txBody>
-          <a:bodyPr lIns="50800" tIns="50800" rIns="50800" bIns="50800" anchor="ctr"/>
-          <a:lstStyle/>
-          <a:p>
-            <a:pPr algn="ctr">
-              <a:lnSpc>
-                <a:spcPct val="80000"/>
-              </a:lnSpc>
-              <a:spcBef>
-                <a:spcPts val="0"/>
-              </a:spcBef>
-              <a:defRPr b="0" cap="all" sz="4000">
-                <a:latin typeface="+mn-lt"/>
-                <a:ea typeface="+mn-ea"/>
-                <a:cs typeface="+mn-cs"/>
-                <a:sym typeface="DIN Condensed Bold"/>
-              </a:defRPr>
-            </a:pPr>
-          </a:p>
-        </p:txBody>
-      </p:sp>
-      <p:sp>
-        <p:nvSpPr>
-          <p:cNvPr id="384" name="Add(int)"/>
-          <p:cNvSpPr txBox="1"/>
-          <p:nvPr/>
-        </p:nvSpPr>
-        <p:spPr>
-          <a:xfrm>
-            <a:off x="2015396" y="6945743"/>
-            <a:ext cx="2255194" cy="711201"/>
-          </a:xfrm>
-          <a:prstGeom prst="rect">
-            <a:avLst/>
-          </a:prstGeom>
-          <a:ln w="12700">
-            <a:miter lim="400000"/>
-          </a:ln>
-          <a:extLst>
-            <a:ext uri="{C572A759-6A51-4108-AA02-DFA0A04FC94B}">
-              <ma14:wrappingTextBoxFlag xmlns:ma14="http://schemas.microsoft.com/office/mac/drawingml/2011/main" val="1"/>
-            </a:ext>
-          </a:extLst>
-        </p:spPr>
-        <p:txBody>
-          <a:bodyPr wrap="none" lIns="50800" tIns="50800" rIns="50800" bIns="50800" anchor="ctr">
-            <a:spAutoFit/>
-          </a:bodyPr>
-          <a:lstStyle/>
-          <a:p>
-            <a:pPr>
-              <a:defRPr sz="3500"/>
-            </a:pPr>
-            <a:r>
-              <a:t>Add(</a:t>
-            </a:r>
-            <a:r>
-              <a:rPr>
-                <a:solidFill>
-                  <a:srgbClr val="673AB7"/>
-                </a:solidFill>
-              </a:rPr>
-              <a:t>int</a:t>
-            </a:r>
-            <a:r>
-              <a:t>)</a:t>
-            </a:r>
-          </a:p>
-        </p:txBody>
-      </p:sp>
-      <p:sp>
-        <p:nvSpPr>
-          <p:cNvPr id="385" name="Rounded Rectangle"/>
-          <p:cNvSpPr/>
-          <p:nvPr/>
-        </p:nvSpPr>
-        <p:spPr>
-          <a:xfrm>
-            <a:off x="1465903" y="8308915"/>
-            <a:ext cx="3354180" cy="1396264"/>
-          </a:xfrm>
-          <a:prstGeom prst="roundRect">
-            <a:avLst>
-              <a:gd name="adj" fmla="val 18405"/>
-            </a:avLst>
-          </a:prstGeom>
-          <a:solidFill>
-            <a:srgbClr val="40C4FF"/>
-          </a:solidFill>
-          <a:ln w="12700">
-            <a:miter lim="400000"/>
-          </a:ln>
-        </p:spPr>
-        <p:txBody>
-          <a:bodyPr lIns="50800" tIns="50800" rIns="50800" bIns="50800" anchor="ctr"/>
-          <a:lstStyle/>
-          <a:p>
-            <a:pPr algn="ctr">
-              <a:lnSpc>
-                <a:spcPct val="80000"/>
-              </a:lnSpc>
-              <a:spcBef>
-                <a:spcPts val="0"/>
-              </a:spcBef>
-              <a:defRPr b="0" cap="all" sz="4000">
-                <a:latin typeface="+mn-lt"/>
-                <a:ea typeface="+mn-ea"/>
-                <a:cs typeface="+mn-cs"/>
-                <a:sym typeface="DIN Condensed Bold"/>
-              </a:defRPr>
-            </a:pPr>
-          </a:p>
-        </p:txBody>
-      </p:sp>
-      <p:sp>
-        <p:nvSpPr>
-          <p:cNvPr id="386" name="Done()"/>
-          <p:cNvSpPr txBox="1"/>
-          <p:nvPr/>
-        </p:nvSpPr>
-        <p:spPr>
-          <a:xfrm>
-            <a:off x="2283008" y="8651447"/>
-            <a:ext cx="1719970" cy="711201"/>
-          </a:xfrm>
-          <a:prstGeom prst="rect">
-            <a:avLst/>
-          </a:prstGeom>
-          <a:ln w="12700">
-            <a:miter lim="400000"/>
-          </a:ln>
-          <a:extLst>
-            <a:ext uri="{C572A759-6A51-4108-AA02-DFA0A04FC94B}">
-              <ma14:wrappingTextBoxFlag xmlns:ma14="http://schemas.microsoft.com/office/mac/drawingml/2011/main" val="1"/>
-            </a:ext>
-          </a:extLst>
-        </p:spPr>
-        <p:txBody>
-          <a:bodyPr wrap="none" lIns="50800" tIns="50800" rIns="50800" bIns="50800" anchor="ctr">
-            <a:spAutoFit/>
-          </a:bodyPr>
-          <a:lstStyle>
-            <a:lvl1pPr>
-              <a:defRPr sz="3500"/>
-            </a:lvl1pPr>
-          </a:lstStyle>
-          <a:p>
-            <a:pPr/>
-            <a:r>
-              <a:t>Done()</a:t>
-            </a:r>
-          </a:p>
-        </p:txBody>
-      </p:sp>
-      <p:sp>
-        <p:nvSpPr>
-          <p:cNvPr id="387" name="Rounded Rectangle"/>
-          <p:cNvSpPr/>
-          <p:nvPr/>
-        </p:nvSpPr>
-        <p:spPr>
-          <a:xfrm>
-            <a:off x="1465903" y="10014619"/>
-            <a:ext cx="3354180" cy="1396263"/>
-          </a:xfrm>
-          <a:prstGeom prst="roundRect">
-            <a:avLst>
-              <a:gd name="adj" fmla="val 18405"/>
-            </a:avLst>
-          </a:prstGeom>
-          <a:solidFill>
-            <a:srgbClr val="40C4FF"/>
-          </a:solidFill>
-          <a:ln w="12700">
-            <a:miter lim="400000"/>
-          </a:ln>
-        </p:spPr>
-        <p:txBody>
-          <a:bodyPr lIns="50800" tIns="50800" rIns="50800" bIns="50800" anchor="ctr"/>
-          <a:lstStyle/>
-          <a:p>
-            <a:pPr algn="ctr">
-              <a:lnSpc>
-                <a:spcPct val="80000"/>
-              </a:lnSpc>
-              <a:spcBef>
-                <a:spcPts val="0"/>
-              </a:spcBef>
-              <a:defRPr b="0" cap="all" sz="4000">
-                <a:latin typeface="+mn-lt"/>
-                <a:ea typeface="+mn-ea"/>
-                <a:cs typeface="+mn-cs"/>
-                <a:sym typeface="DIN Condensed Bold"/>
-              </a:defRPr>
-            </a:pPr>
-          </a:p>
-        </p:txBody>
-      </p:sp>
-      <p:sp>
-        <p:nvSpPr>
-          <p:cNvPr id="388" name="Wait()"/>
-          <p:cNvSpPr txBox="1"/>
-          <p:nvPr/>
-        </p:nvSpPr>
-        <p:spPr>
-          <a:xfrm>
-            <a:off x="2283008" y="10357150"/>
-            <a:ext cx="1719970" cy="711201"/>
-          </a:xfrm>
-          <a:prstGeom prst="rect">
-            <a:avLst/>
-          </a:prstGeom>
-          <a:ln w="12700">
-            <a:miter lim="400000"/>
-          </a:ln>
-          <a:extLst>
-            <a:ext uri="{C572A759-6A51-4108-AA02-DFA0A04FC94B}">
-              <ma14:wrappingTextBoxFlag xmlns:ma14="http://schemas.microsoft.com/office/mac/drawingml/2011/main" val="1"/>
-            </a:ext>
-          </a:extLst>
-        </p:spPr>
-        <p:txBody>
-          <a:bodyPr wrap="none" lIns="50800" tIns="50800" rIns="50800" bIns="50800" anchor="ctr">
-            <a:spAutoFit/>
-          </a:bodyPr>
-          <a:lstStyle>
-            <a:lvl1pPr>
-              <a:defRPr sz="3500"/>
-            </a:lvl1pPr>
-          </a:lstStyle>
-          <a:p>
-            <a:pPr/>
-            <a:r>
-              <a:t>Wait()</a:t>
-            </a:r>
-          </a:p>
-        </p:txBody>
-      </p:sp>
-      <p:sp>
-        <p:nvSpPr>
-          <p:cNvPr id="389" name="WaitGroup"/>
-          <p:cNvSpPr txBox="1"/>
-          <p:nvPr/>
-        </p:nvSpPr>
-        <p:spPr>
-          <a:xfrm>
-            <a:off x="1881590" y="2305118"/>
-            <a:ext cx="2522806" cy="711201"/>
-          </a:xfrm>
-          <a:prstGeom prst="rect">
-            <a:avLst/>
-          </a:prstGeom>
-          <a:ln w="12700">
-            <a:miter lim="400000"/>
-          </a:ln>
-          <a:extLst>
-            <a:ext uri="{C572A759-6A51-4108-AA02-DFA0A04FC94B}">
-              <ma14:wrappingTextBoxFlag xmlns:ma14="http://schemas.microsoft.com/office/mac/drawingml/2011/main" val="1"/>
-            </a:ext>
-          </a:extLst>
-        </p:spPr>
-        <p:txBody>
-          <a:bodyPr wrap="none" lIns="50800" tIns="50800" rIns="50800" bIns="50800" anchor="ctr">
-            <a:spAutoFit/>
-          </a:bodyPr>
-          <a:lstStyle>
-            <a:lvl1pPr>
-              <a:defRPr sz="3500"/>
-            </a:lvl1pPr>
-          </a:lstStyle>
-          <a:p>
-            <a:pPr/>
-            <a:r>
-              <a:t>WaitGroup</a:t>
-            </a:r>
-          </a:p>
-        </p:txBody>
-      </p:sp>
-      <p:sp>
-        <p:nvSpPr>
-          <p:cNvPr id="390" name="Rounded Rectangle"/>
-          <p:cNvSpPr/>
-          <p:nvPr/>
-        </p:nvSpPr>
-        <p:spPr>
-          <a:xfrm>
-            <a:off x="5169023" y="6746709"/>
-            <a:ext cx="6959910" cy="1109270"/>
-          </a:xfrm>
-          <a:prstGeom prst="roundRect">
-            <a:avLst>
-              <a:gd name="adj" fmla="val 23166"/>
-            </a:avLst>
-          </a:prstGeom>
-          <a:solidFill>
-            <a:srgbClr val="424242"/>
-          </a:solidFill>
-          <a:ln w="12700">
-            <a:miter lim="400000"/>
-          </a:ln>
-        </p:spPr>
-        <p:txBody>
-          <a:bodyPr lIns="50800" tIns="50800" rIns="50800" bIns="50800" anchor="ctr"/>
-          <a:lstStyle/>
-          <a:p>
-            <a:pPr algn="ctr">
-              <a:lnSpc>
-                <a:spcPct val="80000"/>
-              </a:lnSpc>
-              <a:spcBef>
-                <a:spcPts val="0"/>
-              </a:spcBef>
-              <a:defRPr b="0" cap="all" sz="4000">
-                <a:latin typeface="+mn-lt"/>
-                <a:ea typeface="+mn-ea"/>
-                <a:cs typeface="+mn-cs"/>
-                <a:sym typeface="DIN Condensed Bold"/>
-              </a:defRPr>
-            </a:pPr>
-          </a:p>
-        </p:txBody>
-      </p:sp>
-      <p:sp>
-        <p:nvSpPr>
-          <p:cNvPr id="391" name="Increment wg.counter"/>
-          <p:cNvSpPr txBox="1"/>
-          <p:nvPr/>
-        </p:nvSpPr>
-        <p:spPr>
-          <a:xfrm>
-            <a:off x="6298014" y="6990193"/>
-            <a:ext cx="4701928" cy="622301"/>
-          </a:xfrm>
-          <a:prstGeom prst="rect">
-            <a:avLst/>
-          </a:prstGeom>
-          <a:ln w="12700">
-            <a:miter lim="400000"/>
-          </a:ln>
-          <a:extLst>
-            <a:ext uri="{C572A759-6A51-4108-AA02-DFA0A04FC94B}">
-              <ma14:wrappingTextBoxFlag xmlns:ma14="http://schemas.microsoft.com/office/mac/drawingml/2011/main" val="1"/>
-            </a:ext>
-          </a:extLst>
-        </p:spPr>
-        <p:txBody>
-          <a:bodyPr wrap="none" lIns="50800" tIns="50800" rIns="50800" bIns="50800" anchor="ctr">
-            <a:spAutoFit/>
-          </a:bodyPr>
-          <a:lstStyle>
-            <a:lvl1pPr>
-              <a:defRPr sz="3000"/>
-            </a:lvl1pPr>
-          </a:lstStyle>
-          <a:p>
-            <a:pPr/>
-            <a:r>
-              <a:t>Increment wg.counter</a:t>
-            </a:r>
-          </a:p>
-        </p:txBody>
-      </p:sp>
-      <p:sp>
-        <p:nvSpPr>
-          <p:cNvPr id="392" name="Rounded Rectangle"/>
-          <p:cNvSpPr/>
-          <p:nvPr/>
-        </p:nvSpPr>
-        <p:spPr>
-          <a:xfrm>
-            <a:off x="5169023" y="8452412"/>
-            <a:ext cx="6959910" cy="1109270"/>
-          </a:xfrm>
-          <a:prstGeom prst="roundRect">
-            <a:avLst>
-              <a:gd name="adj" fmla="val 23166"/>
-            </a:avLst>
-          </a:prstGeom>
-          <a:solidFill>
-            <a:srgbClr val="424242"/>
-          </a:solidFill>
-          <a:ln w="12700">
-            <a:miter lim="400000"/>
-          </a:ln>
-        </p:spPr>
-        <p:txBody>
-          <a:bodyPr lIns="50800" tIns="50800" rIns="50800" bIns="50800" anchor="ctr"/>
-          <a:lstStyle/>
-          <a:p>
-            <a:pPr algn="ctr">
-              <a:lnSpc>
-                <a:spcPct val="80000"/>
-              </a:lnSpc>
-              <a:spcBef>
-                <a:spcPts val="0"/>
-              </a:spcBef>
-              <a:defRPr b="0" cap="all" sz="4000">
-                <a:latin typeface="+mn-lt"/>
-                <a:ea typeface="+mn-ea"/>
-                <a:cs typeface="+mn-cs"/>
-                <a:sym typeface="DIN Condensed Bold"/>
-              </a:defRPr>
-            </a:pPr>
-          </a:p>
-        </p:txBody>
-      </p:sp>
-      <p:sp>
-        <p:nvSpPr>
-          <p:cNvPr id="393" name="Decrement wg.counter"/>
-          <p:cNvSpPr txBox="1"/>
-          <p:nvPr/>
-        </p:nvSpPr>
-        <p:spPr>
-          <a:xfrm>
-            <a:off x="6298014" y="8695896"/>
-            <a:ext cx="4701928" cy="622301"/>
-          </a:xfrm>
-          <a:prstGeom prst="rect">
-            <a:avLst/>
-          </a:prstGeom>
-          <a:ln w="12700">
-            <a:miter lim="400000"/>
-          </a:ln>
-          <a:extLst>
-            <a:ext uri="{C572A759-6A51-4108-AA02-DFA0A04FC94B}">
-              <ma14:wrappingTextBoxFlag xmlns:ma14="http://schemas.microsoft.com/office/mac/drawingml/2011/main" val="1"/>
-            </a:ext>
-          </a:extLst>
-        </p:spPr>
-        <p:txBody>
-          <a:bodyPr wrap="none" lIns="50800" tIns="50800" rIns="50800" bIns="50800" anchor="ctr">
-            <a:spAutoFit/>
-          </a:bodyPr>
-          <a:lstStyle>
-            <a:lvl1pPr>
-              <a:defRPr sz="3000"/>
-            </a:lvl1pPr>
-          </a:lstStyle>
-          <a:p>
-            <a:pPr/>
-            <a:r>
-              <a:t>Decrement wg.counter</a:t>
-            </a:r>
-          </a:p>
-        </p:txBody>
-      </p:sp>
-      <p:sp>
-        <p:nvSpPr>
-          <p:cNvPr id="394" name="Rounded Rectangle"/>
-          <p:cNvSpPr/>
-          <p:nvPr/>
-        </p:nvSpPr>
-        <p:spPr>
-          <a:xfrm>
-            <a:off x="5169023" y="10158115"/>
-            <a:ext cx="6959910" cy="1109270"/>
-          </a:xfrm>
-          <a:prstGeom prst="roundRect">
-            <a:avLst>
-              <a:gd name="adj" fmla="val 23166"/>
-            </a:avLst>
-          </a:prstGeom>
-          <a:solidFill>
-            <a:srgbClr val="424242"/>
-          </a:solidFill>
-          <a:ln w="12700">
-            <a:miter lim="400000"/>
-          </a:ln>
-        </p:spPr>
-        <p:txBody>
-          <a:bodyPr lIns="50800" tIns="50800" rIns="50800" bIns="50800" anchor="ctr"/>
-          <a:lstStyle/>
-          <a:p>
-            <a:pPr algn="ctr">
-              <a:lnSpc>
-                <a:spcPct val="80000"/>
-              </a:lnSpc>
-              <a:spcBef>
-                <a:spcPts val="0"/>
-              </a:spcBef>
-              <a:defRPr b="0" cap="all" sz="4000">
-                <a:latin typeface="+mn-lt"/>
-                <a:ea typeface="+mn-ea"/>
-                <a:cs typeface="+mn-cs"/>
-                <a:sym typeface="DIN Condensed Bold"/>
-              </a:defRPr>
-            </a:pPr>
-          </a:p>
-        </p:txBody>
-      </p:sp>
-      <p:sp>
-        <p:nvSpPr>
-          <p:cNvPr id="395" name="Exit when wg.counter == 0"/>
-          <p:cNvSpPr txBox="1"/>
-          <p:nvPr/>
-        </p:nvSpPr>
-        <p:spPr>
-          <a:xfrm>
-            <a:off x="5724561" y="10401600"/>
-            <a:ext cx="5848834" cy="622301"/>
-          </a:xfrm>
-          <a:prstGeom prst="rect">
-            <a:avLst/>
-          </a:prstGeom>
-          <a:ln w="12700">
-            <a:miter lim="400000"/>
-          </a:ln>
-          <a:extLst>
-            <a:ext uri="{C572A759-6A51-4108-AA02-DFA0A04FC94B}">
-              <ma14:wrappingTextBoxFlag xmlns:ma14="http://schemas.microsoft.com/office/mac/drawingml/2011/main" val="1"/>
-            </a:ext>
-          </a:extLst>
-        </p:spPr>
-        <p:txBody>
-          <a:bodyPr wrap="none" lIns="50800" tIns="50800" rIns="50800" bIns="50800" anchor="ctr">
-            <a:spAutoFit/>
-          </a:bodyPr>
-          <a:lstStyle>
-            <a:lvl1pPr>
-              <a:defRPr sz="3000"/>
-            </a:lvl1pPr>
-          </a:lstStyle>
-          <a:p>
-            <a:pPr/>
-            <a:r>
-              <a:t>Exit when wg.counter == 0</a:t>
-            </a:r>
-          </a:p>
-        </p:txBody>
-      </p:sp>
-    </p:spTree>
-  </p:cSld>
-  <p:clrMapOvr>
-    <a:masterClrMapping/>
-  </p:clrMapOvr>
-  <mc:AlternateContent xmlns:mc="http://schemas.openxmlformats.org/markup-compatibility/2006">
-    <mc:Choice xmlns:p14="http://schemas.microsoft.com/office/powerpoint/2010/main" Requires="p14">
-      <p:transition spd="fast" advClick="1" p14:dur="699">
-        <p:push dir="l"/>
-      </p:transition>
-    </mc:Choice>
-    <mc:Fallback>
-      <p:transition spd="fast">
-        <p:fade/>
-      </p:transition>
-    </mc:Fallback>
-  </mc:AlternateContent>
-  <p:timing>
-    <p:tnLst>
-      <p:par>
-        <p:cTn id="1" nodeType="tmRoot" restart="never" dur="indefinite" fill="hold">
-          <p:childTnLst>
-            <p:seq concurrent="1" prevAc="none" nextAc="seek">
-              <p:cTn id="2" nodeType="mainSeq" dur="indefinite" fill="hold">
-                <p:childTnLst>
-                  <p:par>
-                    <p:cTn id="3" fill="hold">
-                      <p:stCondLst>
-                        <p:cond delay="indefinite"/>
-                        <p:cond evt="onBegin">
-                          <p:tn val="2"/>
-                        </p:cond>
-                      </p:stCondLst>
-                      <p:childTnLst>
-                        <p:par>
-                          <p:cTn id="4" fill="hold">
-                            <p:stCondLst>
-                              <p:cond delay="0"/>
-                            </p:stCondLst>
-                            <p:childTnLst>
-                              <p:par>
-                                <p:cTn id="5" presetClass="entr" nodeType="afterEffect" presetSubtype="32" presetID="4" grpId="1" fill="hold">
-                                  <p:stCondLst>
-                                    <p:cond delay="0"/>
-                                  </p:stCondLst>
-                                  <p:iterate type="el" backwards="0">
-                                    <p:tmAbs val="0"/>
-                                  </p:iterate>
-                                  <p:childTnLst>
-                                    <p:set>
-                                      <p:cBhvr>
-                                        <p:cTn id="6" fill="hold"/>
-                                        <p:tgtEl>
-                                          <p:spTgt spid="381"/>
-                                        </p:tgtEl>
-                                        <p:attrNameLst>
-                                          <p:attrName>style.visibility</p:attrName>
-                                        </p:attrNameLst>
-                                      </p:cBhvr>
-                                      <p:to>
-                                        <p:strVal val="visible"/>
-                                      </p:to>
-                                    </p:set>
-                                    <p:animEffect filter="box(out)" transition="in">
-                                      <p:cBhvr>
-                                        <p:cTn id="7" dur="700"/>
-                                        <p:tgtEl>
-                                          <p:spTgt spid="381"/>
-                                        </p:tgtEl>
-                                      </p:cBhvr>
-                                    </p:animEffect>
-                                  </p:childTnLst>
-                                </p:cTn>
-                              </p:par>
-                            </p:childTnLst>
-                          </p:cTn>
-                        </p:par>
-                        <p:par>
-                          <p:cTn id="8" fill="hold">
-                            <p:stCondLst>
-                              <p:cond delay="700"/>
-                            </p:stCondLst>
-                            <p:childTnLst>
-                              <p:par>
-                                <p:cTn id="9" presetClass="entr" nodeType="afterEffect" presetSubtype="32" presetID="23" grpId="2" fill="hold">
-                                  <p:stCondLst>
-                                    <p:cond delay="0"/>
-                                  </p:stCondLst>
-                                  <p:iterate type="el" backwards="0">
-                                    <p:tmAbs val="0"/>
-                                  </p:iterate>
-                                  <p:childTnLst>
-                                    <p:set>
-                                      <p:cBhvr>
-                                        <p:cTn id="10" fill="hold"/>
-                                        <p:tgtEl>
-                                          <p:spTgt spid="382"/>
-                                        </p:tgtEl>
-                                        <p:attrNameLst>
-                                          <p:attrName>style.visibility</p:attrName>
-                                        </p:attrNameLst>
-                                      </p:cBhvr>
-                                      <p:to>
-                                        <p:strVal val="visible"/>
-                                      </p:to>
-                                    </p:set>
-                                    <p:anim calcmode="lin" valueType="num">
-                                      <p:cBhvr>
-                                        <p:cTn id="11" dur="900" fill="hold"/>
-                                        <p:tgtEl>
-                                          <p:spTgt spid="382"/>
-                                        </p:tgtEl>
-                                        <p:attrNameLst>
-                                          <p:attrName>ppt_w</p:attrName>
-                                        </p:attrNameLst>
-                                      </p:cBhvr>
-                                      <p:tavLst>
-                                        <p:tav tm="0">
-                                          <p:val>
-                                            <p:strVal val="4*#ppt_w"/>
-                                          </p:val>
-                                        </p:tav>
-                                        <p:tav tm="100000">
-                                          <p:val>
-                                            <p:strVal val="#ppt_w"/>
-                                          </p:val>
-                                        </p:tav>
-                                      </p:tavLst>
-                                    </p:anim>
-                                    <p:anim calcmode="lin" valueType="num">
-                                      <p:cBhvr>
-                                        <p:cTn id="12" dur="900" fill="hold"/>
-                                        <p:tgtEl>
-                                          <p:spTgt spid="382"/>
-                                        </p:tgtEl>
-                                        <p:attrNameLst>
-                                          <p:attrName>ppt_h</p:attrName>
-                                        </p:attrNameLst>
-                                      </p:cBhvr>
-                                      <p:tavLst>
-                                        <p:tav tm="0">
-                                          <p:val>
-                                            <p:strVal val="4*#ppt_h"/>
-                                          </p:val>
-                                        </p:tav>
-                                        <p:tav tm="100000">
-                                          <p:val>
-                                            <p:strVal val="#ppt_h"/>
-                                          </p:val>
-                                        </p:tav>
-                                      </p:tavLst>
-                                    </p:anim>
-                                  </p:childTnLst>
-                                </p:cTn>
-                              </p:par>
-                            </p:childTnLst>
-                          </p:cTn>
-                        </p:par>
-                        <p:par>
-                          <p:cTn id="13" fill="hold">
-                            <p:stCondLst>
-                              <p:cond delay="1600"/>
-                            </p:stCondLst>
-                            <p:childTnLst>
-                              <p:par>
-                                <p:cTn id="14" presetClass="entr" nodeType="afterEffect" presetSubtype="32" presetID="23" grpId="3" fill="hold">
-                                  <p:stCondLst>
-                                    <p:cond delay="200"/>
-                                  </p:stCondLst>
-                                  <p:iterate type="el" backwards="0">
-                                    <p:tmAbs val="0"/>
-                                  </p:iterate>
-                                  <p:childTnLst>
-                                    <p:set>
-                                      <p:cBhvr>
-                                        <p:cTn id="15" fill="hold"/>
-                                        <p:tgtEl>
-                                          <p:spTgt spid="389"/>
-                                        </p:tgtEl>
-                                        <p:attrNameLst>
-                                          <p:attrName>style.visibility</p:attrName>
-                                        </p:attrNameLst>
-                                      </p:cBhvr>
-                                      <p:to>
-                                        <p:strVal val="visible"/>
-                                      </p:to>
-                                    </p:set>
-                                    <p:anim calcmode="lin" valueType="num">
-                                      <p:cBhvr>
-                                        <p:cTn id="16" dur="900" fill="hold"/>
-                                        <p:tgtEl>
-                                          <p:spTgt spid="389"/>
-                                        </p:tgtEl>
-                                        <p:attrNameLst>
-                                          <p:attrName>ppt_w</p:attrName>
-                                        </p:attrNameLst>
-                                      </p:cBhvr>
-                                      <p:tavLst>
-                                        <p:tav tm="0">
-                                          <p:val>
-                                            <p:strVal val="4*#ppt_w"/>
-                                          </p:val>
-                                        </p:tav>
-                                        <p:tav tm="100000">
-                                          <p:val>
-                                            <p:strVal val="#ppt_w"/>
-                                          </p:val>
-                                        </p:tav>
-                                      </p:tavLst>
-                                    </p:anim>
-                                    <p:anim calcmode="lin" valueType="num">
-                                      <p:cBhvr>
-                                        <p:cTn id="17" dur="900" fill="hold"/>
-                                        <p:tgtEl>
-                                          <p:spTgt spid="389"/>
-                                        </p:tgtEl>
-                                        <p:attrNameLst>
-                                          <p:attrName>ppt_h</p:attrName>
-                                        </p:attrNameLst>
-                                      </p:cBhvr>
-                                      <p:tavLst>
-                                        <p:tav tm="0">
-                                          <p:val>
-                                            <p:strVal val="4*#ppt_h"/>
-                                          </p:val>
-                                        </p:tav>
-                                        <p:tav tm="100000">
-                                          <p:val>
-                                            <p:strVal val="#ppt_h"/>
-                                          </p:val>
-                                        </p:tav>
-                                      </p:tavLst>
-                                    </p:anim>
-                                  </p:childTnLst>
-                                </p:cTn>
-                              </p:par>
-                            </p:childTnLst>
-                          </p:cTn>
-                        </p:par>
-                      </p:childTnLst>
-                    </p:cTn>
-                  </p:par>
-                  <p:par>
-                    <p:cTn id="18" fill="hold">
-                      <p:stCondLst>
-                        <p:cond delay="indefinite"/>
-                      </p:stCondLst>
-                      <p:childTnLst>
-                        <p:par>
-                          <p:cTn id="19" fill="hold">
-                            <p:stCondLst>
-                              <p:cond delay="0"/>
-                            </p:stCondLst>
-                            <p:childTnLst>
-                              <p:par>
-                                <p:cTn id="20" presetClass="entr" nodeType="clickEffect" presetSubtype="32" presetID="4" grpId="4" fill="hold">
-                                  <p:stCondLst>
-                                    <p:cond delay="0"/>
-                                  </p:stCondLst>
-                                  <p:iterate type="el" backwards="0">
-                                    <p:tmAbs val="0"/>
-                                  </p:iterate>
-                                  <p:childTnLst>
-                                    <p:set>
-                                      <p:cBhvr>
-                                        <p:cTn id="21" fill="hold"/>
-                                        <p:tgtEl>
-                                          <p:spTgt spid="383"/>
-                                        </p:tgtEl>
-                                        <p:attrNameLst>
-                                          <p:attrName>style.visibility</p:attrName>
-                                        </p:attrNameLst>
-                                      </p:cBhvr>
-                                      <p:to>
-                                        <p:strVal val="visible"/>
-                                      </p:to>
-                                    </p:set>
-                                    <p:animEffect filter="box(out)" transition="in">
-                                      <p:cBhvr>
-                                        <p:cTn id="22" dur="700"/>
-                                        <p:tgtEl>
-                                          <p:spTgt spid="383"/>
-                                        </p:tgtEl>
-                                      </p:cBhvr>
-                                    </p:animEffect>
-                                  </p:childTnLst>
-                                </p:cTn>
-                              </p:par>
-                            </p:childTnLst>
-                          </p:cTn>
-                        </p:par>
-                        <p:par>
-                          <p:cTn id="23" fill="hold">
-                            <p:stCondLst>
-                              <p:cond delay="700"/>
-                            </p:stCondLst>
-                            <p:childTnLst>
-                              <p:par>
-                                <p:cTn id="24" presetClass="entr" nodeType="afterEffect" presetSubtype="32" presetID="23" grpId="5" fill="hold">
-                                  <p:stCondLst>
-                                    <p:cond delay="0"/>
-                                  </p:stCondLst>
-                                  <p:iterate type="el" backwards="0">
-                                    <p:tmAbs val="0"/>
-                                  </p:iterate>
-                                  <p:childTnLst>
-                                    <p:set>
-                                      <p:cBhvr>
-                                        <p:cTn id="25" fill="hold"/>
-                                        <p:tgtEl>
-                                          <p:spTgt spid="384"/>
-                                        </p:tgtEl>
-                                        <p:attrNameLst>
-                                          <p:attrName>style.visibility</p:attrName>
-                                        </p:attrNameLst>
-                                      </p:cBhvr>
-                                      <p:to>
-                                        <p:strVal val="visible"/>
-                                      </p:to>
-                                    </p:set>
-                                    <p:anim calcmode="lin" valueType="num">
-                                      <p:cBhvr>
-                                        <p:cTn id="26" dur="900" fill="hold"/>
-                                        <p:tgtEl>
-                                          <p:spTgt spid="384"/>
-                                        </p:tgtEl>
-                                        <p:attrNameLst>
-                                          <p:attrName>ppt_w</p:attrName>
-                                        </p:attrNameLst>
-                                      </p:cBhvr>
-                                      <p:tavLst>
-                                        <p:tav tm="0">
-                                          <p:val>
-                                            <p:strVal val="4*#ppt_w"/>
-                                          </p:val>
-                                        </p:tav>
-                                        <p:tav tm="100000">
-                                          <p:val>
-                                            <p:strVal val="#ppt_w"/>
-                                          </p:val>
-                                        </p:tav>
-                                      </p:tavLst>
-                                    </p:anim>
-                                    <p:anim calcmode="lin" valueType="num">
-                                      <p:cBhvr>
-                                        <p:cTn id="27" dur="900" fill="hold"/>
-                                        <p:tgtEl>
-                                          <p:spTgt spid="384"/>
-                                        </p:tgtEl>
-                                        <p:attrNameLst>
-                                          <p:attrName>ppt_h</p:attrName>
-                                        </p:attrNameLst>
-                                      </p:cBhvr>
-                                      <p:tavLst>
-                                        <p:tav tm="0">
-                                          <p:val>
-                                            <p:strVal val="4*#ppt_h"/>
-                                          </p:val>
-                                        </p:tav>
-                                        <p:tav tm="100000">
-                                          <p:val>
-                                            <p:strVal val="#ppt_h"/>
-                                          </p:val>
-                                        </p:tav>
-                                      </p:tavLst>
-                                    </p:anim>
-                                  </p:childTnLst>
-                                </p:cTn>
-                              </p:par>
-                            </p:childTnLst>
-                          </p:cTn>
-                        </p:par>
-                        <p:par>
-                          <p:cTn id="28" fill="hold">
-                            <p:stCondLst>
-                              <p:cond delay="1600"/>
-                            </p:stCondLst>
-                            <p:childTnLst>
-                              <p:par>
-                                <p:cTn id="29" presetClass="entr" nodeType="afterEffect" presetSubtype="8" presetID="2" grpId="6" fill="hold">
-                                  <p:stCondLst>
-                                    <p:cond delay="200"/>
-                                  </p:stCondLst>
-                                  <p:iterate type="el" backwards="0">
-                                    <p:tmAbs val="0"/>
-                                  </p:iterate>
-                                  <p:childTnLst>
-                                    <p:set>
-                                      <p:cBhvr>
-                                        <p:cTn id="30" fill="hold"/>
-                                        <p:tgtEl>
-                                          <p:spTgt spid="390"/>
-                                        </p:tgtEl>
-                                        <p:attrNameLst>
-                                          <p:attrName>style.visibility</p:attrName>
-                                        </p:attrNameLst>
-                                      </p:cBhvr>
-                                      <p:to>
-                                        <p:strVal val="visible"/>
-                                      </p:to>
-                                    </p:set>
-                                    <p:anim calcmode="lin" valueType="num">
-                                      <p:cBhvr>
-                                        <p:cTn id="31" dur="700" fill="hold"/>
-                                        <p:tgtEl>
-                                          <p:spTgt spid="390"/>
-                                        </p:tgtEl>
-                                        <p:attrNameLst>
-                                          <p:attrName>ppt_x</p:attrName>
-                                        </p:attrNameLst>
-                                      </p:cBhvr>
-                                      <p:tavLst>
-                                        <p:tav tm="0">
-                                          <p:val>
-                                            <p:strVal val="0-#ppt_w/2"/>
-                                          </p:val>
-                                        </p:tav>
-                                        <p:tav tm="100000">
-                                          <p:val>
-                                            <p:strVal val="#ppt_x"/>
-                                          </p:val>
-                                        </p:tav>
-                                      </p:tavLst>
-                                    </p:anim>
-                                    <p:anim calcmode="lin" valueType="num">
-                                      <p:cBhvr>
-                                        <p:cTn id="32" dur="700" fill="hold"/>
-                                        <p:tgtEl>
-                                          <p:spTgt spid="390"/>
-                                        </p:tgtEl>
-                                        <p:attrNameLst>
-                                          <p:attrName>ppt_y</p:attrName>
-                                        </p:attrNameLst>
-                                      </p:cBhvr>
-                                      <p:tavLst>
-                                        <p:tav tm="0">
-                                          <p:val>
-                                            <p:strVal val="#ppt_y"/>
-                                          </p:val>
-                                        </p:tav>
-                                        <p:tav tm="100000">
-                                          <p:val>
-                                            <p:strVal val="#ppt_y"/>
-                                          </p:val>
-                                        </p:tav>
-                                      </p:tavLst>
-                                    </p:anim>
-                                  </p:childTnLst>
-                                </p:cTn>
-                              </p:par>
-                            </p:childTnLst>
-                          </p:cTn>
-                        </p:par>
-                        <p:par>
-                          <p:cTn id="33" fill="hold">
-                            <p:stCondLst>
-                              <p:cond delay="2500"/>
-                            </p:stCondLst>
-                            <p:childTnLst>
-                              <p:par>
-                                <p:cTn id="34" presetClass="entr" nodeType="afterEffect" presetSubtype="32" presetID="23" grpId="7" fill="hold">
-                                  <p:stCondLst>
-                                    <p:cond delay="0"/>
-                                  </p:stCondLst>
-                                  <p:iterate type="el" backwards="0">
-                                    <p:tmAbs val="0"/>
-                                  </p:iterate>
-                                  <p:childTnLst>
-                                    <p:set>
-                                      <p:cBhvr>
-                                        <p:cTn id="35" fill="hold"/>
-                                        <p:tgtEl>
-                                          <p:spTgt spid="391"/>
-                                        </p:tgtEl>
-                                        <p:attrNameLst>
-                                          <p:attrName>style.visibility</p:attrName>
-                                        </p:attrNameLst>
-                                      </p:cBhvr>
-                                      <p:to>
-                                        <p:strVal val="visible"/>
-                                      </p:to>
-                                    </p:set>
-                                    <p:anim calcmode="lin" valueType="num">
-                                      <p:cBhvr>
-                                        <p:cTn id="36" dur="900" fill="hold"/>
-                                        <p:tgtEl>
-                                          <p:spTgt spid="391"/>
-                                        </p:tgtEl>
-                                        <p:attrNameLst>
-                                          <p:attrName>ppt_w</p:attrName>
-                                        </p:attrNameLst>
-                                      </p:cBhvr>
-                                      <p:tavLst>
-                                        <p:tav tm="0">
-                                          <p:val>
-                                            <p:strVal val="4*#ppt_w"/>
-                                          </p:val>
-                                        </p:tav>
-                                        <p:tav tm="100000">
-                                          <p:val>
-                                            <p:strVal val="#ppt_w"/>
-                                          </p:val>
-                                        </p:tav>
-                                      </p:tavLst>
-                                    </p:anim>
-                                    <p:anim calcmode="lin" valueType="num">
-                                      <p:cBhvr>
-                                        <p:cTn id="37" dur="900" fill="hold"/>
-                                        <p:tgtEl>
-                                          <p:spTgt spid="391"/>
-                                        </p:tgtEl>
-                                        <p:attrNameLst>
-                                          <p:attrName>ppt_h</p:attrName>
-                                        </p:attrNameLst>
-                                      </p:cBhvr>
-                                      <p:tavLst>
-                                        <p:tav tm="0">
-                                          <p:val>
-                                            <p:strVal val="4*#ppt_h"/>
-                                          </p:val>
-                                        </p:tav>
-                                        <p:tav tm="100000">
-                                          <p:val>
-                                            <p:strVal val="#ppt_h"/>
-                                          </p:val>
-                                        </p:tav>
-                                      </p:tavLst>
-                                    </p:anim>
-                                  </p:childTnLst>
-                                </p:cTn>
-                              </p:par>
-                            </p:childTnLst>
-                          </p:cTn>
-                        </p:par>
-                      </p:childTnLst>
-                    </p:cTn>
-                  </p:par>
-                  <p:par>
-                    <p:cTn id="38" fill="hold">
-                      <p:stCondLst>
-                        <p:cond delay="indefinite"/>
-                      </p:stCondLst>
-                      <p:childTnLst>
-                        <p:par>
-                          <p:cTn id="39" fill="hold">
-                            <p:stCondLst>
-                              <p:cond delay="0"/>
-                            </p:stCondLst>
-                            <p:childTnLst>
-                              <p:par>
-                                <p:cTn id="40" presetClass="entr" nodeType="clickEffect" presetSubtype="32" presetID="4" grpId="8" fill="hold">
-                                  <p:stCondLst>
-                                    <p:cond delay="0"/>
-                                  </p:stCondLst>
-                                  <p:iterate type="el" backwards="0">
-                                    <p:tmAbs val="0"/>
-                                  </p:iterate>
-                                  <p:childTnLst>
-                                    <p:set>
-                                      <p:cBhvr>
-                                        <p:cTn id="41" fill="hold"/>
-                                        <p:tgtEl>
-                                          <p:spTgt spid="385"/>
-                                        </p:tgtEl>
-                                        <p:attrNameLst>
-                                          <p:attrName>style.visibility</p:attrName>
-                                        </p:attrNameLst>
-                                      </p:cBhvr>
-                                      <p:to>
-                                        <p:strVal val="visible"/>
-                                      </p:to>
-                                    </p:set>
-                                    <p:animEffect filter="box(out)" transition="in">
-                                      <p:cBhvr>
-                                        <p:cTn id="42" dur="700"/>
-                                        <p:tgtEl>
-                                          <p:spTgt spid="385"/>
-                                        </p:tgtEl>
-                                      </p:cBhvr>
-                                    </p:animEffect>
-                                  </p:childTnLst>
-                                </p:cTn>
-                              </p:par>
-                            </p:childTnLst>
-                          </p:cTn>
-                        </p:par>
-                        <p:par>
-                          <p:cTn id="43" fill="hold">
-                            <p:stCondLst>
-                              <p:cond delay="700"/>
-                            </p:stCondLst>
-                            <p:childTnLst>
-                              <p:par>
-                                <p:cTn id="44" presetClass="entr" nodeType="afterEffect" presetSubtype="32" presetID="23" grpId="9" fill="hold">
-                                  <p:stCondLst>
-                                    <p:cond delay="0"/>
-                                  </p:stCondLst>
-                                  <p:iterate type="el" backwards="0">
-                                    <p:tmAbs val="0"/>
-                                  </p:iterate>
-                                  <p:childTnLst>
-                                    <p:set>
-                                      <p:cBhvr>
-                                        <p:cTn id="45" fill="hold"/>
-                                        <p:tgtEl>
-                                          <p:spTgt spid="386"/>
-                                        </p:tgtEl>
-                                        <p:attrNameLst>
-                                          <p:attrName>style.visibility</p:attrName>
-                                        </p:attrNameLst>
-                                      </p:cBhvr>
-                                      <p:to>
-                                        <p:strVal val="visible"/>
-                                      </p:to>
-                                    </p:set>
-                                    <p:anim calcmode="lin" valueType="num">
-                                      <p:cBhvr>
-                                        <p:cTn id="46" dur="900" fill="hold"/>
-                                        <p:tgtEl>
-                                          <p:spTgt spid="386"/>
-                                        </p:tgtEl>
-                                        <p:attrNameLst>
-                                          <p:attrName>ppt_w</p:attrName>
-                                        </p:attrNameLst>
-                                      </p:cBhvr>
-                                      <p:tavLst>
-                                        <p:tav tm="0">
-                                          <p:val>
-                                            <p:strVal val="4*#ppt_w"/>
-                                          </p:val>
-                                        </p:tav>
-                                        <p:tav tm="100000">
-                                          <p:val>
-                                            <p:strVal val="#ppt_w"/>
-                                          </p:val>
-                                        </p:tav>
-                                      </p:tavLst>
-                                    </p:anim>
-                                    <p:anim calcmode="lin" valueType="num">
-                                      <p:cBhvr>
-                                        <p:cTn id="47" dur="900" fill="hold"/>
-                                        <p:tgtEl>
-                                          <p:spTgt spid="386"/>
-                                        </p:tgtEl>
-                                        <p:attrNameLst>
-                                          <p:attrName>ppt_h</p:attrName>
-                                        </p:attrNameLst>
-                                      </p:cBhvr>
-                                      <p:tavLst>
-                                        <p:tav tm="0">
-                                          <p:val>
-                                            <p:strVal val="4*#ppt_h"/>
-                                          </p:val>
-                                        </p:tav>
-                                        <p:tav tm="100000">
-                                          <p:val>
-                                            <p:strVal val="#ppt_h"/>
-                                          </p:val>
-                                        </p:tav>
-                                      </p:tavLst>
-                                    </p:anim>
-                                  </p:childTnLst>
-                                </p:cTn>
-                              </p:par>
-                            </p:childTnLst>
-                          </p:cTn>
-                        </p:par>
-                        <p:par>
-                          <p:cTn id="48" fill="hold">
-                            <p:stCondLst>
-                              <p:cond delay="1600"/>
-                            </p:stCondLst>
-                            <p:childTnLst>
-                              <p:par>
-                                <p:cTn id="49" presetClass="entr" nodeType="afterEffect" presetSubtype="8" presetID="2" grpId="10" fill="hold">
-                                  <p:stCondLst>
-                                    <p:cond delay="200"/>
-                                  </p:stCondLst>
-                                  <p:iterate type="el" backwards="0">
-                                    <p:tmAbs val="0"/>
-                                  </p:iterate>
-                                  <p:childTnLst>
-                                    <p:set>
-                                      <p:cBhvr>
-                                        <p:cTn id="50" fill="hold"/>
-                                        <p:tgtEl>
-                                          <p:spTgt spid="392"/>
-                                        </p:tgtEl>
-                                        <p:attrNameLst>
-                                          <p:attrName>style.visibility</p:attrName>
-                                        </p:attrNameLst>
-                                      </p:cBhvr>
-                                      <p:to>
-                                        <p:strVal val="visible"/>
-                                      </p:to>
-                                    </p:set>
-                                    <p:anim calcmode="lin" valueType="num">
-                                      <p:cBhvr>
-                                        <p:cTn id="51" dur="700" fill="hold"/>
-                                        <p:tgtEl>
-                                          <p:spTgt spid="392"/>
-                                        </p:tgtEl>
-                                        <p:attrNameLst>
-                                          <p:attrName>ppt_x</p:attrName>
-                                        </p:attrNameLst>
-                                      </p:cBhvr>
-                                      <p:tavLst>
-                                        <p:tav tm="0">
-                                          <p:val>
-                                            <p:strVal val="0-#ppt_w/2"/>
-                                          </p:val>
-                                        </p:tav>
-                                        <p:tav tm="100000">
-                                          <p:val>
-                                            <p:strVal val="#ppt_x"/>
-                                          </p:val>
-                                        </p:tav>
-                                      </p:tavLst>
-                                    </p:anim>
-                                    <p:anim calcmode="lin" valueType="num">
-                                      <p:cBhvr>
-                                        <p:cTn id="52" dur="700" fill="hold"/>
-                                        <p:tgtEl>
-                                          <p:spTgt spid="392"/>
-                                        </p:tgtEl>
-                                        <p:attrNameLst>
-                                          <p:attrName>ppt_y</p:attrName>
-                                        </p:attrNameLst>
-                                      </p:cBhvr>
-                                      <p:tavLst>
-                                        <p:tav tm="0">
-                                          <p:val>
-                                            <p:strVal val="#ppt_y"/>
-                                          </p:val>
-                                        </p:tav>
-                                        <p:tav tm="100000">
-                                          <p:val>
-                                            <p:strVal val="#ppt_y"/>
-                                          </p:val>
-                                        </p:tav>
-                                      </p:tavLst>
-                                    </p:anim>
-                                  </p:childTnLst>
-                                </p:cTn>
-                              </p:par>
-                            </p:childTnLst>
-                          </p:cTn>
-                        </p:par>
-                        <p:par>
-                          <p:cTn id="53" fill="hold">
-                            <p:stCondLst>
-                              <p:cond delay="2500"/>
-                            </p:stCondLst>
-                            <p:childTnLst>
-                              <p:par>
-                                <p:cTn id="54" presetClass="entr" nodeType="afterEffect" presetSubtype="32" presetID="23" grpId="11" fill="hold">
-                                  <p:stCondLst>
-                                    <p:cond delay="0"/>
-                                  </p:stCondLst>
-                                  <p:iterate type="el" backwards="0">
-                                    <p:tmAbs val="0"/>
-                                  </p:iterate>
-                                  <p:childTnLst>
-                                    <p:set>
-                                      <p:cBhvr>
-                                        <p:cTn id="55" fill="hold"/>
-                                        <p:tgtEl>
-                                          <p:spTgt spid="393"/>
-                                        </p:tgtEl>
-                                        <p:attrNameLst>
-                                          <p:attrName>style.visibility</p:attrName>
-                                        </p:attrNameLst>
-                                      </p:cBhvr>
-                                      <p:to>
-                                        <p:strVal val="visible"/>
-                                      </p:to>
-                                    </p:set>
-                                    <p:anim calcmode="lin" valueType="num">
-                                      <p:cBhvr>
-                                        <p:cTn id="56" dur="900" fill="hold"/>
-                                        <p:tgtEl>
-                                          <p:spTgt spid="393"/>
-                                        </p:tgtEl>
-                                        <p:attrNameLst>
-                                          <p:attrName>ppt_w</p:attrName>
-                                        </p:attrNameLst>
-                                      </p:cBhvr>
-                                      <p:tavLst>
-                                        <p:tav tm="0">
-                                          <p:val>
-                                            <p:strVal val="4*#ppt_w"/>
-                                          </p:val>
-                                        </p:tav>
-                                        <p:tav tm="100000">
-                                          <p:val>
-                                            <p:strVal val="#ppt_w"/>
-                                          </p:val>
-                                        </p:tav>
-                                      </p:tavLst>
-                                    </p:anim>
-                                    <p:anim calcmode="lin" valueType="num">
-                                      <p:cBhvr>
-                                        <p:cTn id="57" dur="900" fill="hold"/>
-                                        <p:tgtEl>
-                                          <p:spTgt spid="393"/>
-                                        </p:tgtEl>
-                                        <p:attrNameLst>
-                                          <p:attrName>ppt_h</p:attrName>
-                                        </p:attrNameLst>
-                                      </p:cBhvr>
-                                      <p:tavLst>
-                                        <p:tav tm="0">
-                                          <p:val>
-                                            <p:strVal val="4*#ppt_h"/>
-                                          </p:val>
-                                        </p:tav>
-                                        <p:tav tm="100000">
-                                          <p:val>
-                                            <p:strVal val="#ppt_h"/>
-                                          </p:val>
-                                        </p:tav>
-                                      </p:tavLst>
-                                    </p:anim>
-                                  </p:childTnLst>
-                                </p:cTn>
-                              </p:par>
-                            </p:childTnLst>
-                          </p:cTn>
-                        </p:par>
-                      </p:childTnLst>
-                    </p:cTn>
-                  </p:par>
-                  <p:par>
-                    <p:cTn id="58" fill="hold">
-                      <p:stCondLst>
-                        <p:cond delay="indefinite"/>
-                      </p:stCondLst>
-                      <p:childTnLst>
-                        <p:par>
-                          <p:cTn id="59" fill="hold">
-                            <p:stCondLst>
-                              <p:cond delay="0"/>
-                            </p:stCondLst>
-                            <p:childTnLst>
-                              <p:par>
-                                <p:cTn id="60" presetClass="entr" nodeType="clickEffect" presetSubtype="32" presetID="4" grpId="12" fill="hold">
-                                  <p:stCondLst>
-                                    <p:cond delay="0"/>
-                                  </p:stCondLst>
-                                  <p:iterate type="el" backwards="0">
-                                    <p:tmAbs val="0"/>
-                                  </p:iterate>
-                                  <p:childTnLst>
-                                    <p:set>
-                                      <p:cBhvr>
-                                        <p:cTn id="61" fill="hold"/>
-                                        <p:tgtEl>
-                                          <p:spTgt spid="387"/>
-                                        </p:tgtEl>
-                                        <p:attrNameLst>
-                                          <p:attrName>style.visibility</p:attrName>
-                                        </p:attrNameLst>
-                                      </p:cBhvr>
-                                      <p:to>
-                                        <p:strVal val="visible"/>
-                                      </p:to>
-                                    </p:set>
-                                    <p:animEffect filter="box(out)" transition="in">
-                                      <p:cBhvr>
-                                        <p:cTn id="62" dur="700"/>
-                                        <p:tgtEl>
-                                          <p:spTgt spid="387"/>
-                                        </p:tgtEl>
-                                      </p:cBhvr>
-                                    </p:animEffect>
-                                  </p:childTnLst>
-                                </p:cTn>
-                              </p:par>
-                            </p:childTnLst>
-                          </p:cTn>
-                        </p:par>
-                        <p:par>
-                          <p:cTn id="63" fill="hold">
-                            <p:stCondLst>
-                              <p:cond delay="700"/>
-                            </p:stCondLst>
-                            <p:childTnLst>
-                              <p:par>
-                                <p:cTn id="64" presetClass="entr" nodeType="afterEffect" presetSubtype="32" presetID="23" grpId="13" fill="hold">
-                                  <p:stCondLst>
-                                    <p:cond delay="0"/>
-                                  </p:stCondLst>
-                                  <p:iterate type="el" backwards="0">
-                                    <p:tmAbs val="0"/>
-                                  </p:iterate>
-                                  <p:childTnLst>
-                                    <p:set>
-                                      <p:cBhvr>
-                                        <p:cTn id="65" fill="hold"/>
-                                        <p:tgtEl>
-                                          <p:spTgt spid="388"/>
-                                        </p:tgtEl>
-                                        <p:attrNameLst>
-                                          <p:attrName>style.visibility</p:attrName>
-                                        </p:attrNameLst>
-                                      </p:cBhvr>
-                                      <p:to>
-                                        <p:strVal val="visible"/>
-                                      </p:to>
-                                    </p:set>
-                                    <p:anim calcmode="lin" valueType="num">
-                                      <p:cBhvr>
-                                        <p:cTn id="66" dur="900" fill="hold"/>
-                                        <p:tgtEl>
-                                          <p:spTgt spid="388"/>
-                                        </p:tgtEl>
-                                        <p:attrNameLst>
-                                          <p:attrName>ppt_w</p:attrName>
-                                        </p:attrNameLst>
-                                      </p:cBhvr>
-                                      <p:tavLst>
-                                        <p:tav tm="0">
-                                          <p:val>
-                                            <p:strVal val="4*#ppt_w"/>
-                                          </p:val>
-                                        </p:tav>
-                                        <p:tav tm="100000">
-                                          <p:val>
-                                            <p:strVal val="#ppt_w"/>
-                                          </p:val>
-                                        </p:tav>
-                                      </p:tavLst>
-                                    </p:anim>
-                                    <p:anim calcmode="lin" valueType="num">
-                                      <p:cBhvr>
-                                        <p:cTn id="67" dur="900" fill="hold"/>
-                                        <p:tgtEl>
-                                          <p:spTgt spid="388"/>
-                                        </p:tgtEl>
-                                        <p:attrNameLst>
-                                          <p:attrName>ppt_h</p:attrName>
-                                        </p:attrNameLst>
-                                      </p:cBhvr>
-                                      <p:tavLst>
-                                        <p:tav tm="0">
-                                          <p:val>
-                                            <p:strVal val="4*#ppt_h"/>
-                                          </p:val>
-                                        </p:tav>
-                                        <p:tav tm="100000">
-                                          <p:val>
-                                            <p:strVal val="#ppt_h"/>
-                                          </p:val>
-                                        </p:tav>
-                                      </p:tavLst>
-                                    </p:anim>
-                                  </p:childTnLst>
-                                </p:cTn>
-                              </p:par>
-                            </p:childTnLst>
-                          </p:cTn>
-                        </p:par>
-                        <p:par>
-                          <p:cTn id="68" fill="hold">
-                            <p:stCondLst>
-                              <p:cond delay="1600"/>
-                            </p:stCondLst>
-                            <p:childTnLst>
-                              <p:par>
-                                <p:cTn id="69" presetClass="entr" nodeType="afterEffect" presetSubtype="8" presetID="2" grpId="14" fill="hold">
-                                  <p:stCondLst>
-                                    <p:cond delay="200"/>
-                                  </p:stCondLst>
-                                  <p:iterate type="el" backwards="0">
-                                    <p:tmAbs val="0"/>
-                                  </p:iterate>
-                                  <p:childTnLst>
-                                    <p:set>
-                                      <p:cBhvr>
-                                        <p:cTn id="70" fill="hold"/>
-                                        <p:tgtEl>
-                                          <p:spTgt spid="394"/>
-                                        </p:tgtEl>
-                                        <p:attrNameLst>
-                                          <p:attrName>style.visibility</p:attrName>
-                                        </p:attrNameLst>
-                                      </p:cBhvr>
-                                      <p:to>
-                                        <p:strVal val="visible"/>
-                                      </p:to>
-                                    </p:set>
-                                    <p:anim calcmode="lin" valueType="num">
-                                      <p:cBhvr>
-                                        <p:cTn id="71" dur="700" fill="hold"/>
-                                        <p:tgtEl>
-                                          <p:spTgt spid="394"/>
-                                        </p:tgtEl>
-                                        <p:attrNameLst>
-                                          <p:attrName>ppt_x</p:attrName>
-                                        </p:attrNameLst>
-                                      </p:cBhvr>
-                                      <p:tavLst>
-                                        <p:tav tm="0">
-                                          <p:val>
-                                            <p:strVal val="0-#ppt_w/2"/>
-                                          </p:val>
-                                        </p:tav>
-                                        <p:tav tm="100000">
-                                          <p:val>
-                                            <p:strVal val="#ppt_x"/>
-                                          </p:val>
-                                        </p:tav>
-                                      </p:tavLst>
-                                    </p:anim>
-                                    <p:anim calcmode="lin" valueType="num">
-                                      <p:cBhvr>
-                                        <p:cTn id="72" dur="700" fill="hold"/>
-                                        <p:tgtEl>
-                                          <p:spTgt spid="394"/>
-                                        </p:tgtEl>
-                                        <p:attrNameLst>
-                                          <p:attrName>ppt_y</p:attrName>
-                                        </p:attrNameLst>
-                                      </p:cBhvr>
-                                      <p:tavLst>
-                                        <p:tav tm="0">
-                                          <p:val>
-                                            <p:strVal val="#ppt_y"/>
-                                          </p:val>
-                                        </p:tav>
-                                        <p:tav tm="100000">
-                                          <p:val>
-                                            <p:strVal val="#ppt_y"/>
-                                          </p:val>
-                                        </p:tav>
-                                      </p:tavLst>
-                                    </p:anim>
-                                  </p:childTnLst>
-                                </p:cTn>
-                              </p:par>
-                            </p:childTnLst>
-                          </p:cTn>
-                        </p:par>
-                        <p:par>
-                          <p:cTn id="73" fill="hold">
-                            <p:stCondLst>
-                              <p:cond delay="2500"/>
-                            </p:stCondLst>
-                            <p:childTnLst>
-                              <p:par>
-                                <p:cTn id="74" presetClass="entr" nodeType="afterEffect" presetSubtype="32" presetID="23" grpId="15" fill="hold">
-                                  <p:stCondLst>
-                                    <p:cond delay="0"/>
-                                  </p:stCondLst>
-                                  <p:iterate type="el" backwards="0">
-                                    <p:tmAbs val="0"/>
-                                  </p:iterate>
-                                  <p:childTnLst>
-                                    <p:set>
-                                      <p:cBhvr>
-                                        <p:cTn id="75" fill="hold"/>
-                                        <p:tgtEl>
-                                          <p:spTgt spid="395"/>
-                                        </p:tgtEl>
-                                        <p:attrNameLst>
-                                          <p:attrName>style.visibility</p:attrName>
-                                        </p:attrNameLst>
-                                      </p:cBhvr>
-                                      <p:to>
-                                        <p:strVal val="visible"/>
-                                      </p:to>
-                                    </p:set>
-                                    <p:anim calcmode="lin" valueType="num">
-                                      <p:cBhvr>
-                                        <p:cTn id="76" dur="900" fill="hold"/>
-                                        <p:tgtEl>
-                                          <p:spTgt spid="395"/>
-                                        </p:tgtEl>
-                                        <p:attrNameLst>
-                                          <p:attrName>ppt_w</p:attrName>
-                                        </p:attrNameLst>
-                                      </p:cBhvr>
-                                      <p:tavLst>
-                                        <p:tav tm="0">
-                                          <p:val>
-                                            <p:strVal val="4*#ppt_w"/>
-                                          </p:val>
-                                        </p:tav>
-                                        <p:tav tm="100000">
-                                          <p:val>
-                                            <p:strVal val="#ppt_w"/>
-                                          </p:val>
-                                        </p:tav>
-                                      </p:tavLst>
-                                    </p:anim>
-                                    <p:anim calcmode="lin" valueType="num">
-                                      <p:cBhvr>
-                                        <p:cTn id="77" dur="900" fill="hold"/>
-                                        <p:tgtEl>
-                                          <p:spTgt spid="395"/>
-                                        </p:tgtEl>
-                                        <p:attrNameLst>
-                                          <p:attrName>ppt_h</p:attrName>
-                                        </p:attrNameLst>
-                                      </p:cBhvr>
-                                      <p:tavLst>
-                                        <p:tav tm="0">
-                                          <p:val>
-                                            <p:strVal val="4*#ppt_h"/>
-                                          </p:val>
-                                        </p:tav>
-                                        <p:tav tm="100000">
-                                          <p:val>
-                                            <p:strVal val="#ppt_h"/>
-                                          </p:val>
-                                        </p:tav>
-                                      </p:tavLst>
-                                    </p:anim>
-                                  </p:childTnLst>
-                                </p:cTn>
-                              </p:par>
-                            </p:childTnLst>
-                          </p:cTn>
-                        </p:par>
-                      </p:childTnLst>
-                    </p:cTn>
-                  </p:par>
-                </p:childTnLst>
-              </p:cTn>
-              <p:prevCondLst>
-                <p:cond evt="onPrev">
-                  <p:tgtEl>
-                    <p:sldTgt/>
-                  </p:tgtEl>
-                </p:cond>
-              </p:prevCondLst>
-              <p:nextCondLst>
-                <p:cond evt="onNext">
-                  <p:tgtEl>
-                    <p:sldTgt/>
-                  </p:tgtEl>
-                </p:cond>
-              </p:nextCondLst>
-            </p:seq>
-          </p:childTnLst>
-        </p:cTn>
-      </p:par>
-    </p:tnLst>
-    <p:bldLst>
-      <p:bldP build="whole" bldLvl="1" animBg="1" rev="0" advAuto="0" spid="391" grpId="7"/>
-      <p:bldP build="whole" bldLvl="1" animBg="1" rev="0" advAuto="0" spid="387" grpId="12"/>
-      <p:bldP build="whole" bldLvl="1" animBg="1" rev="0" advAuto="0" spid="392" grpId="10"/>
-      <p:bldP build="whole" bldLvl="1" animBg="1" rev="0" advAuto="0" spid="393" grpId="11"/>
-      <p:bldP build="whole" bldLvl="1" animBg="1" rev="0" advAuto="0" spid="383" grpId="4"/>
-      <p:bldP build="whole" bldLvl="1" animBg="1" rev="0" advAuto="0" spid="382" grpId="2"/>
-      <p:bldP build="whole" bldLvl="1" animBg="1" rev="0" advAuto="0" spid="385" grpId="8"/>
-      <p:bldP build="whole" bldLvl="1" animBg="1" rev="0" advAuto="0" spid="384" grpId="5"/>
-      <p:bldP build="whole" bldLvl="1" animBg="1" rev="0" advAuto="0" spid="389" grpId="3"/>
-      <p:bldP build="whole" bldLvl="1" animBg="1" rev="0" advAuto="0" spid="390" grpId="6"/>
-      <p:bldP build="whole" bldLvl="1" animBg="1" rev="0" advAuto="0" spid="386" grpId="9"/>
-      <p:bldP build="whole" bldLvl="1" animBg="1" rev="0" advAuto="0" spid="395" grpId="15"/>
-      <p:bldP build="whole" bldLvl="1" animBg="1" rev="0" advAuto="0" spid="394" grpId="14"/>
-      <p:bldP build="whole" bldLvl="1" animBg="1" rev="0" advAuto="0" spid="381" grpId="1"/>
-      <p:bldP build="whole" bldLvl="1" animBg="1" rev="0" advAuto="0" spid="388" grpId="13"/>
-    </p:bldLst>
-  </p:timing>
-</p:sld>
-</file>
-
-<file path=ppt/slides/slide9.xml><?xml version="1.0" encoding="utf-8"?>
-<p:sld xmlns:a="http://schemas.openxmlformats.org/drawingml/2006/main" xmlns:r="http://schemas.openxmlformats.org/officeDocument/2006/relationships" xmlns:p="http://schemas.openxmlformats.org/presentationml/2006/main" xmlns:m="http://schemas.openxmlformats.org/officeDocument/2006/math" xmlns:a14="http://schemas.microsoft.com/office/drawing/2010/main" showMasterSp="1" showMasterPhAnim="1">
-  <p:cSld>
-    <p:bg>
-      <p:bgPr>
-        <a:solidFill>
-          <a:srgbClr val="0D0D0D"/>
-        </a:solidFill>
-      </p:bgPr>
-    </p:bg>
-    <p:spTree>
-      <p:nvGrpSpPr>
-        <p:cNvPr id="1" name=""/>
-        <p:cNvGrpSpPr/>
-        <p:nvPr/>
-      </p:nvGrpSpPr>
-      <p:grpSpPr>
-        <a:xfrm>
-          <a:off x="0" y="0"/>
-          <a:ext cx="0" cy="0"/>
-          <a:chOff x="0" y="0"/>
-          <a:chExt cx="0" cy="0"/>
-        </a:xfrm>
-      </p:grpSpPr>
-      <p:sp>
-        <p:nvSpPr>
-          <p:cNvPr id="397" name="Rounded Rectangle"/>
           <p:cNvSpPr/>
           <p:nvPr/>
         </p:nvSpPr>
@@ -30492,14 +24863,14 @@
       </p:sp>
       <p:sp>
         <p:nvSpPr>
-          <p:cNvPr id="398" name="Done() MUST be called as many times as Add()"/>
+          <p:cNvPr id="347" name="Done() MUST be called as many times as Add()"/>
           <p:cNvSpPr txBox="1"/>
           <p:nvPr/>
         </p:nvSpPr>
         <p:spPr>
           <a:xfrm>
-            <a:off x="5575931" y="1135460"/>
-            <a:ext cx="11889210" cy="711201"/>
+            <a:off x="5575930" y="1135460"/>
+            <a:ext cx="11889211" cy="711201"/>
           </a:xfrm>
           <a:prstGeom prst="rect">
             <a:avLst/>
@@ -30538,7 +24909,7 @@
       </p:sp>
       <p:sp>
         <p:nvSpPr>
-          <p:cNvPr id="399" name="Rounded Rectangle"/>
+          <p:cNvPr id="348" name="Rounded Rectangle"/>
           <p:cNvSpPr/>
           <p:nvPr/>
         </p:nvSpPr>
@@ -30582,14 +24953,14 @@
       </p:sp>
       <p:sp>
         <p:nvSpPr>
-          <p:cNvPr id="400" name="Done() more than Add() =&gt; panic"/>
+          <p:cNvPr id="349" name="Done() more than Add() =&gt; panic"/>
           <p:cNvSpPr txBox="1"/>
           <p:nvPr/>
         </p:nvSpPr>
         <p:spPr>
           <a:xfrm>
-            <a:off x="5575931" y="2924440"/>
-            <a:ext cx="8410259" cy="711201"/>
+            <a:off x="5575930" y="2924440"/>
+            <a:ext cx="8410260" cy="711201"/>
           </a:xfrm>
           <a:prstGeom prst="rect">
             <a:avLst/>
@@ -30635,7 +25006,7 @@
       </p:sp>
       <p:sp>
         <p:nvSpPr>
-          <p:cNvPr id="401" name="Rounded Rectangle"/>
+          <p:cNvPr id="350" name="Rounded Rectangle"/>
           <p:cNvSpPr/>
           <p:nvPr/>
         </p:nvSpPr>
@@ -30679,14 +25050,14 @@
       </p:sp>
       <p:sp>
         <p:nvSpPr>
-          <p:cNvPr id="402" name="Done() less than Add() =&gt; deadlock"/>
+          <p:cNvPr id="351" name="Done() less than Add() =&gt; deadlock"/>
           <p:cNvSpPr txBox="1"/>
           <p:nvPr/>
         </p:nvSpPr>
         <p:spPr>
           <a:xfrm>
-            <a:off x="5575931" y="4713420"/>
-            <a:ext cx="9213094" cy="711201"/>
+            <a:off x="5575930" y="4713420"/>
+            <a:ext cx="9213095" cy="711201"/>
           </a:xfrm>
           <a:prstGeom prst="rect">
             <a:avLst/>
@@ -30732,7 +25103,7 @@
       </p:sp>
       <p:sp>
         <p:nvSpPr>
-          <p:cNvPr id="403" name="Rounded Rectangle"/>
+          <p:cNvPr id="352" name="Rounded Rectangle"/>
           <p:cNvSpPr/>
           <p:nvPr/>
         </p:nvSpPr>
@@ -30776,14 +25147,14 @@
       </p:sp>
       <p:sp>
         <p:nvSpPr>
-          <p:cNvPr id="404" name="Calling Wait() without Add() =&gt; return immediately"/>
+          <p:cNvPr id="353" name="Calling Wait() without Add() =&gt; return immediately"/>
           <p:cNvSpPr txBox="1"/>
           <p:nvPr/>
         </p:nvSpPr>
         <p:spPr>
           <a:xfrm>
-            <a:off x="5575931" y="6502400"/>
-            <a:ext cx="13494879" cy="711201"/>
+            <a:off x="5575930" y="6502400"/>
+            <a:ext cx="13494880" cy="711201"/>
           </a:xfrm>
           <a:prstGeom prst="rect">
             <a:avLst/>
@@ -30832,7 +25203,7 @@
       </p:sp>
       <p:sp>
         <p:nvSpPr>
-          <p:cNvPr id="405" name="Rounded Rectangle"/>
+          <p:cNvPr id="354" name="Rounded Rectangle"/>
           <p:cNvSpPr/>
           <p:nvPr/>
         </p:nvSpPr>
@@ -30876,14 +25247,14 @@
       </p:sp>
       <p:sp>
         <p:nvSpPr>
-          <p:cNvPr id="406" name="Prefer Add(n) vs Add(1) multiple times"/>
+          <p:cNvPr id="355" name="Prefer Add(n) vs Add(1) multiple times"/>
           <p:cNvSpPr txBox="1"/>
           <p:nvPr/>
         </p:nvSpPr>
         <p:spPr>
           <a:xfrm>
-            <a:off x="5575931" y="8291380"/>
-            <a:ext cx="10283540" cy="711201"/>
+            <a:off x="5575930" y="8291380"/>
+            <a:ext cx="10283541" cy="711201"/>
           </a:xfrm>
           <a:prstGeom prst="rect">
             <a:avLst/>
@@ -30928,7 +25299,7 @@
       </p:sp>
       <p:sp>
         <p:nvSpPr>
-          <p:cNvPr id="407" name="Rounded Rectangle"/>
+          <p:cNvPr id="356" name="Rounded Rectangle"/>
           <p:cNvSpPr/>
           <p:nvPr/>
         </p:nvSpPr>
@@ -30972,14 +25343,14 @@
       </p:sp>
       <p:sp>
         <p:nvSpPr>
-          <p:cNvPr id="408" name="WaitGroup MUST be passed by reference"/>
+          <p:cNvPr id="357" name="WaitGroup MUST be passed by reference"/>
           <p:cNvSpPr txBox="1"/>
           <p:nvPr/>
         </p:nvSpPr>
         <p:spPr>
           <a:xfrm>
-            <a:off x="5575931" y="10080361"/>
-            <a:ext cx="10015929" cy="711201"/>
+            <a:off x="5575930" y="10080361"/>
+            <a:ext cx="10015930" cy="711201"/>
           </a:xfrm>
           <a:prstGeom prst="rect">
             <a:avLst/>
@@ -31018,7 +25389,7 @@
       </p:sp>
       <p:sp>
         <p:nvSpPr>
-          <p:cNvPr id="409" name="Rounded Rectangle"/>
+          <p:cNvPr id="358" name="Rounded Rectangle"/>
           <p:cNvSpPr/>
           <p:nvPr/>
         </p:nvSpPr>
@@ -31062,14 +25433,14 @@
       </p:sp>
       <p:sp>
         <p:nvSpPr>
-          <p:cNvPr id="410" name="Reusing WaitGroup before previous Wait() returns =&gt; panic"/>
+          <p:cNvPr id="359" name="Reusing WaitGroup before previous Wait() returns =&gt; panic"/>
           <p:cNvSpPr txBox="1"/>
           <p:nvPr/>
         </p:nvSpPr>
         <p:spPr>
           <a:xfrm>
-            <a:off x="5575931" y="11869340"/>
-            <a:ext cx="15368160" cy="711201"/>
+            <a:off x="5575930" y="11869340"/>
+            <a:ext cx="15368161" cy="711201"/>
           </a:xfrm>
           <a:prstGeom prst="rect">
             <a:avLst/>
@@ -31115,7 +25486,7 @@
       </p:sp>
       <p:pic>
         <p:nvPicPr>
-          <p:cNvPr id="411" name="amonestation (2).png" descr="amonestation (2).png"/>
+          <p:cNvPr id="360" name="amonestation (2).png" descr="amonestation (2).png"/>
           <p:cNvPicPr>
             <a:picLocks noChangeAspect="1"/>
           </p:cNvPicPr>
@@ -31144,7 +25515,7 @@
       </p:pic>
       <p:pic>
         <p:nvPicPr>
-          <p:cNvPr id="412" name="amonestation (2).png" descr="amonestation (2).png"/>
+          <p:cNvPr id="361" name="amonestation (2).png" descr="amonestation (2).png"/>
           <p:cNvPicPr>
             <a:picLocks noChangeAspect="1"/>
           </p:cNvPicPr>
@@ -31173,7 +25544,7 @@
       </p:pic>
       <p:pic>
         <p:nvPicPr>
-          <p:cNvPr id="413" name="amonestation (2).png" descr="amonestation (2).png"/>
+          <p:cNvPr id="362" name="amonestation (2).png" descr="amonestation (2).png"/>
           <p:cNvPicPr>
             <a:picLocks noChangeAspect="1"/>
           </p:cNvPicPr>
@@ -31202,7 +25573,7 @@
       </p:pic>
       <p:pic>
         <p:nvPicPr>
-          <p:cNvPr id="414" name="amonestation (2).png" descr="amonestation (2).png"/>
+          <p:cNvPr id="363" name="amonestation (2).png" descr="amonestation (2).png"/>
           <p:cNvPicPr>
             <a:picLocks noChangeAspect="1"/>
           </p:cNvPicPr>
@@ -31231,7 +25602,7 @@
       </p:pic>
       <p:pic>
         <p:nvPicPr>
-          <p:cNvPr id="415" name="amonestation (2).png" descr="amonestation (2).png"/>
+          <p:cNvPr id="364" name="amonestation (2).png" descr="amonestation (2).png"/>
           <p:cNvPicPr>
             <a:picLocks noChangeAspect="1"/>
           </p:cNvPicPr>
@@ -31260,7 +25631,7 @@
       </p:pic>
       <p:pic>
         <p:nvPicPr>
-          <p:cNvPr id="416" name="amonestation (2).png" descr="amonestation (2).png"/>
+          <p:cNvPr id="365" name="amonestation (2).png" descr="amonestation (2).png"/>
           <p:cNvPicPr>
             <a:picLocks noChangeAspect="1"/>
           </p:cNvPicPr>
@@ -31289,7 +25660,7 @@
       </p:pic>
       <p:pic>
         <p:nvPicPr>
-          <p:cNvPr id="417" name="amonestation (2).png" descr="amonestation (2).png"/>
+          <p:cNvPr id="366" name="amonestation (2).png" descr="amonestation (2).png"/>
           <p:cNvPicPr>
             <a:picLocks noChangeAspect="1"/>
           </p:cNvPicPr>
@@ -31369,7 +25740,7 @@
                                       <p:cBhvr>
                                         <p:cTn id="6" fill="hold"/>
                                         <p:tgtEl>
-                                          <p:spTgt spid="397"/>
+                                          <p:spTgt spid="346"/>
                                         </p:tgtEl>
                                         <p:attrNameLst>
                                           <p:attrName>style.visibility</p:attrName>
@@ -31383,7 +25754,7 @@
                                       <p:cBhvr>
                                         <p:cTn id="7" dur="700"/>
                                         <p:tgtEl>
-                                          <p:spTgt spid="397"/>
+                                          <p:spTgt spid="346"/>
                                         </p:tgtEl>
                                       </p:cBhvr>
                                     </p:animEffect>
@@ -31412,7 +25783,7 @@
                                       <p:cBhvr>
                                         <p:cTn id="10" fill="hold"/>
                                         <p:tgtEl>
-                                          <p:spTgt spid="398"/>
+                                          <p:spTgt spid="347"/>
                                         </p:tgtEl>
                                         <p:attrNameLst>
                                           <p:attrName>style.visibility</p:attrName>
@@ -31426,7 +25797,7 @@
                                       <p:cBhvr>
                                         <p:cTn id="11" dur="900" fill="hold"/>
                                         <p:tgtEl>
-                                          <p:spTgt spid="398"/>
+                                          <p:spTgt spid="347"/>
                                         </p:tgtEl>
                                         <p:attrNameLst>
                                           <p:attrName>ppt_w</p:attrName>
@@ -31449,7 +25820,7 @@
                                       <p:cBhvr>
                                         <p:cTn id="12" dur="900" fill="hold"/>
                                         <p:tgtEl>
-                                          <p:spTgt spid="398"/>
+                                          <p:spTgt spid="347"/>
                                         </p:tgtEl>
                                         <p:attrNameLst>
                                           <p:attrName>ppt_h</p:attrName>
@@ -31493,7 +25864,7 @@
                                       <p:cBhvr>
                                         <p:cTn id="15" fill="hold"/>
                                         <p:tgtEl>
-                                          <p:spTgt spid="411"/>
+                                          <p:spTgt spid="360"/>
                                         </p:tgtEl>
                                         <p:attrNameLst>
                                           <p:attrName>style.visibility</p:attrName>
@@ -31507,7 +25878,7 @@
                                       <p:cBhvr>
                                         <p:cTn id="16" dur="600" fill="hold"/>
                                         <p:tgtEl>
-                                          <p:spTgt spid="411"/>
+                                          <p:spTgt spid="360"/>
                                         </p:tgtEl>
                                         <p:attrNameLst>
                                           <p:attrName>ppt_w</p:attrName>
@@ -31530,7 +25901,7 @@
                                       <p:cBhvr>
                                         <p:cTn id="17" dur="600" fill="hold"/>
                                         <p:tgtEl>
-                                          <p:spTgt spid="411"/>
+                                          <p:spTgt spid="360"/>
                                         </p:tgtEl>
                                         <p:attrNameLst>
                                           <p:attrName>ppt_h</p:attrName>
@@ -31583,7 +25954,7 @@
                                       <p:cBhvr>
                                         <p:cTn id="21" fill="hold"/>
                                         <p:tgtEl>
-                                          <p:spTgt spid="399"/>
+                                          <p:spTgt spid="348"/>
                                         </p:tgtEl>
                                         <p:attrNameLst>
                                           <p:attrName>style.visibility</p:attrName>
@@ -31597,7 +25968,7 @@
                                       <p:cBhvr>
                                         <p:cTn id="22" dur="700"/>
                                         <p:tgtEl>
-                                          <p:spTgt spid="399"/>
+                                          <p:spTgt spid="348"/>
                                         </p:tgtEl>
                                       </p:cBhvr>
                                     </p:animEffect>
@@ -31626,7 +25997,7 @@
                                       <p:cBhvr>
                                         <p:cTn id="25" fill="hold"/>
                                         <p:tgtEl>
-                                          <p:spTgt spid="400"/>
+                                          <p:spTgt spid="349"/>
                                         </p:tgtEl>
                                         <p:attrNameLst>
                                           <p:attrName>style.visibility</p:attrName>
@@ -31640,7 +26011,7 @@
                                       <p:cBhvr>
                                         <p:cTn id="26" dur="900" fill="hold"/>
                                         <p:tgtEl>
-                                          <p:spTgt spid="400"/>
+                                          <p:spTgt spid="349"/>
                                         </p:tgtEl>
                                         <p:attrNameLst>
                                           <p:attrName>ppt_w</p:attrName>
@@ -31663,7 +26034,7 @@
                                       <p:cBhvr>
                                         <p:cTn id="27" dur="900" fill="hold"/>
                                         <p:tgtEl>
-                                          <p:spTgt spid="400"/>
+                                          <p:spTgt spid="349"/>
                                         </p:tgtEl>
                                         <p:attrNameLst>
                                           <p:attrName>ppt_h</p:attrName>
@@ -31707,7 +26078,7 @@
                                       <p:cBhvr>
                                         <p:cTn id="30" fill="hold"/>
                                         <p:tgtEl>
-                                          <p:spTgt spid="412"/>
+                                          <p:spTgt spid="361"/>
                                         </p:tgtEl>
                                         <p:attrNameLst>
                                           <p:attrName>style.visibility</p:attrName>
@@ -31721,7 +26092,7 @@
                                       <p:cBhvr>
                                         <p:cTn id="31" dur="600" fill="hold"/>
                                         <p:tgtEl>
-                                          <p:spTgt spid="412"/>
+                                          <p:spTgt spid="361"/>
                                         </p:tgtEl>
                                         <p:attrNameLst>
                                           <p:attrName>ppt_w</p:attrName>
@@ -31744,7 +26115,7 @@
                                       <p:cBhvr>
                                         <p:cTn id="32" dur="600" fill="hold"/>
                                         <p:tgtEl>
-                                          <p:spTgt spid="412"/>
+                                          <p:spTgt spid="361"/>
                                         </p:tgtEl>
                                         <p:attrNameLst>
                                           <p:attrName>ppt_h</p:attrName>
@@ -31797,7 +26168,7 @@
                                       <p:cBhvr>
                                         <p:cTn id="36" fill="hold"/>
                                         <p:tgtEl>
-                                          <p:spTgt spid="401"/>
+                                          <p:spTgt spid="350"/>
                                         </p:tgtEl>
                                         <p:attrNameLst>
                                           <p:attrName>style.visibility</p:attrName>
@@ -31811,7 +26182,7 @@
                                       <p:cBhvr>
                                         <p:cTn id="37" dur="700"/>
                                         <p:tgtEl>
-                                          <p:spTgt spid="401"/>
+                                          <p:spTgt spid="350"/>
                                         </p:tgtEl>
                                       </p:cBhvr>
                                     </p:animEffect>
@@ -31840,7 +26211,7 @@
                                       <p:cBhvr>
                                         <p:cTn id="40" fill="hold"/>
                                         <p:tgtEl>
-                                          <p:spTgt spid="402"/>
+                                          <p:spTgt spid="351"/>
                                         </p:tgtEl>
                                         <p:attrNameLst>
                                           <p:attrName>style.visibility</p:attrName>
@@ -31854,7 +26225,7 @@
                                       <p:cBhvr>
                                         <p:cTn id="41" dur="900" fill="hold"/>
                                         <p:tgtEl>
-                                          <p:spTgt spid="402"/>
+                                          <p:spTgt spid="351"/>
                                         </p:tgtEl>
                                         <p:attrNameLst>
                                           <p:attrName>ppt_w</p:attrName>
@@ -31877,7 +26248,7 @@
                                       <p:cBhvr>
                                         <p:cTn id="42" dur="900" fill="hold"/>
                                         <p:tgtEl>
-                                          <p:spTgt spid="402"/>
+                                          <p:spTgt spid="351"/>
                                         </p:tgtEl>
                                         <p:attrNameLst>
                                           <p:attrName>ppt_h</p:attrName>
@@ -31921,7 +26292,7 @@
                                       <p:cBhvr>
                                         <p:cTn id="45" fill="hold"/>
                                         <p:tgtEl>
-                                          <p:spTgt spid="413"/>
+                                          <p:spTgt spid="362"/>
                                         </p:tgtEl>
                                         <p:attrNameLst>
                                           <p:attrName>style.visibility</p:attrName>
@@ -31935,7 +26306,7 @@
                                       <p:cBhvr>
                                         <p:cTn id="46" dur="600" fill="hold"/>
                                         <p:tgtEl>
-                                          <p:spTgt spid="413"/>
+                                          <p:spTgt spid="362"/>
                                         </p:tgtEl>
                                         <p:attrNameLst>
                                           <p:attrName>ppt_w</p:attrName>
@@ -31958,7 +26329,7 @@
                                       <p:cBhvr>
                                         <p:cTn id="47" dur="600" fill="hold"/>
                                         <p:tgtEl>
-                                          <p:spTgt spid="413"/>
+                                          <p:spTgt spid="362"/>
                                         </p:tgtEl>
                                         <p:attrNameLst>
                                           <p:attrName>ppt_h</p:attrName>
@@ -32011,7 +26382,7 @@
                                       <p:cBhvr>
                                         <p:cTn id="51" fill="hold"/>
                                         <p:tgtEl>
-                                          <p:spTgt spid="403"/>
+                                          <p:spTgt spid="352"/>
                                         </p:tgtEl>
                                         <p:attrNameLst>
                                           <p:attrName>style.visibility</p:attrName>
@@ -32025,7 +26396,7 @@
                                       <p:cBhvr>
                                         <p:cTn id="52" dur="700"/>
                                         <p:tgtEl>
-                                          <p:spTgt spid="403"/>
+                                          <p:spTgt spid="352"/>
                                         </p:tgtEl>
                                       </p:cBhvr>
                                     </p:animEffect>
@@ -32054,7 +26425,7 @@
                                       <p:cBhvr>
                                         <p:cTn id="55" fill="hold"/>
                                         <p:tgtEl>
-                                          <p:spTgt spid="404"/>
+                                          <p:spTgt spid="353"/>
                                         </p:tgtEl>
                                         <p:attrNameLst>
                                           <p:attrName>style.visibility</p:attrName>
@@ -32068,7 +26439,7 @@
                                       <p:cBhvr>
                                         <p:cTn id="56" dur="900" fill="hold"/>
                                         <p:tgtEl>
-                                          <p:spTgt spid="404"/>
+                                          <p:spTgt spid="353"/>
                                         </p:tgtEl>
                                         <p:attrNameLst>
                                           <p:attrName>ppt_w</p:attrName>
@@ -32091,7 +26462,7 @@
                                       <p:cBhvr>
                                         <p:cTn id="57" dur="900" fill="hold"/>
                                         <p:tgtEl>
-                                          <p:spTgt spid="404"/>
+                                          <p:spTgt spid="353"/>
                                         </p:tgtEl>
                                         <p:attrNameLst>
                                           <p:attrName>ppt_h</p:attrName>
@@ -32135,7 +26506,7 @@
                                       <p:cBhvr>
                                         <p:cTn id="60" fill="hold"/>
                                         <p:tgtEl>
-                                          <p:spTgt spid="414"/>
+                                          <p:spTgt spid="363"/>
                                         </p:tgtEl>
                                         <p:attrNameLst>
                                           <p:attrName>style.visibility</p:attrName>
@@ -32149,7 +26520,7 @@
                                       <p:cBhvr>
                                         <p:cTn id="61" dur="600" fill="hold"/>
                                         <p:tgtEl>
-                                          <p:spTgt spid="414"/>
+                                          <p:spTgt spid="363"/>
                                         </p:tgtEl>
                                         <p:attrNameLst>
                                           <p:attrName>ppt_w</p:attrName>
@@ -32172,7 +26543,7 @@
                                       <p:cBhvr>
                                         <p:cTn id="62" dur="600" fill="hold"/>
                                         <p:tgtEl>
-                                          <p:spTgt spid="414"/>
+                                          <p:spTgt spid="363"/>
                                         </p:tgtEl>
                                         <p:attrNameLst>
                                           <p:attrName>ppt_h</p:attrName>
@@ -32225,7 +26596,7 @@
                                       <p:cBhvr>
                                         <p:cTn id="66" fill="hold"/>
                                         <p:tgtEl>
-                                          <p:spTgt spid="405"/>
+                                          <p:spTgt spid="354"/>
                                         </p:tgtEl>
                                         <p:attrNameLst>
                                           <p:attrName>style.visibility</p:attrName>
@@ -32239,7 +26610,7 @@
                                       <p:cBhvr>
                                         <p:cTn id="67" dur="700"/>
                                         <p:tgtEl>
-                                          <p:spTgt spid="405"/>
+                                          <p:spTgt spid="354"/>
                                         </p:tgtEl>
                                       </p:cBhvr>
                                     </p:animEffect>
@@ -32268,7 +26639,7 @@
                                       <p:cBhvr>
                                         <p:cTn id="70" fill="hold"/>
                                         <p:tgtEl>
-                                          <p:spTgt spid="406"/>
+                                          <p:spTgt spid="355"/>
                                         </p:tgtEl>
                                         <p:attrNameLst>
                                           <p:attrName>style.visibility</p:attrName>
@@ -32282,7 +26653,7 @@
                                       <p:cBhvr>
                                         <p:cTn id="71" dur="900" fill="hold"/>
                                         <p:tgtEl>
-                                          <p:spTgt spid="406"/>
+                                          <p:spTgt spid="355"/>
                                         </p:tgtEl>
                                         <p:attrNameLst>
                                           <p:attrName>ppt_w</p:attrName>
@@ -32305,7 +26676,7 @@
                                       <p:cBhvr>
                                         <p:cTn id="72" dur="900" fill="hold"/>
                                         <p:tgtEl>
-                                          <p:spTgt spid="406"/>
+                                          <p:spTgt spid="355"/>
                                         </p:tgtEl>
                                         <p:attrNameLst>
                                           <p:attrName>ppt_h</p:attrName>
@@ -32349,7 +26720,7 @@
                                       <p:cBhvr>
                                         <p:cTn id="75" fill="hold"/>
                                         <p:tgtEl>
-                                          <p:spTgt spid="415"/>
+                                          <p:spTgt spid="364"/>
                                         </p:tgtEl>
                                         <p:attrNameLst>
                                           <p:attrName>style.visibility</p:attrName>
@@ -32363,7 +26734,7 @@
                                       <p:cBhvr>
                                         <p:cTn id="76" dur="600" fill="hold"/>
                                         <p:tgtEl>
-                                          <p:spTgt spid="415"/>
+                                          <p:spTgt spid="364"/>
                                         </p:tgtEl>
                                         <p:attrNameLst>
                                           <p:attrName>ppt_w</p:attrName>
@@ -32386,7 +26757,7 @@
                                       <p:cBhvr>
                                         <p:cTn id="77" dur="600" fill="hold"/>
                                         <p:tgtEl>
-                                          <p:spTgt spid="415"/>
+                                          <p:spTgt spid="364"/>
                                         </p:tgtEl>
                                         <p:attrNameLst>
                                           <p:attrName>ppt_h</p:attrName>
@@ -32439,7 +26810,7 @@
                                       <p:cBhvr>
                                         <p:cTn id="81" fill="hold"/>
                                         <p:tgtEl>
-                                          <p:spTgt spid="407"/>
+                                          <p:spTgt spid="356"/>
                                         </p:tgtEl>
                                         <p:attrNameLst>
                                           <p:attrName>style.visibility</p:attrName>
@@ -32453,7 +26824,7 @@
                                       <p:cBhvr>
                                         <p:cTn id="82" dur="700"/>
                                         <p:tgtEl>
-                                          <p:spTgt spid="407"/>
+                                          <p:spTgt spid="356"/>
                                         </p:tgtEl>
                                       </p:cBhvr>
                                     </p:animEffect>
@@ -32482,7 +26853,7 @@
                                       <p:cBhvr>
                                         <p:cTn id="85" fill="hold"/>
                                         <p:tgtEl>
-                                          <p:spTgt spid="408"/>
+                                          <p:spTgt spid="357"/>
                                         </p:tgtEl>
                                         <p:attrNameLst>
                                           <p:attrName>style.visibility</p:attrName>
@@ -32496,7 +26867,7 @@
                                       <p:cBhvr>
                                         <p:cTn id="86" dur="900" fill="hold"/>
                                         <p:tgtEl>
-                                          <p:spTgt spid="408"/>
+                                          <p:spTgt spid="357"/>
                                         </p:tgtEl>
                                         <p:attrNameLst>
                                           <p:attrName>ppt_w</p:attrName>
@@ -32519,7 +26890,7 @@
                                       <p:cBhvr>
                                         <p:cTn id="87" dur="900" fill="hold"/>
                                         <p:tgtEl>
-                                          <p:spTgt spid="408"/>
+                                          <p:spTgt spid="357"/>
                                         </p:tgtEl>
                                         <p:attrNameLst>
                                           <p:attrName>ppt_h</p:attrName>
@@ -32563,7 +26934,7 @@
                                       <p:cBhvr>
                                         <p:cTn id="90" fill="hold"/>
                                         <p:tgtEl>
-                                          <p:spTgt spid="416"/>
+                                          <p:spTgt spid="365"/>
                                         </p:tgtEl>
                                         <p:attrNameLst>
                                           <p:attrName>style.visibility</p:attrName>
@@ -32577,7 +26948,7 @@
                                       <p:cBhvr>
                                         <p:cTn id="91" dur="600" fill="hold"/>
                                         <p:tgtEl>
-                                          <p:spTgt spid="416"/>
+                                          <p:spTgt spid="365"/>
                                         </p:tgtEl>
                                         <p:attrNameLst>
                                           <p:attrName>ppt_w</p:attrName>
@@ -32600,7 +26971,7 @@
                                       <p:cBhvr>
                                         <p:cTn id="92" dur="600" fill="hold"/>
                                         <p:tgtEl>
-                                          <p:spTgt spid="416"/>
+                                          <p:spTgt spid="365"/>
                                         </p:tgtEl>
                                         <p:attrNameLst>
                                           <p:attrName>ppt_h</p:attrName>
@@ -32653,7 +27024,7 @@
                                       <p:cBhvr>
                                         <p:cTn id="96" fill="hold"/>
                                         <p:tgtEl>
-                                          <p:spTgt spid="409"/>
+                                          <p:spTgt spid="358"/>
                                         </p:tgtEl>
                                         <p:attrNameLst>
                                           <p:attrName>style.visibility</p:attrName>
@@ -32667,7 +27038,7 @@
                                       <p:cBhvr>
                                         <p:cTn id="97" dur="700"/>
                                         <p:tgtEl>
-                                          <p:spTgt spid="409"/>
+                                          <p:spTgt spid="358"/>
                                         </p:tgtEl>
                                       </p:cBhvr>
                                     </p:animEffect>
@@ -32696,7 +27067,7 @@
                                       <p:cBhvr>
                                         <p:cTn id="100" fill="hold"/>
                                         <p:tgtEl>
-                                          <p:spTgt spid="410"/>
+                                          <p:spTgt spid="359"/>
                                         </p:tgtEl>
                                         <p:attrNameLst>
                                           <p:attrName>style.visibility</p:attrName>
@@ -32710,7 +27081,7 @@
                                       <p:cBhvr>
                                         <p:cTn id="101" dur="900" fill="hold"/>
                                         <p:tgtEl>
-                                          <p:spTgt spid="410"/>
+                                          <p:spTgt spid="359"/>
                                         </p:tgtEl>
                                         <p:attrNameLst>
                                           <p:attrName>ppt_w</p:attrName>
@@ -32733,7 +27104,7 @@
                                       <p:cBhvr>
                                         <p:cTn id="102" dur="900" fill="hold"/>
                                         <p:tgtEl>
-                                          <p:spTgt spid="410"/>
+                                          <p:spTgt spid="359"/>
                                         </p:tgtEl>
                                         <p:attrNameLst>
                                           <p:attrName>ppt_h</p:attrName>
@@ -32777,7 +27148,7 @@
                                       <p:cBhvr>
                                         <p:cTn id="105" fill="hold"/>
                                         <p:tgtEl>
-                                          <p:spTgt spid="417"/>
+                                          <p:spTgt spid="366"/>
                                         </p:tgtEl>
                                         <p:attrNameLst>
                                           <p:attrName>style.visibility</p:attrName>
@@ -32791,7 +27162,7 @@
                                       <p:cBhvr>
                                         <p:cTn id="106" dur="600" fill="hold"/>
                                         <p:tgtEl>
-                                          <p:spTgt spid="417"/>
+                                          <p:spTgt spid="366"/>
                                         </p:tgtEl>
                                         <p:attrNameLst>
                                           <p:attrName>ppt_w</p:attrName>
@@ -32814,7 +27185,7 @@
                                       <p:cBhvr>
                                         <p:cTn id="107" dur="600" fill="hold"/>
                                         <p:tgtEl>
-                                          <p:spTgt spid="417"/>
+                                          <p:spTgt spid="366"/>
                                         </p:tgtEl>
                                         <p:attrNameLst>
                                           <p:attrName>ppt_h</p:attrName>
@@ -32864,27 +27235,27 @@
       </p:par>
     </p:tnLst>
     <p:bldLst>
-      <p:bldP build="whole" bldLvl="1" animBg="1" rev="0" advAuto="0" spid="401" grpId="7"/>
-      <p:bldP build="whole" bldLvl="1" animBg="1" rev="0" advAuto="0" spid="411" grpId="3"/>
-      <p:bldP build="whole" bldLvl="1" animBg="1" rev="0" advAuto="0" spid="412" grpId="6"/>
-      <p:bldP build="whole" bldLvl="1" animBg="1" rev="0" advAuto="0" spid="413" grpId="9"/>
-      <p:bldP build="whole" bldLvl="1" animBg="1" rev="0" advAuto="0" spid="407" grpId="16"/>
-      <p:bldP build="whole" bldLvl="1" animBg="1" rev="0" advAuto="0" spid="397" grpId="1"/>
-      <p:bldP build="whole" bldLvl="1" animBg="1" rev="0" advAuto="0" spid="404" grpId="11"/>
-      <p:bldP build="whole" bldLvl="1" animBg="1" rev="0" advAuto="0" spid="398" grpId="2"/>
-      <p:bldP build="whole" bldLvl="1" animBg="1" rev="0" advAuto="0" spid="409" grpId="19"/>
-      <p:bldP build="whole" bldLvl="1" animBg="1" rev="0" advAuto="0" spid="402" grpId="8"/>
-      <p:bldP build="whole" bldLvl="1" animBg="1" rev="0" advAuto="0" spid="405" grpId="13"/>
-      <p:bldP build="whole" bldLvl="1" animBg="1" rev="0" advAuto="0" spid="410" grpId="20"/>
-      <p:bldP build="whole" bldLvl="1" animBg="1" rev="0" advAuto="0" spid="406" grpId="14"/>
-      <p:bldP build="whole" bldLvl="1" animBg="1" rev="0" advAuto="0" spid="403" grpId="10"/>
-      <p:bldP build="whole" bldLvl="1" animBg="1" rev="0" advAuto="0" spid="416" grpId="18"/>
-      <p:bldP build="whole" bldLvl="1" animBg="1" rev="0" advAuto="0" spid="414" grpId="12"/>
-      <p:bldP build="whole" bldLvl="1" animBg="1" rev="0" advAuto="0" spid="400" grpId="5"/>
-      <p:bldP build="whole" bldLvl="1" animBg="1" rev="0" advAuto="0" spid="408" grpId="17"/>
-      <p:bldP build="whole" bldLvl="1" animBg="1" rev="0" advAuto="0" spid="417" grpId="21"/>
-      <p:bldP build="whole" bldLvl="1" animBg="1" rev="0" advAuto="0" spid="399" grpId="4"/>
-      <p:bldP build="whole" bldLvl="1" animBg="1" rev="0" advAuto="0" spid="415" grpId="15"/>
+      <p:bldP build="whole" bldLvl="1" animBg="1" rev="0" advAuto="0" spid="365" grpId="18"/>
+      <p:bldP build="whole" bldLvl="1" animBg="1" rev="0" advAuto="0" spid="354" grpId="13"/>
+      <p:bldP build="whole" bldLvl="1" animBg="1" rev="0" advAuto="0" spid="359" grpId="20"/>
+      <p:bldP build="whole" bldLvl="1" animBg="1" rev="0" advAuto="0" spid="350" grpId="7"/>
+      <p:bldP build="whole" bldLvl="1" animBg="1" rev="0" advAuto="0" spid="366" grpId="21"/>
+      <p:bldP build="whole" bldLvl="1" animBg="1" rev="0" advAuto="0" spid="364" grpId="15"/>
+      <p:bldP build="whole" bldLvl="1" animBg="1" rev="0" advAuto="0" spid="349" grpId="5"/>
+      <p:bldP build="whole" bldLvl="1" animBg="1" rev="0" advAuto="0" spid="356" grpId="16"/>
+      <p:bldP build="whole" bldLvl="1" animBg="1" rev="0" advAuto="0" spid="353" grpId="11"/>
+      <p:bldP build="whole" bldLvl="1" animBg="1" rev="0" advAuto="0" spid="361" grpId="6"/>
+      <p:bldP build="whole" bldLvl="1" animBg="1" rev="0" advAuto="0" spid="357" grpId="17"/>
+      <p:bldP build="whole" bldLvl="1" animBg="1" rev="0" advAuto="0" spid="358" grpId="19"/>
+      <p:bldP build="whole" bldLvl="1" animBg="1" rev="0" advAuto="0" spid="352" grpId="10"/>
+      <p:bldP build="whole" bldLvl="1" animBg="1" rev="0" advAuto="0" spid="347" grpId="2"/>
+      <p:bldP build="whole" bldLvl="1" animBg="1" rev="0" advAuto="0" spid="348" grpId="4"/>
+      <p:bldP build="whole" bldLvl="1" animBg="1" rev="0" advAuto="0" spid="355" grpId="14"/>
+      <p:bldP build="whole" bldLvl="1" animBg="1" rev="0" advAuto="0" spid="362" grpId="9"/>
+      <p:bldP build="whole" bldLvl="1" animBg="1" rev="0" advAuto="0" spid="360" grpId="3"/>
+      <p:bldP build="whole" bldLvl="1" animBg="1" rev="0" advAuto="0" spid="346" grpId="1"/>
+      <p:bldP build="whole" bldLvl="1" animBg="1" rev="0" advAuto="0" spid="363" grpId="12"/>
+      <p:bldP build="whole" bldLvl="1" animBg="1" rev="0" advAuto="0" spid="351" grpId="8"/>
     </p:bldLst>
   </p:timing>
 </p:sld>
